--- a/Presentations/Course_Syllabus.pptx
+++ b/Presentations/Course_Syllabus.pptx
@@ -4,6 +4,9 @@
   <p:sldMasterIdLst>
     <p:sldMasterId id="2147483702" r:id="rId1"/>
   </p:sldMasterIdLst>
+  <p:handoutMasterIdLst>
+    <p:handoutMasterId r:id="rId20"/>
+  </p:handoutMasterIdLst>
   <p:sldIdLst>
     <p:sldId id="256" r:id="rId2"/>
     <p:sldId id="260" r:id="rId3"/>
@@ -14,10 +17,15 @@
     <p:sldId id="265" r:id="rId8"/>
     <p:sldId id="266" r:id="rId9"/>
     <p:sldId id="267" r:id="rId10"/>
-    <p:sldId id="259" r:id="rId11"/>
-    <p:sldId id="268" r:id="rId12"/>
-    <p:sldId id="257" r:id="rId13"/>
-    <p:sldId id="258" r:id="rId14"/>
+    <p:sldId id="269" r:id="rId11"/>
+    <p:sldId id="270" r:id="rId12"/>
+    <p:sldId id="259" r:id="rId13"/>
+    <p:sldId id="268" r:id="rId14"/>
+    <p:sldId id="271" r:id="rId15"/>
+    <p:sldId id="272" r:id="rId16"/>
+    <p:sldId id="257" r:id="rId17"/>
+    <p:sldId id="273" r:id="rId18"/>
+    <p:sldId id="258" r:id="rId19"/>
   </p:sldIdLst>
   <p:sldSz cx="12192000" cy="6858000"/>
   <p:notesSz cx="6858000" cy="9144000"/>
@@ -1045,6 +1053,788 @@
 </dgm:colorsDef>
 </file>
 
+<file path=ppt/diagrams/colors10.xml><?xml version="1.0" encoding="utf-8"?>
+<dgm:colorsDef xmlns:dgm="http://schemas.openxmlformats.org/drawingml/2006/diagram" xmlns:a="http://schemas.openxmlformats.org/drawingml/2006/main" uniqueId="urn:microsoft.com/office/officeart/2005/8/colors/colorful2">
+  <dgm:title val=""/>
+  <dgm:desc val=""/>
+  <dgm:catLst>
+    <dgm:cat type="colorful" pri="10200"/>
+  </dgm:catLst>
+  <dgm:styleLbl name="node0">
+    <dgm:fillClrLst meth="repeat">
+      <a:schemeClr val="accent1"/>
+    </dgm:fillClrLst>
+    <dgm:linClrLst meth="repeat">
+      <a:schemeClr val="lt1"/>
+    </dgm:linClrLst>
+    <dgm:effectClrLst/>
+    <dgm:txLinClrLst/>
+    <dgm:txFillClrLst/>
+    <dgm:txEffectClrLst/>
+  </dgm:styleLbl>
+  <dgm:styleLbl name="node1">
+    <dgm:fillClrLst>
+      <a:schemeClr val="accent2"/>
+      <a:schemeClr val="accent3"/>
+    </dgm:fillClrLst>
+    <dgm:linClrLst meth="repeat">
+      <a:schemeClr val="lt1"/>
+    </dgm:linClrLst>
+    <dgm:effectClrLst/>
+    <dgm:txLinClrLst/>
+    <dgm:txFillClrLst/>
+    <dgm:txEffectClrLst/>
+  </dgm:styleLbl>
+  <dgm:styleLbl name="alignNode1">
+    <dgm:fillClrLst>
+      <a:schemeClr val="accent2"/>
+      <a:schemeClr val="accent3"/>
+    </dgm:fillClrLst>
+    <dgm:linClrLst>
+      <a:schemeClr val="accent2"/>
+      <a:schemeClr val="accent3"/>
+    </dgm:linClrLst>
+    <dgm:effectClrLst/>
+    <dgm:txLinClrLst/>
+    <dgm:txFillClrLst/>
+    <dgm:txEffectClrLst/>
+  </dgm:styleLbl>
+  <dgm:styleLbl name="lnNode1">
+    <dgm:fillClrLst>
+      <a:schemeClr val="accent2"/>
+      <a:schemeClr val="accent3"/>
+    </dgm:fillClrLst>
+    <dgm:linClrLst meth="repeat">
+      <a:schemeClr val="lt1"/>
+    </dgm:linClrLst>
+    <dgm:effectClrLst/>
+    <dgm:txLinClrLst/>
+    <dgm:txFillClrLst/>
+    <dgm:txEffectClrLst/>
+  </dgm:styleLbl>
+  <dgm:styleLbl name="vennNode1">
+    <dgm:fillClrLst>
+      <a:schemeClr val="accent2">
+        <a:alpha val="50000"/>
+      </a:schemeClr>
+      <a:schemeClr val="accent3">
+        <a:alpha val="50000"/>
+      </a:schemeClr>
+    </dgm:fillClrLst>
+    <dgm:linClrLst meth="repeat">
+      <a:schemeClr val="lt1"/>
+    </dgm:linClrLst>
+    <dgm:effectClrLst/>
+    <dgm:txLinClrLst/>
+    <dgm:txFillClrLst/>
+    <dgm:txEffectClrLst/>
+  </dgm:styleLbl>
+  <dgm:styleLbl name="node2">
+    <dgm:fillClrLst>
+      <a:schemeClr val="accent3"/>
+    </dgm:fillClrLst>
+    <dgm:linClrLst meth="repeat">
+      <a:schemeClr val="lt1"/>
+    </dgm:linClrLst>
+    <dgm:effectClrLst/>
+    <dgm:txLinClrLst/>
+    <dgm:txFillClrLst/>
+    <dgm:txEffectClrLst/>
+  </dgm:styleLbl>
+  <dgm:styleLbl name="node3">
+    <dgm:fillClrLst>
+      <a:schemeClr val="accent4"/>
+    </dgm:fillClrLst>
+    <dgm:linClrLst meth="repeat">
+      <a:schemeClr val="lt1"/>
+    </dgm:linClrLst>
+    <dgm:effectClrLst/>
+    <dgm:txLinClrLst/>
+    <dgm:txFillClrLst/>
+    <dgm:txEffectClrLst/>
+  </dgm:styleLbl>
+  <dgm:styleLbl name="node4">
+    <dgm:fillClrLst>
+      <a:schemeClr val="accent5"/>
+    </dgm:fillClrLst>
+    <dgm:linClrLst meth="repeat">
+      <a:schemeClr val="lt1"/>
+    </dgm:linClrLst>
+    <dgm:effectClrLst/>
+    <dgm:txLinClrLst/>
+    <dgm:txFillClrLst/>
+    <dgm:txEffectClrLst/>
+  </dgm:styleLbl>
+  <dgm:styleLbl name="fgImgPlace1">
+    <dgm:fillClrLst>
+      <a:schemeClr val="accent2">
+        <a:tint val="50000"/>
+      </a:schemeClr>
+      <a:schemeClr val="accent3">
+        <a:tint val="50000"/>
+      </a:schemeClr>
+    </dgm:fillClrLst>
+    <dgm:linClrLst meth="repeat">
+      <a:schemeClr val="lt1"/>
+    </dgm:linClrLst>
+    <dgm:effectClrLst/>
+    <dgm:txLinClrLst/>
+    <dgm:txFillClrLst meth="repeat">
+      <a:schemeClr val="lt1"/>
+    </dgm:txFillClrLst>
+    <dgm:txEffectClrLst/>
+  </dgm:styleLbl>
+  <dgm:styleLbl name="alignImgPlace1">
+    <dgm:fillClrLst>
+      <a:schemeClr val="accent2">
+        <a:tint val="50000"/>
+      </a:schemeClr>
+      <a:schemeClr val="accent3">
+        <a:tint val="20000"/>
+      </a:schemeClr>
+    </dgm:fillClrLst>
+    <dgm:linClrLst meth="repeat">
+      <a:schemeClr val="lt1"/>
+    </dgm:linClrLst>
+    <dgm:effectClrLst/>
+    <dgm:txLinClrLst/>
+    <dgm:txFillClrLst meth="repeat">
+      <a:schemeClr val="lt1"/>
+    </dgm:txFillClrLst>
+    <dgm:txEffectClrLst/>
+  </dgm:styleLbl>
+  <dgm:styleLbl name="bgImgPlace1">
+    <dgm:fillClrLst>
+      <a:schemeClr val="accent2">
+        <a:tint val="50000"/>
+      </a:schemeClr>
+      <a:schemeClr val="accent3">
+        <a:tint val="20000"/>
+      </a:schemeClr>
+    </dgm:fillClrLst>
+    <dgm:linClrLst meth="repeat">
+      <a:schemeClr val="lt1"/>
+    </dgm:linClrLst>
+    <dgm:effectClrLst/>
+    <dgm:txLinClrLst/>
+    <dgm:txFillClrLst meth="repeat">
+      <a:schemeClr val="lt1"/>
+    </dgm:txFillClrLst>
+    <dgm:txEffectClrLst/>
+  </dgm:styleLbl>
+  <dgm:styleLbl name="sibTrans2D1">
+    <dgm:fillClrLst>
+      <a:schemeClr val="accent2"/>
+      <a:schemeClr val="accent3"/>
+    </dgm:fillClrLst>
+    <dgm:linClrLst meth="repeat">
+      <a:schemeClr val="lt1"/>
+    </dgm:linClrLst>
+    <dgm:effectClrLst/>
+    <dgm:txLinClrLst/>
+    <dgm:txFillClrLst/>
+    <dgm:txEffectClrLst/>
+  </dgm:styleLbl>
+  <dgm:styleLbl name="fgSibTrans2D1">
+    <dgm:fillClrLst>
+      <a:schemeClr val="accent2"/>
+      <a:schemeClr val="accent3"/>
+    </dgm:fillClrLst>
+    <dgm:linClrLst meth="repeat">
+      <a:schemeClr val="lt1"/>
+    </dgm:linClrLst>
+    <dgm:effectClrLst/>
+    <dgm:txLinClrLst/>
+    <dgm:txFillClrLst meth="repeat">
+      <a:schemeClr val="lt1"/>
+    </dgm:txFillClrLst>
+    <dgm:txEffectClrLst/>
+  </dgm:styleLbl>
+  <dgm:styleLbl name="bgSibTrans2D1">
+    <dgm:fillClrLst>
+      <a:schemeClr val="accent2"/>
+      <a:schemeClr val="accent3"/>
+    </dgm:fillClrLst>
+    <dgm:linClrLst meth="repeat">
+      <a:schemeClr val="lt1"/>
+    </dgm:linClrLst>
+    <dgm:effectClrLst/>
+    <dgm:txLinClrLst/>
+    <dgm:txFillClrLst meth="repeat">
+      <a:schemeClr val="lt1"/>
+    </dgm:txFillClrLst>
+    <dgm:txEffectClrLst/>
+  </dgm:styleLbl>
+  <dgm:styleLbl name="sibTrans1D1">
+    <dgm:fillClrLst/>
+    <dgm:linClrLst>
+      <a:schemeClr val="accent2"/>
+      <a:schemeClr val="accent3"/>
+    </dgm:linClrLst>
+    <dgm:effectClrLst/>
+    <dgm:txLinClrLst/>
+    <dgm:txFillClrLst meth="repeat">
+      <a:schemeClr val="tx1"/>
+    </dgm:txFillClrLst>
+    <dgm:txEffectClrLst/>
+  </dgm:styleLbl>
+  <dgm:styleLbl name="callout">
+    <dgm:fillClrLst meth="repeat">
+      <a:schemeClr val="accent2"/>
+    </dgm:fillClrLst>
+    <dgm:linClrLst meth="repeat">
+      <a:schemeClr val="accent2">
+        <a:tint val="50000"/>
+      </a:schemeClr>
+    </dgm:linClrLst>
+    <dgm:effectClrLst/>
+    <dgm:txLinClrLst/>
+    <dgm:txFillClrLst meth="repeat">
+      <a:schemeClr val="tx1"/>
+    </dgm:txFillClrLst>
+    <dgm:txEffectClrLst/>
+  </dgm:styleLbl>
+  <dgm:styleLbl name="asst0">
+    <dgm:fillClrLst meth="repeat">
+      <a:schemeClr val="accent2"/>
+    </dgm:fillClrLst>
+    <dgm:linClrLst meth="repeat">
+      <a:schemeClr val="lt1">
+        <a:shade val="80000"/>
+      </a:schemeClr>
+    </dgm:linClrLst>
+    <dgm:effectClrLst/>
+    <dgm:txLinClrLst/>
+    <dgm:txFillClrLst/>
+    <dgm:txEffectClrLst/>
+  </dgm:styleLbl>
+  <dgm:styleLbl name="asst1">
+    <dgm:fillClrLst meth="repeat">
+      <a:schemeClr val="accent3"/>
+    </dgm:fillClrLst>
+    <dgm:linClrLst meth="repeat">
+      <a:schemeClr val="lt1">
+        <a:shade val="80000"/>
+      </a:schemeClr>
+    </dgm:linClrLst>
+    <dgm:effectClrLst/>
+    <dgm:txLinClrLst/>
+    <dgm:txFillClrLst/>
+    <dgm:txEffectClrLst/>
+  </dgm:styleLbl>
+  <dgm:styleLbl name="asst2">
+    <dgm:fillClrLst>
+      <a:schemeClr val="accent4"/>
+    </dgm:fillClrLst>
+    <dgm:linClrLst meth="repeat">
+      <a:schemeClr val="lt1"/>
+    </dgm:linClrLst>
+    <dgm:effectClrLst/>
+    <dgm:txLinClrLst/>
+    <dgm:txFillClrLst/>
+    <dgm:txEffectClrLst/>
+  </dgm:styleLbl>
+  <dgm:styleLbl name="asst3">
+    <dgm:fillClrLst>
+      <a:schemeClr val="accent5"/>
+    </dgm:fillClrLst>
+    <dgm:linClrLst meth="repeat">
+      <a:schemeClr val="lt1"/>
+    </dgm:linClrLst>
+    <dgm:effectClrLst/>
+    <dgm:txLinClrLst/>
+    <dgm:txFillClrLst/>
+    <dgm:txEffectClrLst/>
+  </dgm:styleLbl>
+  <dgm:styleLbl name="asst4">
+    <dgm:fillClrLst>
+      <a:schemeClr val="accent6"/>
+    </dgm:fillClrLst>
+    <dgm:linClrLst meth="repeat">
+      <a:schemeClr val="lt1"/>
+    </dgm:linClrLst>
+    <dgm:effectClrLst/>
+    <dgm:txLinClrLst/>
+    <dgm:txFillClrLst/>
+    <dgm:txEffectClrLst/>
+  </dgm:styleLbl>
+  <dgm:styleLbl name="parChTrans2D1">
+    <dgm:fillClrLst meth="repeat">
+      <a:schemeClr val="accent2"/>
+    </dgm:fillClrLst>
+    <dgm:linClrLst meth="repeat">
+      <a:schemeClr val="lt1"/>
+    </dgm:linClrLst>
+    <dgm:effectClrLst/>
+    <dgm:txLinClrLst/>
+    <dgm:txFillClrLst meth="repeat">
+      <a:schemeClr val="lt1"/>
+    </dgm:txFillClrLst>
+    <dgm:txEffectClrLst/>
+  </dgm:styleLbl>
+  <dgm:styleLbl name="parChTrans2D2">
+    <dgm:fillClrLst meth="repeat">
+      <a:schemeClr val="accent3"/>
+    </dgm:fillClrLst>
+    <dgm:linClrLst meth="repeat">
+      <a:schemeClr val="lt1"/>
+    </dgm:linClrLst>
+    <dgm:effectClrLst/>
+    <dgm:txLinClrLst/>
+    <dgm:txFillClrLst/>
+    <dgm:txEffectClrLst/>
+  </dgm:styleLbl>
+  <dgm:styleLbl name="parChTrans2D3">
+    <dgm:fillClrLst meth="repeat">
+      <a:schemeClr val="accent4"/>
+    </dgm:fillClrLst>
+    <dgm:linClrLst meth="repeat">
+      <a:schemeClr val="lt1"/>
+    </dgm:linClrLst>
+    <dgm:effectClrLst/>
+    <dgm:txLinClrLst/>
+    <dgm:txFillClrLst/>
+    <dgm:txEffectClrLst/>
+  </dgm:styleLbl>
+  <dgm:styleLbl name="parChTrans2D4">
+    <dgm:fillClrLst meth="repeat">
+      <a:schemeClr val="accent5"/>
+    </dgm:fillClrLst>
+    <dgm:linClrLst meth="repeat">
+      <a:schemeClr val="lt1"/>
+    </dgm:linClrLst>
+    <dgm:effectClrLst/>
+    <dgm:txLinClrLst/>
+    <dgm:txFillClrLst meth="repeat">
+      <a:schemeClr val="lt1"/>
+    </dgm:txFillClrLst>
+    <dgm:txEffectClrLst/>
+  </dgm:styleLbl>
+  <dgm:styleLbl name="parChTrans1D1">
+    <dgm:fillClrLst meth="repeat">
+      <a:schemeClr val="accent2"/>
+    </dgm:fillClrLst>
+    <dgm:linClrLst meth="repeat">
+      <a:schemeClr val="accent2"/>
+    </dgm:linClrLst>
+    <dgm:effectClrLst/>
+    <dgm:txLinClrLst/>
+    <dgm:txFillClrLst meth="repeat">
+      <a:schemeClr val="tx1"/>
+    </dgm:txFillClrLst>
+    <dgm:txEffectClrLst/>
+  </dgm:styleLbl>
+  <dgm:styleLbl name="parChTrans1D2">
+    <dgm:fillClrLst meth="repeat">
+      <a:schemeClr val="accent2">
+        <a:tint val="90000"/>
+      </a:schemeClr>
+    </dgm:fillClrLst>
+    <dgm:linClrLst meth="repeat">
+      <a:schemeClr val="accent3"/>
+    </dgm:linClrLst>
+    <dgm:effectClrLst/>
+    <dgm:txLinClrLst/>
+    <dgm:txFillClrLst meth="repeat">
+      <a:schemeClr val="tx1"/>
+    </dgm:txFillClrLst>
+    <dgm:txEffectClrLst/>
+  </dgm:styleLbl>
+  <dgm:styleLbl name="parChTrans1D3">
+    <dgm:fillClrLst meth="repeat">
+      <a:schemeClr val="accent2">
+        <a:tint val="70000"/>
+      </a:schemeClr>
+    </dgm:fillClrLst>
+    <dgm:linClrLst meth="repeat">
+      <a:schemeClr val="accent4"/>
+    </dgm:linClrLst>
+    <dgm:effectClrLst/>
+    <dgm:txLinClrLst/>
+    <dgm:txFillClrLst meth="repeat">
+      <a:schemeClr val="tx1"/>
+    </dgm:txFillClrLst>
+    <dgm:txEffectClrLst/>
+  </dgm:styleLbl>
+  <dgm:styleLbl name="parChTrans1D4">
+    <dgm:fillClrLst meth="repeat">
+      <a:schemeClr val="accent2">
+        <a:tint val="50000"/>
+      </a:schemeClr>
+    </dgm:fillClrLst>
+    <dgm:linClrLst meth="repeat">
+      <a:schemeClr val="accent5"/>
+    </dgm:linClrLst>
+    <dgm:effectClrLst/>
+    <dgm:txLinClrLst/>
+    <dgm:txFillClrLst meth="repeat">
+      <a:schemeClr val="tx1"/>
+    </dgm:txFillClrLst>
+    <dgm:txEffectClrLst/>
+  </dgm:styleLbl>
+  <dgm:styleLbl name="fgAcc1">
+    <dgm:fillClrLst meth="repeat">
+      <a:schemeClr val="lt1">
+        <a:alpha val="90000"/>
+      </a:schemeClr>
+    </dgm:fillClrLst>
+    <dgm:linClrLst>
+      <a:schemeClr val="accent2"/>
+      <a:schemeClr val="accent3"/>
+    </dgm:linClrLst>
+    <dgm:effectClrLst/>
+    <dgm:txLinClrLst/>
+    <dgm:txFillClrLst meth="repeat">
+      <a:schemeClr val="dk1"/>
+    </dgm:txFillClrLst>
+    <dgm:txEffectClrLst/>
+  </dgm:styleLbl>
+  <dgm:styleLbl name="conFgAcc1">
+    <dgm:fillClrLst meth="repeat">
+      <a:schemeClr val="lt1">
+        <a:alpha val="90000"/>
+      </a:schemeClr>
+    </dgm:fillClrLst>
+    <dgm:linClrLst>
+      <a:schemeClr val="accent2"/>
+      <a:schemeClr val="accent3"/>
+    </dgm:linClrLst>
+    <dgm:effectClrLst/>
+    <dgm:txLinClrLst/>
+    <dgm:txFillClrLst meth="repeat">
+      <a:schemeClr val="dk1"/>
+    </dgm:txFillClrLst>
+    <dgm:txEffectClrLst/>
+  </dgm:styleLbl>
+  <dgm:styleLbl name="alignAcc1">
+    <dgm:fillClrLst meth="repeat">
+      <a:schemeClr val="lt1">
+        <a:alpha val="90000"/>
+      </a:schemeClr>
+    </dgm:fillClrLst>
+    <dgm:linClrLst>
+      <a:schemeClr val="accent2"/>
+      <a:schemeClr val="accent3"/>
+    </dgm:linClrLst>
+    <dgm:effectClrLst/>
+    <dgm:txLinClrLst/>
+    <dgm:txFillClrLst meth="repeat">
+      <a:schemeClr val="dk1"/>
+    </dgm:txFillClrLst>
+    <dgm:txEffectClrLst/>
+  </dgm:styleLbl>
+  <dgm:styleLbl name="trAlignAcc1">
+    <dgm:fillClrLst meth="repeat">
+      <a:schemeClr val="lt1">
+        <a:alpha val="40000"/>
+      </a:schemeClr>
+    </dgm:fillClrLst>
+    <dgm:linClrLst meth="repeat">
+      <a:schemeClr val="accent2"/>
+    </dgm:linClrLst>
+    <dgm:effectClrLst/>
+    <dgm:txLinClrLst/>
+    <dgm:txFillClrLst meth="repeat">
+      <a:schemeClr val="dk1"/>
+    </dgm:txFillClrLst>
+    <dgm:txEffectClrLst/>
+  </dgm:styleLbl>
+  <dgm:styleLbl name="bgAcc1">
+    <dgm:fillClrLst meth="repeat">
+      <a:schemeClr val="lt1">
+        <a:alpha val="90000"/>
+      </a:schemeClr>
+    </dgm:fillClrLst>
+    <dgm:linClrLst>
+      <a:schemeClr val="accent2"/>
+      <a:schemeClr val="accent3"/>
+    </dgm:linClrLst>
+    <dgm:effectClrLst/>
+    <dgm:txLinClrLst/>
+    <dgm:txFillClrLst meth="repeat">
+      <a:schemeClr val="dk1"/>
+    </dgm:txFillClrLst>
+    <dgm:txEffectClrLst/>
+  </dgm:styleLbl>
+  <dgm:styleLbl name="solidFgAcc1">
+    <dgm:fillClrLst meth="repeat">
+      <a:schemeClr val="lt1"/>
+    </dgm:fillClrLst>
+    <dgm:linClrLst>
+      <a:schemeClr val="accent2"/>
+      <a:schemeClr val="accent3"/>
+    </dgm:linClrLst>
+    <dgm:effectClrLst/>
+    <dgm:txLinClrLst/>
+    <dgm:txFillClrLst meth="repeat">
+      <a:schemeClr val="dk1"/>
+    </dgm:txFillClrLst>
+    <dgm:txEffectClrLst/>
+  </dgm:styleLbl>
+  <dgm:styleLbl name="solidAlignAcc1">
+    <dgm:fillClrLst meth="repeat">
+      <a:schemeClr val="lt1"/>
+    </dgm:fillClrLst>
+    <dgm:linClrLst>
+      <a:schemeClr val="accent2"/>
+      <a:schemeClr val="accent3"/>
+    </dgm:linClrLst>
+    <dgm:effectClrLst/>
+    <dgm:txLinClrLst/>
+    <dgm:txFillClrLst meth="repeat">
+      <a:schemeClr val="dk1"/>
+    </dgm:txFillClrLst>
+    <dgm:txEffectClrLst/>
+  </dgm:styleLbl>
+  <dgm:styleLbl name="solidBgAcc1">
+    <dgm:fillClrLst meth="repeat">
+      <a:schemeClr val="lt1"/>
+    </dgm:fillClrLst>
+    <dgm:linClrLst>
+      <a:schemeClr val="accent2"/>
+      <a:schemeClr val="accent3"/>
+    </dgm:linClrLst>
+    <dgm:effectClrLst/>
+    <dgm:txLinClrLst/>
+    <dgm:txFillClrLst meth="repeat">
+      <a:schemeClr val="dk1"/>
+    </dgm:txFillClrLst>
+    <dgm:txEffectClrLst/>
+  </dgm:styleLbl>
+  <dgm:styleLbl name="fgAccFollowNode1">
+    <dgm:fillClrLst>
+      <a:schemeClr val="accent2">
+        <a:tint val="40000"/>
+        <a:alpha val="90000"/>
+      </a:schemeClr>
+      <a:schemeClr val="accent3">
+        <a:tint val="40000"/>
+        <a:alpha val="90000"/>
+      </a:schemeClr>
+    </dgm:fillClrLst>
+    <dgm:linClrLst>
+      <a:schemeClr val="accent2">
+        <a:tint val="40000"/>
+        <a:alpha val="90000"/>
+      </a:schemeClr>
+      <a:schemeClr val="accent3">
+        <a:tint val="40000"/>
+        <a:alpha val="90000"/>
+      </a:schemeClr>
+    </dgm:linClrLst>
+    <dgm:effectClrLst/>
+    <dgm:txLinClrLst/>
+    <dgm:txFillClrLst meth="repeat">
+      <a:schemeClr val="dk1"/>
+    </dgm:txFillClrLst>
+    <dgm:txEffectClrLst/>
+  </dgm:styleLbl>
+  <dgm:styleLbl name="alignAccFollowNode1">
+    <dgm:fillClrLst>
+      <a:schemeClr val="accent2">
+        <a:tint val="40000"/>
+        <a:alpha val="90000"/>
+      </a:schemeClr>
+      <a:schemeClr val="accent3">
+        <a:tint val="40000"/>
+        <a:alpha val="90000"/>
+      </a:schemeClr>
+    </dgm:fillClrLst>
+    <dgm:linClrLst>
+      <a:schemeClr val="accent2">
+        <a:tint val="40000"/>
+        <a:alpha val="90000"/>
+      </a:schemeClr>
+      <a:schemeClr val="accent3">
+        <a:tint val="40000"/>
+        <a:alpha val="90000"/>
+      </a:schemeClr>
+    </dgm:linClrLst>
+    <dgm:effectClrLst/>
+    <dgm:txLinClrLst/>
+    <dgm:txFillClrLst meth="repeat">
+      <a:schemeClr val="dk1"/>
+    </dgm:txFillClrLst>
+    <dgm:txEffectClrLst/>
+  </dgm:styleLbl>
+  <dgm:styleLbl name="bgAccFollowNode1">
+    <dgm:fillClrLst>
+      <a:schemeClr val="accent2">
+        <a:tint val="40000"/>
+        <a:alpha val="90000"/>
+      </a:schemeClr>
+      <a:schemeClr val="accent3">
+        <a:tint val="40000"/>
+        <a:alpha val="90000"/>
+      </a:schemeClr>
+    </dgm:fillClrLst>
+    <dgm:linClrLst>
+      <a:schemeClr val="accent2">
+        <a:tint val="40000"/>
+        <a:alpha val="90000"/>
+      </a:schemeClr>
+      <a:schemeClr val="accent3">
+        <a:tint val="40000"/>
+        <a:alpha val="90000"/>
+      </a:schemeClr>
+    </dgm:linClrLst>
+    <dgm:effectClrLst/>
+    <dgm:txLinClrLst/>
+    <dgm:txFillClrLst meth="repeat">
+      <a:schemeClr val="dk1"/>
+    </dgm:txFillClrLst>
+    <dgm:txEffectClrLst/>
+  </dgm:styleLbl>
+  <dgm:styleLbl name="fgAcc0">
+    <dgm:fillClrLst meth="repeat">
+      <a:schemeClr val="lt1">
+        <a:alpha val="90000"/>
+      </a:schemeClr>
+    </dgm:fillClrLst>
+    <dgm:linClrLst>
+      <a:schemeClr val="accent1"/>
+    </dgm:linClrLst>
+    <dgm:effectClrLst/>
+    <dgm:txLinClrLst/>
+    <dgm:txFillClrLst meth="repeat">
+      <a:schemeClr val="dk1"/>
+    </dgm:txFillClrLst>
+    <dgm:txEffectClrLst/>
+  </dgm:styleLbl>
+  <dgm:styleLbl name="fgAcc2">
+    <dgm:fillClrLst meth="repeat">
+      <a:schemeClr val="lt1">
+        <a:alpha val="90000"/>
+      </a:schemeClr>
+    </dgm:fillClrLst>
+    <dgm:linClrLst>
+      <a:schemeClr val="accent3"/>
+    </dgm:linClrLst>
+    <dgm:effectClrLst/>
+    <dgm:txLinClrLst/>
+    <dgm:txFillClrLst meth="repeat">
+      <a:schemeClr val="dk1"/>
+    </dgm:txFillClrLst>
+    <dgm:txEffectClrLst/>
+  </dgm:styleLbl>
+  <dgm:styleLbl name="fgAcc3">
+    <dgm:fillClrLst meth="repeat">
+      <a:schemeClr val="lt1">
+        <a:alpha val="90000"/>
+      </a:schemeClr>
+    </dgm:fillClrLst>
+    <dgm:linClrLst>
+      <a:schemeClr val="accent4"/>
+    </dgm:linClrLst>
+    <dgm:effectClrLst/>
+    <dgm:txLinClrLst/>
+    <dgm:txFillClrLst meth="repeat">
+      <a:schemeClr val="dk1"/>
+    </dgm:txFillClrLst>
+    <dgm:txEffectClrLst/>
+  </dgm:styleLbl>
+  <dgm:styleLbl name="fgAcc4">
+    <dgm:fillClrLst meth="repeat">
+      <a:schemeClr val="lt1">
+        <a:alpha val="90000"/>
+      </a:schemeClr>
+    </dgm:fillClrLst>
+    <dgm:linClrLst>
+      <a:schemeClr val="accent5"/>
+    </dgm:linClrLst>
+    <dgm:effectClrLst/>
+    <dgm:txLinClrLst/>
+    <dgm:txFillClrLst meth="repeat">
+      <a:schemeClr val="dk1"/>
+    </dgm:txFillClrLst>
+    <dgm:txEffectClrLst/>
+  </dgm:styleLbl>
+  <dgm:styleLbl name="bgShp">
+    <dgm:fillClrLst meth="repeat">
+      <a:schemeClr val="accent2">
+        <a:tint val="40000"/>
+      </a:schemeClr>
+    </dgm:fillClrLst>
+    <dgm:linClrLst meth="repeat">
+      <a:schemeClr val="dk1"/>
+    </dgm:linClrLst>
+    <dgm:effectClrLst/>
+    <dgm:txLinClrLst/>
+    <dgm:txFillClrLst meth="repeat">
+      <a:schemeClr val="dk1"/>
+    </dgm:txFillClrLst>
+    <dgm:txEffectClrLst/>
+  </dgm:styleLbl>
+  <dgm:styleLbl name="dkBgShp">
+    <dgm:fillClrLst meth="repeat">
+      <a:schemeClr val="accent2">
+        <a:shade val="90000"/>
+      </a:schemeClr>
+    </dgm:fillClrLst>
+    <dgm:linClrLst meth="repeat">
+      <a:schemeClr val="dk1"/>
+    </dgm:linClrLst>
+    <dgm:effectClrLst/>
+    <dgm:txLinClrLst/>
+    <dgm:txFillClrLst meth="repeat">
+      <a:schemeClr val="lt1"/>
+    </dgm:txFillClrLst>
+    <dgm:txEffectClrLst/>
+  </dgm:styleLbl>
+  <dgm:styleLbl name="trBgShp">
+    <dgm:fillClrLst meth="repeat">
+      <a:schemeClr val="accent2">
+        <a:tint val="50000"/>
+        <a:alpha val="40000"/>
+      </a:schemeClr>
+    </dgm:fillClrLst>
+    <dgm:linClrLst meth="repeat">
+      <a:schemeClr val="accent2"/>
+    </dgm:linClrLst>
+    <dgm:effectClrLst/>
+    <dgm:txLinClrLst/>
+    <dgm:txFillClrLst meth="repeat">
+      <a:schemeClr val="lt1"/>
+    </dgm:txFillClrLst>
+    <dgm:txEffectClrLst/>
+  </dgm:styleLbl>
+  <dgm:styleLbl name="fgShp">
+    <dgm:fillClrLst meth="repeat">
+      <a:schemeClr val="accent2">
+        <a:tint val="40000"/>
+      </a:schemeClr>
+    </dgm:fillClrLst>
+    <dgm:linClrLst meth="repeat">
+      <a:schemeClr val="lt1"/>
+    </dgm:linClrLst>
+    <dgm:effectClrLst/>
+    <dgm:txLinClrLst/>
+    <dgm:txFillClrLst meth="repeat">
+      <a:schemeClr val="dk1"/>
+    </dgm:txFillClrLst>
+    <dgm:txEffectClrLst/>
+  </dgm:styleLbl>
+  <dgm:styleLbl name="revTx">
+    <dgm:fillClrLst meth="repeat">
+      <a:schemeClr val="lt1">
+        <a:alpha val="0"/>
+      </a:schemeClr>
+    </dgm:fillClrLst>
+    <dgm:linClrLst meth="repeat">
+      <a:schemeClr val="dk1">
+        <a:alpha val="0"/>
+      </a:schemeClr>
+    </dgm:linClrLst>
+    <dgm:effectClrLst/>
+    <dgm:txLinClrLst/>
+    <dgm:txFillClrLst meth="repeat">
+      <a:schemeClr val="tx1"/>
+    </dgm:txFillClrLst>
+    <dgm:txEffectClrLst/>
+  </dgm:styleLbl>
+</dgm:colorsDef>
+</file>
+
 <file path=ppt/diagrams/colors2.xml><?xml version="1.0" encoding="utf-8"?>
 <dgm:colorsDef xmlns:dgm="http://schemas.openxmlformats.org/drawingml/2006/diagram" xmlns:a="http://schemas.openxmlformats.org/drawingml/2006/main" uniqueId="urn:microsoft.com/office/officeart/2005/8/colors/colorful2">
   <dgm:title val=""/>
@@ -5738,6 +6528,788 @@
 </file>
 
 <file path=ppt/diagrams/colors8.xml><?xml version="1.0" encoding="utf-8"?>
+<dgm:colorsDef xmlns:dgm="http://schemas.openxmlformats.org/drawingml/2006/diagram" xmlns:a="http://schemas.openxmlformats.org/drawingml/2006/main" uniqueId="urn:microsoft.com/office/officeart/2005/8/colors/colorful2">
+  <dgm:title val=""/>
+  <dgm:desc val=""/>
+  <dgm:catLst>
+    <dgm:cat type="colorful" pri="10200"/>
+  </dgm:catLst>
+  <dgm:styleLbl name="node0">
+    <dgm:fillClrLst meth="repeat">
+      <a:schemeClr val="accent1"/>
+    </dgm:fillClrLst>
+    <dgm:linClrLst meth="repeat">
+      <a:schemeClr val="lt1"/>
+    </dgm:linClrLst>
+    <dgm:effectClrLst/>
+    <dgm:txLinClrLst/>
+    <dgm:txFillClrLst/>
+    <dgm:txEffectClrLst/>
+  </dgm:styleLbl>
+  <dgm:styleLbl name="node1">
+    <dgm:fillClrLst>
+      <a:schemeClr val="accent2"/>
+      <a:schemeClr val="accent3"/>
+    </dgm:fillClrLst>
+    <dgm:linClrLst meth="repeat">
+      <a:schemeClr val="lt1"/>
+    </dgm:linClrLst>
+    <dgm:effectClrLst/>
+    <dgm:txLinClrLst/>
+    <dgm:txFillClrLst/>
+    <dgm:txEffectClrLst/>
+  </dgm:styleLbl>
+  <dgm:styleLbl name="alignNode1">
+    <dgm:fillClrLst>
+      <a:schemeClr val="accent2"/>
+      <a:schemeClr val="accent3"/>
+    </dgm:fillClrLst>
+    <dgm:linClrLst>
+      <a:schemeClr val="accent2"/>
+      <a:schemeClr val="accent3"/>
+    </dgm:linClrLst>
+    <dgm:effectClrLst/>
+    <dgm:txLinClrLst/>
+    <dgm:txFillClrLst/>
+    <dgm:txEffectClrLst/>
+  </dgm:styleLbl>
+  <dgm:styleLbl name="lnNode1">
+    <dgm:fillClrLst>
+      <a:schemeClr val="accent2"/>
+      <a:schemeClr val="accent3"/>
+    </dgm:fillClrLst>
+    <dgm:linClrLst meth="repeat">
+      <a:schemeClr val="lt1"/>
+    </dgm:linClrLst>
+    <dgm:effectClrLst/>
+    <dgm:txLinClrLst/>
+    <dgm:txFillClrLst/>
+    <dgm:txEffectClrLst/>
+  </dgm:styleLbl>
+  <dgm:styleLbl name="vennNode1">
+    <dgm:fillClrLst>
+      <a:schemeClr val="accent2">
+        <a:alpha val="50000"/>
+      </a:schemeClr>
+      <a:schemeClr val="accent3">
+        <a:alpha val="50000"/>
+      </a:schemeClr>
+    </dgm:fillClrLst>
+    <dgm:linClrLst meth="repeat">
+      <a:schemeClr val="lt1"/>
+    </dgm:linClrLst>
+    <dgm:effectClrLst/>
+    <dgm:txLinClrLst/>
+    <dgm:txFillClrLst/>
+    <dgm:txEffectClrLst/>
+  </dgm:styleLbl>
+  <dgm:styleLbl name="node2">
+    <dgm:fillClrLst>
+      <a:schemeClr val="accent3"/>
+    </dgm:fillClrLst>
+    <dgm:linClrLst meth="repeat">
+      <a:schemeClr val="lt1"/>
+    </dgm:linClrLst>
+    <dgm:effectClrLst/>
+    <dgm:txLinClrLst/>
+    <dgm:txFillClrLst/>
+    <dgm:txEffectClrLst/>
+  </dgm:styleLbl>
+  <dgm:styleLbl name="node3">
+    <dgm:fillClrLst>
+      <a:schemeClr val="accent4"/>
+    </dgm:fillClrLst>
+    <dgm:linClrLst meth="repeat">
+      <a:schemeClr val="lt1"/>
+    </dgm:linClrLst>
+    <dgm:effectClrLst/>
+    <dgm:txLinClrLst/>
+    <dgm:txFillClrLst/>
+    <dgm:txEffectClrLst/>
+  </dgm:styleLbl>
+  <dgm:styleLbl name="node4">
+    <dgm:fillClrLst>
+      <a:schemeClr val="accent5"/>
+    </dgm:fillClrLst>
+    <dgm:linClrLst meth="repeat">
+      <a:schemeClr val="lt1"/>
+    </dgm:linClrLst>
+    <dgm:effectClrLst/>
+    <dgm:txLinClrLst/>
+    <dgm:txFillClrLst/>
+    <dgm:txEffectClrLst/>
+  </dgm:styleLbl>
+  <dgm:styleLbl name="fgImgPlace1">
+    <dgm:fillClrLst>
+      <a:schemeClr val="accent2">
+        <a:tint val="50000"/>
+      </a:schemeClr>
+      <a:schemeClr val="accent3">
+        <a:tint val="50000"/>
+      </a:schemeClr>
+    </dgm:fillClrLst>
+    <dgm:linClrLst meth="repeat">
+      <a:schemeClr val="lt1"/>
+    </dgm:linClrLst>
+    <dgm:effectClrLst/>
+    <dgm:txLinClrLst/>
+    <dgm:txFillClrLst meth="repeat">
+      <a:schemeClr val="lt1"/>
+    </dgm:txFillClrLst>
+    <dgm:txEffectClrLst/>
+  </dgm:styleLbl>
+  <dgm:styleLbl name="alignImgPlace1">
+    <dgm:fillClrLst>
+      <a:schemeClr val="accent2">
+        <a:tint val="50000"/>
+      </a:schemeClr>
+      <a:schemeClr val="accent3">
+        <a:tint val="20000"/>
+      </a:schemeClr>
+    </dgm:fillClrLst>
+    <dgm:linClrLst meth="repeat">
+      <a:schemeClr val="lt1"/>
+    </dgm:linClrLst>
+    <dgm:effectClrLst/>
+    <dgm:txLinClrLst/>
+    <dgm:txFillClrLst meth="repeat">
+      <a:schemeClr val="lt1"/>
+    </dgm:txFillClrLst>
+    <dgm:txEffectClrLst/>
+  </dgm:styleLbl>
+  <dgm:styleLbl name="bgImgPlace1">
+    <dgm:fillClrLst>
+      <a:schemeClr val="accent2">
+        <a:tint val="50000"/>
+      </a:schemeClr>
+      <a:schemeClr val="accent3">
+        <a:tint val="20000"/>
+      </a:schemeClr>
+    </dgm:fillClrLst>
+    <dgm:linClrLst meth="repeat">
+      <a:schemeClr val="lt1"/>
+    </dgm:linClrLst>
+    <dgm:effectClrLst/>
+    <dgm:txLinClrLst/>
+    <dgm:txFillClrLst meth="repeat">
+      <a:schemeClr val="lt1"/>
+    </dgm:txFillClrLst>
+    <dgm:txEffectClrLst/>
+  </dgm:styleLbl>
+  <dgm:styleLbl name="sibTrans2D1">
+    <dgm:fillClrLst>
+      <a:schemeClr val="accent2"/>
+      <a:schemeClr val="accent3"/>
+    </dgm:fillClrLst>
+    <dgm:linClrLst meth="repeat">
+      <a:schemeClr val="lt1"/>
+    </dgm:linClrLst>
+    <dgm:effectClrLst/>
+    <dgm:txLinClrLst/>
+    <dgm:txFillClrLst/>
+    <dgm:txEffectClrLst/>
+  </dgm:styleLbl>
+  <dgm:styleLbl name="fgSibTrans2D1">
+    <dgm:fillClrLst>
+      <a:schemeClr val="accent2"/>
+      <a:schemeClr val="accent3"/>
+    </dgm:fillClrLst>
+    <dgm:linClrLst meth="repeat">
+      <a:schemeClr val="lt1"/>
+    </dgm:linClrLst>
+    <dgm:effectClrLst/>
+    <dgm:txLinClrLst/>
+    <dgm:txFillClrLst meth="repeat">
+      <a:schemeClr val="lt1"/>
+    </dgm:txFillClrLst>
+    <dgm:txEffectClrLst/>
+  </dgm:styleLbl>
+  <dgm:styleLbl name="bgSibTrans2D1">
+    <dgm:fillClrLst>
+      <a:schemeClr val="accent2"/>
+      <a:schemeClr val="accent3"/>
+    </dgm:fillClrLst>
+    <dgm:linClrLst meth="repeat">
+      <a:schemeClr val="lt1"/>
+    </dgm:linClrLst>
+    <dgm:effectClrLst/>
+    <dgm:txLinClrLst/>
+    <dgm:txFillClrLst meth="repeat">
+      <a:schemeClr val="lt1"/>
+    </dgm:txFillClrLst>
+    <dgm:txEffectClrLst/>
+  </dgm:styleLbl>
+  <dgm:styleLbl name="sibTrans1D1">
+    <dgm:fillClrLst/>
+    <dgm:linClrLst>
+      <a:schemeClr val="accent2"/>
+      <a:schemeClr val="accent3"/>
+    </dgm:linClrLst>
+    <dgm:effectClrLst/>
+    <dgm:txLinClrLst/>
+    <dgm:txFillClrLst meth="repeat">
+      <a:schemeClr val="tx1"/>
+    </dgm:txFillClrLst>
+    <dgm:txEffectClrLst/>
+  </dgm:styleLbl>
+  <dgm:styleLbl name="callout">
+    <dgm:fillClrLst meth="repeat">
+      <a:schemeClr val="accent2"/>
+    </dgm:fillClrLst>
+    <dgm:linClrLst meth="repeat">
+      <a:schemeClr val="accent2">
+        <a:tint val="50000"/>
+      </a:schemeClr>
+    </dgm:linClrLst>
+    <dgm:effectClrLst/>
+    <dgm:txLinClrLst/>
+    <dgm:txFillClrLst meth="repeat">
+      <a:schemeClr val="tx1"/>
+    </dgm:txFillClrLst>
+    <dgm:txEffectClrLst/>
+  </dgm:styleLbl>
+  <dgm:styleLbl name="asst0">
+    <dgm:fillClrLst meth="repeat">
+      <a:schemeClr val="accent2"/>
+    </dgm:fillClrLst>
+    <dgm:linClrLst meth="repeat">
+      <a:schemeClr val="lt1">
+        <a:shade val="80000"/>
+      </a:schemeClr>
+    </dgm:linClrLst>
+    <dgm:effectClrLst/>
+    <dgm:txLinClrLst/>
+    <dgm:txFillClrLst/>
+    <dgm:txEffectClrLst/>
+  </dgm:styleLbl>
+  <dgm:styleLbl name="asst1">
+    <dgm:fillClrLst meth="repeat">
+      <a:schemeClr val="accent3"/>
+    </dgm:fillClrLst>
+    <dgm:linClrLst meth="repeat">
+      <a:schemeClr val="lt1">
+        <a:shade val="80000"/>
+      </a:schemeClr>
+    </dgm:linClrLst>
+    <dgm:effectClrLst/>
+    <dgm:txLinClrLst/>
+    <dgm:txFillClrLst/>
+    <dgm:txEffectClrLst/>
+  </dgm:styleLbl>
+  <dgm:styleLbl name="asst2">
+    <dgm:fillClrLst>
+      <a:schemeClr val="accent4"/>
+    </dgm:fillClrLst>
+    <dgm:linClrLst meth="repeat">
+      <a:schemeClr val="lt1"/>
+    </dgm:linClrLst>
+    <dgm:effectClrLst/>
+    <dgm:txLinClrLst/>
+    <dgm:txFillClrLst/>
+    <dgm:txEffectClrLst/>
+  </dgm:styleLbl>
+  <dgm:styleLbl name="asst3">
+    <dgm:fillClrLst>
+      <a:schemeClr val="accent5"/>
+    </dgm:fillClrLst>
+    <dgm:linClrLst meth="repeat">
+      <a:schemeClr val="lt1"/>
+    </dgm:linClrLst>
+    <dgm:effectClrLst/>
+    <dgm:txLinClrLst/>
+    <dgm:txFillClrLst/>
+    <dgm:txEffectClrLst/>
+  </dgm:styleLbl>
+  <dgm:styleLbl name="asst4">
+    <dgm:fillClrLst>
+      <a:schemeClr val="accent6"/>
+    </dgm:fillClrLst>
+    <dgm:linClrLst meth="repeat">
+      <a:schemeClr val="lt1"/>
+    </dgm:linClrLst>
+    <dgm:effectClrLst/>
+    <dgm:txLinClrLst/>
+    <dgm:txFillClrLst/>
+    <dgm:txEffectClrLst/>
+  </dgm:styleLbl>
+  <dgm:styleLbl name="parChTrans2D1">
+    <dgm:fillClrLst meth="repeat">
+      <a:schemeClr val="accent2"/>
+    </dgm:fillClrLst>
+    <dgm:linClrLst meth="repeat">
+      <a:schemeClr val="lt1"/>
+    </dgm:linClrLst>
+    <dgm:effectClrLst/>
+    <dgm:txLinClrLst/>
+    <dgm:txFillClrLst meth="repeat">
+      <a:schemeClr val="lt1"/>
+    </dgm:txFillClrLst>
+    <dgm:txEffectClrLst/>
+  </dgm:styleLbl>
+  <dgm:styleLbl name="parChTrans2D2">
+    <dgm:fillClrLst meth="repeat">
+      <a:schemeClr val="accent3"/>
+    </dgm:fillClrLst>
+    <dgm:linClrLst meth="repeat">
+      <a:schemeClr val="lt1"/>
+    </dgm:linClrLst>
+    <dgm:effectClrLst/>
+    <dgm:txLinClrLst/>
+    <dgm:txFillClrLst/>
+    <dgm:txEffectClrLst/>
+  </dgm:styleLbl>
+  <dgm:styleLbl name="parChTrans2D3">
+    <dgm:fillClrLst meth="repeat">
+      <a:schemeClr val="accent4"/>
+    </dgm:fillClrLst>
+    <dgm:linClrLst meth="repeat">
+      <a:schemeClr val="lt1"/>
+    </dgm:linClrLst>
+    <dgm:effectClrLst/>
+    <dgm:txLinClrLst/>
+    <dgm:txFillClrLst/>
+    <dgm:txEffectClrLst/>
+  </dgm:styleLbl>
+  <dgm:styleLbl name="parChTrans2D4">
+    <dgm:fillClrLst meth="repeat">
+      <a:schemeClr val="accent5"/>
+    </dgm:fillClrLst>
+    <dgm:linClrLst meth="repeat">
+      <a:schemeClr val="lt1"/>
+    </dgm:linClrLst>
+    <dgm:effectClrLst/>
+    <dgm:txLinClrLst/>
+    <dgm:txFillClrLst meth="repeat">
+      <a:schemeClr val="lt1"/>
+    </dgm:txFillClrLst>
+    <dgm:txEffectClrLst/>
+  </dgm:styleLbl>
+  <dgm:styleLbl name="parChTrans1D1">
+    <dgm:fillClrLst meth="repeat">
+      <a:schemeClr val="accent2"/>
+    </dgm:fillClrLst>
+    <dgm:linClrLst meth="repeat">
+      <a:schemeClr val="accent2"/>
+    </dgm:linClrLst>
+    <dgm:effectClrLst/>
+    <dgm:txLinClrLst/>
+    <dgm:txFillClrLst meth="repeat">
+      <a:schemeClr val="tx1"/>
+    </dgm:txFillClrLst>
+    <dgm:txEffectClrLst/>
+  </dgm:styleLbl>
+  <dgm:styleLbl name="parChTrans1D2">
+    <dgm:fillClrLst meth="repeat">
+      <a:schemeClr val="accent2">
+        <a:tint val="90000"/>
+      </a:schemeClr>
+    </dgm:fillClrLst>
+    <dgm:linClrLst meth="repeat">
+      <a:schemeClr val="accent3"/>
+    </dgm:linClrLst>
+    <dgm:effectClrLst/>
+    <dgm:txLinClrLst/>
+    <dgm:txFillClrLst meth="repeat">
+      <a:schemeClr val="tx1"/>
+    </dgm:txFillClrLst>
+    <dgm:txEffectClrLst/>
+  </dgm:styleLbl>
+  <dgm:styleLbl name="parChTrans1D3">
+    <dgm:fillClrLst meth="repeat">
+      <a:schemeClr val="accent2">
+        <a:tint val="70000"/>
+      </a:schemeClr>
+    </dgm:fillClrLst>
+    <dgm:linClrLst meth="repeat">
+      <a:schemeClr val="accent4"/>
+    </dgm:linClrLst>
+    <dgm:effectClrLst/>
+    <dgm:txLinClrLst/>
+    <dgm:txFillClrLst meth="repeat">
+      <a:schemeClr val="tx1"/>
+    </dgm:txFillClrLst>
+    <dgm:txEffectClrLst/>
+  </dgm:styleLbl>
+  <dgm:styleLbl name="parChTrans1D4">
+    <dgm:fillClrLst meth="repeat">
+      <a:schemeClr val="accent2">
+        <a:tint val="50000"/>
+      </a:schemeClr>
+    </dgm:fillClrLst>
+    <dgm:linClrLst meth="repeat">
+      <a:schemeClr val="accent5"/>
+    </dgm:linClrLst>
+    <dgm:effectClrLst/>
+    <dgm:txLinClrLst/>
+    <dgm:txFillClrLst meth="repeat">
+      <a:schemeClr val="tx1"/>
+    </dgm:txFillClrLst>
+    <dgm:txEffectClrLst/>
+  </dgm:styleLbl>
+  <dgm:styleLbl name="fgAcc1">
+    <dgm:fillClrLst meth="repeat">
+      <a:schemeClr val="lt1">
+        <a:alpha val="90000"/>
+      </a:schemeClr>
+    </dgm:fillClrLst>
+    <dgm:linClrLst>
+      <a:schemeClr val="accent2"/>
+      <a:schemeClr val="accent3"/>
+    </dgm:linClrLst>
+    <dgm:effectClrLst/>
+    <dgm:txLinClrLst/>
+    <dgm:txFillClrLst meth="repeat">
+      <a:schemeClr val="dk1"/>
+    </dgm:txFillClrLst>
+    <dgm:txEffectClrLst/>
+  </dgm:styleLbl>
+  <dgm:styleLbl name="conFgAcc1">
+    <dgm:fillClrLst meth="repeat">
+      <a:schemeClr val="lt1">
+        <a:alpha val="90000"/>
+      </a:schemeClr>
+    </dgm:fillClrLst>
+    <dgm:linClrLst>
+      <a:schemeClr val="accent2"/>
+      <a:schemeClr val="accent3"/>
+    </dgm:linClrLst>
+    <dgm:effectClrLst/>
+    <dgm:txLinClrLst/>
+    <dgm:txFillClrLst meth="repeat">
+      <a:schemeClr val="dk1"/>
+    </dgm:txFillClrLst>
+    <dgm:txEffectClrLst/>
+  </dgm:styleLbl>
+  <dgm:styleLbl name="alignAcc1">
+    <dgm:fillClrLst meth="repeat">
+      <a:schemeClr val="lt1">
+        <a:alpha val="90000"/>
+      </a:schemeClr>
+    </dgm:fillClrLst>
+    <dgm:linClrLst>
+      <a:schemeClr val="accent2"/>
+      <a:schemeClr val="accent3"/>
+    </dgm:linClrLst>
+    <dgm:effectClrLst/>
+    <dgm:txLinClrLst/>
+    <dgm:txFillClrLst meth="repeat">
+      <a:schemeClr val="dk1"/>
+    </dgm:txFillClrLst>
+    <dgm:txEffectClrLst/>
+  </dgm:styleLbl>
+  <dgm:styleLbl name="trAlignAcc1">
+    <dgm:fillClrLst meth="repeat">
+      <a:schemeClr val="lt1">
+        <a:alpha val="40000"/>
+      </a:schemeClr>
+    </dgm:fillClrLst>
+    <dgm:linClrLst meth="repeat">
+      <a:schemeClr val="accent2"/>
+    </dgm:linClrLst>
+    <dgm:effectClrLst/>
+    <dgm:txLinClrLst/>
+    <dgm:txFillClrLst meth="repeat">
+      <a:schemeClr val="dk1"/>
+    </dgm:txFillClrLst>
+    <dgm:txEffectClrLst/>
+  </dgm:styleLbl>
+  <dgm:styleLbl name="bgAcc1">
+    <dgm:fillClrLst meth="repeat">
+      <a:schemeClr val="lt1">
+        <a:alpha val="90000"/>
+      </a:schemeClr>
+    </dgm:fillClrLst>
+    <dgm:linClrLst>
+      <a:schemeClr val="accent2"/>
+      <a:schemeClr val="accent3"/>
+    </dgm:linClrLst>
+    <dgm:effectClrLst/>
+    <dgm:txLinClrLst/>
+    <dgm:txFillClrLst meth="repeat">
+      <a:schemeClr val="dk1"/>
+    </dgm:txFillClrLst>
+    <dgm:txEffectClrLst/>
+  </dgm:styleLbl>
+  <dgm:styleLbl name="solidFgAcc1">
+    <dgm:fillClrLst meth="repeat">
+      <a:schemeClr val="lt1"/>
+    </dgm:fillClrLst>
+    <dgm:linClrLst>
+      <a:schemeClr val="accent2"/>
+      <a:schemeClr val="accent3"/>
+    </dgm:linClrLst>
+    <dgm:effectClrLst/>
+    <dgm:txLinClrLst/>
+    <dgm:txFillClrLst meth="repeat">
+      <a:schemeClr val="dk1"/>
+    </dgm:txFillClrLst>
+    <dgm:txEffectClrLst/>
+  </dgm:styleLbl>
+  <dgm:styleLbl name="solidAlignAcc1">
+    <dgm:fillClrLst meth="repeat">
+      <a:schemeClr val="lt1"/>
+    </dgm:fillClrLst>
+    <dgm:linClrLst>
+      <a:schemeClr val="accent2"/>
+      <a:schemeClr val="accent3"/>
+    </dgm:linClrLst>
+    <dgm:effectClrLst/>
+    <dgm:txLinClrLst/>
+    <dgm:txFillClrLst meth="repeat">
+      <a:schemeClr val="dk1"/>
+    </dgm:txFillClrLst>
+    <dgm:txEffectClrLst/>
+  </dgm:styleLbl>
+  <dgm:styleLbl name="solidBgAcc1">
+    <dgm:fillClrLst meth="repeat">
+      <a:schemeClr val="lt1"/>
+    </dgm:fillClrLst>
+    <dgm:linClrLst>
+      <a:schemeClr val="accent2"/>
+      <a:schemeClr val="accent3"/>
+    </dgm:linClrLst>
+    <dgm:effectClrLst/>
+    <dgm:txLinClrLst/>
+    <dgm:txFillClrLst meth="repeat">
+      <a:schemeClr val="dk1"/>
+    </dgm:txFillClrLst>
+    <dgm:txEffectClrLst/>
+  </dgm:styleLbl>
+  <dgm:styleLbl name="fgAccFollowNode1">
+    <dgm:fillClrLst>
+      <a:schemeClr val="accent2">
+        <a:tint val="40000"/>
+        <a:alpha val="90000"/>
+      </a:schemeClr>
+      <a:schemeClr val="accent3">
+        <a:tint val="40000"/>
+        <a:alpha val="90000"/>
+      </a:schemeClr>
+    </dgm:fillClrLst>
+    <dgm:linClrLst>
+      <a:schemeClr val="accent2">
+        <a:tint val="40000"/>
+        <a:alpha val="90000"/>
+      </a:schemeClr>
+      <a:schemeClr val="accent3">
+        <a:tint val="40000"/>
+        <a:alpha val="90000"/>
+      </a:schemeClr>
+    </dgm:linClrLst>
+    <dgm:effectClrLst/>
+    <dgm:txLinClrLst/>
+    <dgm:txFillClrLst meth="repeat">
+      <a:schemeClr val="dk1"/>
+    </dgm:txFillClrLst>
+    <dgm:txEffectClrLst/>
+  </dgm:styleLbl>
+  <dgm:styleLbl name="alignAccFollowNode1">
+    <dgm:fillClrLst>
+      <a:schemeClr val="accent2">
+        <a:tint val="40000"/>
+        <a:alpha val="90000"/>
+      </a:schemeClr>
+      <a:schemeClr val="accent3">
+        <a:tint val="40000"/>
+        <a:alpha val="90000"/>
+      </a:schemeClr>
+    </dgm:fillClrLst>
+    <dgm:linClrLst>
+      <a:schemeClr val="accent2">
+        <a:tint val="40000"/>
+        <a:alpha val="90000"/>
+      </a:schemeClr>
+      <a:schemeClr val="accent3">
+        <a:tint val="40000"/>
+        <a:alpha val="90000"/>
+      </a:schemeClr>
+    </dgm:linClrLst>
+    <dgm:effectClrLst/>
+    <dgm:txLinClrLst/>
+    <dgm:txFillClrLst meth="repeat">
+      <a:schemeClr val="dk1"/>
+    </dgm:txFillClrLst>
+    <dgm:txEffectClrLst/>
+  </dgm:styleLbl>
+  <dgm:styleLbl name="bgAccFollowNode1">
+    <dgm:fillClrLst>
+      <a:schemeClr val="accent2">
+        <a:tint val="40000"/>
+        <a:alpha val="90000"/>
+      </a:schemeClr>
+      <a:schemeClr val="accent3">
+        <a:tint val="40000"/>
+        <a:alpha val="90000"/>
+      </a:schemeClr>
+    </dgm:fillClrLst>
+    <dgm:linClrLst>
+      <a:schemeClr val="accent2">
+        <a:tint val="40000"/>
+        <a:alpha val="90000"/>
+      </a:schemeClr>
+      <a:schemeClr val="accent3">
+        <a:tint val="40000"/>
+        <a:alpha val="90000"/>
+      </a:schemeClr>
+    </dgm:linClrLst>
+    <dgm:effectClrLst/>
+    <dgm:txLinClrLst/>
+    <dgm:txFillClrLst meth="repeat">
+      <a:schemeClr val="dk1"/>
+    </dgm:txFillClrLst>
+    <dgm:txEffectClrLst/>
+  </dgm:styleLbl>
+  <dgm:styleLbl name="fgAcc0">
+    <dgm:fillClrLst meth="repeat">
+      <a:schemeClr val="lt1">
+        <a:alpha val="90000"/>
+      </a:schemeClr>
+    </dgm:fillClrLst>
+    <dgm:linClrLst>
+      <a:schemeClr val="accent1"/>
+    </dgm:linClrLst>
+    <dgm:effectClrLst/>
+    <dgm:txLinClrLst/>
+    <dgm:txFillClrLst meth="repeat">
+      <a:schemeClr val="dk1"/>
+    </dgm:txFillClrLst>
+    <dgm:txEffectClrLst/>
+  </dgm:styleLbl>
+  <dgm:styleLbl name="fgAcc2">
+    <dgm:fillClrLst meth="repeat">
+      <a:schemeClr val="lt1">
+        <a:alpha val="90000"/>
+      </a:schemeClr>
+    </dgm:fillClrLst>
+    <dgm:linClrLst>
+      <a:schemeClr val="accent3"/>
+    </dgm:linClrLst>
+    <dgm:effectClrLst/>
+    <dgm:txLinClrLst/>
+    <dgm:txFillClrLst meth="repeat">
+      <a:schemeClr val="dk1"/>
+    </dgm:txFillClrLst>
+    <dgm:txEffectClrLst/>
+  </dgm:styleLbl>
+  <dgm:styleLbl name="fgAcc3">
+    <dgm:fillClrLst meth="repeat">
+      <a:schemeClr val="lt1">
+        <a:alpha val="90000"/>
+      </a:schemeClr>
+    </dgm:fillClrLst>
+    <dgm:linClrLst>
+      <a:schemeClr val="accent4"/>
+    </dgm:linClrLst>
+    <dgm:effectClrLst/>
+    <dgm:txLinClrLst/>
+    <dgm:txFillClrLst meth="repeat">
+      <a:schemeClr val="dk1"/>
+    </dgm:txFillClrLst>
+    <dgm:txEffectClrLst/>
+  </dgm:styleLbl>
+  <dgm:styleLbl name="fgAcc4">
+    <dgm:fillClrLst meth="repeat">
+      <a:schemeClr val="lt1">
+        <a:alpha val="90000"/>
+      </a:schemeClr>
+    </dgm:fillClrLst>
+    <dgm:linClrLst>
+      <a:schemeClr val="accent5"/>
+    </dgm:linClrLst>
+    <dgm:effectClrLst/>
+    <dgm:txLinClrLst/>
+    <dgm:txFillClrLst meth="repeat">
+      <a:schemeClr val="dk1"/>
+    </dgm:txFillClrLst>
+    <dgm:txEffectClrLst/>
+  </dgm:styleLbl>
+  <dgm:styleLbl name="bgShp">
+    <dgm:fillClrLst meth="repeat">
+      <a:schemeClr val="accent2">
+        <a:tint val="40000"/>
+      </a:schemeClr>
+    </dgm:fillClrLst>
+    <dgm:linClrLst meth="repeat">
+      <a:schemeClr val="dk1"/>
+    </dgm:linClrLst>
+    <dgm:effectClrLst/>
+    <dgm:txLinClrLst/>
+    <dgm:txFillClrLst meth="repeat">
+      <a:schemeClr val="dk1"/>
+    </dgm:txFillClrLst>
+    <dgm:txEffectClrLst/>
+  </dgm:styleLbl>
+  <dgm:styleLbl name="dkBgShp">
+    <dgm:fillClrLst meth="repeat">
+      <a:schemeClr val="accent2">
+        <a:shade val="90000"/>
+      </a:schemeClr>
+    </dgm:fillClrLst>
+    <dgm:linClrLst meth="repeat">
+      <a:schemeClr val="dk1"/>
+    </dgm:linClrLst>
+    <dgm:effectClrLst/>
+    <dgm:txLinClrLst/>
+    <dgm:txFillClrLst meth="repeat">
+      <a:schemeClr val="lt1"/>
+    </dgm:txFillClrLst>
+    <dgm:txEffectClrLst/>
+  </dgm:styleLbl>
+  <dgm:styleLbl name="trBgShp">
+    <dgm:fillClrLst meth="repeat">
+      <a:schemeClr val="accent2">
+        <a:tint val="50000"/>
+        <a:alpha val="40000"/>
+      </a:schemeClr>
+    </dgm:fillClrLst>
+    <dgm:linClrLst meth="repeat">
+      <a:schemeClr val="accent2"/>
+    </dgm:linClrLst>
+    <dgm:effectClrLst/>
+    <dgm:txLinClrLst/>
+    <dgm:txFillClrLst meth="repeat">
+      <a:schemeClr val="lt1"/>
+    </dgm:txFillClrLst>
+    <dgm:txEffectClrLst/>
+  </dgm:styleLbl>
+  <dgm:styleLbl name="fgShp">
+    <dgm:fillClrLst meth="repeat">
+      <a:schemeClr val="accent2">
+        <a:tint val="40000"/>
+      </a:schemeClr>
+    </dgm:fillClrLst>
+    <dgm:linClrLst meth="repeat">
+      <a:schemeClr val="lt1"/>
+    </dgm:linClrLst>
+    <dgm:effectClrLst/>
+    <dgm:txLinClrLst/>
+    <dgm:txFillClrLst meth="repeat">
+      <a:schemeClr val="dk1"/>
+    </dgm:txFillClrLst>
+    <dgm:txEffectClrLst/>
+  </dgm:styleLbl>
+  <dgm:styleLbl name="revTx">
+    <dgm:fillClrLst meth="repeat">
+      <a:schemeClr val="lt1">
+        <a:alpha val="0"/>
+      </a:schemeClr>
+    </dgm:fillClrLst>
+    <dgm:linClrLst meth="repeat">
+      <a:schemeClr val="dk1">
+        <a:alpha val="0"/>
+      </a:schemeClr>
+    </dgm:linClrLst>
+    <dgm:effectClrLst/>
+    <dgm:txLinClrLst/>
+    <dgm:txFillClrLst meth="repeat">
+      <a:schemeClr val="tx1"/>
+    </dgm:txFillClrLst>
+    <dgm:txEffectClrLst/>
+  </dgm:styleLbl>
+</dgm:colorsDef>
+</file>
+
+<file path=ppt/diagrams/colors9.xml><?xml version="1.0" encoding="utf-8"?>
 <dgm:colorsDef xmlns:dgm="http://schemas.openxmlformats.org/drawingml/2006/diagram" xmlns:a="http://schemas.openxmlformats.org/drawingml/2006/main" uniqueId="urn:microsoft.com/office/officeart/2005/8/colors/colorful2">
   <dgm:title val=""/>
   <dgm:desc val=""/>
@@ -6724,6 +8296,299 @@
     <dgm:cxn modelId="{181E91FA-0872-4880-AE22-F811C0C49961}" type="presParOf" srcId="{774CEEBC-090C-424B-94E5-12FB01CBD14D}" destId="{17B0D820-787A-4DEF-AAAB-B5F1EB69A215}" srcOrd="0" destOrd="0" presId="urn:microsoft.com/office/officeart/2018/2/layout/IconLabelList"/>
     <dgm:cxn modelId="{555D96D3-5509-4FC7-846F-05FEFD3DC818}" type="presParOf" srcId="{774CEEBC-090C-424B-94E5-12FB01CBD14D}" destId="{C93EF48A-143D-424C-ABFC-5692CE13FC70}" srcOrd="1" destOrd="0" presId="urn:microsoft.com/office/officeart/2018/2/layout/IconLabelList"/>
     <dgm:cxn modelId="{F560F71E-75FD-44C1-985B-AE4A7F7036D0}" type="presParOf" srcId="{774CEEBC-090C-424B-94E5-12FB01CBD14D}" destId="{0A0320BB-B9FC-427F-A4AD-06C8E0A53407}" srcOrd="2" destOrd="0" presId="urn:microsoft.com/office/officeart/2018/2/layout/IconLabelList"/>
+  </dgm:cxnLst>
+  <dgm:bg/>
+  <dgm:whole/>
+  <dgm:extLst>
+    <a:ext uri="http://schemas.microsoft.com/office/drawing/2008/diagram">
+      <dsp:dataModelExt xmlns:dsp="http://schemas.microsoft.com/office/drawing/2008/diagram" relId="rId6" minVer="http://schemas.openxmlformats.org/drawingml/2006/diagram"/>
+    </a:ext>
+  </dgm:extLst>
+</dgm:dataModel>
+</file>
+
+<file path=ppt/diagrams/data10.xml><?xml version="1.0" encoding="utf-8"?>
+<dgm:dataModel xmlns:dgm="http://schemas.openxmlformats.org/drawingml/2006/diagram" xmlns:a="http://schemas.openxmlformats.org/drawingml/2006/main">
+  <dgm:ptLst>
+    <dgm:pt modelId="{7AA497C7-1905-4F44-A2FD-71564C6788E7}" type="doc">
+      <dgm:prSet loTypeId="urn:microsoft.com/office/officeart/2005/8/layout/list1" loCatId="list" qsTypeId="urn:microsoft.com/office/officeart/2005/8/quickstyle/simple4" qsCatId="simple" csTypeId="urn:microsoft.com/office/officeart/2005/8/colors/colorful2" csCatId="colorful" phldr="1"/>
+      <dgm:spPr/>
+      <dgm:t>
+        <a:bodyPr/>
+        <a:lstStyle/>
+        <a:p>
+          <a:endParaRPr lang="en-US"/>
+        </a:p>
+      </dgm:t>
+    </dgm:pt>
+    <dgm:pt modelId="{EA1ED4B9-786A-424F-BD7C-8C3EE64DF4BB}">
+      <dgm:prSet/>
+      <dgm:spPr/>
+      <dgm:t>
+        <a:bodyPr/>
+        <a:lstStyle/>
+        <a:p>
+          <a:r>
+            <a:rPr lang="en-US" dirty="0"/>
+            <a:t>Bonus:</a:t>
+          </a:r>
+        </a:p>
+      </dgm:t>
+    </dgm:pt>
+    <dgm:pt modelId="{2B527D47-6712-4468-9D0D-F47BBF9F7177}" type="parTrans" cxnId="{F7DBE376-377A-4D8F-BF4E-D17774BE8A52}">
+      <dgm:prSet/>
+      <dgm:spPr/>
+      <dgm:t>
+        <a:bodyPr/>
+        <a:lstStyle/>
+        <a:p>
+          <a:endParaRPr lang="en-US"/>
+        </a:p>
+      </dgm:t>
+    </dgm:pt>
+    <dgm:pt modelId="{25E8449F-5857-4815-99A4-46A74F1CFA84}" type="sibTrans" cxnId="{F7DBE376-377A-4D8F-BF4E-D17774BE8A52}">
+      <dgm:prSet/>
+      <dgm:spPr/>
+      <dgm:t>
+        <a:bodyPr/>
+        <a:lstStyle/>
+        <a:p>
+          <a:endParaRPr lang="en-US"/>
+        </a:p>
+      </dgm:t>
+    </dgm:pt>
+    <dgm:pt modelId="{3FC387F8-733F-4650-929B-C5AE9C83EE0C}">
+      <dgm:prSet/>
+      <dgm:spPr/>
+      <dgm:t>
+        <a:bodyPr/>
+        <a:lstStyle/>
+        <a:p>
+          <a:r>
+            <a:rPr lang="en-US" dirty="0"/>
+            <a:t>Nanite</a:t>
+          </a:r>
+        </a:p>
+      </dgm:t>
+    </dgm:pt>
+    <dgm:pt modelId="{98B415AA-E4AB-45BA-9D48-454CE013D6F7}" type="parTrans" cxnId="{B523C2C2-BFC4-47F2-B83F-8CDA8DD32942}">
+      <dgm:prSet/>
+      <dgm:spPr/>
+      <dgm:t>
+        <a:bodyPr/>
+        <a:lstStyle/>
+        <a:p>
+          <a:endParaRPr lang="en-US"/>
+        </a:p>
+      </dgm:t>
+    </dgm:pt>
+    <dgm:pt modelId="{982861C6-A126-41CB-9598-A55298ED6C86}" type="sibTrans" cxnId="{B523C2C2-BFC4-47F2-B83F-8CDA8DD32942}">
+      <dgm:prSet/>
+      <dgm:spPr/>
+      <dgm:t>
+        <a:bodyPr/>
+        <a:lstStyle/>
+        <a:p>
+          <a:endParaRPr lang="en-US"/>
+        </a:p>
+      </dgm:t>
+    </dgm:pt>
+    <dgm:pt modelId="{AECEF023-05FB-4D4F-92BC-564A2D5B39A5}">
+      <dgm:prSet/>
+      <dgm:spPr/>
+      <dgm:t>
+        <a:bodyPr/>
+        <a:lstStyle/>
+        <a:p>
+          <a:r>
+            <a:rPr lang="en-US" dirty="0"/>
+            <a:t>Lumen</a:t>
+          </a:r>
+        </a:p>
+      </dgm:t>
+    </dgm:pt>
+    <dgm:pt modelId="{953B4D70-AC64-4619-9181-8F5955EA3E32}" type="parTrans" cxnId="{F4EB8129-F5FA-40DA-B98E-20B035E3EFD3}">
+      <dgm:prSet/>
+      <dgm:spPr/>
+    </dgm:pt>
+    <dgm:pt modelId="{7FFD9CBC-044A-4CD2-920A-D9897FB75EFB}" type="sibTrans" cxnId="{F4EB8129-F5FA-40DA-B98E-20B035E3EFD3}">
+      <dgm:prSet/>
+      <dgm:spPr/>
+    </dgm:pt>
+    <dgm:pt modelId="{93D7FA21-A87D-478C-9530-07242CB0764C}">
+      <dgm:prSet/>
+      <dgm:spPr/>
+      <dgm:t>
+        <a:bodyPr/>
+        <a:lstStyle/>
+        <a:p>
+          <a:r>
+            <a:rPr lang="en-US" dirty="0"/>
+            <a:t>Virtual texture</a:t>
+          </a:r>
+        </a:p>
+      </dgm:t>
+    </dgm:pt>
+    <dgm:pt modelId="{5E353DA8-DE50-46BF-AE79-3E8F55049BB6}" type="parTrans" cxnId="{7353F2F4-7475-40B4-BB4F-C891D1BE91E9}">
+      <dgm:prSet/>
+      <dgm:spPr/>
+    </dgm:pt>
+    <dgm:pt modelId="{B2FED3E2-2550-4FC3-95E6-4B2F31D14D6C}" type="sibTrans" cxnId="{7353F2F4-7475-40B4-BB4F-C891D1BE91E9}">
+      <dgm:prSet/>
+      <dgm:spPr/>
+    </dgm:pt>
+    <dgm:pt modelId="{EEF2AB7C-E103-4E1A-B386-EC7EFD70FAC9}">
+      <dgm:prSet/>
+      <dgm:spPr/>
+      <dgm:t>
+        <a:bodyPr/>
+        <a:lstStyle/>
+        <a:p>
+          <a:r>
+            <a:rPr lang="en-US" dirty="0"/>
+            <a:t>Modules</a:t>
+          </a:r>
+        </a:p>
+      </dgm:t>
+    </dgm:pt>
+    <dgm:pt modelId="{B5593AE3-36C9-47AB-BD7F-F33277E42D42}" type="parTrans" cxnId="{F140B9B6-6C8B-4DEC-B6D9-B78930DBC80C}">
+      <dgm:prSet/>
+      <dgm:spPr/>
+    </dgm:pt>
+    <dgm:pt modelId="{2888BA7A-0710-4840-AE72-ECF4994B9F51}" type="sibTrans" cxnId="{F140B9B6-6C8B-4DEC-B6D9-B78930DBC80C}">
+      <dgm:prSet/>
+      <dgm:spPr/>
+    </dgm:pt>
+    <dgm:pt modelId="{CEFAD5DD-F37C-4626-91D2-E0274A41A33E}">
+      <dgm:prSet/>
+      <dgm:spPr/>
+      <dgm:t>
+        <a:bodyPr/>
+        <a:lstStyle/>
+        <a:p>
+          <a:r>
+            <a:rPr lang="en-US" dirty="0"/>
+            <a:t>CPP and Open-Source Projects</a:t>
+          </a:r>
+        </a:p>
+      </dgm:t>
+    </dgm:pt>
+    <dgm:pt modelId="{D554065B-FC84-4565-9AAF-858F292B5010}" type="parTrans" cxnId="{9C2647F3-133E-436E-B36A-D48827CB69AE}">
+      <dgm:prSet/>
+      <dgm:spPr/>
+    </dgm:pt>
+    <dgm:pt modelId="{F646A475-6218-4F41-8955-9BC8C1D3CAF5}" type="sibTrans" cxnId="{9C2647F3-133E-436E-B36A-D48827CB69AE}">
+      <dgm:prSet/>
+      <dgm:spPr/>
+    </dgm:pt>
+    <dgm:pt modelId="{C8559F84-675B-445F-B94A-B74CF40CF802}">
+      <dgm:prSet/>
+      <dgm:spPr/>
+      <dgm:t>
+        <a:bodyPr/>
+        <a:lstStyle/>
+        <a:p>
+          <a:r>
+            <a:rPr lang="en-US" dirty="0"/>
+            <a:t>Shaders</a:t>
+          </a:r>
+        </a:p>
+      </dgm:t>
+    </dgm:pt>
+    <dgm:pt modelId="{29CA4455-051B-4D02-A0B9-2495B2E8E7C8}" type="parTrans" cxnId="{05FF44BD-6A00-49DC-828E-BDF355EF02F6}">
+      <dgm:prSet/>
+      <dgm:spPr/>
+    </dgm:pt>
+    <dgm:pt modelId="{6D3C1460-44C6-4959-BB83-2C43D8C123BB}" type="sibTrans" cxnId="{05FF44BD-6A00-49DC-828E-BDF355EF02F6}">
+      <dgm:prSet/>
+      <dgm:spPr/>
+    </dgm:pt>
+    <dgm:pt modelId="{583DD49F-24C6-4091-ADBE-84F460A5D09F}">
+      <dgm:prSet/>
+      <dgm:spPr/>
+      <dgm:t>
+        <a:bodyPr/>
+        <a:lstStyle/>
+        <a:p>
+          <a:r>
+            <a:rPr lang="en-US" dirty="0"/>
+            <a:t>Using network sockets</a:t>
+          </a:r>
+        </a:p>
+      </dgm:t>
+    </dgm:pt>
+    <dgm:pt modelId="{27CC84EA-C503-4093-88F2-AAFFA3FC4784}" type="parTrans" cxnId="{88C7D4E8-720E-49A5-AD20-992A07A643B7}">
+      <dgm:prSet/>
+      <dgm:spPr/>
+    </dgm:pt>
+    <dgm:pt modelId="{D5CA5511-6F2B-44D4-BD70-12BD57C906F6}" type="sibTrans" cxnId="{88C7D4E8-720E-49A5-AD20-992A07A643B7}">
+      <dgm:prSet/>
+      <dgm:spPr/>
+    </dgm:pt>
+    <dgm:pt modelId="{C7568508-A123-402C-B6E5-BE4B9762FBEE}" type="pres">
+      <dgm:prSet presAssocID="{7AA497C7-1905-4F44-A2FD-71564C6788E7}" presName="linear" presStyleCnt="0">
+        <dgm:presLayoutVars>
+          <dgm:dir/>
+          <dgm:animLvl val="lvl"/>
+          <dgm:resizeHandles val="exact"/>
+        </dgm:presLayoutVars>
+      </dgm:prSet>
+      <dgm:spPr/>
+    </dgm:pt>
+    <dgm:pt modelId="{53838AE7-B03D-4BA6-8C32-6F55C3541DA0}" type="pres">
+      <dgm:prSet presAssocID="{EA1ED4B9-786A-424F-BD7C-8C3EE64DF4BB}" presName="parentLin" presStyleCnt="0"/>
+      <dgm:spPr/>
+    </dgm:pt>
+    <dgm:pt modelId="{62F2BA26-BA61-4F5B-BD50-AB8832C4065F}" type="pres">
+      <dgm:prSet presAssocID="{EA1ED4B9-786A-424F-BD7C-8C3EE64DF4BB}" presName="parentLeftMargin" presStyleLbl="node1" presStyleIdx="0" presStyleCnt="1"/>
+      <dgm:spPr/>
+    </dgm:pt>
+    <dgm:pt modelId="{6876DF30-88C6-4342-9FF9-903D232E05E1}" type="pres">
+      <dgm:prSet presAssocID="{EA1ED4B9-786A-424F-BD7C-8C3EE64DF4BB}" presName="parentText" presStyleLbl="node1" presStyleIdx="0" presStyleCnt="1">
+        <dgm:presLayoutVars>
+          <dgm:chMax val="0"/>
+          <dgm:bulletEnabled val="1"/>
+        </dgm:presLayoutVars>
+      </dgm:prSet>
+      <dgm:spPr/>
+    </dgm:pt>
+    <dgm:pt modelId="{C28EEC82-56D3-4F29-A9E7-D3109CC905C9}" type="pres">
+      <dgm:prSet presAssocID="{EA1ED4B9-786A-424F-BD7C-8C3EE64DF4BB}" presName="negativeSpace" presStyleCnt="0"/>
+      <dgm:spPr/>
+    </dgm:pt>
+    <dgm:pt modelId="{2CD54FDF-CCC0-4CC8-8252-4597FF28114C}" type="pres">
+      <dgm:prSet presAssocID="{EA1ED4B9-786A-424F-BD7C-8C3EE64DF4BB}" presName="childText" presStyleLbl="conFgAcc1" presStyleIdx="0" presStyleCnt="1">
+        <dgm:presLayoutVars>
+          <dgm:bulletEnabled val="1"/>
+        </dgm:presLayoutVars>
+      </dgm:prSet>
+      <dgm:spPr/>
+    </dgm:pt>
+  </dgm:ptLst>
+  <dgm:cxnLst>
+    <dgm:cxn modelId="{F4EB8129-F5FA-40DA-B98E-20B035E3EFD3}" srcId="{EA1ED4B9-786A-424F-BD7C-8C3EE64DF4BB}" destId="{AECEF023-05FB-4D4F-92BC-564A2D5B39A5}" srcOrd="1" destOrd="0" parTransId="{953B4D70-AC64-4619-9181-8F5955EA3E32}" sibTransId="{7FFD9CBC-044A-4CD2-920A-D9897FB75EFB}"/>
+    <dgm:cxn modelId="{A1252A2B-C335-43AA-8C85-FB9DA358E6EA}" type="presOf" srcId="{EEF2AB7C-E103-4E1A-B386-EC7EFD70FAC9}" destId="{2CD54FDF-CCC0-4CC8-8252-4597FF28114C}" srcOrd="0" destOrd="3" presId="urn:microsoft.com/office/officeart/2005/8/layout/list1"/>
+    <dgm:cxn modelId="{A54D7F36-CEA7-480B-9ED1-6E2ADB30C83F}" type="presOf" srcId="{CEFAD5DD-F37C-4626-91D2-E0274A41A33E}" destId="{2CD54FDF-CCC0-4CC8-8252-4597FF28114C}" srcOrd="0" destOrd="6" presId="urn:microsoft.com/office/officeart/2005/8/layout/list1"/>
+    <dgm:cxn modelId="{F7DBE376-377A-4D8F-BF4E-D17774BE8A52}" srcId="{7AA497C7-1905-4F44-A2FD-71564C6788E7}" destId="{EA1ED4B9-786A-424F-BD7C-8C3EE64DF4BB}" srcOrd="0" destOrd="0" parTransId="{2B527D47-6712-4468-9D0D-F47BBF9F7177}" sibTransId="{25E8449F-5857-4815-99A4-46A74F1CFA84}"/>
+    <dgm:cxn modelId="{5A7D5685-C70D-4BE4-A1BA-05D39EF61C5C}" type="presOf" srcId="{C8559F84-675B-445F-B94A-B74CF40CF802}" destId="{2CD54FDF-CCC0-4CC8-8252-4597FF28114C}" srcOrd="0" destOrd="4" presId="urn:microsoft.com/office/officeart/2005/8/layout/list1"/>
+    <dgm:cxn modelId="{53494FA4-DEBA-4DCE-A9D4-4C4ECDC108D4}" type="presOf" srcId="{3FC387F8-733F-4650-929B-C5AE9C83EE0C}" destId="{2CD54FDF-CCC0-4CC8-8252-4597FF28114C}" srcOrd="0" destOrd="0" presId="urn:microsoft.com/office/officeart/2005/8/layout/list1"/>
+    <dgm:cxn modelId="{F140B9B6-6C8B-4DEC-B6D9-B78930DBC80C}" srcId="{EA1ED4B9-786A-424F-BD7C-8C3EE64DF4BB}" destId="{EEF2AB7C-E103-4E1A-B386-EC7EFD70FAC9}" srcOrd="3" destOrd="0" parTransId="{B5593AE3-36C9-47AB-BD7F-F33277E42D42}" sibTransId="{2888BA7A-0710-4840-AE72-ECF4994B9F51}"/>
+    <dgm:cxn modelId="{9060F8BC-C513-4946-BEF3-FAF840E421FF}" type="presOf" srcId="{7AA497C7-1905-4F44-A2FD-71564C6788E7}" destId="{C7568508-A123-402C-B6E5-BE4B9762FBEE}" srcOrd="0" destOrd="0" presId="urn:microsoft.com/office/officeart/2005/8/layout/list1"/>
+    <dgm:cxn modelId="{05FF44BD-6A00-49DC-828E-BDF355EF02F6}" srcId="{EA1ED4B9-786A-424F-BD7C-8C3EE64DF4BB}" destId="{C8559F84-675B-445F-B94A-B74CF40CF802}" srcOrd="4" destOrd="0" parTransId="{29CA4455-051B-4D02-A0B9-2495B2E8E7C8}" sibTransId="{6D3C1460-44C6-4959-BB83-2C43D8C123BB}"/>
+    <dgm:cxn modelId="{FFD661BF-1EB0-45EE-B896-EEF95AFA8FA1}" type="presOf" srcId="{583DD49F-24C6-4091-ADBE-84F460A5D09F}" destId="{2CD54FDF-CCC0-4CC8-8252-4597FF28114C}" srcOrd="0" destOrd="5" presId="urn:microsoft.com/office/officeart/2005/8/layout/list1"/>
+    <dgm:cxn modelId="{B523C2C2-BFC4-47F2-B83F-8CDA8DD32942}" srcId="{EA1ED4B9-786A-424F-BD7C-8C3EE64DF4BB}" destId="{3FC387F8-733F-4650-929B-C5AE9C83EE0C}" srcOrd="0" destOrd="0" parTransId="{98B415AA-E4AB-45BA-9D48-454CE013D6F7}" sibTransId="{982861C6-A126-41CB-9598-A55298ED6C86}"/>
+    <dgm:cxn modelId="{76BBCCCC-36C8-44F7-A766-63972621386D}" type="presOf" srcId="{EA1ED4B9-786A-424F-BD7C-8C3EE64DF4BB}" destId="{6876DF30-88C6-4342-9FF9-903D232E05E1}" srcOrd="1" destOrd="0" presId="urn:microsoft.com/office/officeart/2005/8/layout/list1"/>
+    <dgm:cxn modelId="{74D2FCD1-7062-4492-8507-BA8782F66EC1}" type="presOf" srcId="{AECEF023-05FB-4D4F-92BC-564A2D5B39A5}" destId="{2CD54FDF-CCC0-4CC8-8252-4597FF28114C}" srcOrd="0" destOrd="1" presId="urn:microsoft.com/office/officeart/2005/8/layout/list1"/>
+    <dgm:cxn modelId="{29783AD5-8142-4654-99FD-1E328D4D2222}" type="presOf" srcId="{EA1ED4B9-786A-424F-BD7C-8C3EE64DF4BB}" destId="{62F2BA26-BA61-4F5B-BD50-AB8832C4065F}" srcOrd="0" destOrd="0" presId="urn:microsoft.com/office/officeart/2005/8/layout/list1"/>
+    <dgm:cxn modelId="{51209BDC-561D-4CAF-8A6E-CB3CB2F4398A}" type="presOf" srcId="{93D7FA21-A87D-478C-9530-07242CB0764C}" destId="{2CD54FDF-CCC0-4CC8-8252-4597FF28114C}" srcOrd="0" destOrd="2" presId="urn:microsoft.com/office/officeart/2005/8/layout/list1"/>
+    <dgm:cxn modelId="{88C7D4E8-720E-49A5-AD20-992A07A643B7}" srcId="{EA1ED4B9-786A-424F-BD7C-8C3EE64DF4BB}" destId="{583DD49F-24C6-4091-ADBE-84F460A5D09F}" srcOrd="5" destOrd="0" parTransId="{27CC84EA-C503-4093-88F2-AAFFA3FC4784}" sibTransId="{D5CA5511-6F2B-44D4-BD70-12BD57C906F6}"/>
+    <dgm:cxn modelId="{9C2647F3-133E-436E-B36A-D48827CB69AE}" srcId="{EA1ED4B9-786A-424F-BD7C-8C3EE64DF4BB}" destId="{CEFAD5DD-F37C-4626-91D2-E0274A41A33E}" srcOrd="6" destOrd="0" parTransId="{D554065B-FC84-4565-9AAF-858F292B5010}" sibTransId="{F646A475-6218-4F41-8955-9BC8C1D3CAF5}"/>
+    <dgm:cxn modelId="{7353F2F4-7475-40B4-BB4F-C891D1BE91E9}" srcId="{EA1ED4B9-786A-424F-BD7C-8C3EE64DF4BB}" destId="{93D7FA21-A87D-478C-9530-07242CB0764C}" srcOrd="2" destOrd="0" parTransId="{5E353DA8-DE50-46BF-AE79-3E8F55049BB6}" sibTransId="{B2FED3E2-2550-4FC3-95E6-4B2F31D14D6C}"/>
+    <dgm:cxn modelId="{CDC5750D-E7DA-4A9C-A929-E614BEEE46AD}" type="presParOf" srcId="{C7568508-A123-402C-B6E5-BE4B9762FBEE}" destId="{53838AE7-B03D-4BA6-8C32-6F55C3541DA0}" srcOrd="0" destOrd="0" presId="urn:microsoft.com/office/officeart/2005/8/layout/list1"/>
+    <dgm:cxn modelId="{7EE56403-7E0C-4E23-AF13-4445BF00DF32}" type="presParOf" srcId="{53838AE7-B03D-4BA6-8C32-6F55C3541DA0}" destId="{62F2BA26-BA61-4F5B-BD50-AB8832C4065F}" srcOrd="0" destOrd="0" presId="urn:microsoft.com/office/officeart/2005/8/layout/list1"/>
+    <dgm:cxn modelId="{118F2985-4071-47F2-9B39-776F9AB4DD4A}" type="presParOf" srcId="{53838AE7-B03D-4BA6-8C32-6F55C3541DA0}" destId="{6876DF30-88C6-4342-9FF9-903D232E05E1}" srcOrd="1" destOrd="0" presId="urn:microsoft.com/office/officeart/2005/8/layout/list1"/>
+    <dgm:cxn modelId="{7EDC1361-B9FC-4AC5-9104-7732DE02BB94}" type="presParOf" srcId="{C7568508-A123-402C-B6E5-BE4B9762FBEE}" destId="{C28EEC82-56D3-4F29-A9E7-D3109CC905C9}" srcOrd="1" destOrd="0" presId="urn:microsoft.com/office/officeart/2005/8/layout/list1"/>
+    <dgm:cxn modelId="{0093F507-D028-4058-B9BF-E2141663C008}" type="presParOf" srcId="{C7568508-A123-402C-B6E5-BE4B9762FBEE}" destId="{2CD54FDF-CCC0-4CC8-8252-4597FF28114C}" srcOrd="2" destOrd="0" presId="urn:microsoft.com/office/officeart/2005/8/layout/list1"/>
   </dgm:cxnLst>
   <dgm:bg/>
   <dgm:whole/>
@@ -7384,7 +9249,7 @@
         <a:p>
           <a:r>
             <a:rPr lang="en-US" dirty="0"/>
-            <a:t>Lambda and functors</a:t>
+            <a:t>Lambdas and functors</a:t>
           </a:r>
         </a:p>
       </dgm:t>
@@ -7401,42 +9266,6 @@
       </dgm:t>
     </dgm:pt>
     <dgm:pt modelId="{BA10458C-B67B-4A63-AD2C-13E71E0BF2FA}" type="sibTrans" cxnId="{45797341-8A86-47BA-B0A1-C1B02B0F8B97}">
-      <dgm:prSet/>
-      <dgm:spPr/>
-      <dgm:t>
-        <a:bodyPr/>
-        <a:lstStyle/>
-        <a:p>
-          <a:endParaRPr lang="en-IL"/>
-        </a:p>
-      </dgm:t>
-    </dgm:pt>
-    <dgm:pt modelId="{853F2C50-FFD9-48A8-86BF-AD5CDB52CDC7}">
-      <dgm:prSet/>
-      <dgm:spPr/>
-      <dgm:t>
-        <a:bodyPr/>
-        <a:lstStyle/>
-        <a:p>
-          <a:r>
-            <a:rPr lang="en-US" dirty="0"/>
-            <a:t>Compilation and Linkage</a:t>
-          </a:r>
-        </a:p>
-      </dgm:t>
-    </dgm:pt>
-    <dgm:pt modelId="{5919D799-2BA7-450B-9564-B8B6376FBF08}" type="parTrans" cxnId="{C33BEB04-C8BE-4E88-8F4B-F3BD42E07AFD}">
-      <dgm:prSet/>
-      <dgm:spPr/>
-      <dgm:t>
-        <a:bodyPr/>
-        <a:lstStyle/>
-        <a:p>
-          <a:endParaRPr lang="en-IL"/>
-        </a:p>
-      </dgm:t>
-    </dgm:pt>
-    <dgm:pt modelId="{7F189A8A-F494-4737-A5FA-C94A72CC2FF7}" type="sibTrans" cxnId="{C33BEB04-C8BE-4E88-8F4B-F3BD42E07AFD}">
       <dgm:prSet/>
       <dgm:spPr/>
       <dgm:t>
@@ -7729,6 +9558,102 @@
       <dgm:prSet/>
       <dgm:spPr/>
     </dgm:pt>
+    <dgm:pt modelId="{AE4852A0-D17A-4303-8B5F-4858396FF700}">
+      <dgm:prSet/>
+      <dgm:spPr/>
+      <dgm:t>
+        <a:bodyPr/>
+        <a:lstStyle/>
+        <a:p>
+          <a:r>
+            <a:rPr lang="en-US"/>
+            <a:t>Compilation and Linkage</a:t>
+          </a:r>
+          <a:endParaRPr lang="en-US" dirty="0"/>
+        </a:p>
+      </dgm:t>
+    </dgm:pt>
+    <dgm:pt modelId="{84C00686-64AE-4E9A-89FB-40C45A23D922}" type="parTrans" cxnId="{5BA85DE7-5972-409B-842C-30DD9559AD9C}">
+      <dgm:prSet/>
+      <dgm:spPr/>
+    </dgm:pt>
+    <dgm:pt modelId="{76CBC401-4DC8-4B3D-8CEE-8E93B59C0154}" type="sibTrans" cxnId="{5BA85DE7-5972-409B-842C-30DD9559AD9C}">
+      <dgm:prSet/>
+      <dgm:spPr/>
+    </dgm:pt>
+    <dgm:pt modelId="{B16B9C93-CBB7-4D5F-BE6E-7A720A7EEA30}">
+      <dgm:prSet/>
+      <dgm:spPr/>
+      <dgm:t>
+        <a:bodyPr/>
+        <a:lstStyle/>
+        <a:p>
+          <a:r>
+            <a:rPr lang="en-US"/>
+            <a:t>Files</a:t>
+          </a:r>
+          <a:endParaRPr lang="en-US" dirty="0"/>
+        </a:p>
+      </dgm:t>
+    </dgm:pt>
+    <dgm:pt modelId="{D1C2DB0E-C4E2-4433-8312-21936E02CED7}" type="parTrans" cxnId="{2C070B76-DC1B-41A5-BE0B-C629BDE49B86}">
+      <dgm:prSet/>
+      <dgm:spPr/>
+      <dgm:t>
+        <a:bodyPr/>
+        <a:lstStyle/>
+        <a:p>
+          <a:endParaRPr lang="en-IL"/>
+        </a:p>
+      </dgm:t>
+    </dgm:pt>
+    <dgm:pt modelId="{DA4E2C8D-64A7-4D1C-B689-64969BB3A5C5}" type="sibTrans" cxnId="{2C070B76-DC1B-41A5-BE0B-C629BDE49B86}">
+      <dgm:prSet/>
+      <dgm:spPr/>
+      <dgm:t>
+        <a:bodyPr/>
+        <a:lstStyle/>
+        <a:p>
+          <a:endParaRPr lang="en-IL"/>
+        </a:p>
+      </dgm:t>
+    </dgm:pt>
+    <dgm:pt modelId="{853F2C50-FFD9-48A8-86BF-AD5CDB52CDC7}">
+      <dgm:prSet/>
+      <dgm:spPr/>
+      <dgm:t>
+        <a:bodyPr/>
+        <a:lstStyle/>
+        <a:p>
+          <a:r>
+            <a:rPr lang="en-US" dirty="0"/>
+            <a:t>Concurrency and Parallelism</a:t>
+          </a:r>
+        </a:p>
+      </dgm:t>
+    </dgm:pt>
+    <dgm:pt modelId="{7F189A8A-F494-4737-A5FA-C94A72CC2FF7}" type="sibTrans" cxnId="{C33BEB04-C8BE-4E88-8F4B-F3BD42E07AFD}">
+      <dgm:prSet/>
+      <dgm:spPr/>
+      <dgm:t>
+        <a:bodyPr/>
+        <a:lstStyle/>
+        <a:p>
+          <a:endParaRPr lang="en-IL"/>
+        </a:p>
+      </dgm:t>
+    </dgm:pt>
+    <dgm:pt modelId="{5919D799-2BA7-450B-9564-B8B6376FBF08}" type="parTrans" cxnId="{C33BEB04-C8BE-4E88-8F4B-F3BD42E07AFD}">
+      <dgm:prSet/>
+      <dgm:spPr/>
+      <dgm:t>
+        <a:bodyPr/>
+        <a:lstStyle/>
+        <a:p>
+          <a:endParaRPr lang="en-IL"/>
+        </a:p>
+      </dgm:t>
+    </dgm:pt>
     <dgm:pt modelId="{C7568508-A123-402C-B6E5-BE4B9762FBEE}" type="pres">
       <dgm:prSet presAssocID="{7AA497C7-1905-4F44-A2FD-71564C6788E7}" presName="linear" presStyleCnt="0">
         <dgm:presLayoutVars>
@@ -7836,83 +9761,87 @@
     </dgm:pt>
   </dgm:ptLst>
   <dgm:cxnLst>
+    <dgm:cxn modelId="{D28C0801-00A4-4702-8865-8C4BEECEA46E}" type="presOf" srcId="{4112495F-0165-43B4-A326-3F1B6CE4CF61}" destId="{6E75BE23-E928-4A8D-A9BC-1CD290D0A2B2}" srcOrd="0" destOrd="3" presId="urn:microsoft.com/office/officeart/2005/8/layout/list1"/>
     <dgm:cxn modelId="{195B4C03-CB37-473C-95EA-5F3290E09F7E}" srcId="{9EBA827D-D668-469A-B5D8-CAF855821986}" destId="{B8C65F2F-9C55-4517-85E0-8E89F03A8D24}" srcOrd="9" destOrd="0" parTransId="{A5D4043D-3408-49DF-9D2F-4062AE535766}" sibTransId="{606A0BB6-B98A-4128-9707-91641F9D7882}"/>
+    <dgm:cxn modelId="{4979DE04-7F1B-45BF-AB6E-D4A7553CA471}" type="presOf" srcId="{29494F5A-AB00-4047-9250-5B07965BBA4A}" destId="{7C7483BB-5ED8-40A2-B22A-5B62132FCFD2}" srcOrd="0" destOrd="1" presId="urn:microsoft.com/office/officeart/2005/8/layout/list1"/>
     <dgm:cxn modelId="{C33BEB04-C8BE-4E88-8F4B-F3BD42E07AFD}" srcId="{B0A3C049-E7D2-47E0-96EB-79D8E6BC9428}" destId="{853F2C50-FFD9-48A8-86BF-AD5CDB52CDC7}" srcOrd="3" destOrd="0" parTransId="{5919D799-2BA7-450B-9564-B8B6376FBF08}" sibTransId="{7F189A8A-F494-4737-A5FA-C94A72CC2FF7}"/>
-    <dgm:cxn modelId="{B16FB007-4F26-418C-81B6-E4D58FFB5481}" srcId="{B0A3C049-E7D2-47E0-96EB-79D8E6BC9428}" destId="{00F400F1-A1A7-4AC9-8651-166392054CDB}" srcOrd="0" destOrd="0" parTransId="{03830579-33C4-4F94-8E35-3A35BD0C1738}" sibTransId="{18DF479F-2D55-47DF-A2EB-06D63F598F3D}"/>
-    <dgm:cxn modelId="{FC068A09-E686-4889-896F-95747C5D84E0}" type="presOf" srcId="{29494F5A-AB00-4047-9250-5B07965BBA4A}" destId="{7C7483BB-5ED8-40A2-B22A-5B62132FCFD2}" srcOrd="0" destOrd="1" presId="urn:microsoft.com/office/officeart/2005/8/layout/list1"/>
-    <dgm:cxn modelId="{D78D3F16-E0B1-4C62-9F8B-073F3962C461}" type="presOf" srcId="{2DC74599-C94F-448A-9BC9-58A487728A79}" destId="{7C7483BB-5ED8-40A2-B22A-5B62132FCFD2}" srcOrd="0" destOrd="11" presId="urn:microsoft.com/office/officeart/2005/8/layout/list1"/>
-    <dgm:cxn modelId="{374EB719-A05D-435E-A554-FE38CE3ED69F}" type="presOf" srcId="{4112495F-0165-43B4-A326-3F1B6CE4CF61}" destId="{6E75BE23-E928-4A8D-A9BC-1CD290D0A2B2}" srcOrd="0" destOrd="3" presId="urn:microsoft.com/office/officeart/2005/8/layout/list1"/>
+    <dgm:cxn modelId="{B16FB007-4F26-418C-81B6-E4D58FFB5481}" srcId="{B0A3C049-E7D2-47E0-96EB-79D8E6BC9428}" destId="{00F400F1-A1A7-4AC9-8651-166392054CDB}" srcOrd="2" destOrd="0" parTransId="{03830579-33C4-4F94-8E35-3A35BD0C1738}" sibTransId="{18DF479F-2D55-47DF-A2EB-06D63F598F3D}"/>
+    <dgm:cxn modelId="{19082908-802E-402D-8168-F3576B349EA2}" type="presOf" srcId="{906E6A55-6536-44D4-B2B3-60FEC6367F25}" destId="{E8457E5C-8598-451C-827A-74874040C8CE}" srcOrd="0" destOrd="0" presId="urn:microsoft.com/office/officeart/2005/8/layout/list1"/>
+    <dgm:cxn modelId="{E09A900C-9D3B-42E0-9406-87655EF1D3D2}" type="presOf" srcId="{3FC387F8-733F-4650-929B-C5AE9C83EE0C}" destId="{6E75BE23-E928-4A8D-A9BC-1CD290D0A2B2}" srcOrd="0" destOrd="0" presId="urn:microsoft.com/office/officeart/2005/8/layout/list1"/>
+    <dgm:cxn modelId="{1EAB3914-AF37-43B7-A74D-13EFB4E844BE}" type="presOf" srcId="{F0412F0D-3435-4E92-B0E3-90AFF676FC72}" destId="{6E75BE23-E928-4A8D-A9BC-1CD290D0A2B2}" srcOrd="0" destOrd="4" presId="urn:microsoft.com/office/officeart/2005/8/layout/list1"/>
     <dgm:cxn modelId="{1C3C4B20-A08C-4E43-8313-EE96465E6584}" srcId="{906E6A55-6536-44D4-B2B3-60FEC6367F25}" destId="{4112495F-0165-43B4-A326-3F1B6CE4CF61}" srcOrd="3" destOrd="0" parTransId="{7D6DAE20-7D16-4EAA-98D5-ED3F210CAD3F}" sibTransId="{6B11FDE0-493D-4F50-ABD3-FD9511FBC641}"/>
-    <dgm:cxn modelId="{4377832D-AA0D-4399-82A3-8182E22F3A5A}" type="presOf" srcId="{53850950-F286-45CF-BA79-5213E09A150D}" destId="{5656E000-DE3E-483F-8213-44AB7638CC98}" srcOrd="0" destOrd="2" presId="urn:microsoft.com/office/officeart/2005/8/layout/list1"/>
+    <dgm:cxn modelId="{A0451327-7A85-4AE7-AF22-2B2049FA7C6E}" type="presOf" srcId="{2EC2619A-44E4-48B1-992E-A5A3DA93F016}" destId="{6E75BE23-E928-4A8D-A9BC-1CD290D0A2B2}" srcOrd="0" destOrd="1" presId="urn:microsoft.com/office/officeart/2005/8/layout/list1"/>
     <dgm:cxn modelId="{DC57F431-F458-4F12-A63E-8EC3DD390B98}" srcId="{9EBA827D-D668-469A-B5D8-CAF855821986}" destId="{3C79895F-5990-484A-A137-8151A835BEEF}" srcOrd="4" destOrd="0" parTransId="{92D1A6CF-7DDD-4336-B41F-65E0E537F3C4}" sibTransId="{F1944472-E6F2-4E92-AF8C-CBC6DAAA334F}"/>
-    <dgm:cxn modelId="{25736C36-8C02-4AA8-952C-642026214414}" type="presOf" srcId="{5E4D6931-AF8A-42A2-B02C-425D2D034CE4}" destId="{7C7483BB-5ED8-40A2-B22A-5B62132FCFD2}" srcOrd="0" destOrd="5" presId="urn:microsoft.com/office/officeart/2005/8/layout/list1"/>
     <dgm:cxn modelId="{322D0A37-3F9F-435F-ADEC-E1F5396D569B}" srcId="{9EBA827D-D668-469A-B5D8-CAF855821986}" destId="{5E4D6931-AF8A-42A2-B02C-425D2D034CE4}" srcOrd="5" destOrd="0" parTransId="{E1D2577F-7298-4BB6-9651-3FF50185EBE0}" sibTransId="{32F3BBFF-9BA7-482E-AEF0-5B44C7231E81}"/>
     <dgm:cxn modelId="{B5099538-6DB7-4F61-9BB7-C65FCB5050D7}" srcId="{906E6A55-6536-44D4-B2B3-60FEC6367F25}" destId="{5ED681C3-BAF6-48DB-A9F8-5E71422D7969}" srcOrd="7" destOrd="0" parTransId="{6A54229D-AE45-4516-A3E8-B223EEB714EB}" sibTransId="{537D1A8F-AA99-4D69-9C50-C62A8101D673}"/>
-    <dgm:cxn modelId="{28A7F33E-72E6-48CA-8CC7-BC3F5C728E61}" type="presOf" srcId="{EA1ED4B9-786A-424F-BD7C-8C3EE64DF4BB}" destId="{7C7483BB-5ED8-40A2-B22A-5B62132FCFD2}" srcOrd="0" destOrd="0" presId="urn:microsoft.com/office/officeart/2005/8/layout/list1"/>
-    <dgm:cxn modelId="{E9EE1A5E-9F09-4ADD-BF25-533E8E772377}" type="presOf" srcId="{853F2C50-FFD9-48A8-86BF-AD5CDB52CDC7}" destId="{5656E000-DE3E-483F-8213-44AB7638CC98}" srcOrd="0" destOrd="3" presId="urn:microsoft.com/office/officeart/2005/8/layout/list1"/>
-    <dgm:cxn modelId="{13F2975F-C551-4B3B-97C3-92888B0E3B51}" type="presOf" srcId="{B0A3C049-E7D2-47E0-96EB-79D8E6BC9428}" destId="{E171B225-A972-4706-9DBD-6F1B92AAA60F}" srcOrd="0" destOrd="0" presId="urn:microsoft.com/office/officeart/2005/8/layout/list1"/>
-    <dgm:cxn modelId="{4B6C6B41-310C-4D77-864A-710B9B4AF6E5}" type="presOf" srcId="{DDE3E4B9-00AB-4074-BBA0-B6B9A51F2487}" destId="{7C7483BB-5ED8-40A2-B22A-5B62132FCFD2}" srcOrd="0" destOrd="6" presId="urn:microsoft.com/office/officeart/2005/8/layout/list1"/>
-    <dgm:cxn modelId="{45797341-8A86-47BA-B0A1-C1B02B0F8B97}" srcId="{B0A3C049-E7D2-47E0-96EB-79D8E6BC9428}" destId="{53850950-F286-45CF-BA79-5213E09A150D}" srcOrd="2" destOrd="0" parTransId="{D9AE1233-A55F-4727-B2F8-8A98D0588011}" sibTransId="{BA10458C-B67B-4A63-AD2C-13E71E0BF2FA}"/>
+    <dgm:cxn modelId="{3FCA733E-EAA9-454E-8E21-C6C5FC12C3F7}" type="presOf" srcId="{5E4D6931-AF8A-42A2-B02C-425D2D034CE4}" destId="{7C7483BB-5ED8-40A2-B22A-5B62132FCFD2}" srcOrd="0" destOrd="5" presId="urn:microsoft.com/office/officeart/2005/8/layout/list1"/>
+    <dgm:cxn modelId="{45797341-8A86-47BA-B0A1-C1B02B0F8B97}" srcId="{B0A3C049-E7D2-47E0-96EB-79D8E6BC9428}" destId="{53850950-F286-45CF-BA79-5213E09A150D}" srcOrd="4" destOrd="0" parTransId="{D9AE1233-A55F-4727-B2F8-8A98D0588011}" sibTransId="{BA10458C-B67B-4A63-AD2C-13E71E0BF2FA}"/>
     <dgm:cxn modelId="{D6E75463-9934-4B59-82E0-DE1D8F58C267}" srcId="{7AA497C7-1905-4F44-A2FD-71564C6788E7}" destId="{906E6A55-6536-44D4-B2B3-60FEC6367F25}" srcOrd="1" destOrd="0" parTransId="{01BD4ABF-8814-4DE1-9FA1-087A8A43A13A}" sibTransId="{4390F4B3-8B57-42CA-8044-D7C2B623CA06}"/>
-    <dgm:cxn modelId="{0B6FEB44-B398-4DF9-8475-4F2E9AC957FF}" type="presOf" srcId="{2EC2619A-44E4-48B1-992E-A5A3DA93F016}" destId="{6E75BE23-E928-4A8D-A9BC-1CD290D0A2B2}" srcOrd="0" destOrd="1" presId="urn:microsoft.com/office/officeart/2005/8/layout/list1"/>
-    <dgm:cxn modelId="{833E1766-1764-44BD-A386-59964ECBB396}" type="presOf" srcId="{0D9433DC-FD12-4FD3-A705-ED6FFC93CFF3}" destId="{7C7483BB-5ED8-40A2-B22A-5B62132FCFD2}" srcOrd="0" destOrd="7" presId="urn:microsoft.com/office/officeart/2005/8/layout/list1"/>
-    <dgm:cxn modelId="{51684E66-28B0-4975-8923-CE1F71BE46EC}" type="presOf" srcId="{9EBA827D-D668-469A-B5D8-CAF855821986}" destId="{320C46A1-16B9-4AB8-BFE3-DC0053663BD7}" srcOrd="1" destOrd="0" presId="urn:microsoft.com/office/officeart/2005/8/layout/list1"/>
+    <dgm:cxn modelId="{F4E2A845-D962-4FC7-A709-18207ADFE457}" type="presOf" srcId="{53850950-F286-45CF-BA79-5213E09A150D}" destId="{5656E000-DE3E-483F-8213-44AB7638CC98}" srcOrd="0" destOrd="4" presId="urn:microsoft.com/office/officeart/2005/8/layout/list1"/>
     <dgm:cxn modelId="{D8277B66-3538-4F35-8414-CCB2FA0C031A}" srcId="{9EBA827D-D668-469A-B5D8-CAF855821986}" destId="{29494F5A-AB00-4047-9250-5B07965BBA4A}" srcOrd="1" destOrd="0" parTransId="{D548FE4B-9139-4AD5-BE1F-4E5065E8D881}" sibTransId="{18FC4917-F771-44BA-AC8D-CE22BACF12AE}"/>
     <dgm:cxn modelId="{D2CD8A67-83D3-492F-B867-6CE3560E77CC}" srcId="{906E6A55-6536-44D4-B2B3-60FEC6367F25}" destId="{EA90EDE6-09D0-4A41-AD7F-1E718894C986}" srcOrd="6" destOrd="0" parTransId="{A7DB9E97-91AC-4DFA-A405-5D8B625EDAA8}" sibTransId="{53524E3D-27C7-4117-B46F-C103E1112BD3}"/>
-    <dgm:cxn modelId="{9362A347-11C6-4D22-8BC4-D16B97DA6E21}" type="presOf" srcId="{8420063D-5F61-44DA-BACA-F727A2320C19}" destId="{7C7483BB-5ED8-40A2-B22A-5B62132FCFD2}" srcOrd="0" destOrd="8" presId="urn:microsoft.com/office/officeart/2005/8/layout/list1"/>
-    <dgm:cxn modelId="{BD840E4D-7281-44F7-B2BD-1B2F594718C7}" type="presOf" srcId="{906E6A55-6536-44D4-B2B3-60FEC6367F25}" destId="{E8457E5C-8598-451C-827A-74874040C8CE}" srcOrd="0" destOrd="0" presId="urn:microsoft.com/office/officeart/2005/8/layout/list1"/>
-    <dgm:cxn modelId="{C8EECE6E-0739-4965-ADDE-274C6F4EA9F1}" type="presOf" srcId="{9EBA827D-D668-469A-B5D8-CAF855821986}" destId="{C6721B28-3ABF-4161-95DB-D004B4C0E8EA}" srcOrd="0" destOrd="0" presId="urn:microsoft.com/office/officeart/2005/8/layout/list1"/>
-    <dgm:cxn modelId="{0FD1984F-B7E8-4DD1-8F22-D7CE99B51998}" type="presOf" srcId="{B8C65F2F-9C55-4517-85E0-8E89F03A8D24}" destId="{7C7483BB-5ED8-40A2-B22A-5B62132FCFD2}" srcOrd="0" destOrd="9" presId="urn:microsoft.com/office/officeart/2005/8/layout/list1"/>
-    <dgm:cxn modelId="{F8E8EF52-E089-4B0D-807D-7CAC325CC2D3}" type="presOf" srcId="{CA10B913-777F-4754-BD2F-1112C8B7A543}" destId="{7C7483BB-5ED8-40A2-B22A-5B62132FCFD2}" srcOrd="0" destOrd="3" presId="urn:microsoft.com/office/officeart/2005/8/layout/list1"/>
+    <dgm:cxn modelId="{AF419F67-948A-42DC-8830-5C7808FBEE23}" type="presOf" srcId="{EA90EDE6-09D0-4A41-AD7F-1E718894C986}" destId="{6E75BE23-E928-4A8D-A9BC-1CD290D0A2B2}" srcOrd="0" destOrd="6" presId="urn:microsoft.com/office/officeart/2005/8/layout/list1"/>
+    <dgm:cxn modelId="{C3899F47-2866-4C4B-8297-1A44EAE7E2D3}" type="presOf" srcId="{B0A3C049-E7D2-47E0-96EB-79D8E6BC9428}" destId="{E171B225-A972-4706-9DBD-6F1B92AAA60F}" srcOrd="0" destOrd="0" presId="urn:microsoft.com/office/officeart/2005/8/layout/list1"/>
+    <dgm:cxn modelId="{3541AE68-0662-4A8C-BB8F-2582CBD70942}" type="presOf" srcId="{8858E04D-6240-4388-B812-A163580C332F}" destId="{7C7483BB-5ED8-40A2-B22A-5B62132FCFD2}" srcOrd="0" destOrd="2" presId="urn:microsoft.com/office/officeart/2005/8/layout/list1"/>
+    <dgm:cxn modelId="{B1937069-A12E-4420-A0C6-AF6383750759}" type="presOf" srcId="{B16B9C93-CBB7-4D5F-BE6E-7A720A7EEA30}" destId="{6E75BE23-E928-4A8D-A9BC-1CD290D0A2B2}" srcOrd="0" destOrd="9" presId="urn:microsoft.com/office/officeart/2005/8/layout/list1"/>
+    <dgm:cxn modelId="{1A9B9269-1A5B-4FF3-9657-BD0D4F2D4BC3}" type="presOf" srcId="{42758427-29AF-41A6-A0C0-B1E579D14236}" destId="{5656E000-DE3E-483F-8213-44AB7638CC98}" srcOrd="0" destOrd="0" presId="urn:microsoft.com/office/officeart/2005/8/layout/list1"/>
+    <dgm:cxn modelId="{24674373-C802-4BF6-A70C-5E4C7CB4D520}" type="presOf" srcId="{906E6A55-6536-44D4-B2B3-60FEC6367F25}" destId="{F54E809A-C9AD-4893-95FB-2614467DA9DD}" srcOrd="1" destOrd="0" presId="urn:microsoft.com/office/officeart/2005/8/layout/list1"/>
+    <dgm:cxn modelId="{FEC3F253-8929-4190-8DB9-C7FF43E8C283}" type="presOf" srcId="{853F2C50-FFD9-48A8-86BF-AD5CDB52CDC7}" destId="{5656E000-DE3E-483F-8213-44AB7638CC98}" srcOrd="0" destOrd="3" presId="urn:microsoft.com/office/officeart/2005/8/layout/list1"/>
     <dgm:cxn modelId="{40A5DC54-DB09-4537-892A-96E143DFF05E}" srcId="{9EBA827D-D668-469A-B5D8-CAF855821986}" destId="{0D9433DC-FD12-4FD3-A705-ED6FFC93CFF3}" srcOrd="7" destOrd="0" parTransId="{3AC4F690-33BF-4B38-82FB-479FBE44D25B}" sibTransId="{BD644D3C-5D4A-478D-A28D-2BDC358BA4DE}"/>
-    <dgm:cxn modelId="{C98E9355-D514-45D5-8F9C-97601664C5DA}" type="presOf" srcId="{42758427-29AF-41A6-A0C0-B1E579D14236}" destId="{5656E000-DE3E-483F-8213-44AB7638CC98}" srcOrd="0" destOrd="1" presId="urn:microsoft.com/office/officeart/2005/8/layout/list1"/>
+    <dgm:cxn modelId="{736B8075-86B8-4B5B-9328-3BD1344753D9}" type="presOf" srcId="{8420063D-5F61-44DA-BACA-F727A2320C19}" destId="{7C7483BB-5ED8-40A2-B22A-5B62132FCFD2}" srcOrd="0" destOrd="8" presId="urn:microsoft.com/office/officeart/2005/8/layout/list1"/>
+    <dgm:cxn modelId="{2C070B76-DC1B-41A5-BE0B-C629BDE49B86}" srcId="{906E6A55-6536-44D4-B2B3-60FEC6367F25}" destId="{B16B9C93-CBB7-4D5F-BE6E-7A720A7EEA30}" srcOrd="9" destOrd="0" parTransId="{D1C2DB0E-C4E2-4433-8312-21936E02CED7}" sibTransId="{DA4E2C8D-64A7-4D1C-B689-64969BB3A5C5}"/>
     <dgm:cxn modelId="{F7DBE376-377A-4D8F-BF4E-D17774BE8A52}" srcId="{9EBA827D-D668-469A-B5D8-CAF855821986}" destId="{EA1ED4B9-786A-424F-BD7C-8C3EE64DF4BB}" srcOrd="0" destOrd="0" parTransId="{2B527D47-6712-4468-9D0D-F47BBF9F7177}" sibTransId="{25E8449F-5857-4815-99A4-46A74F1CFA84}"/>
     <dgm:cxn modelId="{B49BD95A-B40A-4E02-AA7F-02B2B46F9F0B}" srcId="{9EBA827D-D668-469A-B5D8-CAF855821986}" destId="{2DC74599-C94F-448A-9BC9-58A487728A79}" srcOrd="11" destOrd="0" parTransId="{CDF5217C-8B47-4CE5-A43D-BD6A1F1301F3}" sibTransId="{A820A194-1D48-41C3-879C-09A9554B6604}"/>
+    <dgm:cxn modelId="{5830D984-7AF9-4343-85CD-33C250EBE8C7}" type="presOf" srcId="{EA1ED4B9-786A-424F-BD7C-8C3EE64DF4BB}" destId="{7C7483BB-5ED8-40A2-B22A-5B62132FCFD2}" srcOrd="0" destOrd="0" presId="urn:microsoft.com/office/officeart/2005/8/layout/list1"/>
     <dgm:cxn modelId="{44537289-4040-45E9-838C-F05D4AACC1B8}" srcId="{906E6A55-6536-44D4-B2B3-60FEC6367F25}" destId="{2EC2619A-44E4-48B1-992E-A5A3DA93F016}" srcOrd="1" destOrd="0" parTransId="{01047297-3037-4476-9E5A-2EA7411F7774}" sibTransId="{CF672B8D-C947-4915-B0AE-9C3D62430668}"/>
     <dgm:cxn modelId="{E0F4D092-5A7C-4135-B22C-8F07D9C94B9E}" srcId="{9EBA827D-D668-469A-B5D8-CAF855821986}" destId="{8858E04D-6240-4388-B812-A163580C332F}" srcOrd="2" destOrd="0" parTransId="{FB198722-99C5-4CA8-BA63-A022B38835FF}" sibTransId="{54F2ECCE-CEE9-49AA-9618-7E118A6322E9}"/>
-    <dgm:cxn modelId="{1F6D1893-D145-4CA3-9676-D6B994A96F64}" srcId="{B0A3C049-E7D2-47E0-96EB-79D8E6BC9428}" destId="{4DB917F1-3F58-4474-BDFB-D56531B94147}" srcOrd="4" destOrd="0" parTransId="{F3C9BB5F-EE1B-486D-998D-78F4E2A4886F}" sibTransId="{EEA0BAA3-94EC-4ECF-B443-F947D907A5B2}"/>
-    <dgm:cxn modelId="{B4068A96-470D-43CE-A45B-34D00D5DB6A1}" type="presOf" srcId="{3C79895F-5990-484A-A137-8151A835BEEF}" destId="{7C7483BB-5ED8-40A2-B22A-5B62132FCFD2}" srcOrd="0" destOrd="4" presId="urn:microsoft.com/office/officeart/2005/8/layout/list1"/>
-    <dgm:cxn modelId="{BEF14C9C-3C63-423E-B873-AC655A1AE351}" type="presOf" srcId="{5ED681C3-BAF6-48DB-A9F8-5E71422D7969}" destId="{6E75BE23-E928-4A8D-A9BC-1CD290D0A2B2}" srcOrd="0" destOrd="7" presId="urn:microsoft.com/office/officeart/2005/8/layout/list1"/>
-    <dgm:cxn modelId="{420DD99D-FC42-4ED3-A70F-014FD160BBF7}" type="presOf" srcId="{6531B7D6-09E2-49DD-931E-F2ADD2F73952}" destId="{6E75BE23-E928-4A8D-A9BC-1CD290D0A2B2}" srcOrd="0" destOrd="5" presId="urn:microsoft.com/office/officeart/2005/8/layout/list1"/>
+    <dgm:cxn modelId="{1F6D1893-D145-4CA3-9676-D6B994A96F64}" srcId="{B0A3C049-E7D2-47E0-96EB-79D8E6BC9428}" destId="{4DB917F1-3F58-4474-BDFB-D56531B94147}" srcOrd="1" destOrd="0" parTransId="{F3C9BB5F-EE1B-486D-998D-78F4E2A4886F}" sibTransId="{EEA0BAA3-94EC-4ECF-B443-F947D907A5B2}"/>
+    <dgm:cxn modelId="{92807096-A774-4558-9A98-48C2E76944F6}" type="presOf" srcId="{A1B3C311-F9BC-431C-8D04-40C6DF5EB89E}" destId="{7C7483BB-5ED8-40A2-B22A-5B62132FCFD2}" srcOrd="0" destOrd="10" presId="urn:microsoft.com/office/officeart/2005/8/layout/list1"/>
+    <dgm:cxn modelId="{9C99EA9A-4074-48F2-832E-97D37D8A1EBF}" type="presOf" srcId="{DDE3E4B9-00AB-4074-BBA0-B6B9A51F2487}" destId="{7C7483BB-5ED8-40A2-B22A-5B62132FCFD2}" srcOrd="0" destOrd="6" presId="urn:microsoft.com/office/officeart/2005/8/layout/list1"/>
+    <dgm:cxn modelId="{4929B29B-A4C7-4F3F-8D05-B0830884C5E7}" type="presOf" srcId="{CA10B913-777F-4754-BD2F-1112C8B7A543}" destId="{7C7483BB-5ED8-40A2-B22A-5B62132FCFD2}" srcOrd="0" destOrd="3" presId="urn:microsoft.com/office/officeart/2005/8/layout/list1"/>
     <dgm:cxn modelId="{88F64A9F-2364-4AEA-B768-FD8C674D9AFD}" srcId="{906E6A55-6536-44D4-B2B3-60FEC6367F25}" destId="{FD195850-5C4E-4C11-BDFD-D6FA51DD17DA}" srcOrd="2" destOrd="0" parTransId="{2CC30E0E-D685-4334-9FE4-FF89140E7026}" sibTransId="{16F2DD03-4AA9-4AEA-BD3B-92CEDE71F47C}"/>
-    <dgm:cxn modelId="{C7FD0FA4-E67C-4DB8-9601-465FD6F53376}" type="presOf" srcId="{A1B3C311-F9BC-431C-8D04-40C6DF5EB89E}" destId="{7C7483BB-5ED8-40A2-B22A-5B62132FCFD2}" srcOrd="0" destOrd="10" presId="urn:microsoft.com/office/officeart/2005/8/layout/list1"/>
-    <dgm:cxn modelId="{9F171EA5-A25D-4BA0-941A-EB44194E23E1}" type="presOf" srcId="{EA90EDE6-09D0-4A41-AD7F-1E718894C986}" destId="{6E75BE23-E928-4A8D-A9BC-1CD290D0A2B2}" srcOrd="0" destOrd="6" presId="urn:microsoft.com/office/officeart/2005/8/layout/list1"/>
+    <dgm:cxn modelId="{21A1B1A2-D2D2-44F4-9DD4-9D8361660B25}" type="presOf" srcId="{FD195850-5C4E-4C11-BDFD-D6FA51DD17DA}" destId="{6E75BE23-E928-4A8D-A9BC-1CD290D0A2B2}" srcOrd="0" destOrd="2" presId="urn:microsoft.com/office/officeart/2005/8/layout/list1"/>
+    <dgm:cxn modelId="{7B4418A5-E272-4A7E-8E41-25CC6C013873}" type="presOf" srcId="{AE4852A0-D17A-4303-8B5F-4858396FF700}" destId="{6E75BE23-E928-4A8D-A9BC-1CD290D0A2B2}" srcOrd="0" destOrd="8" presId="urn:microsoft.com/office/officeart/2005/8/layout/list1"/>
     <dgm:cxn modelId="{E68807A9-F429-4EAA-9557-954BDA5FB4E6}" srcId="{9EBA827D-D668-469A-B5D8-CAF855821986}" destId="{DDE3E4B9-00AB-4074-BBA0-B6B9A51F2487}" srcOrd="6" destOrd="0" parTransId="{52345DD6-0D8D-4CB3-9BAA-D88069C0DD21}" sibTransId="{4359CC6A-A981-43ED-8E2A-639BECEDA980}"/>
-    <dgm:cxn modelId="{D6727CAB-CE2B-4E48-8E86-9228B3F09829}" type="presOf" srcId="{8858E04D-6240-4388-B812-A163580C332F}" destId="{7C7483BB-5ED8-40A2-B22A-5B62132FCFD2}" srcOrd="0" destOrd="2" presId="urn:microsoft.com/office/officeart/2005/8/layout/list1"/>
     <dgm:cxn modelId="{2D17A0AC-B214-455D-9D30-E73F89657369}" srcId="{9EBA827D-D668-469A-B5D8-CAF855821986}" destId="{8420063D-5F61-44DA-BACA-F727A2320C19}" srcOrd="8" destOrd="0" parTransId="{5AA0B8D0-0DB5-4FF8-A505-7E9ED1085BC6}" sibTransId="{F6DC885F-0668-4B4F-AB5F-827E65AEB373}"/>
     <dgm:cxn modelId="{AA16FAAC-79AE-4079-A3D9-ECA664F7053D}" srcId="{7AA497C7-1905-4F44-A2FD-71564C6788E7}" destId="{B0A3C049-E7D2-47E0-96EB-79D8E6BC9428}" srcOrd="2" destOrd="0" parTransId="{E94E5B45-A213-47D5-B4CD-D34FA2FE96BE}" sibTransId="{02FEF901-E773-445B-89DC-04FB889C6CF6}"/>
-    <dgm:cxn modelId="{2FB71EB2-CCD6-4FB1-86F4-4F2B0CB9A1D8}" type="presOf" srcId="{4DB917F1-3F58-4474-BDFB-D56531B94147}" destId="{5656E000-DE3E-483F-8213-44AB7638CC98}" srcOrd="0" destOrd="4" presId="urn:microsoft.com/office/officeart/2005/8/layout/list1"/>
-    <dgm:cxn modelId="{23FCDCB5-3D59-4CFA-9D3D-47450C2CB5E8}" type="presOf" srcId="{3FC387F8-733F-4650-929B-C5AE9C83EE0C}" destId="{6E75BE23-E928-4A8D-A9BC-1CD290D0A2B2}" srcOrd="0" destOrd="0" presId="urn:microsoft.com/office/officeart/2005/8/layout/list1"/>
+    <dgm:cxn modelId="{0AAA5CAE-F6D8-4DD0-B5C4-5DF4FA2A15CC}" type="presOf" srcId="{5ED681C3-BAF6-48DB-A9F8-5E71422D7969}" destId="{6E75BE23-E928-4A8D-A9BC-1CD290D0A2B2}" srcOrd="0" destOrd="7" presId="urn:microsoft.com/office/officeart/2005/8/layout/list1"/>
+    <dgm:cxn modelId="{C9BC5FB8-DE35-4787-857B-C2CC7BBE95B8}" type="presOf" srcId="{00F400F1-A1A7-4AC9-8651-166392054CDB}" destId="{5656E000-DE3E-483F-8213-44AB7638CC98}" srcOrd="0" destOrd="2" presId="urn:microsoft.com/office/officeart/2005/8/layout/list1"/>
     <dgm:cxn modelId="{BAFC33BB-5F50-49A7-8BAB-A1697B4DE57A}" srcId="{906E6A55-6536-44D4-B2B3-60FEC6367F25}" destId="{6531B7D6-09E2-49DD-931E-F2ADD2F73952}" srcOrd="5" destOrd="0" parTransId="{81C195F1-34EE-4246-BD10-10E88CDB7CAE}" sibTransId="{95A59CB5-ADF9-4B5E-B023-F29EFF90EB35}"/>
     <dgm:cxn modelId="{9060F8BC-C513-4946-BEF3-FAF840E421FF}" type="presOf" srcId="{7AA497C7-1905-4F44-A2FD-71564C6788E7}" destId="{C7568508-A123-402C-B6E5-BE4B9762FBEE}" srcOrd="0" destOrd="0" presId="urn:microsoft.com/office/officeart/2005/8/layout/list1"/>
     <dgm:cxn modelId="{B523C2C2-BFC4-47F2-B83F-8CDA8DD32942}" srcId="{906E6A55-6536-44D4-B2B3-60FEC6367F25}" destId="{3FC387F8-733F-4650-929B-C5AE9C83EE0C}" srcOrd="0" destOrd="0" parTransId="{98B415AA-E4AB-45BA-9D48-454CE013D6F7}" sibTransId="{982861C6-A126-41CB-9598-A55298ED6C86}"/>
-    <dgm:cxn modelId="{BCAB25C9-7127-4EE1-AF6E-D0B5F051F942}" type="presOf" srcId="{906E6A55-6536-44D4-B2B3-60FEC6367F25}" destId="{F54E809A-C9AD-4893-95FB-2614467DA9DD}" srcOrd="1" destOrd="0" presId="urn:microsoft.com/office/officeart/2005/8/layout/list1"/>
-    <dgm:cxn modelId="{EBD730CF-7A47-4071-9FC2-A3EEBF4035FA}" type="presOf" srcId="{F0412F0D-3435-4E92-B0E3-90AFF676FC72}" destId="{6E75BE23-E928-4A8D-A9BC-1CD290D0A2B2}" srcOrd="0" destOrd="4" presId="urn:microsoft.com/office/officeart/2005/8/layout/list1"/>
+    <dgm:cxn modelId="{E217F4C5-23BE-4F2C-894D-449B6F501D32}" type="presOf" srcId="{B8C65F2F-9C55-4517-85E0-8E89F03A8D24}" destId="{7C7483BB-5ED8-40A2-B22A-5B62132FCFD2}" srcOrd="0" destOrd="9" presId="urn:microsoft.com/office/officeart/2005/8/layout/list1"/>
+    <dgm:cxn modelId="{633F0CC9-B85A-48C6-8C3D-2B1C50655758}" type="presOf" srcId="{0D9433DC-FD12-4FD3-A705-ED6FFC93CFF3}" destId="{7C7483BB-5ED8-40A2-B22A-5B62132FCFD2}" srcOrd="0" destOrd="7" presId="urn:microsoft.com/office/officeart/2005/8/layout/list1"/>
+    <dgm:cxn modelId="{AD504FC9-9EA4-4C14-BB90-F8A1FC1694BF}" type="presOf" srcId="{6531B7D6-09E2-49DD-931E-F2ADD2F73952}" destId="{6E75BE23-E928-4A8D-A9BC-1CD290D0A2B2}" srcOrd="0" destOrd="5" presId="urn:microsoft.com/office/officeart/2005/8/layout/list1"/>
+    <dgm:cxn modelId="{9AB6F5CB-59F3-450B-B5CB-5A4EA0313FD8}" type="presOf" srcId="{2DC74599-C94F-448A-9BC9-58A487728A79}" destId="{7C7483BB-5ED8-40A2-B22A-5B62132FCFD2}" srcOrd="0" destOrd="11" presId="urn:microsoft.com/office/officeart/2005/8/layout/list1"/>
     <dgm:cxn modelId="{402B4ED0-36CC-4776-BD20-B15610AFE87C}" srcId="{9EBA827D-D668-469A-B5D8-CAF855821986}" destId="{CA10B913-777F-4754-BD2F-1112C8B7A543}" srcOrd="3" destOrd="0" parTransId="{1EDCB273-04D4-4217-85EC-67386AEFB355}" sibTransId="{97A374AB-97F2-40B6-8EE0-ECC4E6C70648}"/>
-    <dgm:cxn modelId="{CEF3BFD7-738D-4A29-B13C-57395991FDB1}" type="presOf" srcId="{00F400F1-A1A7-4AC9-8651-166392054CDB}" destId="{5656E000-DE3E-483F-8213-44AB7638CC98}" srcOrd="0" destOrd="0" presId="urn:microsoft.com/office/officeart/2005/8/layout/list1"/>
-    <dgm:cxn modelId="{0F7E46E1-C813-4DB6-9E59-BCACB6A6B9FB}" srcId="{B0A3C049-E7D2-47E0-96EB-79D8E6BC9428}" destId="{42758427-29AF-41A6-A0C0-B1E579D14236}" srcOrd="1" destOrd="0" parTransId="{FAF29DFF-DF6E-46D7-89FD-1E4325312DA5}" sibTransId="{495E6296-CF2C-4F4A-AF30-51FC7711B2D1}"/>
-    <dgm:cxn modelId="{F4ACBEEF-8691-42A1-BD18-3AFD6CBECF98}" type="presOf" srcId="{B0A3C049-E7D2-47E0-96EB-79D8E6BC9428}" destId="{29A498AB-5660-42D0-968F-6AED228066EC}" srcOrd="1" destOrd="0" presId="urn:microsoft.com/office/officeart/2005/8/layout/list1"/>
+    <dgm:cxn modelId="{80B84BD1-D247-4A13-BDBF-5FD14713F449}" type="presOf" srcId="{4DB917F1-3F58-4474-BDFB-D56531B94147}" destId="{5656E000-DE3E-483F-8213-44AB7638CC98}" srcOrd="0" destOrd="1" presId="urn:microsoft.com/office/officeart/2005/8/layout/list1"/>
+    <dgm:cxn modelId="{A88644DD-E936-4531-A011-22577B6BA408}" type="presOf" srcId="{9EBA827D-D668-469A-B5D8-CAF855821986}" destId="{320C46A1-16B9-4AB8-BFE3-DC0053663BD7}" srcOrd="1" destOrd="0" presId="urn:microsoft.com/office/officeart/2005/8/layout/list1"/>
+    <dgm:cxn modelId="{2EC8BAE0-EBD0-431F-B600-95C8A39D3A53}" type="presOf" srcId="{9EBA827D-D668-469A-B5D8-CAF855821986}" destId="{C6721B28-3ABF-4161-95DB-D004B4C0E8EA}" srcOrd="0" destOrd="0" presId="urn:microsoft.com/office/officeart/2005/8/layout/list1"/>
+    <dgm:cxn modelId="{0F7E46E1-C813-4DB6-9E59-BCACB6A6B9FB}" srcId="{B0A3C049-E7D2-47E0-96EB-79D8E6BC9428}" destId="{42758427-29AF-41A6-A0C0-B1E579D14236}" srcOrd="0" destOrd="0" parTransId="{FAF29DFF-DF6E-46D7-89FD-1E4325312DA5}" sibTransId="{495E6296-CF2C-4F4A-AF30-51FC7711B2D1}"/>
+    <dgm:cxn modelId="{5BA85DE7-5972-409B-842C-30DD9559AD9C}" srcId="{906E6A55-6536-44D4-B2B3-60FEC6367F25}" destId="{AE4852A0-D17A-4303-8B5F-4858396FF700}" srcOrd="8" destOrd="0" parTransId="{84C00686-64AE-4E9A-89FB-40C45A23D922}" sibTransId="{76CBC401-4DC8-4B3D-8CEE-8E93B59C0154}"/>
     <dgm:cxn modelId="{622523F1-F0C5-471E-9991-C574E80921C0}" srcId="{7AA497C7-1905-4F44-A2FD-71564C6788E7}" destId="{9EBA827D-D668-469A-B5D8-CAF855821986}" srcOrd="0" destOrd="0" parTransId="{162C0D77-FE44-4D21-BD7F-AE759124ACA0}" sibTransId="{3361F718-FE7A-49D1-A591-B674DCB5A5BD}"/>
     <dgm:cxn modelId="{EE6D19F8-A205-475C-BF9B-F6973A297F7C}" srcId="{9EBA827D-D668-469A-B5D8-CAF855821986}" destId="{A1B3C311-F9BC-431C-8D04-40C6DF5EB89E}" srcOrd="10" destOrd="0" parTransId="{857A54BF-4EE3-4FD6-955D-886D0F02E090}" sibTransId="{AA031870-AFED-4F87-8EB4-193229644454}"/>
-    <dgm:cxn modelId="{3591AAF8-080C-4B93-BAA9-0AA6EAE2455F}" type="presOf" srcId="{FD195850-5C4E-4C11-BDFD-D6FA51DD17DA}" destId="{6E75BE23-E928-4A8D-A9BC-1CD290D0A2B2}" srcOrd="0" destOrd="2" presId="urn:microsoft.com/office/officeart/2005/8/layout/list1"/>
+    <dgm:cxn modelId="{4E0F6DFB-1663-4CB2-B116-5270C993512A}" type="presOf" srcId="{3C79895F-5990-484A-A137-8151A835BEEF}" destId="{7C7483BB-5ED8-40A2-B22A-5B62132FCFD2}" srcOrd="0" destOrd="4" presId="urn:microsoft.com/office/officeart/2005/8/layout/list1"/>
+    <dgm:cxn modelId="{2ECA4FFD-BF0B-4C41-B5F0-1982A5DD9A59}" type="presOf" srcId="{B0A3C049-E7D2-47E0-96EB-79D8E6BC9428}" destId="{29A498AB-5660-42D0-968F-6AED228066EC}" srcOrd="1" destOrd="0" presId="urn:microsoft.com/office/officeart/2005/8/layout/list1"/>
     <dgm:cxn modelId="{ABDC42FE-FF90-44A3-86FC-575213ED965D}" srcId="{906E6A55-6536-44D4-B2B3-60FEC6367F25}" destId="{F0412F0D-3435-4E92-B0E3-90AFF676FC72}" srcOrd="4" destOrd="0" parTransId="{976ED7E7-D28D-48FB-AE09-39784BA723EB}" sibTransId="{6F95CA7E-DE1C-4153-A2B5-2CE1AC4CBAD6}"/>
-    <dgm:cxn modelId="{3AA55E80-15E0-455B-9ECC-34A6746304E7}" type="presParOf" srcId="{C7568508-A123-402C-B6E5-BE4B9762FBEE}" destId="{2B726364-B311-40D1-B4D6-B449B6FCA2B8}" srcOrd="0" destOrd="0" presId="urn:microsoft.com/office/officeart/2005/8/layout/list1"/>
-    <dgm:cxn modelId="{501B82CF-3353-4131-9D65-47688B694CEE}" type="presParOf" srcId="{2B726364-B311-40D1-B4D6-B449B6FCA2B8}" destId="{C6721B28-3ABF-4161-95DB-D004B4C0E8EA}" srcOrd="0" destOrd="0" presId="urn:microsoft.com/office/officeart/2005/8/layout/list1"/>
-    <dgm:cxn modelId="{E420155A-DDC8-4EF9-8A18-12AB1C8EE794}" type="presParOf" srcId="{2B726364-B311-40D1-B4D6-B449B6FCA2B8}" destId="{320C46A1-16B9-4AB8-BFE3-DC0053663BD7}" srcOrd="1" destOrd="0" presId="urn:microsoft.com/office/officeart/2005/8/layout/list1"/>
-    <dgm:cxn modelId="{B8483E5F-9FE9-4D0D-AE2D-08D8DA66196B}" type="presParOf" srcId="{C7568508-A123-402C-B6E5-BE4B9762FBEE}" destId="{74D16253-A01C-4BD8-A5D0-F80ED6E7CB6F}" srcOrd="1" destOrd="0" presId="urn:microsoft.com/office/officeart/2005/8/layout/list1"/>
-    <dgm:cxn modelId="{A035D469-E8AF-4860-B47F-F7D71B1ADC20}" type="presParOf" srcId="{C7568508-A123-402C-B6E5-BE4B9762FBEE}" destId="{7C7483BB-5ED8-40A2-B22A-5B62132FCFD2}" srcOrd="2" destOrd="0" presId="urn:microsoft.com/office/officeart/2005/8/layout/list1"/>
-    <dgm:cxn modelId="{C98B8613-5669-4863-9968-548AE5068948}" type="presParOf" srcId="{C7568508-A123-402C-B6E5-BE4B9762FBEE}" destId="{09CAFF45-07A1-4719-98A7-E26D7EED3203}" srcOrd="3" destOrd="0" presId="urn:microsoft.com/office/officeart/2005/8/layout/list1"/>
-    <dgm:cxn modelId="{5B250B24-1597-4809-B393-0A6E54F12AF9}" type="presParOf" srcId="{C7568508-A123-402C-B6E5-BE4B9762FBEE}" destId="{A158274F-0B30-44F5-8DBB-242760233175}" srcOrd="4" destOrd="0" presId="urn:microsoft.com/office/officeart/2005/8/layout/list1"/>
-    <dgm:cxn modelId="{274E24E7-E515-4FF5-81C5-CDC570F08B65}" type="presParOf" srcId="{A158274F-0B30-44F5-8DBB-242760233175}" destId="{E8457E5C-8598-451C-827A-74874040C8CE}" srcOrd="0" destOrd="0" presId="urn:microsoft.com/office/officeart/2005/8/layout/list1"/>
-    <dgm:cxn modelId="{B4ACDCDF-8305-41CD-913A-4BB99208437A}" type="presParOf" srcId="{A158274F-0B30-44F5-8DBB-242760233175}" destId="{F54E809A-C9AD-4893-95FB-2614467DA9DD}" srcOrd="1" destOrd="0" presId="urn:microsoft.com/office/officeart/2005/8/layout/list1"/>
-    <dgm:cxn modelId="{1ECA11CD-B949-472E-BADD-F8FB93F81613}" type="presParOf" srcId="{C7568508-A123-402C-B6E5-BE4B9762FBEE}" destId="{E7ADB196-6B57-4BF8-879A-F2210DFDB906}" srcOrd="5" destOrd="0" presId="urn:microsoft.com/office/officeart/2005/8/layout/list1"/>
-    <dgm:cxn modelId="{7C4F0164-B724-47BA-923F-CDEFA251BFA9}" type="presParOf" srcId="{C7568508-A123-402C-B6E5-BE4B9762FBEE}" destId="{6E75BE23-E928-4A8D-A9BC-1CD290D0A2B2}" srcOrd="6" destOrd="0" presId="urn:microsoft.com/office/officeart/2005/8/layout/list1"/>
-    <dgm:cxn modelId="{79979DED-2DF0-4EB5-91E0-B8D3AED08CD9}" type="presParOf" srcId="{C7568508-A123-402C-B6E5-BE4B9762FBEE}" destId="{55B237AC-CD0E-400B-98A1-5974932CDAAA}" srcOrd="7" destOrd="0" presId="urn:microsoft.com/office/officeart/2005/8/layout/list1"/>
-    <dgm:cxn modelId="{1948B340-D8AC-4A83-B4C4-2F37D8BB8202}" type="presParOf" srcId="{C7568508-A123-402C-B6E5-BE4B9762FBEE}" destId="{DE749665-4CC0-4FF2-9A66-82D3583AC973}" srcOrd="8" destOrd="0" presId="urn:microsoft.com/office/officeart/2005/8/layout/list1"/>
-    <dgm:cxn modelId="{23D8894E-D5E2-4598-A9A5-8FDE6A1FF0D1}" type="presParOf" srcId="{DE749665-4CC0-4FF2-9A66-82D3583AC973}" destId="{E171B225-A972-4706-9DBD-6F1B92AAA60F}" srcOrd="0" destOrd="0" presId="urn:microsoft.com/office/officeart/2005/8/layout/list1"/>
-    <dgm:cxn modelId="{B344503B-0ECA-48C1-BA44-37D05C03C4F9}" type="presParOf" srcId="{DE749665-4CC0-4FF2-9A66-82D3583AC973}" destId="{29A498AB-5660-42D0-968F-6AED228066EC}" srcOrd="1" destOrd="0" presId="urn:microsoft.com/office/officeart/2005/8/layout/list1"/>
-    <dgm:cxn modelId="{401BE64C-C884-4560-AE95-ADB72BFC1289}" type="presParOf" srcId="{C7568508-A123-402C-B6E5-BE4B9762FBEE}" destId="{82D65FC3-A535-48CC-9660-F78DA372D91B}" srcOrd="9" destOrd="0" presId="urn:microsoft.com/office/officeart/2005/8/layout/list1"/>
-    <dgm:cxn modelId="{5B8BE946-6040-45EA-B58B-96A85F55DCC7}" type="presParOf" srcId="{C7568508-A123-402C-B6E5-BE4B9762FBEE}" destId="{5656E000-DE3E-483F-8213-44AB7638CC98}" srcOrd="10" destOrd="0" presId="urn:microsoft.com/office/officeart/2005/8/layout/list1"/>
+    <dgm:cxn modelId="{7FBE0894-4481-4E1B-A024-E1772D2F5F7F}" type="presParOf" srcId="{C7568508-A123-402C-B6E5-BE4B9762FBEE}" destId="{2B726364-B311-40D1-B4D6-B449B6FCA2B8}" srcOrd="0" destOrd="0" presId="urn:microsoft.com/office/officeart/2005/8/layout/list1"/>
+    <dgm:cxn modelId="{BF17FC9C-40D6-41EF-84D0-90858C7EF37B}" type="presParOf" srcId="{2B726364-B311-40D1-B4D6-B449B6FCA2B8}" destId="{C6721B28-3ABF-4161-95DB-D004B4C0E8EA}" srcOrd="0" destOrd="0" presId="urn:microsoft.com/office/officeart/2005/8/layout/list1"/>
+    <dgm:cxn modelId="{9580E1F2-BE76-443C-ADE1-7D45F3917D22}" type="presParOf" srcId="{2B726364-B311-40D1-B4D6-B449B6FCA2B8}" destId="{320C46A1-16B9-4AB8-BFE3-DC0053663BD7}" srcOrd="1" destOrd="0" presId="urn:microsoft.com/office/officeart/2005/8/layout/list1"/>
+    <dgm:cxn modelId="{1E22E3A0-6270-45BF-B69E-BAA8DA2AFFEF}" type="presParOf" srcId="{C7568508-A123-402C-B6E5-BE4B9762FBEE}" destId="{74D16253-A01C-4BD8-A5D0-F80ED6E7CB6F}" srcOrd="1" destOrd="0" presId="urn:microsoft.com/office/officeart/2005/8/layout/list1"/>
+    <dgm:cxn modelId="{46BC34E8-767F-4A37-BDCE-6C999B520491}" type="presParOf" srcId="{C7568508-A123-402C-B6E5-BE4B9762FBEE}" destId="{7C7483BB-5ED8-40A2-B22A-5B62132FCFD2}" srcOrd="2" destOrd="0" presId="urn:microsoft.com/office/officeart/2005/8/layout/list1"/>
+    <dgm:cxn modelId="{12D9221E-9490-450D-A84A-A82ABD8EC8D4}" type="presParOf" srcId="{C7568508-A123-402C-B6E5-BE4B9762FBEE}" destId="{09CAFF45-07A1-4719-98A7-E26D7EED3203}" srcOrd="3" destOrd="0" presId="urn:microsoft.com/office/officeart/2005/8/layout/list1"/>
+    <dgm:cxn modelId="{B0D923C0-3345-48BD-9415-6FAA586E0A51}" type="presParOf" srcId="{C7568508-A123-402C-B6E5-BE4B9762FBEE}" destId="{A158274F-0B30-44F5-8DBB-242760233175}" srcOrd="4" destOrd="0" presId="urn:microsoft.com/office/officeart/2005/8/layout/list1"/>
+    <dgm:cxn modelId="{5F5EACA9-682C-45CA-9DB9-898ABDC2CDD0}" type="presParOf" srcId="{A158274F-0B30-44F5-8DBB-242760233175}" destId="{E8457E5C-8598-451C-827A-74874040C8CE}" srcOrd="0" destOrd="0" presId="urn:microsoft.com/office/officeart/2005/8/layout/list1"/>
+    <dgm:cxn modelId="{E748BE68-B755-491B-9ADE-9E8DEDF9CE23}" type="presParOf" srcId="{A158274F-0B30-44F5-8DBB-242760233175}" destId="{F54E809A-C9AD-4893-95FB-2614467DA9DD}" srcOrd="1" destOrd="0" presId="urn:microsoft.com/office/officeart/2005/8/layout/list1"/>
+    <dgm:cxn modelId="{3BEE8FA3-9919-4806-9F30-673ED1A05132}" type="presParOf" srcId="{C7568508-A123-402C-B6E5-BE4B9762FBEE}" destId="{E7ADB196-6B57-4BF8-879A-F2210DFDB906}" srcOrd="5" destOrd="0" presId="urn:microsoft.com/office/officeart/2005/8/layout/list1"/>
+    <dgm:cxn modelId="{525AE38A-32A6-44D7-A9CD-3522F1FBF389}" type="presParOf" srcId="{C7568508-A123-402C-B6E5-BE4B9762FBEE}" destId="{6E75BE23-E928-4A8D-A9BC-1CD290D0A2B2}" srcOrd="6" destOrd="0" presId="urn:microsoft.com/office/officeart/2005/8/layout/list1"/>
+    <dgm:cxn modelId="{6BABFDD2-249E-487C-B1F2-16BA342F033E}" type="presParOf" srcId="{C7568508-A123-402C-B6E5-BE4B9762FBEE}" destId="{55B237AC-CD0E-400B-98A1-5974932CDAAA}" srcOrd="7" destOrd="0" presId="urn:microsoft.com/office/officeart/2005/8/layout/list1"/>
+    <dgm:cxn modelId="{2CDB269D-A900-4B64-8998-B5DE45D18A14}" type="presParOf" srcId="{C7568508-A123-402C-B6E5-BE4B9762FBEE}" destId="{DE749665-4CC0-4FF2-9A66-82D3583AC973}" srcOrd="8" destOrd="0" presId="urn:microsoft.com/office/officeart/2005/8/layout/list1"/>
+    <dgm:cxn modelId="{E8887513-B22C-4D80-8633-9242E0D55B5A}" type="presParOf" srcId="{DE749665-4CC0-4FF2-9A66-82D3583AC973}" destId="{E171B225-A972-4706-9DBD-6F1B92AAA60F}" srcOrd="0" destOrd="0" presId="urn:microsoft.com/office/officeart/2005/8/layout/list1"/>
+    <dgm:cxn modelId="{221D8260-2754-4B0D-93B5-389760DB06DA}" type="presParOf" srcId="{DE749665-4CC0-4FF2-9A66-82D3583AC973}" destId="{29A498AB-5660-42D0-968F-6AED228066EC}" srcOrd="1" destOrd="0" presId="urn:microsoft.com/office/officeart/2005/8/layout/list1"/>
+    <dgm:cxn modelId="{2DF6613C-681F-4707-96C7-209903354A67}" type="presParOf" srcId="{C7568508-A123-402C-B6E5-BE4B9762FBEE}" destId="{82D65FC3-A535-48CC-9660-F78DA372D91B}" srcOrd="9" destOrd="0" presId="urn:microsoft.com/office/officeart/2005/8/layout/list1"/>
+    <dgm:cxn modelId="{F3EA10E7-68D6-4BF2-82BD-3C94C1C2F060}" type="presParOf" srcId="{C7568508-A123-402C-B6E5-BE4B9762FBEE}" destId="{5656E000-DE3E-483F-8213-44AB7638CC98}" srcOrd="10" destOrd="0" presId="urn:microsoft.com/office/officeart/2005/8/layout/list1"/>
   </dgm:cxnLst>
   <dgm:bg/>
   <dgm:whole/>
@@ -9071,7 +11000,7 @@
         </a:p>
       </dgm:t>
     </dgm:pt>
-    <dgm:pt modelId="{D55E7340-F2A7-4066-8C60-E66B7ECF20EE}">
+    <dgm:pt modelId="{8A8F4F85-72BC-49E3-BF63-7FC97D24B87E}">
       <dgm:prSet/>
       <dgm:spPr/>
       <dgm:t>
@@ -9080,32 +11009,40 @@
         <a:p>
           <a:r>
             <a:rPr lang="en-US" dirty="0"/>
-            <a:t>Debugging</a:t>
+            <a:t>Basic AI</a:t>
           </a:r>
         </a:p>
       </dgm:t>
     </dgm:pt>
-    <dgm:pt modelId="{DCE377AE-4524-467D-BE5B-FA8F698A5EB1}" type="parTrans" cxnId="{035F4D3C-B126-472A-A287-87AC67E5EBDF}">
+    <dgm:pt modelId="{AED2430B-7D74-43E8-BE4E-AB5D984D5B2D}" type="parTrans" cxnId="{63567257-A5AD-4F7E-9505-39297DA17EF0}">
+      <dgm:prSet/>
+      <dgm:spPr/>
+    </dgm:pt>
+    <dgm:pt modelId="{5FA91A92-D44C-4C02-925B-F4C815014F3A}" type="sibTrans" cxnId="{63567257-A5AD-4F7E-9505-39297DA17EF0}">
+      <dgm:prSet/>
+      <dgm:spPr/>
+    </dgm:pt>
+    <dgm:pt modelId="{54B1A428-346C-4EC5-B652-E0FE25C1EA08}">
       <dgm:prSet/>
       <dgm:spPr/>
       <dgm:t>
         <a:bodyPr/>
         <a:lstStyle/>
         <a:p>
-          <a:endParaRPr lang="en-IL"/>
+          <a:r>
+            <a:rPr lang="en-US" dirty="0"/>
+            <a:t>Strategy design pattern</a:t>
+          </a:r>
         </a:p>
       </dgm:t>
     </dgm:pt>
-    <dgm:pt modelId="{CE22B339-5677-405A-846E-89140B3BE946}" type="sibTrans" cxnId="{035F4D3C-B126-472A-A287-87AC67E5EBDF}">
+    <dgm:pt modelId="{44495813-C718-4D5F-B2D2-108BC312FF52}" type="parTrans" cxnId="{D39BDABF-8CE8-4B75-96A3-60C052C46C68}">
       <dgm:prSet/>
       <dgm:spPr/>
-      <dgm:t>
-        <a:bodyPr/>
-        <a:lstStyle/>
-        <a:p>
-          <a:endParaRPr lang="en-IL"/>
-        </a:p>
-      </dgm:t>
+    </dgm:pt>
+    <dgm:pt modelId="{0A931F65-4858-4291-8DA6-80AACE4D1D8D}" type="sibTrans" cxnId="{D39BDABF-8CE8-4B75-96A3-60C052C46C68}">
+      <dgm:prSet/>
+      <dgm:spPr/>
     </dgm:pt>
     <dgm:pt modelId="{C7568508-A123-402C-B6E5-BE4B9762FBEE}" type="pres">
       <dgm:prSet presAssocID="{7AA497C7-1905-4F44-A2FD-71564C6788E7}" presName="linear" presStyleCnt="0">
@@ -9149,14 +11086,16 @@
   </dgm:ptLst>
   <dgm:cxnLst>
     <dgm:cxn modelId="{B32A402F-7B8B-48F2-8603-1F4D10D9D1D1}" srcId="{EA1ED4B9-786A-424F-BD7C-8C3EE64DF4BB}" destId="{7E14FB9B-159D-41E9-9790-17F78A2E0293}" srcOrd="2" destOrd="0" parTransId="{027B4C10-DA0C-4BCF-90D8-C9F3B5603289}" sibTransId="{F99C6E4B-651C-40C9-8A46-83006722971C}"/>
-    <dgm:cxn modelId="{035F4D3C-B126-472A-A287-87AC67E5EBDF}" srcId="{EA1ED4B9-786A-424F-BD7C-8C3EE64DF4BB}" destId="{D55E7340-F2A7-4066-8C60-E66B7ECF20EE}" srcOrd="5" destOrd="0" parTransId="{DCE377AE-4524-467D-BE5B-FA8F698A5EB1}" sibTransId="{CE22B339-5677-405A-846E-89140B3BE946}"/>
     <dgm:cxn modelId="{1B48505F-33C7-44C5-A59F-0D148CA9546C}" type="presOf" srcId="{4C1079B8-AE04-4B2B-AE67-6232BB71679E}" destId="{2CD54FDF-CCC0-4CC8-8252-4597FF28114C}" srcOrd="0" destOrd="3" presId="urn:microsoft.com/office/officeart/2005/8/layout/list1"/>
-    <dgm:cxn modelId="{C0CE0752-7633-4873-ABFA-F0D31563BCF5}" type="presOf" srcId="{D55E7340-F2A7-4066-8C60-E66B7ECF20EE}" destId="{2CD54FDF-CCC0-4CC8-8252-4597FF28114C}" srcOrd="0" destOrd="5" presId="urn:microsoft.com/office/officeart/2005/8/layout/list1"/>
+    <dgm:cxn modelId="{55CC8B53-B2AE-46CD-A71C-E658AC1F5FE7}" type="presOf" srcId="{54B1A428-346C-4EC5-B652-E0FE25C1EA08}" destId="{2CD54FDF-CCC0-4CC8-8252-4597FF28114C}" srcOrd="0" destOrd="6" presId="urn:microsoft.com/office/officeart/2005/8/layout/list1"/>
     <dgm:cxn modelId="{F7DBE376-377A-4D8F-BF4E-D17774BE8A52}" srcId="{7AA497C7-1905-4F44-A2FD-71564C6788E7}" destId="{EA1ED4B9-786A-424F-BD7C-8C3EE64DF4BB}" srcOrd="0" destOrd="0" parTransId="{2B527D47-6712-4468-9D0D-F47BBF9F7177}" sibTransId="{25E8449F-5857-4815-99A4-46A74F1CFA84}"/>
+    <dgm:cxn modelId="{63567257-A5AD-4F7E-9505-39297DA17EF0}" srcId="{EA1ED4B9-786A-424F-BD7C-8C3EE64DF4BB}" destId="{8A8F4F85-72BC-49E3-BF63-7FC97D24B87E}" srcOrd="5" destOrd="0" parTransId="{AED2430B-7D74-43E8-BE4E-AB5D984D5B2D}" sibTransId="{5FA91A92-D44C-4C02-925B-F4C815014F3A}"/>
     <dgm:cxn modelId="{49F64E58-AE80-44BF-B1B0-BEE922EF52F4}" srcId="{EA1ED4B9-786A-424F-BD7C-8C3EE64DF4BB}" destId="{4C1079B8-AE04-4B2B-AE67-6232BB71679E}" srcOrd="3" destOrd="0" parTransId="{852F5B86-0D64-432D-A917-E3610633037D}" sibTransId="{0242BD9E-3646-4DE9-9A11-DDAD36CBF895}"/>
+    <dgm:cxn modelId="{6EB1CC9B-BD82-4E98-B7DD-E74B316753C6}" type="presOf" srcId="{8A8F4F85-72BC-49E3-BF63-7FC97D24B87E}" destId="{2CD54FDF-CCC0-4CC8-8252-4597FF28114C}" srcOrd="0" destOrd="5" presId="urn:microsoft.com/office/officeart/2005/8/layout/list1"/>
     <dgm:cxn modelId="{53494FA4-DEBA-4DCE-A9D4-4C4ECDC108D4}" type="presOf" srcId="{3FC387F8-733F-4650-929B-C5AE9C83EE0C}" destId="{2CD54FDF-CCC0-4CC8-8252-4597FF28114C}" srcOrd="0" destOrd="0" presId="urn:microsoft.com/office/officeart/2005/8/layout/list1"/>
     <dgm:cxn modelId="{A8826EAB-A5E1-4877-A537-08C6458524C5}" type="presOf" srcId="{7E14FB9B-159D-41E9-9790-17F78A2E0293}" destId="{2CD54FDF-CCC0-4CC8-8252-4597FF28114C}" srcOrd="0" destOrd="2" presId="urn:microsoft.com/office/officeart/2005/8/layout/list1"/>
     <dgm:cxn modelId="{9060F8BC-C513-4946-BEF3-FAF840E421FF}" type="presOf" srcId="{7AA497C7-1905-4F44-A2FD-71564C6788E7}" destId="{C7568508-A123-402C-B6E5-BE4B9762FBEE}" srcOrd="0" destOrd="0" presId="urn:microsoft.com/office/officeart/2005/8/layout/list1"/>
+    <dgm:cxn modelId="{D39BDABF-8CE8-4B75-96A3-60C052C46C68}" srcId="{EA1ED4B9-786A-424F-BD7C-8C3EE64DF4BB}" destId="{54B1A428-346C-4EC5-B652-E0FE25C1EA08}" srcOrd="6" destOrd="0" parTransId="{44495813-C718-4D5F-B2D2-108BC312FF52}" sibTransId="{0A931F65-4858-4291-8DA6-80AACE4D1D8D}"/>
     <dgm:cxn modelId="{B523C2C2-BFC4-47F2-B83F-8CDA8DD32942}" srcId="{EA1ED4B9-786A-424F-BD7C-8C3EE64DF4BB}" destId="{3FC387F8-733F-4650-929B-C5AE9C83EE0C}" srcOrd="0" destOrd="0" parTransId="{98B415AA-E4AB-45BA-9D48-454CE013D6F7}" sibTransId="{982861C6-A126-41CB-9598-A55298ED6C86}"/>
     <dgm:cxn modelId="{76BBCCCC-36C8-44F7-A766-63972621386D}" type="presOf" srcId="{EA1ED4B9-786A-424F-BD7C-8C3EE64DF4BB}" destId="{6876DF30-88C6-4342-9FF9-903D232E05E1}" srcOrd="1" destOrd="0" presId="urn:microsoft.com/office/officeart/2005/8/layout/list1"/>
     <dgm:cxn modelId="{29783AD5-8142-4654-99FD-1E328D4D2222}" type="presOf" srcId="{EA1ED4B9-786A-424F-BD7C-8C3EE64DF4BB}" destId="{62F2BA26-BA61-4F5B-BD50-AB8832C4065F}" srcOrd="0" destOrd="0" presId="urn:microsoft.com/office/officeart/2005/8/layout/list1"/>
@@ -9311,7 +11250,7 @@
         <a:p>
           <a:r>
             <a:rPr lang="en-US" dirty="0"/>
-            <a:t>Slate (UI)</a:t>
+            <a:t>Niagara VFX</a:t>
           </a:r>
         </a:p>
       </dgm:t>
@@ -9338,7 +11277,7 @@
         </a:p>
       </dgm:t>
     </dgm:pt>
-    <dgm:pt modelId="{D55E7340-F2A7-4066-8C60-E66B7ECF20EE}">
+    <dgm:pt modelId="{97AB4AA0-0998-44B9-8B74-A5C59CDDCF71}">
       <dgm:prSet/>
       <dgm:spPr/>
       <dgm:t>
@@ -9347,34 +11286,20 @@
         <a:p>
           <a:r>
             <a:rPr lang="en-US" dirty="0"/>
-            <a:t>Strategy pattern</a:t>
+            <a:t>Audio</a:t>
           </a:r>
         </a:p>
       </dgm:t>
     </dgm:pt>
-    <dgm:pt modelId="{DCE377AE-4524-467D-BE5B-FA8F698A5EB1}" type="parTrans" cxnId="{035F4D3C-B126-472A-A287-87AC67E5EBDF}">
+    <dgm:pt modelId="{CA2F2DA4-0562-4C27-A819-C4B8A9AF87E2}" type="parTrans" cxnId="{0D6DC008-B9E5-4D9D-BC2C-98715A837F70}">
       <dgm:prSet/>
       <dgm:spPr/>
-      <dgm:t>
-        <a:bodyPr/>
-        <a:lstStyle/>
-        <a:p>
-          <a:endParaRPr lang="en-IL"/>
-        </a:p>
-      </dgm:t>
     </dgm:pt>
-    <dgm:pt modelId="{CE22B339-5677-405A-846E-89140B3BE946}" type="sibTrans" cxnId="{035F4D3C-B126-472A-A287-87AC67E5EBDF}">
+    <dgm:pt modelId="{5F4F59BD-6B63-4CBB-95D0-18DCBC723720}" type="sibTrans" cxnId="{0D6DC008-B9E5-4D9D-BC2C-98715A837F70}">
       <dgm:prSet/>
       <dgm:spPr/>
-      <dgm:t>
-        <a:bodyPr/>
-        <a:lstStyle/>
-        <a:p>
-          <a:endParaRPr lang="en-IL"/>
-        </a:p>
-      </dgm:t>
     </dgm:pt>
-    <dgm:pt modelId="{B7268547-5174-43C3-979A-33792A297856}">
+    <dgm:pt modelId="{0C6878B3-9619-4D76-9FF7-F0806AF809E5}">
       <dgm:prSet/>
       <dgm:spPr/>
       <dgm:t>
@@ -9383,16 +11308,60 @@
         <a:p>
           <a:r>
             <a:rPr lang="en-US" dirty="0"/>
-            <a:t>Niagara Particle system</a:t>
+            <a:t>Animation</a:t>
           </a:r>
         </a:p>
       </dgm:t>
     </dgm:pt>
-    <dgm:pt modelId="{619B49EC-97BF-4740-8988-EFE4D1665284}" type="parTrans" cxnId="{65DC1F1B-9BAE-4CEE-AB64-B14918E48D28}">
+    <dgm:pt modelId="{BD4372C8-F523-4F5E-952B-A5FD3AB20399}" type="parTrans" cxnId="{A36BDAC8-41F6-4CD5-8798-50D02064D59A}">
       <dgm:prSet/>
       <dgm:spPr/>
     </dgm:pt>
-    <dgm:pt modelId="{0F67DC7D-A93A-455A-A647-77706B4836BB}" type="sibTrans" cxnId="{65DC1F1B-9BAE-4CEE-AB64-B14918E48D28}">
+    <dgm:pt modelId="{BD3DAED5-77CF-4C6F-94FB-D597F9746BB1}" type="sibTrans" cxnId="{A36BDAC8-41F6-4CD5-8798-50D02064D59A}">
+      <dgm:prSet/>
+      <dgm:spPr/>
+    </dgm:pt>
+    <dgm:pt modelId="{4DC35FAF-DADA-4394-8096-B7131F76B777}">
+      <dgm:prSet/>
+      <dgm:spPr/>
+      <dgm:t>
+        <a:bodyPr/>
+        <a:lstStyle/>
+        <a:p>
+          <a:r>
+            <a:rPr lang="en-US" dirty="0"/>
+            <a:t>UE Gameplay framework</a:t>
+          </a:r>
+        </a:p>
+      </dgm:t>
+    </dgm:pt>
+    <dgm:pt modelId="{86ADDD33-5112-41EB-A341-3C9436611DC8}" type="parTrans" cxnId="{3CBD09A6-4949-43CC-B996-E32C03FF4C3A}">
+      <dgm:prSet/>
+      <dgm:spPr/>
+    </dgm:pt>
+    <dgm:pt modelId="{4F049D9B-DEB2-4E05-90E7-0D1188E76F8F}" type="sibTrans" cxnId="{3CBD09A6-4949-43CC-B996-E32C03FF4C3A}">
+      <dgm:prSet/>
+      <dgm:spPr/>
+    </dgm:pt>
+    <dgm:pt modelId="{DE633547-0FE2-4A76-A6DD-915FCFC21EE6}">
+      <dgm:prSet/>
+      <dgm:spPr/>
+      <dgm:t>
+        <a:bodyPr/>
+        <a:lstStyle/>
+        <a:p>
+          <a:r>
+            <a:rPr lang="en-US" dirty="0"/>
+            <a:t>File I/O (XML/JSON game configuration)</a:t>
+          </a:r>
+        </a:p>
+      </dgm:t>
+    </dgm:pt>
+    <dgm:pt modelId="{3A17EA44-F88C-45CF-BED8-9713E721CBDD}" type="parTrans" cxnId="{0F29AE5C-1FA4-4C06-A2C4-4D195C86B785}">
+      <dgm:prSet/>
+      <dgm:spPr/>
+    </dgm:pt>
+    <dgm:pt modelId="{51E4E02D-4079-456E-8F5A-752782EBD889}" type="sibTrans" cxnId="{0F29AE5C-1FA4-4C06-A2C4-4D195C86B785}">
       <dgm:prSet/>
       <dgm:spPr/>
     </dgm:pt>
@@ -9437,20 +11406,24 @@
     </dgm:pt>
   </dgm:ptLst>
   <dgm:cxnLst>
-    <dgm:cxn modelId="{65DC1F1B-9BAE-4CEE-AB64-B14918E48D28}" srcId="{EA1ED4B9-786A-424F-BD7C-8C3EE64DF4BB}" destId="{B7268547-5174-43C3-979A-33792A297856}" srcOrd="4" destOrd="0" parTransId="{619B49EC-97BF-4740-8988-EFE4D1665284}" sibTransId="{0F67DC7D-A93A-455A-A647-77706B4836BB}"/>
-    <dgm:cxn modelId="{B32A402F-7B8B-48F2-8603-1F4D10D9D1D1}" srcId="{EA1ED4B9-786A-424F-BD7C-8C3EE64DF4BB}" destId="{7E14FB9B-159D-41E9-9790-17F78A2E0293}" srcOrd="2" destOrd="0" parTransId="{027B4C10-DA0C-4BCF-90D8-C9F3B5603289}" sibTransId="{F99C6E4B-651C-40C9-8A46-83006722971C}"/>
-    <dgm:cxn modelId="{035F4D3C-B126-472A-A287-87AC67E5EBDF}" srcId="{EA1ED4B9-786A-424F-BD7C-8C3EE64DF4BB}" destId="{D55E7340-F2A7-4066-8C60-E66B7ECF20EE}" srcOrd="3" destOrd="0" parTransId="{DCE377AE-4524-467D-BE5B-FA8F698A5EB1}" sibTransId="{CE22B339-5677-405A-846E-89140B3BE946}"/>
-    <dgm:cxn modelId="{C0CE0752-7633-4873-ABFA-F0D31563BCF5}" type="presOf" srcId="{D55E7340-F2A7-4066-8C60-E66B7ECF20EE}" destId="{2CD54FDF-CCC0-4CC8-8252-4597FF28114C}" srcOrd="0" destOrd="3" presId="urn:microsoft.com/office/officeart/2005/8/layout/list1"/>
+    <dgm:cxn modelId="{0D6DC008-B9E5-4D9D-BC2C-98715A837F70}" srcId="{EA1ED4B9-786A-424F-BD7C-8C3EE64DF4BB}" destId="{97AB4AA0-0998-44B9-8B74-A5C59CDDCF71}" srcOrd="5" destOrd="0" parTransId="{CA2F2DA4-0562-4C27-A819-C4B8A9AF87E2}" sibTransId="{5F4F59BD-6B63-4CBB-95D0-18DCBC723720}"/>
+    <dgm:cxn modelId="{B741F827-2973-460B-81F2-C8D0238DF6C1}" type="presOf" srcId="{97AB4AA0-0998-44B9-8B74-A5C59CDDCF71}" destId="{2CD54FDF-CCC0-4CC8-8252-4597FF28114C}" srcOrd="0" destOrd="5" presId="urn:microsoft.com/office/officeart/2005/8/layout/list1"/>
+    <dgm:cxn modelId="{B32A402F-7B8B-48F2-8603-1F4D10D9D1D1}" srcId="{EA1ED4B9-786A-424F-BD7C-8C3EE64DF4BB}" destId="{7E14FB9B-159D-41E9-9790-17F78A2E0293}" srcOrd="4" destOrd="0" parTransId="{027B4C10-DA0C-4BCF-90D8-C9F3B5603289}" sibTransId="{F99C6E4B-651C-40C9-8A46-83006722971C}"/>
+    <dgm:cxn modelId="{0F29AE5C-1FA4-4C06-A2C4-4D195C86B785}" srcId="{EA1ED4B9-786A-424F-BD7C-8C3EE64DF4BB}" destId="{DE633547-0FE2-4A76-A6DD-915FCFC21EE6}" srcOrd="6" destOrd="0" parTransId="{3A17EA44-F88C-45CF-BED8-9713E721CBDD}" sibTransId="{51E4E02D-4079-456E-8F5A-752782EBD889}"/>
     <dgm:cxn modelId="{F7DBE376-377A-4D8F-BF4E-D17774BE8A52}" srcId="{7AA497C7-1905-4F44-A2FD-71564C6788E7}" destId="{EA1ED4B9-786A-424F-BD7C-8C3EE64DF4BB}" srcOrd="0" destOrd="0" parTransId="{2B527D47-6712-4468-9D0D-F47BBF9F7177}" sibTransId="{25E8449F-5857-4815-99A4-46A74F1CFA84}"/>
+    <dgm:cxn modelId="{C19FC782-15A2-45F4-BAFB-D1E43A83D8AF}" type="presOf" srcId="{4DC35FAF-DADA-4394-8096-B7131F76B777}" destId="{2CD54FDF-CCC0-4CC8-8252-4597FF28114C}" srcOrd="0" destOrd="1" presId="urn:microsoft.com/office/officeart/2005/8/layout/list1"/>
     <dgm:cxn modelId="{53494FA4-DEBA-4DCE-A9D4-4C4ECDC108D4}" type="presOf" srcId="{3FC387F8-733F-4650-929B-C5AE9C83EE0C}" destId="{2CD54FDF-CCC0-4CC8-8252-4597FF28114C}" srcOrd="0" destOrd="0" presId="urn:microsoft.com/office/officeart/2005/8/layout/list1"/>
-    <dgm:cxn modelId="{A8826EAB-A5E1-4877-A537-08C6458524C5}" type="presOf" srcId="{7E14FB9B-159D-41E9-9790-17F78A2E0293}" destId="{2CD54FDF-CCC0-4CC8-8252-4597FF28114C}" srcOrd="0" destOrd="2" presId="urn:microsoft.com/office/officeart/2005/8/layout/list1"/>
+    <dgm:cxn modelId="{3CBD09A6-4949-43CC-B996-E32C03FF4C3A}" srcId="{EA1ED4B9-786A-424F-BD7C-8C3EE64DF4BB}" destId="{4DC35FAF-DADA-4394-8096-B7131F76B777}" srcOrd="1" destOrd="0" parTransId="{86ADDD33-5112-41EB-A341-3C9436611DC8}" sibTransId="{4F049D9B-DEB2-4E05-90E7-0D1188E76F8F}"/>
+    <dgm:cxn modelId="{A8826EAB-A5E1-4877-A537-08C6458524C5}" type="presOf" srcId="{7E14FB9B-159D-41E9-9790-17F78A2E0293}" destId="{2CD54FDF-CCC0-4CC8-8252-4597FF28114C}" srcOrd="0" destOrd="4" presId="urn:microsoft.com/office/officeart/2005/8/layout/list1"/>
     <dgm:cxn modelId="{9060F8BC-C513-4946-BEF3-FAF840E421FF}" type="presOf" srcId="{7AA497C7-1905-4F44-A2FD-71564C6788E7}" destId="{C7568508-A123-402C-B6E5-BE4B9762FBEE}" srcOrd="0" destOrd="0" presId="urn:microsoft.com/office/officeart/2005/8/layout/list1"/>
-    <dgm:cxn modelId="{3F02DFBF-6672-414D-A3C9-859A840AFC44}" type="presOf" srcId="{B7268547-5174-43C3-979A-33792A297856}" destId="{2CD54FDF-CCC0-4CC8-8252-4597FF28114C}" srcOrd="0" destOrd="4" presId="urn:microsoft.com/office/officeart/2005/8/layout/list1"/>
+    <dgm:cxn modelId="{DBE97CC1-CFD9-47D1-A8DF-295684492EC9}" type="presOf" srcId="{DE633547-0FE2-4A76-A6DD-915FCFC21EE6}" destId="{2CD54FDF-CCC0-4CC8-8252-4597FF28114C}" srcOrd="0" destOrd="6" presId="urn:microsoft.com/office/officeart/2005/8/layout/list1"/>
     <dgm:cxn modelId="{B523C2C2-BFC4-47F2-B83F-8CDA8DD32942}" srcId="{EA1ED4B9-786A-424F-BD7C-8C3EE64DF4BB}" destId="{3FC387F8-733F-4650-929B-C5AE9C83EE0C}" srcOrd="0" destOrd="0" parTransId="{98B415AA-E4AB-45BA-9D48-454CE013D6F7}" sibTransId="{982861C6-A126-41CB-9598-A55298ED6C86}"/>
+    <dgm:cxn modelId="{A36BDAC8-41F6-4CD5-8798-50D02064D59A}" srcId="{EA1ED4B9-786A-424F-BD7C-8C3EE64DF4BB}" destId="{0C6878B3-9619-4D76-9FF7-F0806AF809E5}" srcOrd="3" destOrd="0" parTransId="{BD4372C8-F523-4F5E-952B-A5FD3AB20399}" sibTransId="{BD3DAED5-77CF-4C6F-94FB-D597F9746BB1}"/>
+    <dgm:cxn modelId="{ECA801CC-BEA9-400E-8228-B7B6702E3174}" type="presOf" srcId="{0C6878B3-9619-4D76-9FF7-F0806AF809E5}" destId="{2CD54FDF-CCC0-4CC8-8252-4597FF28114C}" srcOrd="0" destOrd="3" presId="urn:microsoft.com/office/officeart/2005/8/layout/list1"/>
     <dgm:cxn modelId="{76BBCCCC-36C8-44F7-A766-63972621386D}" type="presOf" srcId="{EA1ED4B9-786A-424F-BD7C-8C3EE64DF4BB}" destId="{6876DF30-88C6-4342-9FF9-903D232E05E1}" srcOrd="1" destOrd="0" presId="urn:microsoft.com/office/officeart/2005/8/layout/list1"/>
     <dgm:cxn modelId="{29783AD5-8142-4654-99FD-1E328D4D2222}" type="presOf" srcId="{EA1ED4B9-786A-424F-BD7C-8C3EE64DF4BB}" destId="{62F2BA26-BA61-4F5B-BD50-AB8832C4065F}" srcOrd="0" destOrd="0" presId="urn:microsoft.com/office/officeart/2005/8/layout/list1"/>
-    <dgm:cxn modelId="{D4E6E4DF-6D17-47D1-BB1C-9040143779C0}" type="presOf" srcId="{3988DF22-17D3-4870-88AC-AF8DB00F7462}" destId="{2CD54FDF-CCC0-4CC8-8252-4597FF28114C}" srcOrd="0" destOrd="1" presId="urn:microsoft.com/office/officeart/2005/8/layout/list1"/>
-    <dgm:cxn modelId="{3EC26DED-8A51-4982-AFC0-5F41BCC96F7A}" srcId="{EA1ED4B9-786A-424F-BD7C-8C3EE64DF4BB}" destId="{3988DF22-17D3-4870-88AC-AF8DB00F7462}" srcOrd="1" destOrd="0" parTransId="{1F95135E-277E-414D-9475-EBCAAB0E1F20}" sibTransId="{AFC3ADAD-EF87-4018-9917-F4A64B8D1229}"/>
+    <dgm:cxn modelId="{D4E6E4DF-6D17-47D1-BB1C-9040143779C0}" type="presOf" srcId="{3988DF22-17D3-4870-88AC-AF8DB00F7462}" destId="{2CD54FDF-CCC0-4CC8-8252-4597FF28114C}" srcOrd="0" destOrd="2" presId="urn:microsoft.com/office/officeart/2005/8/layout/list1"/>
+    <dgm:cxn modelId="{3EC26DED-8A51-4982-AFC0-5F41BCC96F7A}" srcId="{EA1ED4B9-786A-424F-BD7C-8C3EE64DF4BB}" destId="{3988DF22-17D3-4870-88AC-AF8DB00F7462}" srcOrd="2" destOrd="0" parTransId="{1F95135E-277E-414D-9475-EBCAAB0E1F20}" sibTransId="{AFC3ADAD-EF87-4018-9917-F4A64B8D1229}"/>
     <dgm:cxn modelId="{CDC5750D-E7DA-4A9C-A929-E614BEEE46AD}" type="presParOf" srcId="{C7568508-A123-402C-B6E5-BE4B9762FBEE}" destId="{53838AE7-B03D-4BA6-8C32-6F55C3541DA0}" srcOrd="0" destOrd="0" presId="urn:microsoft.com/office/officeart/2005/8/layout/list1"/>
     <dgm:cxn modelId="{7EE56403-7E0C-4E23-AF13-4445BF00DF32}" type="presParOf" srcId="{53838AE7-B03D-4BA6-8C32-6F55C3541DA0}" destId="{62F2BA26-BA61-4F5B-BD50-AB8832C4065F}" srcOrd="0" destOrd="0" presId="urn:microsoft.com/office/officeart/2005/8/layout/list1"/>
     <dgm:cxn modelId="{118F2985-4071-47F2-9B39-776F9AB4DD4A}" type="presParOf" srcId="{53838AE7-B03D-4BA6-8C32-6F55C3541DA0}" destId="{6876DF30-88C6-4342-9FF9-903D232E05E1}" srcOrd="1" destOrd="0" presId="urn:microsoft.com/office/officeart/2005/8/layout/list1"/>
@@ -9611,7 +11584,7 @@
       <dgm:prSet/>
       <dgm:spPr/>
     </dgm:pt>
-    <dgm:pt modelId="{3C935417-F6EF-4440-BC0C-CA24E12DB7A3}">
+    <dgm:pt modelId="{DE55133A-19C1-499F-B173-73F2C52FAD97}">
       <dgm:prSet/>
       <dgm:spPr/>
       <dgm:t>
@@ -9620,16 +11593,52 @@
         <a:p>
           <a:r>
             <a:rPr lang="en-US" dirty="0"/>
-            <a:t>File I/O (XML/JSON game configuration)</a:t>
+            <a:t>Niagara Particle system</a:t>
           </a:r>
         </a:p>
       </dgm:t>
     </dgm:pt>
-    <dgm:pt modelId="{721BD56A-60D2-455E-A6E8-02F360707D2B}" type="parTrans" cxnId="{36FDB9C0-E724-4A24-B145-8841C331C183}">
+    <dgm:pt modelId="{A16498AC-6192-4235-AF13-759ED33DDE72}" type="parTrans" cxnId="{C1808177-9E25-46C4-847D-5490982894B2}">
+      <dgm:prSet/>
+      <dgm:spPr/>
+      <dgm:t>
+        <a:bodyPr/>
+        <a:lstStyle/>
+        <a:p>
+          <a:endParaRPr lang="en-IL"/>
+        </a:p>
+      </dgm:t>
+    </dgm:pt>
+    <dgm:pt modelId="{4B546F91-2ACB-4475-B5BA-C72A1203B083}" type="sibTrans" cxnId="{C1808177-9E25-46C4-847D-5490982894B2}">
+      <dgm:prSet/>
+      <dgm:spPr/>
+      <dgm:t>
+        <a:bodyPr/>
+        <a:lstStyle/>
+        <a:p>
+          <a:endParaRPr lang="en-IL"/>
+        </a:p>
+      </dgm:t>
+    </dgm:pt>
+    <dgm:pt modelId="{F692E288-C576-471E-B01B-825ACDE3B44F}">
+      <dgm:prSet/>
+      <dgm:spPr/>
+      <dgm:t>
+        <a:bodyPr/>
+        <a:lstStyle/>
+        <a:p>
+          <a:r>
+            <a:rPr lang="en-US" dirty="0"/>
+            <a:t>Observer design pattern</a:t>
+          </a:r>
+        </a:p>
+      </dgm:t>
+    </dgm:pt>
+    <dgm:pt modelId="{CD26F81C-188F-4572-9F64-82D55524939D}" type="sibTrans" cxnId="{44B07ABE-E30F-4787-99BE-10C70E7DA8BC}">
       <dgm:prSet/>
       <dgm:spPr/>
     </dgm:pt>
-    <dgm:pt modelId="{FF01F423-212D-47B6-B9FE-CEFFBC6C948C}" type="sibTrans" cxnId="{36FDB9C0-E724-4A24-B145-8841C331C183}">
+    <dgm:pt modelId="{DF02FDB3-F0F1-470E-8F48-600701F8E824}" type="parTrans" cxnId="{44B07ABE-E30F-4787-99BE-10C70E7DA8BC}">
       <dgm:prSet/>
       <dgm:spPr/>
     </dgm:pt>
@@ -9677,15 +11686,214 @@
     <dgm:cxn modelId="{6D33CF1B-BAC8-4596-8E93-A16CF929C231}" srcId="{EA1ED4B9-786A-424F-BD7C-8C3EE64DF4BB}" destId="{AA854F87-EE48-42A9-AC4D-5AE2051F66C6}" srcOrd="2" destOrd="0" parTransId="{D6EE7A9A-7073-4CF0-AE23-14DCFC73E2B8}" sibTransId="{1E7112F3-8649-454A-9B07-25DE35D2F3BD}"/>
     <dgm:cxn modelId="{DCD8585D-8E79-41CA-8D10-4A035FFC81BB}" type="presOf" srcId="{AA854F87-EE48-42A9-AC4D-5AE2051F66C6}" destId="{2CD54FDF-CCC0-4CC8-8252-4597FF28114C}" srcOrd="0" destOrd="2" presId="urn:microsoft.com/office/officeart/2005/8/layout/list1"/>
     <dgm:cxn modelId="{F7DBE376-377A-4D8F-BF4E-D17774BE8A52}" srcId="{7AA497C7-1905-4F44-A2FD-71564C6788E7}" destId="{EA1ED4B9-786A-424F-BD7C-8C3EE64DF4BB}" srcOrd="0" destOrd="0" parTransId="{2B527D47-6712-4468-9D0D-F47BBF9F7177}" sibTransId="{25E8449F-5857-4815-99A4-46A74F1CFA84}"/>
+    <dgm:cxn modelId="{C1808177-9E25-46C4-847D-5490982894B2}" srcId="{EA1ED4B9-786A-424F-BD7C-8C3EE64DF4BB}" destId="{DE55133A-19C1-499F-B173-73F2C52FAD97}" srcOrd="4" destOrd="0" parTransId="{A16498AC-6192-4235-AF13-759ED33DDE72}" sibTransId="{4B546F91-2ACB-4475-B5BA-C72A1203B083}"/>
+    <dgm:cxn modelId="{DBCBA393-09D3-40E4-A1C3-70CB008C5CE1}" type="presOf" srcId="{DE55133A-19C1-499F-B173-73F2C52FAD97}" destId="{2CD54FDF-CCC0-4CC8-8252-4597FF28114C}" srcOrd="0" destOrd="4" presId="urn:microsoft.com/office/officeart/2005/8/layout/list1"/>
     <dgm:cxn modelId="{53494FA4-DEBA-4DCE-A9D4-4C4ECDC108D4}" type="presOf" srcId="{3FC387F8-733F-4650-929B-C5AE9C83EE0C}" destId="{2CD54FDF-CCC0-4CC8-8252-4597FF28114C}" srcOrd="0" destOrd="0" presId="urn:microsoft.com/office/officeart/2005/8/layout/list1"/>
-    <dgm:cxn modelId="{128A6DB1-5F73-48F5-B1BF-7727E959CBAE}" type="presOf" srcId="{3C935417-F6EF-4440-BC0C-CA24E12DB7A3}" destId="{2CD54FDF-CCC0-4CC8-8252-4597FF28114C}" srcOrd="0" destOrd="3" presId="urn:microsoft.com/office/officeart/2005/8/layout/list1"/>
     <dgm:cxn modelId="{9060F8BC-C513-4946-BEF3-FAF840E421FF}" type="presOf" srcId="{7AA497C7-1905-4F44-A2FD-71564C6788E7}" destId="{C7568508-A123-402C-B6E5-BE4B9762FBEE}" srcOrd="0" destOrd="0" presId="urn:microsoft.com/office/officeart/2005/8/layout/list1"/>
-    <dgm:cxn modelId="{36FDB9C0-E724-4A24-B145-8841C331C183}" srcId="{EA1ED4B9-786A-424F-BD7C-8C3EE64DF4BB}" destId="{3C935417-F6EF-4440-BC0C-CA24E12DB7A3}" srcOrd="3" destOrd="0" parTransId="{721BD56A-60D2-455E-A6E8-02F360707D2B}" sibTransId="{FF01F423-212D-47B6-B9FE-CEFFBC6C948C}"/>
+    <dgm:cxn modelId="{44B07ABE-E30F-4787-99BE-10C70E7DA8BC}" srcId="{EA1ED4B9-786A-424F-BD7C-8C3EE64DF4BB}" destId="{F692E288-C576-471E-B01B-825ACDE3B44F}" srcOrd="3" destOrd="0" parTransId="{DF02FDB3-F0F1-470E-8F48-600701F8E824}" sibTransId="{CD26F81C-188F-4572-9F64-82D55524939D}"/>
     <dgm:cxn modelId="{B523C2C2-BFC4-47F2-B83F-8CDA8DD32942}" srcId="{EA1ED4B9-786A-424F-BD7C-8C3EE64DF4BB}" destId="{3FC387F8-733F-4650-929B-C5AE9C83EE0C}" srcOrd="0" destOrd="0" parTransId="{98B415AA-E4AB-45BA-9D48-454CE013D6F7}" sibTransId="{982861C6-A126-41CB-9598-A55298ED6C86}"/>
     <dgm:cxn modelId="{76BBCCCC-36C8-44F7-A766-63972621386D}" type="presOf" srcId="{EA1ED4B9-786A-424F-BD7C-8C3EE64DF4BB}" destId="{6876DF30-88C6-4342-9FF9-903D232E05E1}" srcOrd="1" destOrd="0" presId="urn:microsoft.com/office/officeart/2005/8/layout/list1"/>
+    <dgm:cxn modelId="{43BC49D4-B920-4FD9-A177-5B413466994E}" type="presOf" srcId="{F692E288-C576-471E-B01B-825ACDE3B44F}" destId="{2CD54FDF-CCC0-4CC8-8252-4597FF28114C}" srcOrd="0" destOrd="3" presId="urn:microsoft.com/office/officeart/2005/8/layout/list1"/>
     <dgm:cxn modelId="{29783AD5-8142-4654-99FD-1E328D4D2222}" type="presOf" srcId="{EA1ED4B9-786A-424F-BD7C-8C3EE64DF4BB}" destId="{62F2BA26-BA61-4F5B-BD50-AB8832C4065F}" srcOrd="0" destOrd="0" presId="urn:microsoft.com/office/officeart/2005/8/layout/list1"/>
     <dgm:cxn modelId="{D4E6E4DF-6D17-47D1-BB1C-9040143779C0}" type="presOf" srcId="{3988DF22-17D3-4870-88AC-AF8DB00F7462}" destId="{2CD54FDF-CCC0-4CC8-8252-4597FF28114C}" srcOrd="0" destOrd="1" presId="urn:microsoft.com/office/officeart/2005/8/layout/list1"/>
     <dgm:cxn modelId="{3EC26DED-8A51-4982-AFC0-5F41BCC96F7A}" srcId="{EA1ED4B9-786A-424F-BD7C-8C3EE64DF4BB}" destId="{3988DF22-17D3-4870-88AC-AF8DB00F7462}" srcOrd="1" destOrd="0" parTransId="{1F95135E-277E-414D-9475-EBCAAB0E1F20}" sibTransId="{AFC3ADAD-EF87-4018-9917-F4A64B8D1229}"/>
+    <dgm:cxn modelId="{CDC5750D-E7DA-4A9C-A929-E614BEEE46AD}" type="presParOf" srcId="{C7568508-A123-402C-B6E5-BE4B9762FBEE}" destId="{53838AE7-B03D-4BA6-8C32-6F55C3541DA0}" srcOrd="0" destOrd="0" presId="urn:microsoft.com/office/officeart/2005/8/layout/list1"/>
+    <dgm:cxn modelId="{7EE56403-7E0C-4E23-AF13-4445BF00DF32}" type="presParOf" srcId="{53838AE7-B03D-4BA6-8C32-6F55C3541DA0}" destId="{62F2BA26-BA61-4F5B-BD50-AB8832C4065F}" srcOrd="0" destOrd="0" presId="urn:microsoft.com/office/officeart/2005/8/layout/list1"/>
+    <dgm:cxn modelId="{118F2985-4071-47F2-9B39-776F9AB4DD4A}" type="presParOf" srcId="{53838AE7-B03D-4BA6-8C32-6F55C3541DA0}" destId="{6876DF30-88C6-4342-9FF9-903D232E05E1}" srcOrd="1" destOrd="0" presId="urn:microsoft.com/office/officeart/2005/8/layout/list1"/>
+    <dgm:cxn modelId="{7EDC1361-B9FC-4AC5-9104-7732DE02BB94}" type="presParOf" srcId="{C7568508-A123-402C-B6E5-BE4B9762FBEE}" destId="{C28EEC82-56D3-4F29-A9E7-D3109CC905C9}" srcOrd="1" destOrd="0" presId="urn:microsoft.com/office/officeart/2005/8/layout/list1"/>
+    <dgm:cxn modelId="{0093F507-D028-4058-B9BF-E2141663C008}" type="presParOf" srcId="{C7568508-A123-402C-B6E5-BE4B9762FBEE}" destId="{2CD54FDF-CCC0-4CC8-8252-4597FF28114C}" srcOrd="2" destOrd="0" presId="urn:microsoft.com/office/officeart/2005/8/layout/list1"/>
+  </dgm:cxnLst>
+  <dgm:bg/>
+  <dgm:whole/>
+  <dgm:extLst>
+    <a:ext uri="http://schemas.microsoft.com/office/drawing/2008/diagram">
+      <dsp:dataModelExt xmlns:dsp="http://schemas.microsoft.com/office/drawing/2008/diagram" relId="rId6" minVer="http://schemas.openxmlformats.org/drawingml/2006/diagram"/>
+    </a:ext>
+  </dgm:extLst>
+</dgm:dataModel>
+</file>
+
+<file path=ppt/diagrams/data9.xml><?xml version="1.0" encoding="utf-8"?>
+<dgm:dataModel xmlns:dgm="http://schemas.openxmlformats.org/drawingml/2006/diagram" xmlns:a="http://schemas.openxmlformats.org/drawingml/2006/main">
+  <dgm:ptLst>
+    <dgm:pt modelId="{7AA497C7-1905-4F44-A2FD-71564C6788E7}" type="doc">
+      <dgm:prSet loTypeId="urn:microsoft.com/office/officeart/2005/8/layout/list1" loCatId="list" qsTypeId="urn:microsoft.com/office/officeart/2005/8/quickstyle/simple4" qsCatId="simple" csTypeId="urn:microsoft.com/office/officeart/2005/8/colors/colorful2" csCatId="colorful" phldr="1"/>
+      <dgm:spPr/>
+      <dgm:t>
+        <a:bodyPr/>
+        <a:lstStyle/>
+        <a:p>
+          <a:endParaRPr lang="en-US"/>
+        </a:p>
+      </dgm:t>
+    </dgm:pt>
+    <dgm:pt modelId="{EA1ED4B9-786A-424F-BD7C-8C3EE64DF4BB}">
+      <dgm:prSet/>
+      <dgm:spPr/>
+      <dgm:t>
+        <a:bodyPr/>
+        <a:lstStyle/>
+        <a:p>
+          <a:r>
+            <a:rPr lang="en-US" dirty="0"/>
+            <a:t>Optimization:</a:t>
+          </a:r>
+        </a:p>
+      </dgm:t>
+    </dgm:pt>
+    <dgm:pt modelId="{2B527D47-6712-4468-9D0D-F47BBF9F7177}" type="parTrans" cxnId="{F7DBE376-377A-4D8F-BF4E-D17774BE8A52}">
+      <dgm:prSet/>
+      <dgm:spPr/>
+      <dgm:t>
+        <a:bodyPr/>
+        <a:lstStyle/>
+        <a:p>
+          <a:endParaRPr lang="en-US"/>
+        </a:p>
+      </dgm:t>
+    </dgm:pt>
+    <dgm:pt modelId="{25E8449F-5857-4815-99A4-46A74F1CFA84}" type="sibTrans" cxnId="{F7DBE376-377A-4D8F-BF4E-D17774BE8A52}">
+      <dgm:prSet/>
+      <dgm:spPr/>
+      <dgm:t>
+        <a:bodyPr/>
+        <a:lstStyle/>
+        <a:p>
+          <a:endParaRPr lang="en-US"/>
+        </a:p>
+      </dgm:t>
+    </dgm:pt>
+    <dgm:pt modelId="{3FC387F8-733F-4650-929B-C5AE9C83EE0C}">
+      <dgm:prSet/>
+      <dgm:spPr/>
+      <dgm:t>
+        <a:bodyPr/>
+        <a:lstStyle/>
+        <a:p>
+          <a:r>
+            <a:rPr lang="en-US" dirty="0"/>
+            <a:t>Unreal Insights</a:t>
+          </a:r>
+        </a:p>
+      </dgm:t>
+    </dgm:pt>
+    <dgm:pt modelId="{98B415AA-E4AB-45BA-9D48-454CE013D6F7}" type="parTrans" cxnId="{B523C2C2-BFC4-47F2-B83F-8CDA8DD32942}">
+      <dgm:prSet/>
+      <dgm:spPr/>
+      <dgm:t>
+        <a:bodyPr/>
+        <a:lstStyle/>
+        <a:p>
+          <a:endParaRPr lang="en-US"/>
+        </a:p>
+      </dgm:t>
+    </dgm:pt>
+    <dgm:pt modelId="{982861C6-A126-41CB-9598-A55298ED6C86}" type="sibTrans" cxnId="{B523C2C2-BFC4-47F2-B83F-8CDA8DD32942}">
+      <dgm:prSet/>
+      <dgm:spPr/>
+      <dgm:t>
+        <a:bodyPr/>
+        <a:lstStyle/>
+        <a:p>
+          <a:endParaRPr lang="en-US"/>
+        </a:p>
+      </dgm:t>
+    </dgm:pt>
+    <dgm:pt modelId="{AECEF023-05FB-4D4F-92BC-564A2D5B39A5}">
+      <dgm:prSet/>
+      <dgm:spPr/>
+      <dgm:t>
+        <a:bodyPr/>
+        <a:lstStyle/>
+        <a:p>
+          <a:r>
+            <a:rPr lang="en-US" dirty="0"/>
+            <a:t>Visual Studio Profiling</a:t>
+          </a:r>
+        </a:p>
+      </dgm:t>
+    </dgm:pt>
+    <dgm:pt modelId="{953B4D70-AC64-4619-9181-8F5955EA3E32}" type="parTrans" cxnId="{F4EB8129-F5FA-40DA-B98E-20B035E3EFD3}">
+      <dgm:prSet/>
+      <dgm:spPr/>
+    </dgm:pt>
+    <dgm:pt modelId="{7FFD9CBC-044A-4CD2-920A-D9897FB75EFB}" type="sibTrans" cxnId="{F4EB8129-F5FA-40DA-B98E-20B035E3EFD3}">
+      <dgm:prSet/>
+      <dgm:spPr/>
+    </dgm:pt>
+    <dgm:pt modelId="{93D7FA21-A87D-478C-9530-07242CB0764C}">
+      <dgm:prSet/>
+      <dgm:spPr/>
+      <dgm:t>
+        <a:bodyPr/>
+        <a:lstStyle/>
+        <a:p>
+          <a:r>
+            <a:rPr lang="en-US" dirty="0"/>
+            <a:t>Render DOC</a:t>
+          </a:r>
+        </a:p>
+      </dgm:t>
+    </dgm:pt>
+    <dgm:pt modelId="{5E353DA8-DE50-46BF-AE79-3E8F55049BB6}" type="parTrans" cxnId="{7353F2F4-7475-40B4-BB4F-C891D1BE91E9}">
+      <dgm:prSet/>
+      <dgm:spPr/>
+    </dgm:pt>
+    <dgm:pt modelId="{B2FED3E2-2550-4FC3-95E6-4B2F31D14D6C}" type="sibTrans" cxnId="{7353F2F4-7475-40B4-BB4F-C891D1BE91E9}">
+      <dgm:prSet/>
+      <dgm:spPr/>
+    </dgm:pt>
+    <dgm:pt modelId="{C7568508-A123-402C-B6E5-BE4B9762FBEE}" type="pres">
+      <dgm:prSet presAssocID="{7AA497C7-1905-4F44-A2FD-71564C6788E7}" presName="linear" presStyleCnt="0">
+        <dgm:presLayoutVars>
+          <dgm:dir/>
+          <dgm:animLvl val="lvl"/>
+          <dgm:resizeHandles val="exact"/>
+        </dgm:presLayoutVars>
+      </dgm:prSet>
+      <dgm:spPr/>
+    </dgm:pt>
+    <dgm:pt modelId="{53838AE7-B03D-4BA6-8C32-6F55C3541DA0}" type="pres">
+      <dgm:prSet presAssocID="{EA1ED4B9-786A-424F-BD7C-8C3EE64DF4BB}" presName="parentLin" presStyleCnt="0"/>
+      <dgm:spPr/>
+    </dgm:pt>
+    <dgm:pt modelId="{62F2BA26-BA61-4F5B-BD50-AB8832C4065F}" type="pres">
+      <dgm:prSet presAssocID="{EA1ED4B9-786A-424F-BD7C-8C3EE64DF4BB}" presName="parentLeftMargin" presStyleLbl="node1" presStyleIdx="0" presStyleCnt="1"/>
+      <dgm:spPr/>
+    </dgm:pt>
+    <dgm:pt modelId="{6876DF30-88C6-4342-9FF9-903D232E05E1}" type="pres">
+      <dgm:prSet presAssocID="{EA1ED4B9-786A-424F-BD7C-8C3EE64DF4BB}" presName="parentText" presStyleLbl="node1" presStyleIdx="0" presStyleCnt="1">
+        <dgm:presLayoutVars>
+          <dgm:chMax val="0"/>
+          <dgm:bulletEnabled val="1"/>
+        </dgm:presLayoutVars>
+      </dgm:prSet>
+      <dgm:spPr/>
+    </dgm:pt>
+    <dgm:pt modelId="{C28EEC82-56D3-4F29-A9E7-D3109CC905C9}" type="pres">
+      <dgm:prSet presAssocID="{EA1ED4B9-786A-424F-BD7C-8C3EE64DF4BB}" presName="negativeSpace" presStyleCnt="0"/>
+      <dgm:spPr/>
+    </dgm:pt>
+    <dgm:pt modelId="{2CD54FDF-CCC0-4CC8-8252-4597FF28114C}" type="pres">
+      <dgm:prSet presAssocID="{EA1ED4B9-786A-424F-BD7C-8C3EE64DF4BB}" presName="childText" presStyleLbl="conFgAcc1" presStyleIdx="0" presStyleCnt="1">
+        <dgm:presLayoutVars>
+          <dgm:bulletEnabled val="1"/>
+        </dgm:presLayoutVars>
+      </dgm:prSet>
+      <dgm:spPr/>
+    </dgm:pt>
+  </dgm:ptLst>
+  <dgm:cxnLst>
+    <dgm:cxn modelId="{F4EB8129-F5FA-40DA-B98E-20B035E3EFD3}" srcId="{EA1ED4B9-786A-424F-BD7C-8C3EE64DF4BB}" destId="{AECEF023-05FB-4D4F-92BC-564A2D5B39A5}" srcOrd="1" destOrd="0" parTransId="{953B4D70-AC64-4619-9181-8F5955EA3E32}" sibTransId="{7FFD9CBC-044A-4CD2-920A-D9897FB75EFB}"/>
+    <dgm:cxn modelId="{F7DBE376-377A-4D8F-BF4E-D17774BE8A52}" srcId="{7AA497C7-1905-4F44-A2FD-71564C6788E7}" destId="{EA1ED4B9-786A-424F-BD7C-8C3EE64DF4BB}" srcOrd="0" destOrd="0" parTransId="{2B527D47-6712-4468-9D0D-F47BBF9F7177}" sibTransId="{25E8449F-5857-4815-99A4-46A74F1CFA84}"/>
+    <dgm:cxn modelId="{53494FA4-DEBA-4DCE-A9D4-4C4ECDC108D4}" type="presOf" srcId="{3FC387F8-733F-4650-929B-C5AE9C83EE0C}" destId="{2CD54FDF-CCC0-4CC8-8252-4597FF28114C}" srcOrd="0" destOrd="0" presId="urn:microsoft.com/office/officeart/2005/8/layout/list1"/>
+    <dgm:cxn modelId="{9060F8BC-C513-4946-BEF3-FAF840E421FF}" type="presOf" srcId="{7AA497C7-1905-4F44-A2FD-71564C6788E7}" destId="{C7568508-A123-402C-B6E5-BE4B9762FBEE}" srcOrd="0" destOrd="0" presId="urn:microsoft.com/office/officeart/2005/8/layout/list1"/>
+    <dgm:cxn modelId="{B523C2C2-BFC4-47F2-B83F-8CDA8DD32942}" srcId="{EA1ED4B9-786A-424F-BD7C-8C3EE64DF4BB}" destId="{3FC387F8-733F-4650-929B-C5AE9C83EE0C}" srcOrd="0" destOrd="0" parTransId="{98B415AA-E4AB-45BA-9D48-454CE013D6F7}" sibTransId="{982861C6-A126-41CB-9598-A55298ED6C86}"/>
+    <dgm:cxn modelId="{76BBCCCC-36C8-44F7-A766-63972621386D}" type="presOf" srcId="{EA1ED4B9-786A-424F-BD7C-8C3EE64DF4BB}" destId="{6876DF30-88C6-4342-9FF9-903D232E05E1}" srcOrd="1" destOrd="0" presId="urn:microsoft.com/office/officeart/2005/8/layout/list1"/>
+    <dgm:cxn modelId="{74D2FCD1-7062-4492-8507-BA8782F66EC1}" type="presOf" srcId="{AECEF023-05FB-4D4F-92BC-564A2D5B39A5}" destId="{2CD54FDF-CCC0-4CC8-8252-4597FF28114C}" srcOrd="0" destOrd="1" presId="urn:microsoft.com/office/officeart/2005/8/layout/list1"/>
+    <dgm:cxn modelId="{29783AD5-8142-4654-99FD-1E328D4D2222}" type="presOf" srcId="{EA1ED4B9-786A-424F-BD7C-8C3EE64DF4BB}" destId="{62F2BA26-BA61-4F5B-BD50-AB8832C4065F}" srcOrd="0" destOrd="0" presId="urn:microsoft.com/office/officeart/2005/8/layout/list1"/>
+    <dgm:cxn modelId="{51209BDC-561D-4CAF-8A6E-CB3CB2F4398A}" type="presOf" srcId="{93D7FA21-A87D-478C-9530-07242CB0764C}" destId="{2CD54FDF-CCC0-4CC8-8252-4597FF28114C}" srcOrd="0" destOrd="2" presId="urn:microsoft.com/office/officeart/2005/8/layout/list1"/>
+    <dgm:cxn modelId="{7353F2F4-7475-40B4-BB4F-C891D1BE91E9}" srcId="{EA1ED4B9-786A-424F-BD7C-8C3EE64DF4BB}" destId="{93D7FA21-A87D-478C-9530-07242CB0764C}" srcOrd="2" destOrd="0" parTransId="{5E353DA8-DE50-46BF-AE79-3E8F55049BB6}" sibTransId="{B2FED3E2-2550-4FC3-95E6-4B2F31D14D6C}"/>
     <dgm:cxn modelId="{CDC5750D-E7DA-4A9C-A929-E614BEEE46AD}" type="presParOf" srcId="{C7568508-A123-402C-B6E5-BE4B9762FBEE}" destId="{53838AE7-B03D-4BA6-8C32-6F55C3541DA0}" srcOrd="0" destOrd="0" presId="urn:microsoft.com/office/officeart/2005/8/layout/list1"/>
     <dgm:cxn modelId="{7EE56403-7E0C-4E23-AF13-4445BF00DF32}" type="presParOf" srcId="{53838AE7-B03D-4BA6-8C32-6F55C3541DA0}" destId="{62F2BA26-BA61-4F5B-BD50-AB8832C4065F}" srcOrd="0" destOrd="0" presId="urn:microsoft.com/office/officeart/2005/8/layout/list1"/>
     <dgm:cxn modelId="{118F2985-4071-47F2-9B39-776F9AB4DD4A}" type="presParOf" srcId="{53838AE7-B03D-4BA6-8C32-6F55C3541DA0}" destId="{6876DF30-88C6-4342-9FF9-903D232E05E1}" srcOrd="1" destOrd="0" presId="urn:microsoft.com/office/officeart/2005/8/layout/list1"/>
@@ -9932,7 +12140,7 @@
 </dsp:drawing>
 </file>
 
-<file path=ppt/diagrams/drawing2.xml><?xml version="1.0" encoding="utf-8"?>
+<file path=ppt/diagrams/drawing10.xml><?xml version="1.0" encoding="utf-8"?>
 <dsp:drawing xmlns:dgm="http://schemas.openxmlformats.org/drawingml/2006/diagram" xmlns:dsp="http://schemas.microsoft.com/office/drawing/2008/diagram" xmlns:a="http://schemas.openxmlformats.org/drawingml/2006/main">
   <dsp:spTree>
     <dsp:nvGrpSpPr>
@@ -9940,15 +12148,15 @@
       <dsp:cNvGrpSpPr/>
     </dsp:nvGrpSpPr>
     <dsp:grpSpPr/>
-    <dsp:sp modelId="{7C7483BB-5ED8-40A2-B22A-5B62132FCFD2}">
+    <dsp:sp modelId="{2CD54FDF-CCC0-4CC8-8252-4597FF28114C}">
       <dsp:nvSpPr>
         <dsp:cNvPr id="0" name=""/>
         <dsp:cNvSpPr/>
       </dsp:nvSpPr>
       <dsp:spPr>
         <a:xfrm>
-          <a:off x="0" y="203209"/>
-          <a:ext cx="6403994" cy="2041200"/>
+          <a:off x="0" y="449854"/>
+          <a:ext cx="6403994" cy="4630500"/>
         </a:xfrm>
         <a:prstGeom prst="rect">
           <a:avLst/>
@@ -9988,12 +12196,12 @@
         <a:fontRef idx="minor"/>
       </dsp:style>
       <dsp:txBody>
-        <a:bodyPr spcFirstLastPara="0" vert="horz" wrap="square" lIns="497021" tIns="187452" rIns="497021" bIns="64008" numCol="1" spcCol="1270" anchor="t" anchorCtr="0">
+        <a:bodyPr spcFirstLastPara="0" vert="horz" wrap="square" lIns="497021" tIns="624840" rIns="497021" bIns="213360" numCol="1" spcCol="1270" anchor="t" anchorCtr="0">
           <a:noAutofit/>
         </a:bodyPr>
         <a:lstStyle/>
         <a:p>
-          <a:pPr marL="57150" lvl="1" indent="-57150" algn="l" defTabSz="400050">
+          <a:pPr marL="285750" lvl="1" indent="-285750" algn="l" defTabSz="1333500">
             <a:lnSpc>
               <a:spcPct val="90000"/>
             </a:lnSpc>
@@ -10006,12 +12214,12 @@
             <a:buChar char="•"/>
           </a:pPr>
           <a:r>
-            <a:rPr lang="en-US" sz="900" kern="1200"/>
-            <a:t>Background</a:t>
+            <a:rPr lang="en-US" sz="3000" kern="1200" dirty="0"/>
+            <a:t>Nanite</a:t>
           </a:r>
         </a:p>
         <a:p>
-          <a:pPr marL="57150" lvl="1" indent="-57150" algn="l" defTabSz="400050">
+          <a:pPr marL="285750" lvl="1" indent="-285750" algn="l" defTabSz="1333500">
             <a:lnSpc>
               <a:spcPct val="90000"/>
             </a:lnSpc>
@@ -10024,12 +12232,12 @@
             <a:buChar char="•"/>
           </a:pPr>
           <a:r>
-            <a:rPr lang="en-US" sz="900" kern="1200" dirty="0"/>
-            <a:t>Variables</a:t>
+            <a:rPr lang="en-US" sz="3000" kern="1200" dirty="0"/>
+            <a:t>Lumen</a:t>
           </a:r>
         </a:p>
         <a:p>
-          <a:pPr marL="57150" lvl="1" indent="-57150" algn="l" defTabSz="400050">
+          <a:pPr marL="285750" lvl="1" indent="-285750" algn="l" defTabSz="1333500">
             <a:lnSpc>
               <a:spcPct val="90000"/>
             </a:lnSpc>
@@ -10042,12 +12250,12 @@
             <a:buChar char="•"/>
           </a:pPr>
           <a:r>
-            <a:rPr lang="en-US" sz="900" kern="1200" dirty="0"/>
-            <a:t>Const &amp; Static</a:t>
+            <a:rPr lang="en-US" sz="3000" kern="1200" dirty="0"/>
+            <a:t>Virtual texture</a:t>
           </a:r>
         </a:p>
         <a:p>
-          <a:pPr marL="57150" lvl="1" indent="-57150" algn="l" defTabSz="400050">
+          <a:pPr marL="285750" lvl="1" indent="-285750" algn="l" defTabSz="1333500">
             <a:lnSpc>
               <a:spcPct val="90000"/>
             </a:lnSpc>
@@ -10060,12 +12268,12 @@
             <a:buChar char="•"/>
           </a:pPr>
           <a:r>
-            <a:rPr lang="en-US" sz="900" kern="1200" dirty="0"/>
-            <a:t>Raw casting</a:t>
+            <a:rPr lang="en-US" sz="3000" kern="1200" dirty="0"/>
+            <a:t>Modules</a:t>
           </a:r>
         </a:p>
         <a:p>
-          <a:pPr marL="57150" lvl="1" indent="-57150" algn="l" defTabSz="400050">
+          <a:pPr marL="285750" lvl="1" indent="-285750" algn="l" defTabSz="1333500">
             <a:lnSpc>
               <a:spcPct val="90000"/>
             </a:lnSpc>
@@ -10078,12 +12286,12 @@
             <a:buChar char="•"/>
           </a:pPr>
           <a:r>
-            <a:rPr lang="en-US" sz="900" kern="1200" dirty="0"/>
-            <a:t>Enum</a:t>
+            <a:rPr lang="en-US" sz="3000" kern="1200" dirty="0"/>
+            <a:t>Shaders</a:t>
           </a:r>
         </a:p>
         <a:p>
-          <a:pPr marL="57150" lvl="1" indent="-57150" algn="l" defTabSz="400050">
+          <a:pPr marL="285750" lvl="1" indent="-285750" algn="l" defTabSz="1333500">
             <a:lnSpc>
               <a:spcPct val="90000"/>
             </a:lnSpc>
@@ -10096,12 +12304,12 @@
             <a:buChar char="•"/>
           </a:pPr>
           <a:r>
-            <a:rPr lang="en-US" sz="900" kern="1200" dirty="0"/>
-            <a:t>Control flows</a:t>
+            <a:rPr lang="en-US" sz="3000" kern="1200" dirty="0"/>
+            <a:t>Using network sockets</a:t>
           </a:r>
         </a:p>
         <a:p>
-          <a:pPr marL="57150" lvl="1" indent="-57150" algn="l" defTabSz="400050">
+          <a:pPr marL="285750" lvl="1" indent="-285750" algn="l" defTabSz="1333500">
             <a:lnSpc>
               <a:spcPct val="90000"/>
             </a:lnSpc>
@@ -10114,115 +12322,25 @@
             <a:buChar char="•"/>
           </a:pPr>
           <a:r>
-            <a:rPr lang="en-US" sz="900" kern="1200"/>
-            <a:t>Loops</a:t>
-          </a:r>
-        </a:p>
-        <a:p>
-          <a:pPr marL="57150" lvl="1" indent="-57150" algn="l" defTabSz="400050">
-            <a:lnSpc>
-              <a:spcPct val="90000"/>
-            </a:lnSpc>
-            <a:spcBef>
-              <a:spcPct val="0"/>
-            </a:spcBef>
-            <a:spcAft>
-              <a:spcPct val="15000"/>
-            </a:spcAft>
-            <a:buChar char="•"/>
-          </a:pPr>
-          <a:r>
-            <a:rPr lang="en-US" sz="900" kern="1200" dirty="0"/>
-            <a:t>Functions</a:t>
-          </a:r>
-        </a:p>
-        <a:p>
-          <a:pPr marL="57150" lvl="1" indent="-57150" algn="l" defTabSz="400050">
-            <a:lnSpc>
-              <a:spcPct val="90000"/>
-            </a:lnSpc>
-            <a:spcBef>
-              <a:spcPct val="0"/>
-            </a:spcBef>
-            <a:spcAft>
-              <a:spcPct val="15000"/>
-            </a:spcAft>
-            <a:buChar char="•"/>
-          </a:pPr>
-          <a:r>
-            <a:rPr lang="en-US" sz="900" kern="1200" dirty="0"/>
-            <a:t>Arrays</a:t>
-          </a:r>
-        </a:p>
-        <a:p>
-          <a:pPr marL="57150" lvl="1" indent="-57150" algn="l" defTabSz="400050">
-            <a:lnSpc>
-              <a:spcPct val="90000"/>
-            </a:lnSpc>
-            <a:spcBef>
-              <a:spcPct val="0"/>
-            </a:spcBef>
-            <a:spcAft>
-              <a:spcPct val="15000"/>
-            </a:spcAft>
-            <a:buChar char="•"/>
-          </a:pPr>
-          <a:r>
-            <a:rPr lang="en-US" sz="900" kern="1200" dirty="0"/>
-            <a:t>Strings</a:t>
-          </a:r>
-        </a:p>
-        <a:p>
-          <a:pPr marL="57150" lvl="1" indent="-57150" algn="l" defTabSz="400050">
-            <a:lnSpc>
-              <a:spcPct val="90000"/>
-            </a:lnSpc>
-            <a:spcBef>
-              <a:spcPct val="0"/>
-            </a:spcBef>
-            <a:spcAft>
-              <a:spcPct val="15000"/>
-            </a:spcAft>
-            <a:buChar char="•"/>
-          </a:pPr>
-          <a:r>
-            <a:rPr lang="en-US" sz="900" kern="1200" dirty="0"/>
-            <a:t>Pointers and references</a:t>
-          </a:r>
-        </a:p>
-        <a:p>
-          <a:pPr marL="57150" lvl="1" indent="-57150" algn="l" defTabSz="400050">
-            <a:lnSpc>
-              <a:spcPct val="90000"/>
-            </a:lnSpc>
-            <a:spcBef>
-              <a:spcPct val="0"/>
-            </a:spcBef>
-            <a:spcAft>
-              <a:spcPct val="15000"/>
-            </a:spcAft>
-            <a:buChar char="•"/>
-          </a:pPr>
-          <a:r>
-            <a:rPr lang="en-US" sz="900" kern="1200" dirty="0"/>
-            <a:t>Macros and Preprocessor commands</a:t>
+            <a:rPr lang="en-US" sz="3000" kern="1200" dirty="0"/>
+            <a:t>CPP and Open-Source Projects</a:t>
           </a:r>
         </a:p>
       </dsp:txBody>
       <dsp:txXfrm>
-        <a:off x="0" y="203209"/>
-        <a:ext cx="6403994" cy="2041200"/>
+        <a:off x="0" y="449854"/>
+        <a:ext cx="6403994" cy="4630500"/>
       </dsp:txXfrm>
     </dsp:sp>
-    <dsp:sp modelId="{320C46A1-16B9-4AB8-BFE3-DC0053663BD7}">
+    <dsp:sp modelId="{6876DF30-88C6-4342-9FF9-903D232E05E1}">
       <dsp:nvSpPr>
         <dsp:cNvPr id="0" name=""/>
         <dsp:cNvSpPr/>
       </dsp:nvSpPr>
       <dsp:spPr>
         <a:xfrm>
-          <a:off x="320199" y="70369"/>
-          <a:ext cx="4482795" cy="265680"/>
+          <a:off x="320199" y="7054"/>
+          <a:ext cx="4482795" cy="885600"/>
         </a:xfrm>
         <a:prstGeom prst="roundRect">
           <a:avLst/>
@@ -10288,7 +12406,390 @@
         </a:bodyPr>
         <a:lstStyle/>
         <a:p>
-          <a:pPr marL="0" lvl="0" indent="0" algn="l" defTabSz="400050">
+          <a:pPr marL="0" lvl="0" indent="0" algn="l" defTabSz="1333500">
+            <a:lnSpc>
+              <a:spcPct val="90000"/>
+            </a:lnSpc>
+            <a:spcBef>
+              <a:spcPct val="0"/>
+            </a:spcBef>
+            <a:spcAft>
+              <a:spcPct val="35000"/>
+            </a:spcAft>
+            <a:buNone/>
+          </a:pPr>
+          <a:r>
+            <a:rPr lang="en-US" sz="3000" kern="1200" dirty="0"/>
+            <a:t>Bonus:</a:t>
+          </a:r>
+        </a:p>
+      </dsp:txBody>
+      <dsp:txXfrm>
+        <a:off x="363430" y="50285"/>
+        <a:ext cx="4396333" cy="799138"/>
+      </dsp:txXfrm>
+    </dsp:sp>
+  </dsp:spTree>
+</dsp:drawing>
+</file>
+
+<file path=ppt/diagrams/drawing2.xml><?xml version="1.0" encoding="utf-8"?>
+<dsp:drawing xmlns:dgm="http://schemas.openxmlformats.org/drawingml/2006/diagram" xmlns:dsp="http://schemas.microsoft.com/office/drawing/2008/diagram" xmlns:a="http://schemas.openxmlformats.org/drawingml/2006/main">
+  <dsp:spTree>
+    <dsp:nvGrpSpPr>
+      <dsp:cNvPr id="0" name=""/>
+      <dsp:cNvGrpSpPr/>
+    </dsp:nvGrpSpPr>
+    <dsp:grpSpPr/>
+    <dsp:sp modelId="{7C7483BB-5ED8-40A2-B22A-5B62132FCFD2}">
+      <dsp:nvSpPr>
+        <dsp:cNvPr id="0" name=""/>
+        <dsp:cNvSpPr/>
+      </dsp:nvSpPr>
+      <dsp:spPr>
+        <a:xfrm>
+          <a:off x="0" y="324664"/>
+          <a:ext cx="6403994" cy="1814400"/>
+        </a:xfrm>
+        <a:prstGeom prst="rect">
+          <a:avLst/>
+        </a:prstGeom>
+        <a:solidFill>
+          <a:schemeClr val="lt1">
+            <a:alpha val="90000"/>
+            <a:hueOff val="0"/>
+            <a:satOff val="0"/>
+            <a:lumOff val="0"/>
+            <a:alphaOff val="0"/>
+          </a:schemeClr>
+        </a:solidFill>
+        <a:ln w="9525" cap="flat" cmpd="sng" algn="ctr">
+          <a:solidFill>
+            <a:schemeClr val="accent2">
+              <a:hueOff val="0"/>
+              <a:satOff val="0"/>
+              <a:lumOff val="0"/>
+              <a:alphaOff val="0"/>
+            </a:schemeClr>
+          </a:solidFill>
+          <a:prstDash val="solid"/>
+        </a:ln>
+        <a:effectLst/>
+      </dsp:spPr>
+      <dsp:style>
+        <a:lnRef idx="1">
+          <a:scrgbClr r="0" g="0" b="0"/>
+        </a:lnRef>
+        <a:fillRef idx="1">
+          <a:scrgbClr r="0" g="0" b="0"/>
+        </a:fillRef>
+        <a:effectRef idx="0">
+          <a:scrgbClr r="0" g="0" b="0"/>
+        </a:effectRef>
+        <a:fontRef idx="minor"/>
+      </dsp:style>
+      <dsp:txBody>
+        <a:bodyPr spcFirstLastPara="0" vert="horz" wrap="square" lIns="497021" tIns="166624" rIns="497021" bIns="56896" numCol="1" spcCol="1270" anchor="t" anchorCtr="0">
+          <a:noAutofit/>
+        </a:bodyPr>
+        <a:lstStyle/>
+        <a:p>
+          <a:pPr marL="57150" lvl="1" indent="-57150" algn="l" defTabSz="355600">
+            <a:lnSpc>
+              <a:spcPct val="90000"/>
+            </a:lnSpc>
+            <a:spcBef>
+              <a:spcPct val="0"/>
+            </a:spcBef>
+            <a:spcAft>
+              <a:spcPct val="15000"/>
+            </a:spcAft>
+            <a:buChar char="•"/>
+          </a:pPr>
+          <a:r>
+            <a:rPr lang="en-US" sz="800" kern="1200"/>
+            <a:t>Background</a:t>
+          </a:r>
+        </a:p>
+        <a:p>
+          <a:pPr marL="57150" lvl="1" indent="-57150" algn="l" defTabSz="355600">
+            <a:lnSpc>
+              <a:spcPct val="90000"/>
+            </a:lnSpc>
+            <a:spcBef>
+              <a:spcPct val="0"/>
+            </a:spcBef>
+            <a:spcAft>
+              <a:spcPct val="15000"/>
+            </a:spcAft>
+            <a:buChar char="•"/>
+          </a:pPr>
+          <a:r>
+            <a:rPr lang="en-US" sz="800" kern="1200" dirty="0"/>
+            <a:t>Variables</a:t>
+          </a:r>
+        </a:p>
+        <a:p>
+          <a:pPr marL="57150" lvl="1" indent="-57150" algn="l" defTabSz="355600">
+            <a:lnSpc>
+              <a:spcPct val="90000"/>
+            </a:lnSpc>
+            <a:spcBef>
+              <a:spcPct val="0"/>
+            </a:spcBef>
+            <a:spcAft>
+              <a:spcPct val="15000"/>
+            </a:spcAft>
+            <a:buChar char="•"/>
+          </a:pPr>
+          <a:r>
+            <a:rPr lang="en-US" sz="800" kern="1200" dirty="0"/>
+            <a:t>Const &amp; Static</a:t>
+          </a:r>
+        </a:p>
+        <a:p>
+          <a:pPr marL="57150" lvl="1" indent="-57150" algn="l" defTabSz="355600">
+            <a:lnSpc>
+              <a:spcPct val="90000"/>
+            </a:lnSpc>
+            <a:spcBef>
+              <a:spcPct val="0"/>
+            </a:spcBef>
+            <a:spcAft>
+              <a:spcPct val="15000"/>
+            </a:spcAft>
+            <a:buChar char="•"/>
+          </a:pPr>
+          <a:r>
+            <a:rPr lang="en-US" sz="800" kern="1200" dirty="0"/>
+            <a:t>Raw casting</a:t>
+          </a:r>
+        </a:p>
+        <a:p>
+          <a:pPr marL="57150" lvl="1" indent="-57150" algn="l" defTabSz="355600">
+            <a:lnSpc>
+              <a:spcPct val="90000"/>
+            </a:lnSpc>
+            <a:spcBef>
+              <a:spcPct val="0"/>
+            </a:spcBef>
+            <a:spcAft>
+              <a:spcPct val="15000"/>
+            </a:spcAft>
+            <a:buChar char="•"/>
+          </a:pPr>
+          <a:r>
+            <a:rPr lang="en-US" sz="800" kern="1200" dirty="0"/>
+            <a:t>Enum</a:t>
+          </a:r>
+        </a:p>
+        <a:p>
+          <a:pPr marL="57150" lvl="1" indent="-57150" algn="l" defTabSz="355600">
+            <a:lnSpc>
+              <a:spcPct val="90000"/>
+            </a:lnSpc>
+            <a:spcBef>
+              <a:spcPct val="0"/>
+            </a:spcBef>
+            <a:spcAft>
+              <a:spcPct val="15000"/>
+            </a:spcAft>
+            <a:buChar char="•"/>
+          </a:pPr>
+          <a:r>
+            <a:rPr lang="en-US" sz="800" kern="1200" dirty="0"/>
+            <a:t>Control flows</a:t>
+          </a:r>
+        </a:p>
+        <a:p>
+          <a:pPr marL="57150" lvl="1" indent="-57150" algn="l" defTabSz="355600">
+            <a:lnSpc>
+              <a:spcPct val="90000"/>
+            </a:lnSpc>
+            <a:spcBef>
+              <a:spcPct val="0"/>
+            </a:spcBef>
+            <a:spcAft>
+              <a:spcPct val="15000"/>
+            </a:spcAft>
+            <a:buChar char="•"/>
+          </a:pPr>
+          <a:r>
+            <a:rPr lang="en-US" sz="800" kern="1200"/>
+            <a:t>Loops</a:t>
+          </a:r>
+        </a:p>
+        <a:p>
+          <a:pPr marL="57150" lvl="1" indent="-57150" algn="l" defTabSz="355600">
+            <a:lnSpc>
+              <a:spcPct val="90000"/>
+            </a:lnSpc>
+            <a:spcBef>
+              <a:spcPct val="0"/>
+            </a:spcBef>
+            <a:spcAft>
+              <a:spcPct val="15000"/>
+            </a:spcAft>
+            <a:buChar char="•"/>
+          </a:pPr>
+          <a:r>
+            <a:rPr lang="en-US" sz="800" kern="1200" dirty="0"/>
+            <a:t>Functions</a:t>
+          </a:r>
+        </a:p>
+        <a:p>
+          <a:pPr marL="57150" lvl="1" indent="-57150" algn="l" defTabSz="355600">
+            <a:lnSpc>
+              <a:spcPct val="90000"/>
+            </a:lnSpc>
+            <a:spcBef>
+              <a:spcPct val="0"/>
+            </a:spcBef>
+            <a:spcAft>
+              <a:spcPct val="15000"/>
+            </a:spcAft>
+            <a:buChar char="•"/>
+          </a:pPr>
+          <a:r>
+            <a:rPr lang="en-US" sz="800" kern="1200" dirty="0"/>
+            <a:t>Arrays</a:t>
+          </a:r>
+        </a:p>
+        <a:p>
+          <a:pPr marL="57150" lvl="1" indent="-57150" algn="l" defTabSz="355600">
+            <a:lnSpc>
+              <a:spcPct val="90000"/>
+            </a:lnSpc>
+            <a:spcBef>
+              <a:spcPct val="0"/>
+            </a:spcBef>
+            <a:spcAft>
+              <a:spcPct val="15000"/>
+            </a:spcAft>
+            <a:buChar char="•"/>
+          </a:pPr>
+          <a:r>
+            <a:rPr lang="en-US" sz="800" kern="1200" dirty="0"/>
+            <a:t>Strings</a:t>
+          </a:r>
+        </a:p>
+        <a:p>
+          <a:pPr marL="57150" lvl="1" indent="-57150" algn="l" defTabSz="355600">
+            <a:lnSpc>
+              <a:spcPct val="90000"/>
+            </a:lnSpc>
+            <a:spcBef>
+              <a:spcPct val="0"/>
+            </a:spcBef>
+            <a:spcAft>
+              <a:spcPct val="15000"/>
+            </a:spcAft>
+            <a:buChar char="•"/>
+          </a:pPr>
+          <a:r>
+            <a:rPr lang="en-US" sz="800" kern="1200" dirty="0"/>
+            <a:t>Pointers and references</a:t>
+          </a:r>
+        </a:p>
+        <a:p>
+          <a:pPr marL="57150" lvl="1" indent="-57150" algn="l" defTabSz="355600">
+            <a:lnSpc>
+              <a:spcPct val="90000"/>
+            </a:lnSpc>
+            <a:spcBef>
+              <a:spcPct val="0"/>
+            </a:spcBef>
+            <a:spcAft>
+              <a:spcPct val="15000"/>
+            </a:spcAft>
+            <a:buChar char="•"/>
+          </a:pPr>
+          <a:r>
+            <a:rPr lang="en-US" sz="800" kern="1200" dirty="0"/>
+            <a:t>Macros and Preprocessor commands</a:t>
+          </a:r>
+        </a:p>
+      </dsp:txBody>
+      <dsp:txXfrm>
+        <a:off x="0" y="324664"/>
+        <a:ext cx="6403994" cy="1814400"/>
+      </dsp:txXfrm>
+    </dsp:sp>
+    <dsp:sp modelId="{320C46A1-16B9-4AB8-BFE3-DC0053663BD7}">
+      <dsp:nvSpPr>
+        <dsp:cNvPr id="0" name=""/>
+        <dsp:cNvSpPr/>
+      </dsp:nvSpPr>
+      <dsp:spPr>
+        <a:xfrm>
+          <a:off x="320199" y="206584"/>
+          <a:ext cx="4482795" cy="236160"/>
+        </a:xfrm>
+        <a:prstGeom prst="roundRect">
+          <a:avLst/>
+        </a:prstGeom>
+        <a:gradFill rotWithShape="0">
+          <a:gsLst>
+            <a:gs pos="0">
+              <a:schemeClr val="accent2">
+                <a:hueOff val="0"/>
+                <a:satOff val="0"/>
+                <a:lumOff val="0"/>
+                <a:alphaOff val="0"/>
+                <a:tint val="96000"/>
+                <a:satMod val="100000"/>
+                <a:lumMod val="104000"/>
+              </a:schemeClr>
+            </a:gs>
+            <a:gs pos="78000">
+              <a:schemeClr val="accent2">
+                <a:hueOff val="0"/>
+                <a:satOff val="0"/>
+                <a:lumOff val="0"/>
+                <a:alphaOff val="0"/>
+                <a:shade val="100000"/>
+                <a:satMod val="110000"/>
+                <a:lumMod val="100000"/>
+              </a:schemeClr>
+            </a:gs>
+          </a:gsLst>
+          <a:lin ang="5400000" scaled="0"/>
+        </a:gradFill>
+        <a:ln>
+          <a:noFill/>
+        </a:ln>
+        <a:effectLst/>
+        <a:scene3d>
+          <a:camera prst="orthographicFront">
+            <a:rot lat="0" lon="0" rev="0"/>
+          </a:camera>
+          <a:lightRig rig="threePt" dir="t"/>
+        </a:scene3d>
+        <a:sp3d>
+          <a:bevelT w="25400" h="12700"/>
+        </a:sp3d>
+      </dsp:spPr>
+      <dsp:style>
+        <a:lnRef idx="0">
+          <a:scrgbClr r="0" g="0" b="0"/>
+        </a:lnRef>
+        <a:fillRef idx="3">
+          <a:scrgbClr r="0" g="0" b="0"/>
+        </a:fillRef>
+        <a:effectRef idx="2">
+          <a:scrgbClr r="0" g="0" b="0"/>
+        </a:effectRef>
+        <a:fontRef idx="minor">
+          <a:schemeClr val="lt1"/>
+        </a:fontRef>
+      </dsp:style>
+      <dsp:txBody>
+        <a:bodyPr spcFirstLastPara="0" vert="horz" wrap="square" lIns="169439" tIns="0" rIns="169439" bIns="0" numCol="1" spcCol="1270" anchor="ctr" anchorCtr="0">
+          <a:noAutofit/>
+        </a:bodyPr>
+        <a:lstStyle/>
+        <a:p>
+          <a:pPr marL="0" lvl="0" indent="0" algn="l" defTabSz="355600">
             <a:lnSpc>
               <a:spcPct val="90000"/>
             </a:lnSpc>
@@ -10302,18 +12803,18 @@
             <a:defRPr b="1"/>
           </a:pPr>
           <a:r>
-            <a:rPr lang="en-US" sz="900" b="1" kern="1200"/>
+            <a:rPr lang="en-US" sz="800" b="1" kern="1200"/>
             <a:t>CPP Basics</a:t>
           </a:r>
           <a:r>
-            <a:rPr lang="en-US" sz="900" kern="1200"/>
+            <a:rPr lang="en-US" sz="800" kern="1200"/>
             <a:t>: </a:t>
           </a:r>
         </a:p>
       </dsp:txBody>
       <dsp:txXfrm>
-        <a:off x="333168" y="83338"/>
-        <a:ext cx="4456857" cy="239742"/>
+        <a:off x="331727" y="218112"/>
+        <a:ext cx="4459739" cy="213104"/>
       </dsp:txXfrm>
     </dsp:sp>
     <dsp:sp modelId="{6E75BE23-E928-4A8D-A9BC-1CD290D0A2B2}">
@@ -10323,8 +12824,8 @@
       </dsp:nvSpPr>
       <dsp:spPr>
         <a:xfrm>
-          <a:off x="0" y="2425849"/>
-          <a:ext cx="6403994" cy="1417500"/>
+          <a:off x="0" y="2300344"/>
+          <a:ext cx="6403994" cy="1537199"/>
         </a:xfrm>
         <a:prstGeom prst="rect">
           <a:avLst/>
@@ -10364,12 +12865,12 @@
         <a:fontRef idx="minor"/>
       </dsp:style>
       <dsp:txBody>
-        <a:bodyPr spcFirstLastPara="0" vert="horz" wrap="square" lIns="497021" tIns="187452" rIns="497021" bIns="64008" numCol="1" spcCol="1270" anchor="t" anchorCtr="0">
+        <a:bodyPr spcFirstLastPara="0" vert="horz" wrap="square" lIns="497021" tIns="166624" rIns="497021" bIns="56896" numCol="1" spcCol="1270" anchor="t" anchorCtr="0">
           <a:noAutofit/>
         </a:bodyPr>
         <a:lstStyle/>
         <a:p>
-          <a:pPr marL="57150" lvl="1" indent="-57150" algn="l" defTabSz="400050">
+          <a:pPr marL="57150" lvl="1" indent="-57150" algn="l" defTabSz="355600">
             <a:lnSpc>
               <a:spcPct val="90000"/>
             </a:lnSpc>
@@ -10382,12 +12883,12 @@
             <a:buChar char="•"/>
           </a:pPr>
           <a:r>
-            <a:rPr lang="en-US" sz="900" kern="1200"/>
+            <a:rPr lang="en-US" sz="800" kern="1200"/>
             <a:t>Classes and Structs</a:t>
           </a:r>
         </a:p>
         <a:p>
-          <a:pPr marL="57150" lvl="1" indent="-57150" algn="l" defTabSz="400050">
+          <a:pPr marL="57150" lvl="1" indent="-57150" algn="l" defTabSz="355600">
             <a:lnSpc>
               <a:spcPct val="90000"/>
             </a:lnSpc>
@@ -10400,12 +12901,12 @@
             <a:buChar char="•"/>
           </a:pPr>
           <a:r>
-            <a:rPr lang="en-US" sz="900" kern="1200" dirty="0"/>
+            <a:rPr lang="en-US" sz="800" kern="1200" dirty="0"/>
             <a:t>Dynamic and static memory allocation</a:t>
           </a:r>
         </a:p>
         <a:p>
-          <a:pPr marL="57150" lvl="1" indent="-57150" algn="l" defTabSz="400050">
+          <a:pPr marL="57150" lvl="1" indent="-57150" algn="l" defTabSz="355600">
             <a:lnSpc>
               <a:spcPct val="90000"/>
             </a:lnSpc>
@@ -10418,12 +12919,12 @@
             <a:buChar char="•"/>
           </a:pPr>
           <a:r>
-            <a:rPr lang="en-US" sz="900" kern="1200" dirty="0"/>
+            <a:rPr lang="en-US" sz="800" kern="1200" dirty="0"/>
             <a:t>Casting functions</a:t>
           </a:r>
         </a:p>
         <a:p>
-          <a:pPr marL="57150" lvl="1" indent="-57150" algn="l" defTabSz="400050">
+          <a:pPr marL="57150" lvl="1" indent="-57150" algn="l" defTabSz="355600">
             <a:lnSpc>
               <a:spcPct val="90000"/>
             </a:lnSpc>
@@ -10436,12 +12937,12 @@
             <a:buChar char="•"/>
           </a:pPr>
           <a:r>
-            <a:rPr lang="en-US" sz="900" kern="1200" dirty="0"/>
+            <a:rPr lang="en-US" sz="800" kern="1200" dirty="0"/>
             <a:t>Inheritance and polymorphism</a:t>
           </a:r>
         </a:p>
         <a:p>
-          <a:pPr marL="57150" lvl="1" indent="-57150" algn="l" defTabSz="400050">
+          <a:pPr marL="57150" lvl="1" indent="-57150" algn="l" defTabSz="355600">
             <a:lnSpc>
               <a:spcPct val="90000"/>
             </a:lnSpc>
@@ -10454,12 +12955,12 @@
             <a:buChar char="•"/>
           </a:pPr>
           <a:r>
-            <a:rPr lang="en-US" sz="900" kern="1200" dirty="0"/>
+            <a:rPr lang="en-US" sz="800" kern="1200" dirty="0"/>
             <a:t>Template</a:t>
           </a:r>
         </a:p>
         <a:p>
-          <a:pPr marL="57150" lvl="1" indent="-57150" algn="l" defTabSz="400050">
+          <a:pPr marL="57150" lvl="1" indent="-57150" algn="l" defTabSz="355600">
             <a:lnSpc>
               <a:spcPct val="90000"/>
             </a:lnSpc>
@@ -10472,12 +12973,12 @@
             <a:buChar char="•"/>
           </a:pPr>
           <a:r>
-            <a:rPr lang="en-US" sz="900" kern="1200" dirty="0"/>
+            <a:rPr lang="en-US" sz="800" kern="1200" dirty="0"/>
             <a:t>Iterators</a:t>
           </a:r>
         </a:p>
         <a:p>
-          <a:pPr marL="57150" lvl="1" indent="-57150" algn="l" defTabSz="400050">
+          <a:pPr marL="57150" lvl="1" indent="-57150" algn="l" defTabSz="355600">
             <a:lnSpc>
               <a:spcPct val="90000"/>
             </a:lnSpc>
@@ -10490,12 +12991,12 @@
             <a:buChar char="•"/>
           </a:pPr>
           <a:r>
-            <a:rPr lang="en-US" sz="900" kern="1200" dirty="0"/>
+            <a:rPr lang="en-US" sz="800" kern="1200" dirty="0"/>
             <a:t>Ranged for-loops</a:t>
           </a:r>
         </a:p>
         <a:p>
-          <a:pPr marL="57150" lvl="1" indent="-57150" algn="l" defTabSz="400050">
+          <a:pPr marL="57150" lvl="1" indent="-57150" algn="l" defTabSz="355600">
             <a:lnSpc>
               <a:spcPct val="90000"/>
             </a:lnSpc>
@@ -10508,14 +13009,52 @@
             <a:buChar char="•"/>
           </a:pPr>
           <a:r>
-            <a:rPr lang="en-US" sz="900" kern="1200" dirty="0"/>
+            <a:rPr lang="en-US" sz="800" kern="1200" dirty="0"/>
             <a:t>Standard library</a:t>
           </a:r>
         </a:p>
+        <a:p>
+          <a:pPr marL="57150" lvl="1" indent="-57150" algn="l" defTabSz="355600">
+            <a:lnSpc>
+              <a:spcPct val="90000"/>
+            </a:lnSpc>
+            <a:spcBef>
+              <a:spcPct val="0"/>
+            </a:spcBef>
+            <a:spcAft>
+              <a:spcPct val="15000"/>
+            </a:spcAft>
+            <a:buChar char="•"/>
+          </a:pPr>
+          <a:r>
+            <a:rPr lang="en-US" sz="800" kern="1200"/>
+            <a:t>Compilation and Linkage</a:t>
+          </a:r>
+          <a:endParaRPr lang="en-US" sz="800" kern="1200" dirty="0"/>
+        </a:p>
+        <a:p>
+          <a:pPr marL="57150" lvl="1" indent="-57150" algn="l" defTabSz="355600">
+            <a:lnSpc>
+              <a:spcPct val="90000"/>
+            </a:lnSpc>
+            <a:spcBef>
+              <a:spcPct val="0"/>
+            </a:spcBef>
+            <a:spcAft>
+              <a:spcPct val="15000"/>
+            </a:spcAft>
+            <a:buChar char="•"/>
+          </a:pPr>
+          <a:r>
+            <a:rPr lang="en-US" sz="800" kern="1200"/>
+            <a:t>Files</a:t>
+          </a:r>
+          <a:endParaRPr lang="en-US" sz="800" kern="1200" dirty="0"/>
+        </a:p>
       </dsp:txBody>
       <dsp:txXfrm>
-        <a:off x="0" y="2425849"/>
-        <a:ext cx="6403994" cy="1417500"/>
+        <a:off x="0" y="2300344"/>
+        <a:ext cx="6403994" cy="1537199"/>
       </dsp:txXfrm>
     </dsp:sp>
     <dsp:sp modelId="{F54E809A-C9AD-4893-95FB-2614467DA9DD}">
@@ -10525,8 +13064,8 @@
       </dsp:nvSpPr>
       <dsp:spPr>
         <a:xfrm>
-          <a:off x="320199" y="2293009"/>
-          <a:ext cx="4482795" cy="265680"/>
+          <a:off x="320199" y="2182264"/>
+          <a:ext cx="4482795" cy="236160"/>
         </a:xfrm>
         <a:prstGeom prst="roundRect">
           <a:avLst/>
@@ -10592,7 +13131,7 @@
         </a:bodyPr>
         <a:lstStyle/>
         <a:p>
-          <a:pPr marL="0" lvl="0" indent="0" algn="l" defTabSz="400050">
+          <a:pPr marL="0" lvl="0" indent="0" algn="l" defTabSz="355600">
             <a:lnSpc>
               <a:spcPct val="90000"/>
             </a:lnSpc>
@@ -10606,18 +13145,18 @@
             <a:defRPr b="1"/>
           </a:pPr>
           <a:r>
-            <a:rPr lang="en-US" sz="900" b="1" kern="1200"/>
+            <a:rPr lang="en-US" sz="800" b="1" kern="1200"/>
             <a:t>CPP Intermediate</a:t>
           </a:r>
           <a:r>
-            <a:rPr lang="en-US" sz="900" kern="1200"/>
+            <a:rPr lang="en-US" sz="800" kern="1200"/>
             <a:t>:</a:t>
           </a:r>
         </a:p>
       </dsp:txBody>
       <dsp:txXfrm>
-        <a:off x="333168" y="2305978"/>
-        <a:ext cx="4456857" cy="239742"/>
+        <a:off x="331727" y="2193792"/>
+        <a:ext cx="4459739" cy="213104"/>
       </dsp:txXfrm>
     </dsp:sp>
     <dsp:sp modelId="{5656E000-DE3E-483F-8213-44AB7638CC98}">
@@ -10627,8 +13166,8 @@
       </dsp:nvSpPr>
       <dsp:spPr>
         <a:xfrm>
-          <a:off x="0" y="4024789"/>
-          <a:ext cx="6403994" cy="992250"/>
+          <a:off x="0" y="3998824"/>
+          <a:ext cx="6403994" cy="882000"/>
         </a:xfrm>
         <a:prstGeom prst="rect">
           <a:avLst/>
@@ -10668,12 +13207,12 @@
         <a:fontRef idx="minor"/>
       </dsp:style>
       <dsp:txBody>
-        <a:bodyPr spcFirstLastPara="0" vert="horz" wrap="square" lIns="497021" tIns="187452" rIns="497021" bIns="64008" numCol="1" spcCol="1270" anchor="t" anchorCtr="0">
+        <a:bodyPr spcFirstLastPara="0" vert="horz" wrap="square" lIns="497021" tIns="166624" rIns="497021" bIns="56896" numCol="1" spcCol="1270" anchor="t" anchorCtr="0">
           <a:noAutofit/>
         </a:bodyPr>
         <a:lstStyle/>
         <a:p>
-          <a:pPr marL="57150" lvl="1" indent="-57150" algn="l" defTabSz="400050">
+          <a:pPr marL="57150" lvl="1" indent="-57150" algn="l" defTabSz="355600">
             <a:lnSpc>
               <a:spcPct val="90000"/>
             </a:lnSpc>
@@ -10686,12 +13225,12 @@
             <a:buChar char="•"/>
           </a:pPr>
           <a:r>
-            <a:rPr lang="en-US" sz="900" kern="1200" dirty="0"/>
-            <a:t>Smart pointers</a:t>
+            <a:rPr lang="en-US" sz="800" kern="1200" dirty="0"/>
+            <a:t>Operator overloading</a:t>
           </a:r>
         </a:p>
         <a:p>
-          <a:pPr marL="57150" lvl="1" indent="-57150" algn="l" defTabSz="400050">
+          <a:pPr marL="57150" lvl="1" indent="-57150" algn="l" defTabSz="355600">
             <a:lnSpc>
               <a:spcPct val="90000"/>
             </a:lnSpc>
@@ -10704,12 +13243,12 @@
             <a:buChar char="•"/>
           </a:pPr>
           <a:r>
-            <a:rPr lang="en-US" sz="900" kern="1200" dirty="0"/>
-            <a:t>Operator overloading</a:t>
+            <a:rPr lang="en-US" sz="800" kern="1200" dirty="0"/>
+            <a:t>Rule of Zero/Six</a:t>
           </a:r>
         </a:p>
         <a:p>
-          <a:pPr marL="57150" lvl="1" indent="-57150" algn="l" defTabSz="400050">
+          <a:pPr marL="57150" lvl="1" indent="-57150" algn="l" defTabSz="355600">
             <a:lnSpc>
               <a:spcPct val="90000"/>
             </a:lnSpc>
@@ -10722,12 +13261,12 @@
             <a:buChar char="•"/>
           </a:pPr>
           <a:r>
-            <a:rPr lang="en-US" sz="900" kern="1200" dirty="0"/>
-            <a:t>Lambda and functors</a:t>
+            <a:rPr lang="en-US" sz="800" kern="1200" dirty="0"/>
+            <a:t>Smart pointers</a:t>
           </a:r>
         </a:p>
         <a:p>
-          <a:pPr marL="57150" lvl="1" indent="-57150" algn="l" defTabSz="400050">
+          <a:pPr marL="57150" lvl="1" indent="-57150" algn="l" defTabSz="355600">
             <a:lnSpc>
               <a:spcPct val="90000"/>
             </a:lnSpc>
@@ -10740,12 +13279,12 @@
             <a:buChar char="•"/>
           </a:pPr>
           <a:r>
-            <a:rPr lang="en-US" sz="900" kern="1200" dirty="0"/>
-            <a:t>Compilation and Linkage</a:t>
+            <a:rPr lang="en-US" sz="800" kern="1200" dirty="0"/>
+            <a:t>Concurrency and Parallelism</a:t>
           </a:r>
         </a:p>
         <a:p>
-          <a:pPr marL="57150" lvl="1" indent="-57150" algn="l" defTabSz="400050">
+          <a:pPr marL="57150" lvl="1" indent="-57150" algn="l" defTabSz="355600">
             <a:lnSpc>
               <a:spcPct val="90000"/>
             </a:lnSpc>
@@ -10758,14 +13297,14 @@
             <a:buChar char="•"/>
           </a:pPr>
           <a:r>
-            <a:rPr lang="en-US" sz="900" kern="1200" dirty="0"/>
-            <a:t>Rule of Zero/Six</a:t>
+            <a:rPr lang="en-US" sz="800" kern="1200" dirty="0"/>
+            <a:t>Lambdas and functors</a:t>
           </a:r>
         </a:p>
       </dsp:txBody>
       <dsp:txXfrm>
-        <a:off x="0" y="4024789"/>
-        <a:ext cx="6403994" cy="992250"/>
+        <a:off x="0" y="3998824"/>
+        <a:ext cx="6403994" cy="882000"/>
       </dsp:txXfrm>
     </dsp:sp>
     <dsp:sp modelId="{29A498AB-5660-42D0-968F-6AED228066EC}">
@@ -10775,8 +13314,8 @@
       </dsp:nvSpPr>
       <dsp:spPr>
         <a:xfrm>
-          <a:off x="320199" y="3891949"/>
-          <a:ext cx="4482795" cy="265680"/>
+          <a:off x="320199" y="3880744"/>
+          <a:ext cx="4482795" cy="236160"/>
         </a:xfrm>
         <a:prstGeom prst="roundRect">
           <a:avLst/>
@@ -10842,7 +13381,7 @@
         </a:bodyPr>
         <a:lstStyle/>
         <a:p>
-          <a:pPr marL="0" lvl="0" indent="0" algn="l" defTabSz="400050">
+          <a:pPr marL="0" lvl="0" indent="0" algn="l" defTabSz="355600">
             <a:lnSpc>
               <a:spcPct val="90000"/>
             </a:lnSpc>
@@ -10855,14 +13394,14 @@
             <a:buNone/>
           </a:pPr>
           <a:r>
-            <a:rPr lang="en-US" sz="900" kern="1200" dirty="0"/>
+            <a:rPr lang="en-US" sz="800" kern="1200" dirty="0"/>
             <a:t>CPP Advanced:</a:t>
           </a:r>
         </a:p>
       </dsp:txBody>
       <dsp:txXfrm>
-        <a:off x="333168" y="3904918"/>
-        <a:ext cx="4456857" cy="239742"/>
+        <a:off x="331727" y="3892272"/>
+        <a:ext cx="4459739" cy="213104"/>
       </dsp:txXfrm>
     </dsp:sp>
   </dsp:spTree>
@@ -11870,8 +14409,8 @@
       </dsp:nvSpPr>
       <dsp:spPr>
         <a:xfrm>
-          <a:off x="0" y="809944"/>
-          <a:ext cx="6403994" cy="3880800"/>
+          <a:off x="0" y="589444"/>
+          <a:ext cx="6403994" cy="4321800"/>
         </a:xfrm>
         <a:prstGeom prst="rect">
           <a:avLst/>
@@ -12028,13 +14567,31 @@
           </a:pPr>
           <a:r>
             <a:rPr lang="en-US" sz="2800" kern="1200" dirty="0"/>
-            <a:t>Debugging</a:t>
+            <a:t>Basic AI</a:t>
+          </a:r>
+        </a:p>
+        <a:p>
+          <a:pPr marL="285750" lvl="1" indent="-285750" algn="l" defTabSz="1244600">
+            <a:lnSpc>
+              <a:spcPct val="90000"/>
+            </a:lnSpc>
+            <a:spcBef>
+              <a:spcPct val="0"/>
+            </a:spcBef>
+            <a:spcAft>
+              <a:spcPct val="15000"/>
+            </a:spcAft>
+            <a:buChar char="•"/>
+          </a:pPr>
+          <a:r>
+            <a:rPr lang="en-US" sz="2800" kern="1200" dirty="0"/>
+            <a:t>Strategy design pattern</a:t>
           </a:r>
         </a:p>
       </dsp:txBody>
       <dsp:txXfrm>
-        <a:off x="0" y="809944"/>
-        <a:ext cx="6403994" cy="3880800"/>
+        <a:off x="0" y="589444"/>
+        <a:ext cx="6403994" cy="4321800"/>
       </dsp:txXfrm>
     </dsp:sp>
     <dsp:sp modelId="{6876DF30-88C6-4342-9FF9-903D232E05E1}">
@@ -12044,7 +14601,7 @@
       </dsp:nvSpPr>
       <dsp:spPr>
         <a:xfrm>
-          <a:off x="320199" y="396664"/>
+          <a:off x="320199" y="176164"/>
           <a:ext cx="4482795" cy="826560"/>
         </a:xfrm>
         <a:prstGeom prst="roundRect">
@@ -12130,7 +14687,7 @@
         </a:p>
       </dsp:txBody>
       <dsp:txXfrm>
-        <a:off x="360548" y="437013"/>
+        <a:off x="360548" y="216513"/>
         <a:ext cx="4402097" cy="745862"/>
       </dsp:txXfrm>
     </dsp:sp>
@@ -12153,8 +14710,8 @@
       </dsp:nvSpPr>
       <dsp:spPr>
         <a:xfrm>
-          <a:off x="0" y="760219"/>
-          <a:ext cx="6403994" cy="4054050"/>
+          <a:off x="0" y="446614"/>
+          <a:ext cx="6403994" cy="4592700"/>
         </a:xfrm>
         <a:prstGeom prst="rect">
           <a:avLst/>
@@ -12194,12 +14751,12 @@
         <a:fontRef idx="minor"/>
       </dsp:style>
       <dsp:txBody>
-        <a:bodyPr spcFirstLastPara="0" vert="horz" wrap="square" lIns="497021" tIns="687324" rIns="497021" bIns="234696" numCol="1" spcCol="1270" anchor="t" anchorCtr="0">
+        <a:bodyPr spcFirstLastPara="0" vert="horz" wrap="square" lIns="497021" tIns="562356" rIns="497021" bIns="192024" numCol="1" spcCol="1270" anchor="t" anchorCtr="0">
           <a:noAutofit/>
         </a:bodyPr>
         <a:lstStyle/>
         <a:p>
-          <a:pPr marL="285750" lvl="1" indent="-285750" algn="l" defTabSz="1466850">
+          <a:pPr marL="228600" lvl="1" indent="-228600" algn="l" defTabSz="1200150">
             <a:lnSpc>
               <a:spcPct val="90000"/>
             </a:lnSpc>
@@ -12212,12 +14769,12 @@
             <a:buChar char="•"/>
           </a:pPr>
           <a:r>
-            <a:rPr lang="en-US" sz="3300" kern="1200" dirty="0"/>
+            <a:rPr lang="en-US" sz="2700" kern="1200" dirty="0"/>
             <a:t>UE Data structures</a:t>
           </a:r>
         </a:p>
         <a:p>
-          <a:pPr marL="285750" lvl="1" indent="-285750" algn="l" defTabSz="1466850">
+          <a:pPr marL="228600" lvl="1" indent="-228600" algn="l" defTabSz="1200150">
             <a:lnSpc>
               <a:spcPct val="90000"/>
             </a:lnSpc>
@@ -12230,12 +14787,12 @@
             <a:buChar char="•"/>
           </a:pPr>
           <a:r>
-            <a:rPr lang="en-US" sz="3300" kern="1200" dirty="0"/>
-            <a:t>Composition and Actor components</a:t>
+            <a:rPr lang="en-US" sz="2700" kern="1200" dirty="0"/>
+            <a:t>UE Gameplay framework</a:t>
           </a:r>
         </a:p>
         <a:p>
-          <a:pPr marL="285750" lvl="1" indent="-285750" algn="l" defTabSz="1466850">
+          <a:pPr marL="228600" lvl="1" indent="-228600" algn="l" defTabSz="1200150">
             <a:lnSpc>
               <a:spcPct val="90000"/>
             </a:lnSpc>
@@ -12248,12 +14805,12 @@
             <a:buChar char="•"/>
           </a:pPr>
           <a:r>
-            <a:rPr lang="en-US" sz="3300" kern="1200" dirty="0"/>
-            <a:t>Slate (UI)</a:t>
+            <a:rPr lang="en-US" sz="2700" kern="1200" dirty="0"/>
+            <a:t>Composition and Actor components</a:t>
           </a:r>
         </a:p>
         <a:p>
-          <a:pPr marL="285750" lvl="1" indent="-285750" algn="l" defTabSz="1466850">
+          <a:pPr marL="228600" lvl="1" indent="-228600" algn="l" defTabSz="1200150">
             <a:lnSpc>
               <a:spcPct val="90000"/>
             </a:lnSpc>
@@ -12266,12 +14823,12 @@
             <a:buChar char="•"/>
           </a:pPr>
           <a:r>
-            <a:rPr lang="en-US" sz="3300" kern="1200" dirty="0"/>
-            <a:t>Strategy pattern</a:t>
+            <a:rPr lang="en-US" sz="2700" kern="1200" dirty="0"/>
+            <a:t>Animation</a:t>
           </a:r>
         </a:p>
         <a:p>
-          <a:pPr marL="285750" lvl="1" indent="-285750" algn="l" defTabSz="1466850">
+          <a:pPr marL="228600" lvl="1" indent="-228600" algn="l" defTabSz="1200150">
             <a:lnSpc>
               <a:spcPct val="90000"/>
             </a:lnSpc>
@@ -12284,14 +14841,50 @@
             <a:buChar char="•"/>
           </a:pPr>
           <a:r>
-            <a:rPr lang="en-US" sz="3300" kern="1200" dirty="0"/>
-            <a:t>Niagara Particle system</a:t>
+            <a:rPr lang="en-US" sz="2700" kern="1200" dirty="0"/>
+            <a:t>Niagara VFX</a:t>
+          </a:r>
+        </a:p>
+        <a:p>
+          <a:pPr marL="228600" lvl="1" indent="-228600" algn="l" defTabSz="1200150">
+            <a:lnSpc>
+              <a:spcPct val="90000"/>
+            </a:lnSpc>
+            <a:spcBef>
+              <a:spcPct val="0"/>
+            </a:spcBef>
+            <a:spcAft>
+              <a:spcPct val="15000"/>
+            </a:spcAft>
+            <a:buChar char="•"/>
+          </a:pPr>
+          <a:r>
+            <a:rPr lang="en-US" sz="2700" kern="1200" dirty="0"/>
+            <a:t>Audio</a:t>
+          </a:r>
+        </a:p>
+        <a:p>
+          <a:pPr marL="228600" lvl="1" indent="-228600" algn="l" defTabSz="1200150">
+            <a:lnSpc>
+              <a:spcPct val="90000"/>
+            </a:lnSpc>
+            <a:spcBef>
+              <a:spcPct val="0"/>
+            </a:spcBef>
+            <a:spcAft>
+              <a:spcPct val="15000"/>
+            </a:spcAft>
+            <a:buChar char="•"/>
+          </a:pPr>
+          <a:r>
+            <a:rPr lang="en-US" sz="2700" kern="1200" dirty="0"/>
+            <a:t>File I/O (XML/JSON game configuration)</a:t>
           </a:r>
         </a:p>
       </dsp:txBody>
       <dsp:txXfrm>
-        <a:off x="0" y="760219"/>
-        <a:ext cx="6403994" cy="4054050"/>
+        <a:off x="0" y="446614"/>
+        <a:ext cx="6403994" cy="4592700"/>
       </dsp:txXfrm>
     </dsp:sp>
     <dsp:sp modelId="{6876DF30-88C6-4342-9FF9-903D232E05E1}">
@@ -12301,8 +14894,8 @@
       </dsp:nvSpPr>
       <dsp:spPr>
         <a:xfrm>
-          <a:off x="320199" y="273139"/>
-          <a:ext cx="4482795" cy="974160"/>
+          <a:off x="320199" y="48094"/>
+          <a:ext cx="4482795" cy="797040"/>
         </a:xfrm>
         <a:prstGeom prst="roundRect">
           <a:avLst/>
@@ -12368,7 +14961,7 @@
         </a:bodyPr>
         <a:lstStyle/>
         <a:p>
-          <a:pPr marL="0" lvl="0" indent="0" algn="l" defTabSz="1466850">
+          <a:pPr marL="0" lvl="0" indent="0" algn="l" defTabSz="1200150">
             <a:lnSpc>
               <a:spcPct val="90000"/>
             </a:lnSpc>
@@ -12381,14 +14974,14 @@
             <a:buNone/>
           </a:pPr>
           <a:r>
-            <a:rPr lang="en-US" sz="3300" kern="1200" dirty="0"/>
+            <a:rPr lang="en-US" sz="2700" kern="1200" dirty="0"/>
             <a:t>First Person Shooter:</a:t>
           </a:r>
         </a:p>
       </dsp:txBody>
       <dsp:txXfrm>
-        <a:off x="367754" y="320694"/>
-        <a:ext cx="4387685" cy="879050"/>
+        <a:off x="359107" y="87002"/>
+        <a:ext cx="4404979" cy="719224"/>
       </dsp:txXfrm>
     </dsp:sp>
   </dsp:spTree>
@@ -12410,8 +15003,8 @@
       </dsp:nvSpPr>
       <dsp:spPr>
         <a:xfrm>
-          <a:off x="0" y="707254"/>
-          <a:ext cx="6403994" cy="4189500"/>
+          <a:off x="0" y="706174"/>
+          <a:ext cx="6403994" cy="4176900"/>
         </a:xfrm>
         <a:prstGeom prst="rect">
           <a:avLst/>
@@ -12451,12 +15044,12 @@
         <a:fontRef idx="minor"/>
       </dsp:style>
       <dsp:txBody>
-        <a:bodyPr spcFirstLastPara="0" vert="horz" wrap="square" lIns="497021" tIns="728980" rIns="497021" bIns="248920" numCol="1" spcCol="1270" anchor="t" anchorCtr="0">
+        <a:bodyPr spcFirstLastPara="0" vert="horz" wrap="square" lIns="497021" tIns="708152" rIns="497021" bIns="241808" numCol="1" spcCol="1270" anchor="t" anchorCtr="0">
           <a:noAutofit/>
         </a:bodyPr>
         <a:lstStyle/>
         <a:p>
-          <a:pPr marL="285750" lvl="1" indent="-285750" algn="l" defTabSz="1555750">
+          <a:pPr marL="285750" lvl="1" indent="-285750" algn="l" defTabSz="1511300">
             <a:lnSpc>
               <a:spcPct val="90000"/>
             </a:lnSpc>
@@ -12469,12 +15062,12 @@
             <a:buChar char="•"/>
           </a:pPr>
           <a:r>
-            <a:rPr lang="en-US" sz="3500" kern="1200" dirty="0"/>
+            <a:rPr lang="en-US" sz="3400" kern="1200" dirty="0"/>
             <a:t>Building for mobile</a:t>
           </a:r>
         </a:p>
         <a:p>
-          <a:pPr marL="285750" lvl="1" indent="-285750" algn="l" defTabSz="1555750">
+          <a:pPr marL="285750" lvl="1" indent="-285750" algn="l" defTabSz="1511300">
             <a:lnSpc>
               <a:spcPct val="90000"/>
             </a:lnSpc>
@@ -12487,12 +15080,12 @@
             <a:buChar char="•"/>
           </a:pPr>
           <a:r>
-            <a:rPr lang="en-US" sz="3500" kern="1200" dirty="0"/>
+            <a:rPr lang="en-US" sz="3400" kern="1200" dirty="0"/>
             <a:t>Paper 2D</a:t>
           </a:r>
         </a:p>
         <a:p>
-          <a:pPr marL="285750" lvl="1" indent="-285750" algn="l" defTabSz="1555750">
+          <a:pPr marL="285750" lvl="1" indent="-285750" algn="l" defTabSz="1511300">
             <a:lnSpc>
               <a:spcPct val="90000"/>
             </a:lnSpc>
@@ -12505,12 +15098,12 @@
             <a:buChar char="•"/>
           </a:pPr>
           <a:r>
-            <a:rPr lang="en-US" sz="3500" kern="1200" dirty="0"/>
+            <a:rPr lang="en-US" sz="3400" kern="1200" dirty="0"/>
             <a:t>Background parallax effect</a:t>
           </a:r>
         </a:p>
         <a:p>
-          <a:pPr marL="285750" lvl="1" indent="-285750" algn="l" defTabSz="1555750">
+          <a:pPr marL="285750" lvl="1" indent="-285750" algn="l" defTabSz="1511300">
             <a:lnSpc>
               <a:spcPct val="90000"/>
             </a:lnSpc>
@@ -12523,14 +15116,32 @@
             <a:buChar char="•"/>
           </a:pPr>
           <a:r>
-            <a:rPr lang="en-US" sz="3500" kern="1200" dirty="0"/>
-            <a:t>File I/O (XML/JSON game configuration)</a:t>
+            <a:rPr lang="en-US" sz="3400" kern="1200" dirty="0"/>
+            <a:t>Observer design pattern</a:t>
+          </a:r>
+        </a:p>
+        <a:p>
+          <a:pPr marL="285750" lvl="1" indent="-285750" algn="l" defTabSz="1511300">
+            <a:lnSpc>
+              <a:spcPct val="90000"/>
+            </a:lnSpc>
+            <a:spcBef>
+              <a:spcPct val="0"/>
+            </a:spcBef>
+            <a:spcAft>
+              <a:spcPct val="15000"/>
+            </a:spcAft>
+            <a:buChar char="•"/>
+          </a:pPr>
+          <a:r>
+            <a:rPr lang="en-US" sz="3400" kern="1200" dirty="0"/>
+            <a:t>Niagara Particle system</a:t>
           </a:r>
         </a:p>
       </dsp:txBody>
       <dsp:txXfrm>
-        <a:off x="0" y="707254"/>
-        <a:ext cx="6403994" cy="4189500"/>
+        <a:off x="0" y="706174"/>
+        <a:ext cx="6403994" cy="4176900"/>
       </dsp:txXfrm>
     </dsp:sp>
     <dsp:sp modelId="{6876DF30-88C6-4342-9FF9-903D232E05E1}">
@@ -12540,8 +15151,8 @@
       </dsp:nvSpPr>
       <dsp:spPr>
         <a:xfrm>
-          <a:off x="320199" y="190654"/>
-          <a:ext cx="4482795" cy="1033200"/>
+          <a:off x="320199" y="204334"/>
+          <a:ext cx="4482795" cy="1003680"/>
         </a:xfrm>
         <a:prstGeom prst="roundRect">
           <a:avLst/>
@@ -12607,7 +15218,7 @@
         </a:bodyPr>
         <a:lstStyle/>
         <a:p>
-          <a:pPr marL="0" lvl="0" indent="0" algn="l" defTabSz="1555750">
+          <a:pPr marL="0" lvl="0" indent="0" algn="l" defTabSz="1511300">
             <a:lnSpc>
               <a:spcPct val="90000"/>
             </a:lnSpc>
@@ -12620,14 +15231,235 @@
             <a:buNone/>
           </a:pPr>
           <a:r>
-            <a:rPr lang="en-US" sz="3500" kern="1200" dirty="0"/>
+            <a:rPr lang="en-US" sz="3400" kern="1200" dirty="0"/>
             <a:t>2D Space shooter:</a:t>
           </a:r>
         </a:p>
       </dsp:txBody>
       <dsp:txXfrm>
-        <a:off x="370636" y="241091"/>
-        <a:ext cx="4381921" cy="932326"/>
+        <a:off x="369195" y="253330"/>
+        <a:ext cx="4384803" cy="905688"/>
+      </dsp:txXfrm>
+    </dsp:sp>
+  </dsp:spTree>
+</dsp:drawing>
+</file>
+
+<file path=ppt/diagrams/drawing9.xml><?xml version="1.0" encoding="utf-8"?>
+<dsp:drawing xmlns:dgm="http://schemas.openxmlformats.org/drawingml/2006/diagram" xmlns:dsp="http://schemas.microsoft.com/office/drawing/2008/diagram" xmlns:a="http://schemas.openxmlformats.org/drawingml/2006/main">
+  <dsp:spTree>
+    <dsp:nvGrpSpPr>
+      <dsp:cNvPr id="0" name=""/>
+      <dsp:cNvGrpSpPr/>
+    </dsp:nvGrpSpPr>
+    <dsp:grpSpPr/>
+    <dsp:sp modelId="{2CD54FDF-CCC0-4CC8-8252-4597FF28114C}">
+      <dsp:nvSpPr>
+        <dsp:cNvPr id="0" name=""/>
+        <dsp:cNvSpPr/>
+      </dsp:nvSpPr>
+      <dsp:spPr>
+        <a:xfrm>
+          <a:off x="0" y="743344"/>
+          <a:ext cx="6403994" cy="4309200"/>
+        </a:xfrm>
+        <a:prstGeom prst="rect">
+          <a:avLst/>
+        </a:prstGeom>
+        <a:solidFill>
+          <a:schemeClr val="lt1">
+            <a:alpha val="90000"/>
+            <a:hueOff val="0"/>
+            <a:satOff val="0"/>
+            <a:lumOff val="0"/>
+            <a:alphaOff val="0"/>
+          </a:schemeClr>
+        </a:solidFill>
+        <a:ln w="9525" cap="flat" cmpd="sng" algn="ctr">
+          <a:solidFill>
+            <a:schemeClr val="accent2">
+              <a:hueOff val="0"/>
+              <a:satOff val="0"/>
+              <a:lumOff val="0"/>
+              <a:alphaOff val="0"/>
+            </a:schemeClr>
+          </a:solidFill>
+          <a:prstDash val="solid"/>
+        </a:ln>
+        <a:effectLst/>
+      </dsp:spPr>
+      <dsp:style>
+        <a:lnRef idx="1">
+          <a:scrgbClr r="0" g="0" b="0"/>
+        </a:lnRef>
+        <a:fillRef idx="1">
+          <a:scrgbClr r="0" g="0" b="0"/>
+        </a:fillRef>
+        <a:effectRef idx="0">
+          <a:scrgbClr r="0" g="0" b="0"/>
+        </a:effectRef>
+        <a:fontRef idx="minor"/>
+      </dsp:style>
+      <dsp:txBody>
+        <a:bodyPr spcFirstLastPara="0" vert="horz" wrap="square" lIns="497021" tIns="999744" rIns="497021" bIns="341376" numCol="1" spcCol="1270" anchor="t" anchorCtr="0">
+          <a:noAutofit/>
+        </a:bodyPr>
+        <a:lstStyle/>
+        <a:p>
+          <a:pPr marL="285750" lvl="1" indent="-285750" algn="l" defTabSz="2133600">
+            <a:lnSpc>
+              <a:spcPct val="90000"/>
+            </a:lnSpc>
+            <a:spcBef>
+              <a:spcPct val="0"/>
+            </a:spcBef>
+            <a:spcAft>
+              <a:spcPct val="15000"/>
+            </a:spcAft>
+            <a:buChar char="•"/>
+          </a:pPr>
+          <a:r>
+            <a:rPr lang="en-US" sz="4800" kern="1200" dirty="0"/>
+            <a:t>Unreal Insights</a:t>
+          </a:r>
+        </a:p>
+        <a:p>
+          <a:pPr marL="285750" lvl="1" indent="-285750" algn="l" defTabSz="2133600">
+            <a:lnSpc>
+              <a:spcPct val="90000"/>
+            </a:lnSpc>
+            <a:spcBef>
+              <a:spcPct val="0"/>
+            </a:spcBef>
+            <a:spcAft>
+              <a:spcPct val="15000"/>
+            </a:spcAft>
+            <a:buChar char="•"/>
+          </a:pPr>
+          <a:r>
+            <a:rPr lang="en-US" sz="4800" kern="1200" dirty="0"/>
+            <a:t>Visual Studio Profiling</a:t>
+          </a:r>
+        </a:p>
+        <a:p>
+          <a:pPr marL="285750" lvl="1" indent="-285750" algn="l" defTabSz="2133600">
+            <a:lnSpc>
+              <a:spcPct val="90000"/>
+            </a:lnSpc>
+            <a:spcBef>
+              <a:spcPct val="0"/>
+            </a:spcBef>
+            <a:spcAft>
+              <a:spcPct val="15000"/>
+            </a:spcAft>
+            <a:buChar char="•"/>
+          </a:pPr>
+          <a:r>
+            <a:rPr lang="en-US" sz="4800" kern="1200" dirty="0"/>
+            <a:t>Render DOC</a:t>
+          </a:r>
+        </a:p>
+      </dsp:txBody>
+      <dsp:txXfrm>
+        <a:off x="0" y="743344"/>
+        <a:ext cx="6403994" cy="4309200"/>
+      </dsp:txXfrm>
+    </dsp:sp>
+    <dsp:sp modelId="{6876DF30-88C6-4342-9FF9-903D232E05E1}">
+      <dsp:nvSpPr>
+        <dsp:cNvPr id="0" name=""/>
+        <dsp:cNvSpPr/>
+      </dsp:nvSpPr>
+      <dsp:spPr>
+        <a:xfrm>
+          <a:off x="320199" y="34864"/>
+          <a:ext cx="4482795" cy="1416960"/>
+        </a:xfrm>
+        <a:prstGeom prst="roundRect">
+          <a:avLst/>
+        </a:prstGeom>
+        <a:gradFill rotWithShape="0">
+          <a:gsLst>
+            <a:gs pos="0">
+              <a:schemeClr val="accent2">
+                <a:hueOff val="0"/>
+                <a:satOff val="0"/>
+                <a:lumOff val="0"/>
+                <a:alphaOff val="0"/>
+                <a:tint val="96000"/>
+                <a:satMod val="100000"/>
+                <a:lumMod val="104000"/>
+              </a:schemeClr>
+            </a:gs>
+            <a:gs pos="78000">
+              <a:schemeClr val="accent2">
+                <a:hueOff val="0"/>
+                <a:satOff val="0"/>
+                <a:lumOff val="0"/>
+                <a:alphaOff val="0"/>
+                <a:shade val="100000"/>
+                <a:satMod val="110000"/>
+                <a:lumMod val="100000"/>
+              </a:schemeClr>
+            </a:gs>
+          </a:gsLst>
+          <a:lin ang="5400000" scaled="0"/>
+        </a:gradFill>
+        <a:ln>
+          <a:noFill/>
+        </a:ln>
+        <a:effectLst/>
+        <a:scene3d>
+          <a:camera prst="orthographicFront">
+            <a:rot lat="0" lon="0" rev="0"/>
+          </a:camera>
+          <a:lightRig rig="threePt" dir="t"/>
+        </a:scene3d>
+        <a:sp3d>
+          <a:bevelT w="25400" h="12700"/>
+        </a:sp3d>
+      </dsp:spPr>
+      <dsp:style>
+        <a:lnRef idx="0">
+          <a:scrgbClr r="0" g="0" b="0"/>
+        </a:lnRef>
+        <a:fillRef idx="3">
+          <a:scrgbClr r="0" g="0" b="0"/>
+        </a:fillRef>
+        <a:effectRef idx="2">
+          <a:scrgbClr r="0" g="0" b="0"/>
+        </a:effectRef>
+        <a:fontRef idx="minor">
+          <a:schemeClr val="lt1"/>
+        </a:fontRef>
+      </dsp:style>
+      <dsp:txBody>
+        <a:bodyPr spcFirstLastPara="0" vert="horz" wrap="square" lIns="169439" tIns="0" rIns="169439" bIns="0" numCol="1" spcCol="1270" anchor="ctr" anchorCtr="0">
+          <a:noAutofit/>
+        </a:bodyPr>
+        <a:lstStyle/>
+        <a:p>
+          <a:pPr marL="0" lvl="0" indent="0" algn="l" defTabSz="2133600">
+            <a:lnSpc>
+              <a:spcPct val="90000"/>
+            </a:lnSpc>
+            <a:spcBef>
+              <a:spcPct val="0"/>
+            </a:spcBef>
+            <a:spcAft>
+              <a:spcPct val="35000"/>
+            </a:spcAft>
+            <a:buNone/>
+          </a:pPr>
+          <a:r>
+            <a:rPr lang="en-US" sz="4800" kern="1200" dirty="0"/>
+            <a:t>Optimization:</a:t>
+          </a:r>
+        </a:p>
+      </dsp:txBody>
+      <dsp:txXfrm>
+        <a:off x="389369" y="104034"/>
+        <a:ext cx="4344455" cy="1278620"/>
       </dsp:txXfrm>
     </dsp:sp>
   </dsp:spTree>
@@ -12821,6 +15653,231 @@
       </dgm1612:lstStyle>
     </a:ext>
   </dgm:extLst>
+</dgm:layoutDef>
+</file>
+
+<file path=ppt/diagrams/layout10.xml><?xml version="1.0" encoding="utf-8"?>
+<dgm:layoutDef xmlns:dgm="http://schemas.openxmlformats.org/drawingml/2006/diagram" xmlns:a="http://schemas.openxmlformats.org/drawingml/2006/main" uniqueId="urn:microsoft.com/office/officeart/2005/8/layout/list1">
+  <dgm:title val=""/>
+  <dgm:desc val=""/>
+  <dgm:catLst>
+    <dgm:cat type="list" pri="4000"/>
+  </dgm:catLst>
+  <dgm:sampData>
+    <dgm:dataModel>
+      <dgm:ptLst>
+        <dgm:pt modelId="0" type="doc"/>
+        <dgm:pt modelId="1">
+          <dgm:prSet phldr="1"/>
+        </dgm:pt>
+        <dgm:pt modelId="2">
+          <dgm:prSet phldr="1"/>
+        </dgm:pt>
+        <dgm:pt modelId="3">
+          <dgm:prSet phldr="1"/>
+        </dgm:pt>
+      </dgm:ptLst>
+      <dgm:cxnLst>
+        <dgm:cxn modelId="4" srcId="0" destId="1" srcOrd="0" destOrd="0"/>
+        <dgm:cxn modelId="5" srcId="0" destId="2" srcOrd="1" destOrd="0"/>
+        <dgm:cxn modelId="6" srcId="0" destId="3" srcOrd="2" destOrd="0"/>
+      </dgm:cxnLst>
+      <dgm:bg/>
+      <dgm:whole/>
+    </dgm:dataModel>
+  </dgm:sampData>
+  <dgm:styleData>
+    <dgm:dataModel>
+      <dgm:ptLst>
+        <dgm:pt modelId="0" type="doc"/>
+        <dgm:pt modelId="1"/>
+        <dgm:pt modelId="2"/>
+      </dgm:ptLst>
+      <dgm:cxnLst>
+        <dgm:cxn modelId="4" srcId="0" destId="1" srcOrd="0" destOrd="0"/>
+        <dgm:cxn modelId="5" srcId="0" destId="2" srcOrd="1" destOrd="0"/>
+      </dgm:cxnLst>
+      <dgm:bg/>
+      <dgm:whole/>
+    </dgm:dataModel>
+  </dgm:styleData>
+  <dgm:clrData>
+    <dgm:dataModel>
+      <dgm:ptLst>
+        <dgm:pt modelId="0" type="doc"/>
+        <dgm:pt modelId="1"/>
+        <dgm:pt modelId="2"/>
+        <dgm:pt modelId="3"/>
+        <dgm:pt modelId="4"/>
+      </dgm:ptLst>
+      <dgm:cxnLst>
+        <dgm:cxn modelId="5" srcId="0" destId="1" srcOrd="0" destOrd="0"/>
+        <dgm:cxn modelId="6" srcId="0" destId="2" srcOrd="1" destOrd="0"/>
+        <dgm:cxn modelId="7" srcId="0" destId="3" srcOrd="2" destOrd="0"/>
+        <dgm:cxn modelId="8" srcId="0" destId="4" srcOrd="3" destOrd="0"/>
+      </dgm:cxnLst>
+      <dgm:bg/>
+      <dgm:whole/>
+    </dgm:dataModel>
+  </dgm:clrData>
+  <dgm:layoutNode name="linear">
+    <dgm:varLst>
+      <dgm:dir/>
+      <dgm:animLvl val="lvl"/>
+      <dgm:resizeHandles val="exact"/>
+    </dgm:varLst>
+    <dgm:choose name="Name0">
+      <dgm:if name="Name1" func="var" arg="dir" op="equ" val="norm">
+        <dgm:alg type="lin">
+          <dgm:param type="linDir" val="fromT"/>
+          <dgm:param type="vertAlign" val="mid"/>
+          <dgm:param type="horzAlign" val="l"/>
+          <dgm:param type="nodeHorzAlign" val="l"/>
+        </dgm:alg>
+      </dgm:if>
+      <dgm:else name="Name2">
+        <dgm:alg type="lin">
+          <dgm:param type="linDir" val="fromT"/>
+          <dgm:param type="vertAlign" val="mid"/>
+          <dgm:param type="horzAlign" val="r"/>
+          <dgm:param type="nodeHorzAlign" val="r"/>
+        </dgm:alg>
+      </dgm:else>
+    </dgm:choose>
+    <dgm:shape xmlns:r="http://schemas.openxmlformats.org/officeDocument/2006/relationships" r:blip="">
+      <dgm:adjLst/>
+    </dgm:shape>
+    <dgm:presOf/>
+    <dgm:constrLst>
+      <dgm:constr type="w" for="ch" forName="parentLin" refType="w"/>
+      <dgm:constr type="h" for="ch" forName="parentLin" val="INF"/>
+      <dgm:constr type="w" for="des" forName="parentLeftMargin" refType="w" fact="0.05"/>
+      <dgm:constr type="w" for="des" forName="parentText" refType="w" fact="0.7"/>
+      <dgm:constr type="h" for="des" forName="parentText" refType="primFontSz" refFor="des" refForName="parentText" fact="0.82"/>
+      <dgm:constr type="h" for="ch" forName="negativeSpace" refType="primFontSz" refFor="des" refForName="parentText" fact="-0.41"/>
+      <dgm:constr type="h" for="ch" forName="negativeSpace" refType="h" refFor="des" refForName="parentText" op="lte" fact="-0.82"/>
+      <dgm:constr type="h" for="ch" forName="negativeSpace" refType="h" refFor="des" refForName="parentText" op="gte" fact="-0.82"/>
+      <dgm:constr type="w" for="ch" forName="childText" refType="w"/>
+      <dgm:constr type="h" for="ch" forName="childText" refType="primFontSz" refFor="des" refForName="parentText" fact="0.7"/>
+      <dgm:constr type="primFontSz" for="des" forName="parentText" val="65"/>
+      <dgm:constr type="primFontSz" for="ch" forName="childText" refType="primFontSz" refFor="des" refForName="parentText"/>
+      <dgm:constr type="tMarg" for="ch" forName="childText" refType="primFontSz" refFor="des" refForName="parentText" fact="1.64"/>
+      <dgm:constr type="tMarg" for="ch" forName="childText" refType="h" refFor="des" refForName="parentText" op="lte" fact="3.28"/>
+      <dgm:constr type="tMarg" for="ch" forName="childText" refType="h" refFor="des" refForName="parentText" op="gte" fact="3.28"/>
+      <dgm:constr type="lMarg" for="ch" forName="childText" refType="w" fact="0.22"/>
+      <dgm:constr type="rMarg" for="ch" forName="childText" refType="lMarg" refFor="ch" refForName="childText"/>
+      <dgm:constr type="lMarg" for="des" forName="parentText" refType="w" fact="0.075"/>
+      <dgm:constr type="rMarg" for="des" forName="parentText" refType="lMarg" refFor="des" refForName="parentText"/>
+      <dgm:constr type="h" for="ch" forName="spaceBetweenRectangles" refType="primFontSz" refFor="des" refForName="parentText" fact="0.15"/>
+    </dgm:constrLst>
+    <dgm:ruleLst>
+      <dgm:rule type="primFontSz" for="des" forName="parentText" val="5" fact="NaN" max="NaN"/>
+    </dgm:ruleLst>
+    <dgm:forEach name="Name3" axis="ch" ptType="node">
+      <dgm:layoutNode name="parentLin">
+        <dgm:choose name="Name4">
+          <dgm:if name="Name5" func="var" arg="dir" op="equ" val="norm">
+            <dgm:alg type="lin">
+              <dgm:param type="linDir" val="fromL"/>
+              <dgm:param type="horzAlign" val="l"/>
+              <dgm:param type="nodeHorzAlign" val="l"/>
+            </dgm:alg>
+          </dgm:if>
+          <dgm:else name="Name6">
+            <dgm:alg type="lin">
+              <dgm:param type="linDir" val="fromR"/>
+              <dgm:param type="horzAlign" val="r"/>
+              <dgm:param type="nodeHorzAlign" val="r"/>
+            </dgm:alg>
+          </dgm:else>
+        </dgm:choose>
+        <dgm:shape xmlns:r="http://schemas.openxmlformats.org/officeDocument/2006/relationships" r:blip="">
+          <dgm:adjLst/>
+        </dgm:shape>
+        <dgm:presOf/>
+        <dgm:constrLst/>
+        <dgm:ruleLst/>
+        <dgm:layoutNode name="parentLeftMargin">
+          <dgm:alg type="sp"/>
+          <dgm:shape xmlns:r="http://schemas.openxmlformats.org/officeDocument/2006/relationships" type="rect" r:blip="" hideGeom="1">
+            <dgm:adjLst/>
+          </dgm:shape>
+          <dgm:presOf axis="self"/>
+          <dgm:constrLst>
+            <dgm:constr type="h"/>
+          </dgm:constrLst>
+          <dgm:ruleLst/>
+        </dgm:layoutNode>
+        <dgm:layoutNode name="parentText" styleLbl="node1">
+          <dgm:varLst>
+            <dgm:chMax val="0"/>
+            <dgm:bulletEnabled val="1"/>
+          </dgm:varLst>
+          <dgm:choose name="Name7">
+            <dgm:if name="Name8" func="var" arg="dir" op="equ" val="norm">
+              <dgm:alg type="tx">
+                <dgm:param type="parTxLTRAlign" val="l"/>
+                <dgm:param type="parTxRTLAlign" val="l"/>
+              </dgm:alg>
+            </dgm:if>
+            <dgm:else name="Name9">
+              <dgm:alg type="tx">
+                <dgm:param type="parTxLTRAlign" val="r"/>
+                <dgm:param type="parTxRTLAlign" val="r"/>
+              </dgm:alg>
+            </dgm:else>
+          </dgm:choose>
+          <dgm:shape xmlns:r="http://schemas.openxmlformats.org/officeDocument/2006/relationships" type="roundRect" r:blip="">
+            <dgm:adjLst/>
+          </dgm:shape>
+          <dgm:presOf axis="self" ptType="node"/>
+          <dgm:constrLst>
+            <dgm:constr type="tMarg"/>
+            <dgm:constr type="bMarg"/>
+          </dgm:constrLst>
+          <dgm:ruleLst/>
+        </dgm:layoutNode>
+      </dgm:layoutNode>
+      <dgm:layoutNode name="negativeSpace">
+        <dgm:alg type="sp"/>
+        <dgm:shape xmlns:r="http://schemas.openxmlformats.org/officeDocument/2006/relationships" r:blip="">
+          <dgm:adjLst/>
+        </dgm:shape>
+        <dgm:presOf/>
+        <dgm:constrLst/>
+        <dgm:ruleLst/>
+      </dgm:layoutNode>
+      <dgm:layoutNode name="childText" styleLbl="conFgAcc1">
+        <dgm:varLst>
+          <dgm:bulletEnabled val="1"/>
+        </dgm:varLst>
+        <dgm:alg type="tx">
+          <dgm:param type="stBulletLvl" val="1"/>
+        </dgm:alg>
+        <dgm:shape xmlns:r="http://schemas.openxmlformats.org/officeDocument/2006/relationships" type="rect" r:blip="" zOrderOff="-2">
+          <dgm:adjLst/>
+        </dgm:shape>
+        <dgm:presOf axis="des" ptType="node"/>
+        <dgm:constrLst>
+          <dgm:constr type="secFontSz" refType="primFontSz"/>
+        </dgm:constrLst>
+        <dgm:ruleLst>
+          <dgm:rule type="h" val="INF" fact="NaN" max="NaN"/>
+        </dgm:ruleLst>
+      </dgm:layoutNode>
+      <dgm:forEach name="Name10" axis="followSib" ptType="sibTrans" cnt="1">
+        <dgm:layoutNode name="spaceBetweenRectangles">
+          <dgm:alg type="sp"/>
+          <dgm:shape xmlns:r="http://schemas.openxmlformats.org/officeDocument/2006/relationships" r:blip="">
+            <dgm:adjLst/>
+          </dgm:shape>
+          <dgm:presOf/>
+          <dgm:constrLst/>
+          <dgm:ruleLst/>
+        </dgm:layoutNode>
+      </dgm:forEach>
+    </dgm:forEach>
+  </dgm:layoutNode>
 </dgm:layoutDef>
 </file>
 
@@ -14399,6 +17456,231 @@
 </dgm:layoutDef>
 </file>
 
+<file path=ppt/diagrams/layout9.xml><?xml version="1.0" encoding="utf-8"?>
+<dgm:layoutDef xmlns:dgm="http://schemas.openxmlformats.org/drawingml/2006/diagram" xmlns:a="http://schemas.openxmlformats.org/drawingml/2006/main" uniqueId="urn:microsoft.com/office/officeart/2005/8/layout/list1">
+  <dgm:title val=""/>
+  <dgm:desc val=""/>
+  <dgm:catLst>
+    <dgm:cat type="list" pri="4000"/>
+  </dgm:catLst>
+  <dgm:sampData>
+    <dgm:dataModel>
+      <dgm:ptLst>
+        <dgm:pt modelId="0" type="doc"/>
+        <dgm:pt modelId="1">
+          <dgm:prSet phldr="1"/>
+        </dgm:pt>
+        <dgm:pt modelId="2">
+          <dgm:prSet phldr="1"/>
+        </dgm:pt>
+        <dgm:pt modelId="3">
+          <dgm:prSet phldr="1"/>
+        </dgm:pt>
+      </dgm:ptLst>
+      <dgm:cxnLst>
+        <dgm:cxn modelId="4" srcId="0" destId="1" srcOrd="0" destOrd="0"/>
+        <dgm:cxn modelId="5" srcId="0" destId="2" srcOrd="1" destOrd="0"/>
+        <dgm:cxn modelId="6" srcId="0" destId="3" srcOrd="2" destOrd="0"/>
+      </dgm:cxnLst>
+      <dgm:bg/>
+      <dgm:whole/>
+    </dgm:dataModel>
+  </dgm:sampData>
+  <dgm:styleData>
+    <dgm:dataModel>
+      <dgm:ptLst>
+        <dgm:pt modelId="0" type="doc"/>
+        <dgm:pt modelId="1"/>
+        <dgm:pt modelId="2"/>
+      </dgm:ptLst>
+      <dgm:cxnLst>
+        <dgm:cxn modelId="4" srcId="0" destId="1" srcOrd="0" destOrd="0"/>
+        <dgm:cxn modelId="5" srcId="0" destId="2" srcOrd="1" destOrd="0"/>
+      </dgm:cxnLst>
+      <dgm:bg/>
+      <dgm:whole/>
+    </dgm:dataModel>
+  </dgm:styleData>
+  <dgm:clrData>
+    <dgm:dataModel>
+      <dgm:ptLst>
+        <dgm:pt modelId="0" type="doc"/>
+        <dgm:pt modelId="1"/>
+        <dgm:pt modelId="2"/>
+        <dgm:pt modelId="3"/>
+        <dgm:pt modelId="4"/>
+      </dgm:ptLst>
+      <dgm:cxnLst>
+        <dgm:cxn modelId="5" srcId="0" destId="1" srcOrd="0" destOrd="0"/>
+        <dgm:cxn modelId="6" srcId="0" destId="2" srcOrd="1" destOrd="0"/>
+        <dgm:cxn modelId="7" srcId="0" destId="3" srcOrd="2" destOrd="0"/>
+        <dgm:cxn modelId="8" srcId="0" destId="4" srcOrd="3" destOrd="0"/>
+      </dgm:cxnLst>
+      <dgm:bg/>
+      <dgm:whole/>
+    </dgm:dataModel>
+  </dgm:clrData>
+  <dgm:layoutNode name="linear">
+    <dgm:varLst>
+      <dgm:dir/>
+      <dgm:animLvl val="lvl"/>
+      <dgm:resizeHandles val="exact"/>
+    </dgm:varLst>
+    <dgm:choose name="Name0">
+      <dgm:if name="Name1" func="var" arg="dir" op="equ" val="norm">
+        <dgm:alg type="lin">
+          <dgm:param type="linDir" val="fromT"/>
+          <dgm:param type="vertAlign" val="mid"/>
+          <dgm:param type="horzAlign" val="l"/>
+          <dgm:param type="nodeHorzAlign" val="l"/>
+        </dgm:alg>
+      </dgm:if>
+      <dgm:else name="Name2">
+        <dgm:alg type="lin">
+          <dgm:param type="linDir" val="fromT"/>
+          <dgm:param type="vertAlign" val="mid"/>
+          <dgm:param type="horzAlign" val="r"/>
+          <dgm:param type="nodeHorzAlign" val="r"/>
+        </dgm:alg>
+      </dgm:else>
+    </dgm:choose>
+    <dgm:shape xmlns:r="http://schemas.openxmlformats.org/officeDocument/2006/relationships" r:blip="">
+      <dgm:adjLst/>
+    </dgm:shape>
+    <dgm:presOf/>
+    <dgm:constrLst>
+      <dgm:constr type="w" for="ch" forName="parentLin" refType="w"/>
+      <dgm:constr type="h" for="ch" forName="parentLin" val="INF"/>
+      <dgm:constr type="w" for="des" forName="parentLeftMargin" refType="w" fact="0.05"/>
+      <dgm:constr type="w" for="des" forName="parentText" refType="w" fact="0.7"/>
+      <dgm:constr type="h" for="des" forName="parentText" refType="primFontSz" refFor="des" refForName="parentText" fact="0.82"/>
+      <dgm:constr type="h" for="ch" forName="negativeSpace" refType="primFontSz" refFor="des" refForName="parentText" fact="-0.41"/>
+      <dgm:constr type="h" for="ch" forName="negativeSpace" refType="h" refFor="des" refForName="parentText" op="lte" fact="-0.82"/>
+      <dgm:constr type="h" for="ch" forName="negativeSpace" refType="h" refFor="des" refForName="parentText" op="gte" fact="-0.82"/>
+      <dgm:constr type="w" for="ch" forName="childText" refType="w"/>
+      <dgm:constr type="h" for="ch" forName="childText" refType="primFontSz" refFor="des" refForName="parentText" fact="0.7"/>
+      <dgm:constr type="primFontSz" for="des" forName="parentText" val="65"/>
+      <dgm:constr type="primFontSz" for="ch" forName="childText" refType="primFontSz" refFor="des" refForName="parentText"/>
+      <dgm:constr type="tMarg" for="ch" forName="childText" refType="primFontSz" refFor="des" refForName="parentText" fact="1.64"/>
+      <dgm:constr type="tMarg" for="ch" forName="childText" refType="h" refFor="des" refForName="parentText" op="lte" fact="3.28"/>
+      <dgm:constr type="tMarg" for="ch" forName="childText" refType="h" refFor="des" refForName="parentText" op="gte" fact="3.28"/>
+      <dgm:constr type="lMarg" for="ch" forName="childText" refType="w" fact="0.22"/>
+      <dgm:constr type="rMarg" for="ch" forName="childText" refType="lMarg" refFor="ch" refForName="childText"/>
+      <dgm:constr type="lMarg" for="des" forName="parentText" refType="w" fact="0.075"/>
+      <dgm:constr type="rMarg" for="des" forName="parentText" refType="lMarg" refFor="des" refForName="parentText"/>
+      <dgm:constr type="h" for="ch" forName="spaceBetweenRectangles" refType="primFontSz" refFor="des" refForName="parentText" fact="0.15"/>
+    </dgm:constrLst>
+    <dgm:ruleLst>
+      <dgm:rule type="primFontSz" for="des" forName="parentText" val="5" fact="NaN" max="NaN"/>
+    </dgm:ruleLst>
+    <dgm:forEach name="Name3" axis="ch" ptType="node">
+      <dgm:layoutNode name="parentLin">
+        <dgm:choose name="Name4">
+          <dgm:if name="Name5" func="var" arg="dir" op="equ" val="norm">
+            <dgm:alg type="lin">
+              <dgm:param type="linDir" val="fromL"/>
+              <dgm:param type="horzAlign" val="l"/>
+              <dgm:param type="nodeHorzAlign" val="l"/>
+            </dgm:alg>
+          </dgm:if>
+          <dgm:else name="Name6">
+            <dgm:alg type="lin">
+              <dgm:param type="linDir" val="fromR"/>
+              <dgm:param type="horzAlign" val="r"/>
+              <dgm:param type="nodeHorzAlign" val="r"/>
+            </dgm:alg>
+          </dgm:else>
+        </dgm:choose>
+        <dgm:shape xmlns:r="http://schemas.openxmlformats.org/officeDocument/2006/relationships" r:blip="">
+          <dgm:adjLst/>
+        </dgm:shape>
+        <dgm:presOf/>
+        <dgm:constrLst/>
+        <dgm:ruleLst/>
+        <dgm:layoutNode name="parentLeftMargin">
+          <dgm:alg type="sp"/>
+          <dgm:shape xmlns:r="http://schemas.openxmlformats.org/officeDocument/2006/relationships" type="rect" r:blip="" hideGeom="1">
+            <dgm:adjLst/>
+          </dgm:shape>
+          <dgm:presOf axis="self"/>
+          <dgm:constrLst>
+            <dgm:constr type="h"/>
+          </dgm:constrLst>
+          <dgm:ruleLst/>
+        </dgm:layoutNode>
+        <dgm:layoutNode name="parentText" styleLbl="node1">
+          <dgm:varLst>
+            <dgm:chMax val="0"/>
+            <dgm:bulletEnabled val="1"/>
+          </dgm:varLst>
+          <dgm:choose name="Name7">
+            <dgm:if name="Name8" func="var" arg="dir" op="equ" val="norm">
+              <dgm:alg type="tx">
+                <dgm:param type="parTxLTRAlign" val="l"/>
+                <dgm:param type="parTxRTLAlign" val="l"/>
+              </dgm:alg>
+            </dgm:if>
+            <dgm:else name="Name9">
+              <dgm:alg type="tx">
+                <dgm:param type="parTxLTRAlign" val="r"/>
+                <dgm:param type="parTxRTLAlign" val="r"/>
+              </dgm:alg>
+            </dgm:else>
+          </dgm:choose>
+          <dgm:shape xmlns:r="http://schemas.openxmlformats.org/officeDocument/2006/relationships" type="roundRect" r:blip="">
+            <dgm:adjLst/>
+          </dgm:shape>
+          <dgm:presOf axis="self" ptType="node"/>
+          <dgm:constrLst>
+            <dgm:constr type="tMarg"/>
+            <dgm:constr type="bMarg"/>
+          </dgm:constrLst>
+          <dgm:ruleLst/>
+        </dgm:layoutNode>
+      </dgm:layoutNode>
+      <dgm:layoutNode name="negativeSpace">
+        <dgm:alg type="sp"/>
+        <dgm:shape xmlns:r="http://schemas.openxmlformats.org/officeDocument/2006/relationships" r:blip="">
+          <dgm:adjLst/>
+        </dgm:shape>
+        <dgm:presOf/>
+        <dgm:constrLst/>
+        <dgm:ruleLst/>
+      </dgm:layoutNode>
+      <dgm:layoutNode name="childText" styleLbl="conFgAcc1">
+        <dgm:varLst>
+          <dgm:bulletEnabled val="1"/>
+        </dgm:varLst>
+        <dgm:alg type="tx">
+          <dgm:param type="stBulletLvl" val="1"/>
+        </dgm:alg>
+        <dgm:shape xmlns:r="http://schemas.openxmlformats.org/officeDocument/2006/relationships" type="rect" r:blip="" zOrderOff="-2">
+          <dgm:adjLst/>
+        </dgm:shape>
+        <dgm:presOf axis="des" ptType="node"/>
+        <dgm:constrLst>
+          <dgm:constr type="secFontSz" refType="primFontSz"/>
+        </dgm:constrLst>
+        <dgm:ruleLst>
+          <dgm:rule type="h" val="INF" fact="NaN" max="NaN"/>
+        </dgm:ruleLst>
+      </dgm:layoutNode>
+      <dgm:forEach name="Name10" axis="followSib" ptType="sibTrans" cnt="1">
+        <dgm:layoutNode name="spaceBetweenRectangles">
+          <dgm:alg type="sp"/>
+          <dgm:shape xmlns:r="http://schemas.openxmlformats.org/officeDocument/2006/relationships" r:blip="">
+            <dgm:adjLst/>
+          </dgm:shape>
+          <dgm:presOf/>
+          <dgm:constrLst/>
+          <dgm:ruleLst/>
+        </dgm:layoutNode>
+      </dgm:forEach>
+    </dgm:forEach>
+  </dgm:layoutNode>
+</dgm:layoutDef>
+</file>
+
 <file path=ppt/diagrams/quickStyle1.xml><?xml version="1.0" encoding="utf-8"?>
 <dgm:styleDef xmlns:dgm="http://schemas.openxmlformats.org/drawingml/2006/diagram" xmlns:a="http://schemas.openxmlformats.org/drawingml/2006/main" uniqueId="urn:microsoft.com/office/officeart/2005/8/quickstyle/simple1">
   <dgm:title val=""/>
@@ -15405,6 +18687,1040 @@
         <a:scrgbClr r="0" g="0" b="0"/>
       </a:fillRef>
       <a:effectRef idx="0">
+        <a:scrgbClr r="0" g="0" b="0"/>
+      </a:effectRef>
+      <a:fontRef idx="minor"/>
+    </dgm:style>
+  </dgm:styleLbl>
+  <dgm:styleLbl name="revTx">
+    <dgm:scene3d>
+      <a:camera prst="orthographicFront"/>
+      <a:lightRig rig="threePt" dir="t"/>
+    </dgm:scene3d>
+    <dgm:sp3d/>
+    <dgm:txPr/>
+    <dgm:style>
+      <a:lnRef idx="0">
+        <a:scrgbClr r="0" g="0" b="0"/>
+      </a:lnRef>
+      <a:fillRef idx="0">
+        <a:scrgbClr r="0" g="0" b="0"/>
+      </a:fillRef>
+      <a:effectRef idx="0">
+        <a:scrgbClr r="0" g="0" b="0"/>
+      </a:effectRef>
+      <a:fontRef idx="minor"/>
+    </dgm:style>
+  </dgm:styleLbl>
+</dgm:styleDef>
+</file>
+
+<file path=ppt/diagrams/quickStyle10.xml><?xml version="1.0" encoding="utf-8"?>
+<dgm:styleDef xmlns:dgm="http://schemas.openxmlformats.org/drawingml/2006/diagram" xmlns:a="http://schemas.openxmlformats.org/drawingml/2006/main" uniqueId="urn:microsoft.com/office/officeart/2005/8/quickstyle/simple4">
+  <dgm:title val=""/>
+  <dgm:desc val=""/>
+  <dgm:catLst>
+    <dgm:cat type="simple" pri="10400"/>
+  </dgm:catLst>
+  <dgm:scene3d>
+    <a:camera prst="orthographicFront"/>
+    <a:lightRig rig="threePt" dir="t"/>
+  </dgm:scene3d>
+  <dgm:styleLbl name="node0">
+    <dgm:scene3d>
+      <a:camera prst="orthographicFront"/>
+      <a:lightRig rig="threePt" dir="t"/>
+    </dgm:scene3d>
+    <dgm:sp3d/>
+    <dgm:txPr/>
+    <dgm:style>
+      <a:lnRef idx="0">
+        <a:scrgbClr r="0" g="0" b="0"/>
+      </a:lnRef>
+      <a:fillRef idx="3">
+        <a:scrgbClr r="0" g="0" b="0"/>
+      </a:fillRef>
+      <a:effectRef idx="2">
+        <a:scrgbClr r="0" g="0" b="0"/>
+      </a:effectRef>
+      <a:fontRef idx="minor">
+        <a:schemeClr val="lt1"/>
+      </a:fontRef>
+    </dgm:style>
+  </dgm:styleLbl>
+  <dgm:styleLbl name="lnNode1">
+    <dgm:scene3d>
+      <a:camera prst="orthographicFront"/>
+      <a:lightRig rig="threePt" dir="t"/>
+    </dgm:scene3d>
+    <dgm:sp3d/>
+    <dgm:txPr/>
+    <dgm:style>
+      <a:lnRef idx="1">
+        <a:scrgbClr r="0" g="0" b="0"/>
+      </a:lnRef>
+      <a:fillRef idx="3">
+        <a:scrgbClr r="0" g="0" b="0"/>
+      </a:fillRef>
+      <a:effectRef idx="2">
+        <a:scrgbClr r="0" g="0" b="0"/>
+      </a:effectRef>
+      <a:fontRef idx="minor">
+        <a:schemeClr val="lt1"/>
+      </a:fontRef>
+    </dgm:style>
+  </dgm:styleLbl>
+  <dgm:styleLbl name="vennNode1">
+    <dgm:scene3d>
+      <a:camera prst="orthographicFront"/>
+      <a:lightRig rig="threePt" dir="t"/>
+    </dgm:scene3d>
+    <dgm:sp3d/>
+    <dgm:txPr/>
+    <dgm:style>
+      <a:lnRef idx="0">
+        <a:scrgbClr r="0" g="0" b="0"/>
+      </a:lnRef>
+      <a:fillRef idx="3">
+        <a:scrgbClr r="0" g="0" b="0"/>
+      </a:fillRef>
+      <a:effectRef idx="0">
+        <a:scrgbClr r="0" g="0" b="0"/>
+      </a:effectRef>
+      <a:fontRef idx="minor">
+        <a:schemeClr val="tx1"/>
+      </a:fontRef>
+    </dgm:style>
+  </dgm:styleLbl>
+  <dgm:styleLbl name="alignNode1">
+    <dgm:scene3d>
+      <a:camera prst="orthographicFront"/>
+      <a:lightRig rig="threePt" dir="t"/>
+    </dgm:scene3d>
+    <dgm:sp3d/>
+    <dgm:txPr/>
+    <dgm:style>
+      <a:lnRef idx="1">
+        <a:scrgbClr r="0" g="0" b="0"/>
+      </a:lnRef>
+      <a:fillRef idx="3">
+        <a:scrgbClr r="0" g="0" b="0"/>
+      </a:fillRef>
+      <a:effectRef idx="2">
+        <a:scrgbClr r="0" g="0" b="0"/>
+      </a:effectRef>
+      <a:fontRef idx="minor">
+        <a:schemeClr val="lt1"/>
+      </a:fontRef>
+    </dgm:style>
+  </dgm:styleLbl>
+  <dgm:styleLbl name="node1">
+    <dgm:scene3d>
+      <a:camera prst="orthographicFront"/>
+      <a:lightRig rig="threePt" dir="t"/>
+    </dgm:scene3d>
+    <dgm:sp3d/>
+    <dgm:txPr/>
+    <dgm:style>
+      <a:lnRef idx="0">
+        <a:scrgbClr r="0" g="0" b="0"/>
+      </a:lnRef>
+      <a:fillRef idx="3">
+        <a:scrgbClr r="0" g="0" b="0"/>
+      </a:fillRef>
+      <a:effectRef idx="2">
+        <a:scrgbClr r="0" g="0" b="0"/>
+      </a:effectRef>
+      <a:fontRef idx="minor">
+        <a:schemeClr val="lt1"/>
+      </a:fontRef>
+    </dgm:style>
+  </dgm:styleLbl>
+  <dgm:styleLbl name="node2">
+    <dgm:scene3d>
+      <a:camera prst="orthographicFront"/>
+      <a:lightRig rig="threePt" dir="t"/>
+    </dgm:scene3d>
+    <dgm:sp3d/>
+    <dgm:txPr/>
+    <dgm:style>
+      <a:lnRef idx="0">
+        <a:scrgbClr r="0" g="0" b="0"/>
+      </a:lnRef>
+      <a:fillRef idx="3">
+        <a:scrgbClr r="0" g="0" b="0"/>
+      </a:fillRef>
+      <a:effectRef idx="2">
+        <a:scrgbClr r="0" g="0" b="0"/>
+      </a:effectRef>
+      <a:fontRef idx="minor">
+        <a:schemeClr val="lt1"/>
+      </a:fontRef>
+    </dgm:style>
+  </dgm:styleLbl>
+  <dgm:styleLbl name="node3">
+    <dgm:scene3d>
+      <a:camera prst="orthographicFront"/>
+      <a:lightRig rig="threePt" dir="t"/>
+    </dgm:scene3d>
+    <dgm:sp3d/>
+    <dgm:txPr/>
+    <dgm:style>
+      <a:lnRef idx="0">
+        <a:scrgbClr r="0" g="0" b="0"/>
+      </a:lnRef>
+      <a:fillRef idx="3">
+        <a:scrgbClr r="0" g="0" b="0"/>
+      </a:fillRef>
+      <a:effectRef idx="2">
+        <a:scrgbClr r="0" g="0" b="0"/>
+      </a:effectRef>
+      <a:fontRef idx="minor">
+        <a:schemeClr val="lt1"/>
+      </a:fontRef>
+    </dgm:style>
+  </dgm:styleLbl>
+  <dgm:styleLbl name="node4">
+    <dgm:scene3d>
+      <a:camera prst="orthographicFront"/>
+      <a:lightRig rig="threePt" dir="t"/>
+    </dgm:scene3d>
+    <dgm:sp3d/>
+    <dgm:txPr/>
+    <dgm:style>
+      <a:lnRef idx="0">
+        <a:scrgbClr r="0" g="0" b="0"/>
+      </a:lnRef>
+      <a:fillRef idx="3">
+        <a:scrgbClr r="0" g="0" b="0"/>
+      </a:fillRef>
+      <a:effectRef idx="2">
+        <a:scrgbClr r="0" g="0" b="0"/>
+      </a:effectRef>
+      <a:fontRef idx="minor">
+        <a:schemeClr val="lt1"/>
+      </a:fontRef>
+    </dgm:style>
+  </dgm:styleLbl>
+  <dgm:styleLbl name="fgImgPlace1">
+    <dgm:scene3d>
+      <a:camera prst="orthographicFront"/>
+      <a:lightRig rig="threePt" dir="t"/>
+    </dgm:scene3d>
+    <dgm:sp3d/>
+    <dgm:txPr/>
+    <dgm:style>
+      <a:lnRef idx="0">
+        <a:scrgbClr r="0" g="0" b="0"/>
+      </a:lnRef>
+      <a:fillRef idx="1">
+        <a:scrgbClr r="0" g="0" b="0"/>
+      </a:fillRef>
+      <a:effectRef idx="2">
+        <a:scrgbClr r="0" g="0" b="0"/>
+      </a:effectRef>
+      <a:fontRef idx="minor"/>
+    </dgm:style>
+  </dgm:styleLbl>
+  <dgm:styleLbl name="alignImgPlace1">
+    <dgm:scene3d>
+      <a:camera prst="orthographicFront"/>
+      <a:lightRig rig="threePt" dir="t"/>
+    </dgm:scene3d>
+    <dgm:sp3d/>
+    <dgm:txPr/>
+    <dgm:style>
+      <a:lnRef idx="0">
+        <a:scrgbClr r="0" g="0" b="0"/>
+      </a:lnRef>
+      <a:fillRef idx="1">
+        <a:scrgbClr r="0" g="0" b="0"/>
+      </a:fillRef>
+      <a:effectRef idx="2">
+        <a:scrgbClr r="0" g="0" b="0"/>
+      </a:effectRef>
+      <a:fontRef idx="minor"/>
+    </dgm:style>
+  </dgm:styleLbl>
+  <dgm:styleLbl name="bgImgPlace1">
+    <dgm:scene3d>
+      <a:camera prst="orthographicFront"/>
+      <a:lightRig rig="threePt" dir="t"/>
+    </dgm:scene3d>
+    <dgm:sp3d/>
+    <dgm:txPr/>
+    <dgm:style>
+      <a:lnRef idx="0">
+        <a:scrgbClr r="0" g="0" b="0"/>
+      </a:lnRef>
+      <a:fillRef idx="1">
+        <a:scrgbClr r="0" g="0" b="0"/>
+      </a:fillRef>
+      <a:effectRef idx="2">
+        <a:scrgbClr r="0" g="0" b="0"/>
+      </a:effectRef>
+      <a:fontRef idx="minor"/>
+    </dgm:style>
+  </dgm:styleLbl>
+  <dgm:styleLbl name="sibTrans2D1">
+    <dgm:scene3d>
+      <a:camera prst="orthographicFront"/>
+      <a:lightRig rig="threePt" dir="t"/>
+    </dgm:scene3d>
+    <dgm:sp3d/>
+    <dgm:txPr/>
+    <dgm:style>
+      <a:lnRef idx="0">
+        <a:scrgbClr r="0" g="0" b="0"/>
+      </a:lnRef>
+      <a:fillRef idx="3">
+        <a:scrgbClr r="0" g="0" b="0"/>
+      </a:fillRef>
+      <a:effectRef idx="2">
+        <a:scrgbClr r="0" g="0" b="0"/>
+      </a:effectRef>
+      <a:fontRef idx="minor">
+        <a:schemeClr val="lt1"/>
+      </a:fontRef>
+    </dgm:style>
+  </dgm:styleLbl>
+  <dgm:styleLbl name="fgSibTrans2D1">
+    <dgm:scene3d>
+      <a:camera prst="orthographicFront"/>
+      <a:lightRig rig="threePt" dir="t"/>
+    </dgm:scene3d>
+    <dgm:sp3d/>
+    <dgm:txPr/>
+    <dgm:style>
+      <a:lnRef idx="0">
+        <a:scrgbClr r="0" g="0" b="0"/>
+      </a:lnRef>
+      <a:fillRef idx="3">
+        <a:scrgbClr r="0" g="0" b="0"/>
+      </a:fillRef>
+      <a:effectRef idx="2">
+        <a:scrgbClr r="0" g="0" b="0"/>
+      </a:effectRef>
+      <a:fontRef idx="minor">
+        <a:schemeClr val="lt1"/>
+      </a:fontRef>
+    </dgm:style>
+  </dgm:styleLbl>
+  <dgm:styleLbl name="bgSibTrans2D1">
+    <dgm:scene3d>
+      <a:camera prst="orthographicFront"/>
+      <a:lightRig rig="threePt" dir="t"/>
+    </dgm:scene3d>
+    <dgm:sp3d/>
+    <dgm:txPr/>
+    <dgm:style>
+      <a:lnRef idx="0">
+        <a:scrgbClr r="0" g="0" b="0"/>
+      </a:lnRef>
+      <a:fillRef idx="3">
+        <a:scrgbClr r="0" g="0" b="0"/>
+      </a:fillRef>
+      <a:effectRef idx="2">
+        <a:scrgbClr r="0" g="0" b="0"/>
+      </a:effectRef>
+      <a:fontRef idx="minor">
+        <a:schemeClr val="lt1"/>
+      </a:fontRef>
+    </dgm:style>
+  </dgm:styleLbl>
+  <dgm:styleLbl name="sibTrans1D1">
+    <dgm:scene3d>
+      <a:camera prst="orthographicFront"/>
+      <a:lightRig rig="threePt" dir="t"/>
+    </dgm:scene3d>
+    <dgm:sp3d/>
+    <dgm:txPr/>
+    <dgm:style>
+      <a:lnRef idx="1">
+        <a:scrgbClr r="0" g="0" b="0"/>
+      </a:lnRef>
+      <a:fillRef idx="0">
+        <a:scrgbClr r="0" g="0" b="0"/>
+      </a:fillRef>
+      <a:effectRef idx="0">
+        <a:scrgbClr r="0" g="0" b="0"/>
+      </a:effectRef>
+      <a:fontRef idx="minor"/>
+    </dgm:style>
+  </dgm:styleLbl>
+  <dgm:styleLbl name="callout">
+    <dgm:scene3d>
+      <a:camera prst="orthographicFront"/>
+      <a:lightRig rig="threePt" dir="t"/>
+    </dgm:scene3d>
+    <dgm:sp3d/>
+    <dgm:txPr/>
+    <dgm:style>
+      <a:lnRef idx="2">
+        <a:scrgbClr r="0" g="0" b="0"/>
+      </a:lnRef>
+      <a:fillRef idx="1">
+        <a:scrgbClr r="0" g="0" b="0"/>
+      </a:fillRef>
+      <a:effectRef idx="1">
+        <a:scrgbClr r="0" g="0" b="0"/>
+      </a:effectRef>
+      <a:fontRef idx="minor"/>
+    </dgm:style>
+  </dgm:styleLbl>
+  <dgm:styleLbl name="asst0">
+    <dgm:scene3d>
+      <a:camera prst="orthographicFront"/>
+      <a:lightRig rig="threePt" dir="t"/>
+    </dgm:scene3d>
+    <dgm:sp3d/>
+    <dgm:txPr/>
+    <dgm:style>
+      <a:lnRef idx="0">
+        <a:scrgbClr r="0" g="0" b="0"/>
+      </a:lnRef>
+      <a:fillRef idx="3">
+        <a:scrgbClr r="0" g="0" b="0"/>
+      </a:fillRef>
+      <a:effectRef idx="2">
+        <a:scrgbClr r="0" g="0" b="0"/>
+      </a:effectRef>
+      <a:fontRef idx="minor">
+        <a:schemeClr val="lt1"/>
+      </a:fontRef>
+    </dgm:style>
+  </dgm:styleLbl>
+  <dgm:styleLbl name="asst1">
+    <dgm:scene3d>
+      <a:camera prst="orthographicFront"/>
+      <a:lightRig rig="threePt" dir="t"/>
+    </dgm:scene3d>
+    <dgm:sp3d/>
+    <dgm:txPr/>
+    <dgm:style>
+      <a:lnRef idx="0">
+        <a:scrgbClr r="0" g="0" b="0"/>
+      </a:lnRef>
+      <a:fillRef idx="3">
+        <a:scrgbClr r="0" g="0" b="0"/>
+      </a:fillRef>
+      <a:effectRef idx="2">
+        <a:scrgbClr r="0" g="0" b="0"/>
+      </a:effectRef>
+      <a:fontRef idx="minor">
+        <a:schemeClr val="lt1"/>
+      </a:fontRef>
+    </dgm:style>
+  </dgm:styleLbl>
+  <dgm:styleLbl name="asst2">
+    <dgm:scene3d>
+      <a:camera prst="orthographicFront"/>
+      <a:lightRig rig="threePt" dir="t"/>
+    </dgm:scene3d>
+    <dgm:sp3d/>
+    <dgm:txPr/>
+    <dgm:style>
+      <a:lnRef idx="0">
+        <a:scrgbClr r="0" g="0" b="0"/>
+      </a:lnRef>
+      <a:fillRef idx="3">
+        <a:scrgbClr r="0" g="0" b="0"/>
+      </a:fillRef>
+      <a:effectRef idx="2">
+        <a:scrgbClr r="0" g="0" b="0"/>
+      </a:effectRef>
+      <a:fontRef idx="minor">
+        <a:schemeClr val="lt1"/>
+      </a:fontRef>
+    </dgm:style>
+  </dgm:styleLbl>
+  <dgm:styleLbl name="asst3">
+    <dgm:scene3d>
+      <a:camera prst="orthographicFront"/>
+      <a:lightRig rig="threePt" dir="t"/>
+    </dgm:scene3d>
+    <dgm:sp3d/>
+    <dgm:txPr/>
+    <dgm:style>
+      <a:lnRef idx="0">
+        <a:scrgbClr r="0" g="0" b="0"/>
+      </a:lnRef>
+      <a:fillRef idx="3">
+        <a:scrgbClr r="0" g="0" b="0"/>
+      </a:fillRef>
+      <a:effectRef idx="2">
+        <a:scrgbClr r="0" g="0" b="0"/>
+      </a:effectRef>
+      <a:fontRef idx="minor">
+        <a:schemeClr val="lt1"/>
+      </a:fontRef>
+    </dgm:style>
+  </dgm:styleLbl>
+  <dgm:styleLbl name="asst4">
+    <dgm:scene3d>
+      <a:camera prst="orthographicFront"/>
+      <a:lightRig rig="threePt" dir="t"/>
+    </dgm:scene3d>
+    <dgm:sp3d/>
+    <dgm:txPr/>
+    <dgm:style>
+      <a:lnRef idx="0">
+        <a:scrgbClr r="0" g="0" b="0"/>
+      </a:lnRef>
+      <a:fillRef idx="3">
+        <a:scrgbClr r="0" g="0" b="0"/>
+      </a:fillRef>
+      <a:effectRef idx="2">
+        <a:scrgbClr r="0" g="0" b="0"/>
+      </a:effectRef>
+      <a:fontRef idx="minor">
+        <a:schemeClr val="lt1"/>
+      </a:fontRef>
+    </dgm:style>
+  </dgm:styleLbl>
+  <dgm:styleLbl name="parChTrans2D1">
+    <dgm:scene3d>
+      <a:camera prst="orthographicFront"/>
+      <a:lightRig rig="threePt" dir="t"/>
+    </dgm:scene3d>
+    <dgm:sp3d/>
+    <dgm:txPr/>
+    <dgm:style>
+      <a:lnRef idx="0">
+        <a:scrgbClr r="0" g="0" b="0"/>
+      </a:lnRef>
+      <a:fillRef idx="3">
+        <a:scrgbClr r="0" g="0" b="0"/>
+      </a:fillRef>
+      <a:effectRef idx="2">
+        <a:scrgbClr r="0" g="0" b="0"/>
+      </a:effectRef>
+      <a:fontRef idx="minor">
+        <a:schemeClr val="lt1"/>
+      </a:fontRef>
+    </dgm:style>
+  </dgm:styleLbl>
+  <dgm:styleLbl name="parChTrans2D2">
+    <dgm:scene3d>
+      <a:camera prst="orthographicFront"/>
+      <a:lightRig rig="threePt" dir="t"/>
+    </dgm:scene3d>
+    <dgm:sp3d/>
+    <dgm:txPr/>
+    <dgm:style>
+      <a:lnRef idx="0">
+        <a:scrgbClr r="0" g="0" b="0"/>
+      </a:lnRef>
+      <a:fillRef idx="3">
+        <a:scrgbClr r="0" g="0" b="0"/>
+      </a:fillRef>
+      <a:effectRef idx="2">
+        <a:scrgbClr r="0" g="0" b="0"/>
+      </a:effectRef>
+      <a:fontRef idx="minor">
+        <a:schemeClr val="lt1"/>
+      </a:fontRef>
+    </dgm:style>
+  </dgm:styleLbl>
+  <dgm:styleLbl name="parChTrans2D3">
+    <dgm:scene3d>
+      <a:camera prst="orthographicFront"/>
+      <a:lightRig rig="threePt" dir="t"/>
+    </dgm:scene3d>
+    <dgm:sp3d/>
+    <dgm:txPr/>
+    <dgm:style>
+      <a:lnRef idx="1">
+        <a:scrgbClr r="0" g="0" b="0"/>
+      </a:lnRef>
+      <a:fillRef idx="3">
+        <a:scrgbClr r="0" g="0" b="0"/>
+      </a:fillRef>
+      <a:effectRef idx="2">
+        <a:scrgbClr r="0" g="0" b="0"/>
+      </a:effectRef>
+      <a:fontRef idx="minor">
+        <a:schemeClr val="lt1"/>
+      </a:fontRef>
+    </dgm:style>
+  </dgm:styleLbl>
+  <dgm:styleLbl name="parChTrans2D4">
+    <dgm:scene3d>
+      <a:camera prst="orthographicFront"/>
+      <a:lightRig rig="threePt" dir="t"/>
+    </dgm:scene3d>
+    <dgm:sp3d/>
+    <dgm:txPr/>
+    <dgm:style>
+      <a:lnRef idx="1">
+        <a:scrgbClr r="0" g="0" b="0"/>
+      </a:lnRef>
+      <a:fillRef idx="3">
+        <a:scrgbClr r="0" g="0" b="0"/>
+      </a:fillRef>
+      <a:effectRef idx="2">
+        <a:scrgbClr r="0" g="0" b="0"/>
+      </a:effectRef>
+      <a:fontRef idx="minor">
+        <a:schemeClr val="lt1"/>
+      </a:fontRef>
+    </dgm:style>
+  </dgm:styleLbl>
+  <dgm:styleLbl name="parChTrans1D1">
+    <dgm:scene3d>
+      <a:camera prst="orthographicFront"/>
+      <a:lightRig rig="threePt" dir="t"/>
+    </dgm:scene3d>
+    <dgm:sp3d/>
+    <dgm:txPr/>
+    <dgm:style>
+      <a:lnRef idx="1">
+        <a:scrgbClr r="0" g="0" b="0"/>
+      </a:lnRef>
+      <a:fillRef idx="0">
+        <a:scrgbClr r="0" g="0" b="0"/>
+      </a:fillRef>
+      <a:effectRef idx="0">
+        <a:scrgbClr r="0" g="0" b="0"/>
+      </a:effectRef>
+      <a:fontRef idx="minor"/>
+    </dgm:style>
+  </dgm:styleLbl>
+  <dgm:styleLbl name="parChTrans1D2">
+    <dgm:scene3d>
+      <a:camera prst="orthographicFront"/>
+      <a:lightRig rig="threePt" dir="t"/>
+    </dgm:scene3d>
+    <dgm:sp3d/>
+    <dgm:txPr/>
+    <dgm:style>
+      <a:lnRef idx="1">
+        <a:scrgbClr r="0" g="0" b="0"/>
+      </a:lnRef>
+      <a:fillRef idx="0">
+        <a:scrgbClr r="0" g="0" b="0"/>
+      </a:fillRef>
+      <a:effectRef idx="0">
+        <a:scrgbClr r="0" g="0" b="0"/>
+      </a:effectRef>
+      <a:fontRef idx="minor"/>
+    </dgm:style>
+  </dgm:styleLbl>
+  <dgm:styleLbl name="parChTrans1D3">
+    <dgm:scene3d>
+      <a:camera prst="orthographicFront"/>
+      <a:lightRig rig="threePt" dir="t"/>
+    </dgm:scene3d>
+    <dgm:sp3d/>
+    <dgm:txPr/>
+    <dgm:style>
+      <a:lnRef idx="1">
+        <a:scrgbClr r="0" g="0" b="0"/>
+      </a:lnRef>
+      <a:fillRef idx="0">
+        <a:scrgbClr r="0" g="0" b="0"/>
+      </a:fillRef>
+      <a:effectRef idx="0">
+        <a:scrgbClr r="0" g="0" b="0"/>
+      </a:effectRef>
+      <a:fontRef idx="minor"/>
+    </dgm:style>
+  </dgm:styleLbl>
+  <dgm:styleLbl name="parChTrans1D4">
+    <dgm:scene3d>
+      <a:camera prst="orthographicFront"/>
+      <a:lightRig rig="threePt" dir="t"/>
+    </dgm:scene3d>
+    <dgm:sp3d/>
+    <dgm:txPr/>
+    <dgm:style>
+      <a:lnRef idx="1">
+        <a:scrgbClr r="0" g="0" b="0"/>
+      </a:lnRef>
+      <a:fillRef idx="0">
+        <a:scrgbClr r="0" g="0" b="0"/>
+      </a:fillRef>
+      <a:effectRef idx="0">
+        <a:scrgbClr r="0" g="0" b="0"/>
+      </a:effectRef>
+      <a:fontRef idx="minor"/>
+    </dgm:style>
+  </dgm:styleLbl>
+  <dgm:styleLbl name="fgAcc1">
+    <dgm:scene3d>
+      <a:camera prst="orthographicFront"/>
+      <a:lightRig rig="threePt" dir="t"/>
+    </dgm:scene3d>
+    <dgm:sp3d/>
+    <dgm:txPr/>
+    <dgm:style>
+      <a:lnRef idx="1">
+        <a:scrgbClr r="0" g="0" b="0"/>
+      </a:lnRef>
+      <a:fillRef idx="1">
+        <a:scrgbClr r="0" g="0" b="0"/>
+      </a:fillRef>
+      <a:effectRef idx="0">
+        <a:scrgbClr r="0" g="0" b="0"/>
+      </a:effectRef>
+      <a:fontRef idx="minor"/>
+    </dgm:style>
+  </dgm:styleLbl>
+  <dgm:styleLbl name="conFgAcc1">
+    <dgm:scene3d>
+      <a:camera prst="orthographicFront"/>
+      <a:lightRig rig="threePt" dir="t"/>
+    </dgm:scene3d>
+    <dgm:sp3d/>
+    <dgm:txPr/>
+    <dgm:style>
+      <a:lnRef idx="1">
+        <a:scrgbClr r="0" g="0" b="0"/>
+      </a:lnRef>
+      <a:fillRef idx="1">
+        <a:scrgbClr r="0" g="0" b="0"/>
+      </a:fillRef>
+      <a:effectRef idx="0">
+        <a:scrgbClr r="0" g="0" b="0"/>
+      </a:effectRef>
+      <a:fontRef idx="minor"/>
+    </dgm:style>
+  </dgm:styleLbl>
+  <dgm:styleLbl name="alignAcc1">
+    <dgm:scene3d>
+      <a:camera prst="orthographicFront"/>
+      <a:lightRig rig="threePt" dir="t"/>
+    </dgm:scene3d>
+    <dgm:sp3d/>
+    <dgm:txPr/>
+    <dgm:style>
+      <a:lnRef idx="1">
+        <a:scrgbClr r="0" g="0" b="0"/>
+      </a:lnRef>
+      <a:fillRef idx="1">
+        <a:scrgbClr r="0" g="0" b="0"/>
+      </a:fillRef>
+      <a:effectRef idx="0">
+        <a:scrgbClr r="0" g="0" b="0"/>
+      </a:effectRef>
+      <a:fontRef idx="minor"/>
+    </dgm:style>
+  </dgm:styleLbl>
+  <dgm:styleLbl name="trAlignAcc1">
+    <dgm:scene3d>
+      <a:camera prst="orthographicFront"/>
+      <a:lightRig rig="threePt" dir="t"/>
+    </dgm:scene3d>
+    <dgm:sp3d/>
+    <dgm:txPr/>
+    <dgm:style>
+      <a:lnRef idx="1">
+        <a:scrgbClr r="0" g="0" b="0"/>
+      </a:lnRef>
+      <a:fillRef idx="1">
+        <a:scrgbClr r="0" g="0" b="0"/>
+      </a:fillRef>
+      <a:effectRef idx="0">
+        <a:scrgbClr r="0" g="0" b="0"/>
+      </a:effectRef>
+      <a:fontRef idx="minor"/>
+    </dgm:style>
+  </dgm:styleLbl>
+  <dgm:styleLbl name="bgAcc1">
+    <dgm:scene3d>
+      <a:camera prst="orthographicFront"/>
+      <a:lightRig rig="threePt" dir="t"/>
+    </dgm:scene3d>
+    <dgm:sp3d/>
+    <dgm:txPr/>
+    <dgm:style>
+      <a:lnRef idx="1">
+        <a:scrgbClr r="0" g="0" b="0"/>
+      </a:lnRef>
+      <a:fillRef idx="1">
+        <a:scrgbClr r="0" g="0" b="0"/>
+      </a:fillRef>
+      <a:effectRef idx="0">
+        <a:scrgbClr r="0" g="0" b="0"/>
+      </a:effectRef>
+      <a:fontRef idx="minor"/>
+    </dgm:style>
+  </dgm:styleLbl>
+  <dgm:styleLbl name="solidFgAcc1">
+    <dgm:scene3d>
+      <a:camera prst="orthographicFront"/>
+      <a:lightRig rig="threePt" dir="t"/>
+    </dgm:scene3d>
+    <dgm:sp3d/>
+    <dgm:txPr/>
+    <dgm:style>
+      <a:lnRef idx="1">
+        <a:scrgbClr r="0" g="0" b="0"/>
+      </a:lnRef>
+      <a:fillRef idx="1">
+        <a:scrgbClr r="0" g="0" b="0"/>
+      </a:fillRef>
+      <a:effectRef idx="0">
+        <a:scrgbClr r="0" g="0" b="0"/>
+      </a:effectRef>
+      <a:fontRef idx="minor"/>
+    </dgm:style>
+  </dgm:styleLbl>
+  <dgm:styleLbl name="solidAlignAcc1">
+    <dgm:scene3d>
+      <a:camera prst="orthographicFront"/>
+      <a:lightRig rig="threePt" dir="t"/>
+    </dgm:scene3d>
+    <dgm:sp3d/>
+    <dgm:txPr/>
+    <dgm:style>
+      <a:lnRef idx="1">
+        <a:scrgbClr r="0" g="0" b="0"/>
+      </a:lnRef>
+      <a:fillRef idx="1">
+        <a:scrgbClr r="0" g="0" b="0"/>
+      </a:fillRef>
+      <a:effectRef idx="0">
+        <a:scrgbClr r="0" g="0" b="0"/>
+      </a:effectRef>
+      <a:fontRef idx="minor"/>
+    </dgm:style>
+  </dgm:styleLbl>
+  <dgm:styleLbl name="solidBgAcc1">
+    <dgm:scene3d>
+      <a:camera prst="orthographicFront"/>
+      <a:lightRig rig="threePt" dir="t"/>
+    </dgm:scene3d>
+    <dgm:sp3d/>
+    <dgm:txPr/>
+    <dgm:style>
+      <a:lnRef idx="1">
+        <a:scrgbClr r="0" g="0" b="0"/>
+      </a:lnRef>
+      <a:fillRef idx="1">
+        <a:scrgbClr r="0" g="0" b="0"/>
+      </a:fillRef>
+      <a:effectRef idx="0">
+        <a:scrgbClr r="0" g="0" b="0"/>
+      </a:effectRef>
+      <a:fontRef idx="minor"/>
+    </dgm:style>
+  </dgm:styleLbl>
+  <dgm:styleLbl name="fgAccFollowNode1">
+    <dgm:scene3d>
+      <a:camera prst="orthographicFront"/>
+      <a:lightRig rig="threePt" dir="t"/>
+    </dgm:scene3d>
+    <dgm:sp3d/>
+    <dgm:txPr/>
+    <dgm:style>
+      <a:lnRef idx="1">
+        <a:scrgbClr r="0" g="0" b="0"/>
+      </a:lnRef>
+      <a:fillRef idx="1">
+        <a:scrgbClr r="0" g="0" b="0"/>
+      </a:fillRef>
+      <a:effectRef idx="0">
+        <a:scrgbClr r="0" g="0" b="0"/>
+      </a:effectRef>
+      <a:fontRef idx="minor"/>
+    </dgm:style>
+  </dgm:styleLbl>
+  <dgm:styleLbl name="alignAccFollowNode1">
+    <dgm:scene3d>
+      <a:camera prst="orthographicFront"/>
+      <a:lightRig rig="threePt" dir="t"/>
+    </dgm:scene3d>
+    <dgm:sp3d/>
+    <dgm:txPr/>
+    <dgm:style>
+      <a:lnRef idx="1">
+        <a:scrgbClr r="0" g="0" b="0"/>
+      </a:lnRef>
+      <a:fillRef idx="1">
+        <a:scrgbClr r="0" g="0" b="0"/>
+      </a:fillRef>
+      <a:effectRef idx="0">
+        <a:scrgbClr r="0" g="0" b="0"/>
+      </a:effectRef>
+      <a:fontRef idx="minor"/>
+    </dgm:style>
+  </dgm:styleLbl>
+  <dgm:styleLbl name="bgAccFollowNode1">
+    <dgm:scene3d>
+      <a:camera prst="orthographicFront"/>
+      <a:lightRig rig="threePt" dir="t"/>
+    </dgm:scene3d>
+    <dgm:sp3d/>
+    <dgm:txPr/>
+    <dgm:style>
+      <a:lnRef idx="1">
+        <a:scrgbClr r="0" g="0" b="0"/>
+      </a:lnRef>
+      <a:fillRef idx="1">
+        <a:scrgbClr r="0" g="0" b="0"/>
+      </a:fillRef>
+      <a:effectRef idx="0">
+        <a:scrgbClr r="0" g="0" b="0"/>
+      </a:effectRef>
+      <a:fontRef idx="minor"/>
+    </dgm:style>
+  </dgm:styleLbl>
+  <dgm:styleLbl name="fgAcc0">
+    <dgm:scene3d>
+      <a:camera prst="orthographicFront"/>
+      <a:lightRig rig="threePt" dir="t"/>
+    </dgm:scene3d>
+    <dgm:sp3d/>
+    <dgm:txPr/>
+    <dgm:style>
+      <a:lnRef idx="1">
+        <a:scrgbClr r="0" g="0" b="0"/>
+      </a:lnRef>
+      <a:fillRef idx="1">
+        <a:scrgbClr r="0" g="0" b="0"/>
+      </a:fillRef>
+      <a:effectRef idx="0">
+        <a:scrgbClr r="0" g="0" b="0"/>
+      </a:effectRef>
+      <a:fontRef idx="minor"/>
+    </dgm:style>
+  </dgm:styleLbl>
+  <dgm:styleLbl name="fgAcc2">
+    <dgm:scene3d>
+      <a:camera prst="orthographicFront"/>
+      <a:lightRig rig="threePt" dir="t"/>
+    </dgm:scene3d>
+    <dgm:sp3d/>
+    <dgm:txPr/>
+    <dgm:style>
+      <a:lnRef idx="1">
+        <a:scrgbClr r="0" g="0" b="0"/>
+      </a:lnRef>
+      <a:fillRef idx="1">
+        <a:scrgbClr r="0" g="0" b="0"/>
+      </a:fillRef>
+      <a:effectRef idx="0">
+        <a:scrgbClr r="0" g="0" b="0"/>
+      </a:effectRef>
+      <a:fontRef idx="minor"/>
+    </dgm:style>
+  </dgm:styleLbl>
+  <dgm:styleLbl name="fgAcc3">
+    <dgm:scene3d>
+      <a:camera prst="orthographicFront"/>
+      <a:lightRig rig="threePt" dir="t"/>
+    </dgm:scene3d>
+    <dgm:sp3d/>
+    <dgm:txPr/>
+    <dgm:style>
+      <a:lnRef idx="1">
+        <a:scrgbClr r="0" g="0" b="0"/>
+      </a:lnRef>
+      <a:fillRef idx="1">
+        <a:scrgbClr r="0" g="0" b="0"/>
+      </a:fillRef>
+      <a:effectRef idx="0">
+        <a:scrgbClr r="0" g="0" b="0"/>
+      </a:effectRef>
+      <a:fontRef idx="minor"/>
+    </dgm:style>
+  </dgm:styleLbl>
+  <dgm:styleLbl name="fgAcc4">
+    <dgm:scene3d>
+      <a:camera prst="orthographicFront"/>
+      <a:lightRig rig="threePt" dir="t"/>
+    </dgm:scene3d>
+    <dgm:sp3d/>
+    <dgm:txPr/>
+    <dgm:style>
+      <a:lnRef idx="1">
+        <a:scrgbClr r="0" g="0" b="0"/>
+      </a:lnRef>
+      <a:fillRef idx="1">
+        <a:scrgbClr r="0" g="0" b="0"/>
+      </a:fillRef>
+      <a:effectRef idx="0">
+        <a:scrgbClr r="0" g="0" b="0"/>
+      </a:effectRef>
+      <a:fontRef idx="minor"/>
+    </dgm:style>
+  </dgm:styleLbl>
+  <dgm:styleLbl name="bgShp">
+    <dgm:scene3d>
+      <a:camera prst="orthographicFront"/>
+      <a:lightRig rig="threePt" dir="t"/>
+    </dgm:scene3d>
+    <dgm:sp3d/>
+    <dgm:txPr/>
+    <dgm:style>
+      <a:lnRef idx="0">
+        <a:scrgbClr r="0" g="0" b="0"/>
+      </a:lnRef>
+      <a:fillRef idx="1">
+        <a:scrgbClr r="0" g="0" b="0"/>
+      </a:fillRef>
+      <a:effectRef idx="2">
+        <a:scrgbClr r="0" g="0" b="0"/>
+      </a:effectRef>
+      <a:fontRef idx="minor"/>
+    </dgm:style>
+  </dgm:styleLbl>
+  <dgm:styleLbl name="dkBgShp">
+    <dgm:scene3d>
+      <a:camera prst="orthographicFront"/>
+      <a:lightRig rig="threePt" dir="t"/>
+    </dgm:scene3d>
+    <dgm:sp3d/>
+    <dgm:txPr/>
+    <dgm:style>
+      <a:lnRef idx="0">
+        <a:scrgbClr r="0" g="0" b="0"/>
+      </a:lnRef>
+      <a:fillRef idx="1">
+        <a:scrgbClr r="0" g="0" b="0"/>
+      </a:fillRef>
+      <a:effectRef idx="2">
+        <a:scrgbClr r="0" g="0" b="0"/>
+      </a:effectRef>
+      <a:fontRef idx="minor"/>
+    </dgm:style>
+  </dgm:styleLbl>
+  <dgm:styleLbl name="trBgShp">
+    <dgm:scene3d>
+      <a:camera prst="orthographicFront"/>
+      <a:lightRig rig="threePt" dir="t"/>
+    </dgm:scene3d>
+    <dgm:sp3d/>
+    <dgm:txPr/>
+    <dgm:style>
+      <a:lnRef idx="0">
+        <a:scrgbClr r="0" g="0" b="0"/>
+      </a:lnRef>
+      <a:fillRef idx="1">
+        <a:scrgbClr r="0" g="0" b="0"/>
+      </a:fillRef>
+      <a:effectRef idx="0">
+        <a:scrgbClr r="0" g="0" b="0"/>
+      </a:effectRef>
+      <a:fontRef idx="minor"/>
+    </dgm:style>
+  </dgm:styleLbl>
+  <dgm:styleLbl name="fgShp">
+    <dgm:scene3d>
+      <a:camera prst="orthographicFront"/>
+      <a:lightRig rig="threePt" dir="t"/>
+    </dgm:scene3d>
+    <dgm:sp3d/>
+    <dgm:txPr/>
+    <dgm:style>
+      <a:lnRef idx="0">
+        <a:scrgbClr r="0" g="0" b="0"/>
+      </a:lnRef>
+      <a:fillRef idx="3">
+        <a:scrgbClr r="0" g="0" b="0"/>
+      </a:fillRef>
+      <a:effectRef idx="2">
         <a:scrgbClr r="0" g="0" b="0"/>
       </a:effectRef>
       <a:fontRef idx="minor"/>
@@ -22669,6 +26985,1229 @@
     </dgm:style>
   </dgm:styleLbl>
 </dgm:styleDef>
+</file>
+
+<file path=ppt/diagrams/quickStyle9.xml><?xml version="1.0" encoding="utf-8"?>
+<dgm:styleDef xmlns:dgm="http://schemas.openxmlformats.org/drawingml/2006/diagram" xmlns:a="http://schemas.openxmlformats.org/drawingml/2006/main" uniqueId="urn:microsoft.com/office/officeart/2005/8/quickstyle/simple4">
+  <dgm:title val=""/>
+  <dgm:desc val=""/>
+  <dgm:catLst>
+    <dgm:cat type="simple" pri="10400"/>
+  </dgm:catLst>
+  <dgm:scene3d>
+    <a:camera prst="orthographicFront"/>
+    <a:lightRig rig="threePt" dir="t"/>
+  </dgm:scene3d>
+  <dgm:styleLbl name="node0">
+    <dgm:scene3d>
+      <a:camera prst="orthographicFront"/>
+      <a:lightRig rig="threePt" dir="t"/>
+    </dgm:scene3d>
+    <dgm:sp3d/>
+    <dgm:txPr/>
+    <dgm:style>
+      <a:lnRef idx="0">
+        <a:scrgbClr r="0" g="0" b="0"/>
+      </a:lnRef>
+      <a:fillRef idx="3">
+        <a:scrgbClr r="0" g="0" b="0"/>
+      </a:fillRef>
+      <a:effectRef idx="2">
+        <a:scrgbClr r="0" g="0" b="0"/>
+      </a:effectRef>
+      <a:fontRef idx="minor">
+        <a:schemeClr val="lt1"/>
+      </a:fontRef>
+    </dgm:style>
+  </dgm:styleLbl>
+  <dgm:styleLbl name="lnNode1">
+    <dgm:scene3d>
+      <a:camera prst="orthographicFront"/>
+      <a:lightRig rig="threePt" dir="t"/>
+    </dgm:scene3d>
+    <dgm:sp3d/>
+    <dgm:txPr/>
+    <dgm:style>
+      <a:lnRef idx="1">
+        <a:scrgbClr r="0" g="0" b="0"/>
+      </a:lnRef>
+      <a:fillRef idx="3">
+        <a:scrgbClr r="0" g="0" b="0"/>
+      </a:fillRef>
+      <a:effectRef idx="2">
+        <a:scrgbClr r="0" g="0" b="0"/>
+      </a:effectRef>
+      <a:fontRef idx="minor">
+        <a:schemeClr val="lt1"/>
+      </a:fontRef>
+    </dgm:style>
+  </dgm:styleLbl>
+  <dgm:styleLbl name="vennNode1">
+    <dgm:scene3d>
+      <a:camera prst="orthographicFront"/>
+      <a:lightRig rig="threePt" dir="t"/>
+    </dgm:scene3d>
+    <dgm:sp3d/>
+    <dgm:txPr/>
+    <dgm:style>
+      <a:lnRef idx="0">
+        <a:scrgbClr r="0" g="0" b="0"/>
+      </a:lnRef>
+      <a:fillRef idx="3">
+        <a:scrgbClr r="0" g="0" b="0"/>
+      </a:fillRef>
+      <a:effectRef idx="0">
+        <a:scrgbClr r="0" g="0" b="0"/>
+      </a:effectRef>
+      <a:fontRef idx="minor">
+        <a:schemeClr val="tx1"/>
+      </a:fontRef>
+    </dgm:style>
+  </dgm:styleLbl>
+  <dgm:styleLbl name="alignNode1">
+    <dgm:scene3d>
+      <a:camera prst="orthographicFront"/>
+      <a:lightRig rig="threePt" dir="t"/>
+    </dgm:scene3d>
+    <dgm:sp3d/>
+    <dgm:txPr/>
+    <dgm:style>
+      <a:lnRef idx="1">
+        <a:scrgbClr r="0" g="0" b="0"/>
+      </a:lnRef>
+      <a:fillRef idx="3">
+        <a:scrgbClr r="0" g="0" b="0"/>
+      </a:fillRef>
+      <a:effectRef idx="2">
+        <a:scrgbClr r="0" g="0" b="0"/>
+      </a:effectRef>
+      <a:fontRef idx="minor">
+        <a:schemeClr val="lt1"/>
+      </a:fontRef>
+    </dgm:style>
+  </dgm:styleLbl>
+  <dgm:styleLbl name="node1">
+    <dgm:scene3d>
+      <a:camera prst="orthographicFront"/>
+      <a:lightRig rig="threePt" dir="t"/>
+    </dgm:scene3d>
+    <dgm:sp3d/>
+    <dgm:txPr/>
+    <dgm:style>
+      <a:lnRef idx="0">
+        <a:scrgbClr r="0" g="0" b="0"/>
+      </a:lnRef>
+      <a:fillRef idx="3">
+        <a:scrgbClr r="0" g="0" b="0"/>
+      </a:fillRef>
+      <a:effectRef idx="2">
+        <a:scrgbClr r="0" g="0" b="0"/>
+      </a:effectRef>
+      <a:fontRef idx="minor">
+        <a:schemeClr val="lt1"/>
+      </a:fontRef>
+    </dgm:style>
+  </dgm:styleLbl>
+  <dgm:styleLbl name="node2">
+    <dgm:scene3d>
+      <a:camera prst="orthographicFront"/>
+      <a:lightRig rig="threePt" dir="t"/>
+    </dgm:scene3d>
+    <dgm:sp3d/>
+    <dgm:txPr/>
+    <dgm:style>
+      <a:lnRef idx="0">
+        <a:scrgbClr r="0" g="0" b="0"/>
+      </a:lnRef>
+      <a:fillRef idx="3">
+        <a:scrgbClr r="0" g="0" b="0"/>
+      </a:fillRef>
+      <a:effectRef idx="2">
+        <a:scrgbClr r="0" g="0" b="0"/>
+      </a:effectRef>
+      <a:fontRef idx="minor">
+        <a:schemeClr val="lt1"/>
+      </a:fontRef>
+    </dgm:style>
+  </dgm:styleLbl>
+  <dgm:styleLbl name="node3">
+    <dgm:scene3d>
+      <a:camera prst="orthographicFront"/>
+      <a:lightRig rig="threePt" dir="t"/>
+    </dgm:scene3d>
+    <dgm:sp3d/>
+    <dgm:txPr/>
+    <dgm:style>
+      <a:lnRef idx="0">
+        <a:scrgbClr r="0" g="0" b="0"/>
+      </a:lnRef>
+      <a:fillRef idx="3">
+        <a:scrgbClr r="0" g="0" b="0"/>
+      </a:fillRef>
+      <a:effectRef idx="2">
+        <a:scrgbClr r="0" g="0" b="0"/>
+      </a:effectRef>
+      <a:fontRef idx="minor">
+        <a:schemeClr val="lt1"/>
+      </a:fontRef>
+    </dgm:style>
+  </dgm:styleLbl>
+  <dgm:styleLbl name="node4">
+    <dgm:scene3d>
+      <a:camera prst="orthographicFront"/>
+      <a:lightRig rig="threePt" dir="t"/>
+    </dgm:scene3d>
+    <dgm:sp3d/>
+    <dgm:txPr/>
+    <dgm:style>
+      <a:lnRef idx="0">
+        <a:scrgbClr r="0" g="0" b="0"/>
+      </a:lnRef>
+      <a:fillRef idx="3">
+        <a:scrgbClr r="0" g="0" b="0"/>
+      </a:fillRef>
+      <a:effectRef idx="2">
+        <a:scrgbClr r="0" g="0" b="0"/>
+      </a:effectRef>
+      <a:fontRef idx="minor">
+        <a:schemeClr val="lt1"/>
+      </a:fontRef>
+    </dgm:style>
+  </dgm:styleLbl>
+  <dgm:styleLbl name="fgImgPlace1">
+    <dgm:scene3d>
+      <a:camera prst="orthographicFront"/>
+      <a:lightRig rig="threePt" dir="t"/>
+    </dgm:scene3d>
+    <dgm:sp3d/>
+    <dgm:txPr/>
+    <dgm:style>
+      <a:lnRef idx="0">
+        <a:scrgbClr r="0" g="0" b="0"/>
+      </a:lnRef>
+      <a:fillRef idx="1">
+        <a:scrgbClr r="0" g="0" b="0"/>
+      </a:fillRef>
+      <a:effectRef idx="2">
+        <a:scrgbClr r="0" g="0" b="0"/>
+      </a:effectRef>
+      <a:fontRef idx="minor"/>
+    </dgm:style>
+  </dgm:styleLbl>
+  <dgm:styleLbl name="alignImgPlace1">
+    <dgm:scene3d>
+      <a:camera prst="orthographicFront"/>
+      <a:lightRig rig="threePt" dir="t"/>
+    </dgm:scene3d>
+    <dgm:sp3d/>
+    <dgm:txPr/>
+    <dgm:style>
+      <a:lnRef idx="0">
+        <a:scrgbClr r="0" g="0" b="0"/>
+      </a:lnRef>
+      <a:fillRef idx="1">
+        <a:scrgbClr r="0" g="0" b="0"/>
+      </a:fillRef>
+      <a:effectRef idx="2">
+        <a:scrgbClr r="0" g="0" b="0"/>
+      </a:effectRef>
+      <a:fontRef idx="minor"/>
+    </dgm:style>
+  </dgm:styleLbl>
+  <dgm:styleLbl name="bgImgPlace1">
+    <dgm:scene3d>
+      <a:camera prst="orthographicFront"/>
+      <a:lightRig rig="threePt" dir="t"/>
+    </dgm:scene3d>
+    <dgm:sp3d/>
+    <dgm:txPr/>
+    <dgm:style>
+      <a:lnRef idx="0">
+        <a:scrgbClr r="0" g="0" b="0"/>
+      </a:lnRef>
+      <a:fillRef idx="1">
+        <a:scrgbClr r="0" g="0" b="0"/>
+      </a:fillRef>
+      <a:effectRef idx="2">
+        <a:scrgbClr r="0" g="0" b="0"/>
+      </a:effectRef>
+      <a:fontRef idx="minor"/>
+    </dgm:style>
+  </dgm:styleLbl>
+  <dgm:styleLbl name="sibTrans2D1">
+    <dgm:scene3d>
+      <a:camera prst="orthographicFront"/>
+      <a:lightRig rig="threePt" dir="t"/>
+    </dgm:scene3d>
+    <dgm:sp3d/>
+    <dgm:txPr/>
+    <dgm:style>
+      <a:lnRef idx="0">
+        <a:scrgbClr r="0" g="0" b="0"/>
+      </a:lnRef>
+      <a:fillRef idx="3">
+        <a:scrgbClr r="0" g="0" b="0"/>
+      </a:fillRef>
+      <a:effectRef idx="2">
+        <a:scrgbClr r="0" g="0" b="0"/>
+      </a:effectRef>
+      <a:fontRef idx="minor">
+        <a:schemeClr val="lt1"/>
+      </a:fontRef>
+    </dgm:style>
+  </dgm:styleLbl>
+  <dgm:styleLbl name="fgSibTrans2D1">
+    <dgm:scene3d>
+      <a:camera prst="orthographicFront"/>
+      <a:lightRig rig="threePt" dir="t"/>
+    </dgm:scene3d>
+    <dgm:sp3d/>
+    <dgm:txPr/>
+    <dgm:style>
+      <a:lnRef idx="0">
+        <a:scrgbClr r="0" g="0" b="0"/>
+      </a:lnRef>
+      <a:fillRef idx="3">
+        <a:scrgbClr r="0" g="0" b="0"/>
+      </a:fillRef>
+      <a:effectRef idx="2">
+        <a:scrgbClr r="0" g="0" b="0"/>
+      </a:effectRef>
+      <a:fontRef idx="minor">
+        <a:schemeClr val="lt1"/>
+      </a:fontRef>
+    </dgm:style>
+  </dgm:styleLbl>
+  <dgm:styleLbl name="bgSibTrans2D1">
+    <dgm:scene3d>
+      <a:camera prst="orthographicFront"/>
+      <a:lightRig rig="threePt" dir="t"/>
+    </dgm:scene3d>
+    <dgm:sp3d/>
+    <dgm:txPr/>
+    <dgm:style>
+      <a:lnRef idx="0">
+        <a:scrgbClr r="0" g="0" b="0"/>
+      </a:lnRef>
+      <a:fillRef idx="3">
+        <a:scrgbClr r="0" g="0" b="0"/>
+      </a:fillRef>
+      <a:effectRef idx="2">
+        <a:scrgbClr r="0" g="0" b="0"/>
+      </a:effectRef>
+      <a:fontRef idx="minor">
+        <a:schemeClr val="lt1"/>
+      </a:fontRef>
+    </dgm:style>
+  </dgm:styleLbl>
+  <dgm:styleLbl name="sibTrans1D1">
+    <dgm:scene3d>
+      <a:camera prst="orthographicFront"/>
+      <a:lightRig rig="threePt" dir="t"/>
+    </dgm:scene3d>
+    <dgm:sp3d/>
+    <dgm:txPr/>
+    <dgm:style>
+      <a:lnRef idx="1">
+        <a:scrgbClr r="0" g="0" b="0"/>
+      </a:lnRef>
+      <a:fillRef idx="0">
+        <a:scrgbClr r="0" g="0" b="0"/>
+      </a:fillRef>
+      <a:effectRef idx="0">
+        <a:scrgbClr r="0" g="0" b="0"/>
+      </a:effectRef>
+      <a:fontRef idx="minor"/>
+    </dgm:style>
+  </dgm:styleLbl>
+  <dgm:styleLbl name="callout">
+    <dgm:scene3d>
+      <a:camera prst="orthographicFront"/>
+      <a:lightRig rig="threePt" dir="t"/>
+    </dgm:scene3d>
+    <dgm:sp3d/>
+    <dgm:txPr/>
+    <dgm:style>
+      <a:lnRef idx="2">
+        <a:scrgbClr r="0" g="0" b="0"/>
+      </a:lnRef>
+      <a:fillRef idx="1">
+        <a:scrgbClr r="0" g="0" b="0"/>
+      </a:fillRef>
+      <a:effectRef idx="1">
+        <a:scrgbClr r="0" g="0" b="0"/>
+      </a:effectRef>
+      <a:fontRef idx="minor"/>
+    </dgm:style>
+  </dgm:styleLbl>
+  <dgm:styleLbl name="asst0">
+    <dgm:scene3d>
+      <a:camera prst="orthographicFront"/>
+      <a:lightRig rig="threePt" dir="t"/>
+    </dgm:scene3d>
+    <dgm:sp3d/>
+    <dgm:txPr/>
+    <dgm:style>
+      <a:lnRef idx="0">
+        <a:scrgbClr r="0" g="0" b="0"/>
+      </a:lnRef>
+      <a:fillRef idx="3">
+        <a:scrgbClr r="0" g="0" b="0"/>
+      </a:fillRef>
+      <a:effectRef idx="2">
+        <a:scrgbClr r="0" g="0" b="0"/>
+      </a:effectRef>
+      <a:fontRef idx="minor">
+        <a:schemeClr val="lt1"/>
+      </a:fontRef>
+    </dgm:style>
+  </dgm:styleLbl>
+  <dgm:styleLbl name="asst1">
+    <dgm:scene3d>
+      <a:camera prst="orthographicFront"/>
+      <a:lightRig rig="threePt" dir="t"/>
+    </dgm:scene3d>
+    <dgm:sp3d/>
+    <dgm:txPr/>
+    <dgm:style>
+      <a:lnRef idx="0">
+        <a:scrgbClr r="0" g="0" b="0"/>
+      </a:lnRef>
+      <a:fillRef idx="3">
+        <a:scrgbClr r="0" g="0" b="0"/>
+      </a:fillRef>
+      <a:effectRef idx="2">
+        <a:scrgbClr r="0" g="0" b="0"/>
+      </a:effectRef>
+      <a:fontRef idx="minor">
+        <a:schemeClr val="lt1"/>
+      </a:fontRef>
+    </dgm:style>
+  </dgm:styleLbl>
+  <dgm:styleLbl name="asst2">
+    <dgm:scene3d>
+      <a:camera prst="orthographicFront"/>
+      <a:lightRig rig="threePt" dir="t"/>
+    </dgm:scene3d>
+    <dgm:sp3d/>
+    <dgm:txPr/>
+    <dgm:style>
+      <a:lnRef idx="0">
+        <a:scrgbClr r="0" g="0" b="0"/>
+      </a:lnRef>
+      <a:fillRef idx="3">
+        <a:scrgbClr r="0" g="0" b="0"/>
+      </a:fillRef>
+      <a:effectRef idx="2">
+        <a:scrgbClr r="0" g="0" b="0"/>
+      </a:effectRef>
+      <a:fontRef idx="minor">
+        <a:schemeClr val="lt1"/>
+      </a:fontRef>
+    </dgm:style>
+  </dgm:styleLbl>
+  <dgm:styleLbl name="asst3">
+    <dgm:scene3d>
+      <a:camera prst="orthographicFront"/>
+      <a:lightRig rig="threePt" dir="t"/>
+    </dgm:scene3d>
+    <dgm:sp3d/>
+    <dgm:txPr/>
+    <dgm:style>
+      <a:lnRef idx="0">
+        <a:scrgbClr r="0" g="0" b="0"/>
+      </a:lnRef>
+      <a:fillRef idx="3">
+        <a:scrgbClr r="0" g="0" b="0"/>
+      </a:fillRef>
+      <a:effectRef idx="2">
+        <a:scrgbClr r="0" g="0" b="0"/>
+      </a:effectRef>
+      <a:fontRef idx="minor">
+        <a:schemeClr val="lt1"/>
+      </a:fontRef>
+    </dgm:style>
+  </dgm:styleLbl>
+  <dgm:styleLbl name="asst4">
+    <dgm:scene3d>
+      <a:camera prst="orthographicFront"/>
+      <a:lightRig rig="threePt" dir="t"/>
+    </dgm:scene3d>
+    <dgm:sp3d/>
+    <dgm:txPr/>
+    <dgm:style>
+      <a:lnRef idx="0">
+        <a:scrgbClr r="0" g="0" b="0"/>
+      </a:lnRef>
+      <a:fillRef idx="3">
+        <a:scrgbClr r="0" g="0" b="0"/>
+      </a:fillRef>
+      <a:effectRef idx="2">
+        <a:scrgbClr r="0" g="0" b="0"/>
+      </a:effectRef>
+      <a:fontRef idx="minor">
+        <a:schemeClr val="lt1"/>
+      </a:fontRef>
+    </dgm:style>
+  </dgm:styleLbl>
+  <dgm:styleLbl name="parChTrans2D1">
+    <dgm:scene3d>
+      <a:camera prst="orthographicFront"/>
+      <a:lightRig rig="threePt" dir="t"/>
+    </dgm:scene3d>
+    <dgm:sp3d/>
+    <dgm:txPr/>
+    <dgm:style>
+      <a:lnRef idx="0">
+        <a:scrgbClr r="0" g="0" b="0"/>
+      </a:lnRef>
+      <a:fillRef idx="3">
+        <a:scrgbClr r="0" g="0" b="0"/>
+      </a:fillRef>
+      <a:effectRef idx="2">
+        <a:scrgbClr r="0" g="0" b="0"/>
+      </a:effectRef>
+      <a:fontRef idx="minor">
+        <a:schemeClr val="lt1"/>
+      </a:fontRef>
+    </dgm:style>
+  </dgm:styleLbl>
+  <dgm:styleLbl name="parChTrans2D2">
+    <dgm:scene3d>
+      <a:camera prst="orthographicFront"/>
+      <a:lightRig rig="threePt" dir="t"/>
+    </dgm:scene3d>
+    <dgm:sp3d/>
+    <dgm:txPr/>
+    <dgm:style>
+      <a:lnRef idx="0">
+        <a:scrgbClr r="0" g="0" b="0"/>
+      </a:lnRef>
+      <a:fillRef idx="3">
+        <a:scrgbClr r="0" g="0" b="0"/>
+      </a:fillRef>
+      <a:effectRef idx="2">
+        <a:scrgbClr r="0" g="0" b="0"/>
+      </a:effectRef>
+      <a:fontRef idx="minor">
+        <a:schemeClr val="lt1"/>
+      </a:fontRef>
+    </dgm:style>
+  </dgm:styleLbl>
+  <dgm:styleLbl name="parChTrans2D3">
+    <dgm:scene3d>
+      <a:camera prst="orthographicFront"/>
+      <a:lightRig rig="threePt" dir="t"/>
+    </dgm:scene3d>
+    <dgm:sp3d/>
+    <dgm:txPr/>
+    <dgm:style>
+      <a:lnRef idx="1">
+        <a:scrgbClr r="0" g="0" b="0"/>
+      </a:lnRef>
+      <a:fillRef idx="3">
+        <a:scrgbClr r="0" g="0" b="0"/>
+      </a:fillRef>
+      <a:effectRef idx="2">
+        <a:scrgbClr r="0" g="0" b="0"/>
+      </a:effectRef>
+      <a:fontRef idx="minor">
+        <a:schemeClr val="lt1"/>
+      </a:fontRef>
+    </dgm:style>
+  </dgm:styleLbl>
+  <dgm:styleLbl name="parChTrans2D4">
+    <dgm:scene3d>
+      <a:camera prst="orthographicFront"/>
+      <a:lightRig rig="threePt" dir="t"/>
+    </dgm:scene3d>
+    <dgm:sp3d/>
+    <dgm:txPr/>
+    <dgm:style>
+      <a:lnRef idx="1">
+        <a:scrgbClr r="0" g="0" b="0"/>
+      </a:lnRef>
+      <a:fillRef idx="3">
+        <a:scrgbClr r="0" g="0" b="0"/>
+      </a:fillRef>
+      <a:effectRef idx="2">
+        <a:scrgbClr r="0" g="0" b="0"/>
+      </a:effectRef>
+      <a:fontRef idx="minor">
+        <a:schemeClr val="lt1"/>
+      </a:fontRef>
+    </dgm:style>
+  </dgm:styleLbl>
+  <dgm:styleLbl name="parChTrans1D1">
+    <dgm:scene3d>
+      <a:camera prst="orthographicFront"/>
+      <a:lightRig rig="threePt" dir="t"/>
+    </dgm:scene3d>
+    <dgm:sp3d/>
+    <dgm:txPr/>
+    <dgm:style>
+      <a:lnRef idx="1">
+        <a:scrgbClr r="0" g="0" b="0"/>
+      </a:lnRef>
+      <a:fillRef idx="0">
+        <a:scrgbClr r="0" g="0" b="0"/>
+      </a:fillRef>
+      <a:effectRef idx="0">
+        <a:scrgbClr r="0" g="0" b="0"/>
+      </a:effectRef>
+      <a:fontRef idx="minor"/>
+    </dgm:style>
+  </dgm:styleLbl>
+  <dgm:styleLbl name="parChTrans1D2">
+    <dgm:scene3d>
+      <a:camera prst="orthographicFront"/>
+      <a:lightRig rig="threePt" dir="t"/>
+    </dgm:scene3d>
+    <dgm:sp3d/>
+    <dgm:txPr/>
+    <dgm:style>
+      <a:lnRef idx="1">
+        <a:scrgbClr r="0" g="0" b="0"/>
+      </a:lnRef>
+      <a:fillRef idx="0">
+        <a:scrgbClr r="0" g="0" b="0"/>
+      </a:fillRef>
+      <a:effectRef idx="0">
+        <a:scrgbClr r="0" g="0" b="0"/>
+      </a:effectRef>
+      <a:fontRef idx="minor"/>
+    </dgm:style>
+  </dgm:styleLbl>
+  <dgm:styleLbl name="parChTrans1D3">
+    <dgm:scene3d>
+      <a:camera prst="orthographicFront"/>
+      <a:lightRig rig="threePt" dir="t"/>
+    </dgm:scene3d>
+    <dgm:sp3d/>
+    <dgm:txPr/>
+    <dgm:style>
+      <a:lnRef idx="1">
+        <a:scrgbClr r="0" g="0" b="0"/>
+      </a:lnRef>
+      <a:fillRef idx="0">
+        <a:scrgbClr r="0" g="0" b="0"/>
+      </a:fillRef>
+      <a:effectRef idx="0">
+        <a:scrgbClr r="0" g="0" b="0"/>
+      </a:effectRef>
+      <a:fontRef idx="minor"/>
+    </dgm:style>
+  </dgm:styleLbl>
+  <dgm:styleLbl name="parChTrans1D4">
+    <dgm:scene3d>
+      <a:camera prst="orthographicFront"/>
+      <a:lightRig rig="threePt" dir="t"/>
+    </dgm:scene3d>
+    <dgm:sp3d/>
+    <dgm:txPr/>
+    <dgm:style>
+      <a:lnRef idx="1">
+        <a:scrgbClr r="0" g="0" b="0"/>
+      </a:lnRef>
+      <a:fillRef idx="0">
+        <a:scrgbClr r="0" g="0" b="0"/>
+      </a:fillRef>
+      <a:effectRef idx="0">
+        <a:scrgbClr r="0" g="0" b="0"/>
+      </a:effectRef>
+      <a:fontRef idx="minor"/>
+    </dgm:style>
+  </dgm:styleLbl>
+  <dgm:styleLbl name="fgAcc1">
+    <dgm:scene3d>
+      <a:camera prst="orthographicFront"/>
+      <a:lightRig rig="threePt" dir="t"/>
+    </dgm:scene3d>
+    <dgm:sp3d/>
+    <dgm:txPr/>
+    <dgm:style>
+      <a:lnRef idx="1">
+        <a:scrgbClr r="0" g="0" b="0"/>
+      </a:lnRef>
+      <a:fillRef idx="1">
+        <a:scrgbClr r="0" g="0" b="0"/>
+      </a:fillRef>
+      <a:effectRef idx="0">
+        <a:scrgbClr r="0" g="0" b="0"/>
+      </a:effectRef>
+      <a:fontRef idx="minor"/>
+    </dgm:style>
+  </dgm:styleLbl>
+  <dgm:styleLbl name="conFgAcc1">
+    <dgm:scene3d>
+      <a:camera prst="orthographicFront"/>
+      <a:lightRig rig="threePt" dir="t"/>
+    </dgm:scene3d>
+    <dgm:sp3d/>
+    <dgm:txPr/>
+    <dgm:style>
+      <a:lnRef idx="1">
+        <a:scrgbClr r="0" g="0" b="0"/>
+      </a:lnRef>
+      <a:fillRef idx="1">
+        <a:scrgbClr r="0" g="0" b="0"/>
+      </a:fillRef>
+      <a:effectRef idx="0">
+        <a:scrgbClr r="0" g="0" b="0"/>
+      </a:effectRef>
+      <a:fontRef idx="minor"/>
+    </dgm:style>
+  </dgm:styleLbl>
+  <dgm:styleLbl name="alignAcc1">
+    <dgm:scene3d>
+      <a:camera prst="orthographicFront"/>
+      <a:lightRig rig="threePt" dir="t"/>
+    </dgm:scene3d>
+    <dgm:sp3d/>
+    <dgm:txPr/>
+    <dgm:style>
+      <a:lnRef idx="1">
+        <a:scrgbClr r="0" g="0" b="0"/>
+      </a:lnRef>
+      <a:fillRef idx="1">
+        <a:scrgbClr r="0" g="0" b="0"/>
+      </a:fillRef>
+      <a:effectRef idx="0">
+        <a:scrgbClr r="0" g="0" b="0"/>
+      </a:effectRef>
+      <a:fontRef idx="minor"/>
+    </dgm:style>
+  </dgm:styleLbl>
+  <dgm:styleLbl name="trAlignAcc1">
+    <dgm:scene3d>
+      <a:camera prst="orthographicFront"/>
+      <a:lightRig rig="threePt" dir="t"/>
+    </dgm:scene3d>
+    <dgm:sp3d/>
+    <dgm:txPr/>
+    <dgm:style>
+      <a:lnRef idx="1">
+        <a:scrgbClr r="0" g="0" b="0"/>
+      </a:lnRef>
+      <a:fillRef idx="1">
+        <a:scrgbClr r="0" g="0" b="0"/>
+      </a:fillRef>
+      <a:effectRef idx="0">
+        <a:scrgbClr r="0" g="0" b="0"/>
+      </a:effectRef>
+      <a:fontRef idx="minor"/>
+    </dgm:style>
+  </dgm:styleLbl>
+  <dgm:styleLbl name="bgAcc1">
+    <dgm:scene3d>
+      <a:camera prst="orthographicFront"/>
+      <a:lightRig rig="threePt" dir="t"/>
+    </dgm:scene3d>
+    <dgm:sp3d/>
+    <dgm:txPr/>
+    <dgm:style>
+      <a:lnRef idx="1">
+        <a:scrgbClr r="0" g="0" b="0"/>
+      </a:lnRef>
+      <a:fillRef idx="1">
+        <a:scrgbClr r="0" g="0" b="0"/>
+      </a:fillRef>
+      <a:effectRef idx="0">
+        <a:scrgbClr r="0" g="0" b="0"/>
+      </a:effectRef>
+      <a:fontRef idx="minor"/>
+    </dgm:style>
+  </dgm:styleLbl>
+  <dgm:styleLbl name="solidFgAcc1">
+    <dgm:scene3d>
+      <a:camera prst="orthographicFront"/>
+      <a:lightRig rig="threePt" dir="t"/>
+    </dgm:scene3d>
+    <dgm:sp3d/>
+    <dgm:txPr/>
+    <dgm:style>
+      <a:lnRef idx="1">
+        <a:scrgbClr r="0" g="0" b="0"/>
+      </a:lnRef>
+      <a:fillRef idx="1">
+        <a:scrgbClr r="0" g="0" b="0"/>
+      </a:fillRef>
+      <a:effectRef idx="0">
+        <a:scrgbClr r="0" g="0" b="0"/>
+      </a:effectRef>
+      <a:fontRef idx="minor"/>
+    </dgm:style>
+  </dgm:styleLbl>
+  <dgm:styleLbl name="solidAlignAcc1">
+    <dgm:scene3d>
+      <a:camera prst="orthographicFront"/>
+      <a:lightRig rig="threePt" dir="t"/>
+    </dgm:scene3d>
+    <dgm:sp3d/>
+    <dgm:txPr/>
+    <dgm:style>
+      <a:lnRef idx="1">
+        <a:scrgbClr r="0" g="0" b="0"/>
+      </a:lnRef>
+      <a:fillRef idx="1">
+        <a:scrgbClr r="0" g="0" b="0"/>
+      </a:fillRef>
+      <a:effectRef idx="0">
+        <a:scrgbClr r="0" g="0" b="0"/>
+      </a:effectRef>
+      <a:fontRef idx="minor"/>
+    </dgm:style>
+  </dgm:styleLbl>
+  <dgm:styleLbl name="solidBgAcc1">
+    <dgm:scene3d>
+      <a:camera prst="orthographicFront"/>
+      <a:lightRig rig="threePt" dir="t"/>
+    </dgm:scene3d>
+    <dgm:sp3d/>
+    <dgm:txPr/>
+    <dgm:style>
+      <a:lnRef idx="1">
+        <a:scrgbClr r="0" g="0" b="0"/>
+      </a:lnRef>
+      <a:fillRef idx="1">
+        <a:scrgbClr r="0" g="0" b="0"/>
+      </a:fillRef>
+      <a:effectRef idx="0">
+        <a:scrgbClr r="0" g="0" b="0"/>
+      </a:effectRef>
+      <a:fontRef idx="minor"/>
+    </dgm:style>
+  </dgm:styleLbl>
+  <dgm:styleLbl name="fgAccFollowNode1">
+    <dgm:scene3d>
+      <a:camera prst="orthographicFront"/>
+      <a:lightRig rig="threePt" dir="t"/>
+    </dgm:scene3d>
+    <dgm:sp3d/>
+    <dgm:txPr/>
+    <dgm:style>
+      <a:lnRef idx="1">
+        <a:scrgbClr r="0" g="0" b="0"/>
+      </a:lnRef>
+      <a:fillRef idx="1">
+        <a:scrgbClr r="0" g="0" b="0"/>
+      </a:fillRef>
+      <a:effectRef idx="0">
+        <a:scrgbClr r="0" g="0" b="0"/>
+      </a:effectRef>
+      <a:fontRef idx="minor"/>
+    </dgm:style>
+  </dgm:styleLbl>
+  <dgm:styleLbl name="alignAccFollowNode1">
+    <dgm:scene3d>
+      <a:camera prst="orthographicFront"/>
+      <a:lightRig rig="threePt" dir="t"/>
+    </dgm:scene3d>
+    <dgm:sp3d/>
+    <dgm:txPr/>
+    <dgm:style>
+      <a:lnRef idx="1">
+        <a:scrgbClr r="0" g="0" b="0"/>
+      </a:lnRef>
+      <a:fillRef idx="1">
+        <a:scrgbClr r="0" g="0" b="0"/>
+      </a:fillRef>
+      <a:effectRef idx="0">
+        <a:scrgbClr r="0" g="0" b="0"/>
+      </a:effectRef>
+      <a:fontRef idx="minor"/>
+    </dgm:style>
+  </dgm:styleLbl>
+  <dgm:styleLbl name="bgAccFollowNode1">
+    <dgm:scene3d>
+      <a:camera prst="orthographicFront"/>
+      <a:lightRig rig="threePt" dir="t"/>
+    </dgm:scene3d>
+    <dgm:sp3d/>
+    <dgm:txPr/>
+    <dgm:style>
+      <a:lnRef idx="1">
+        <a:scrgbClr r="0" g="0" b="0"/>
+      </a:lnRef>
+      <a:fillRef idx="1">
+        <a:scrgbClr r="0" g="0" b="0"/>
+      </a:fillRef>
+      <a:effectRef idx="0">
+        <a:scrgbClr r="0" g="0" b="0"/>
+      </a:effectRef>
+      <a:fontRef idx="minor"/>
+    </dgm:style>
+  </dgm:styleLbl>
+  <dgm:styleLbl name="fgAcc0">
+    <dgm:scene3d>
+      <a:camera prst="orthographicFront"/>
+      <a:lightRig rig="threePt" dir="t"/>
+    </dgm:scene3d>
+    <dgm:sp3d/>
+    <dgm:txPr/>
+    <dgm:style>
+      <a:lnRef idx="1">
+        <a:scrgbClr r="0" g="0" b="0"/>
+      </a:lnRef>
+      <a:fillRef idx="1">
+        <a:scrgbClr r="0" g="0" b="0"/>
+      </a:fillRef>
+      <a:effectRef idx="0">
+        <a:scrgbClr r="0" g="0" b="0"/>
+      </a:effectRef>
+      <a:fontRef idx="minor"/>
+    </dgm:style>
+  </dgm:styleLbl>
+  <dgm:styleLbl name="fgAcc2">
+    <dgm:scene3d>
+      <a:camera prst="orthographicFront"/>
+      <a:lightRig rig="threePt" dir="t"/>
+    </dgm:scene3d>
+    <dgm:sp3d/>
+    <dgm:txPr/>
+    <dgm:style>
+      <a:lnRef idx="1">
+        <a:scrgbClr r="0" g="0" b="0"/>
+      </a:lnRef>
+      <a:fillRef idx="1">
+        <a:scrgbClr r="0" g="0" b="0"/>
+      </a:fillRef>
+      <a:effectRef idx="0">
+        <a:scrgbClr r="0" g="0" b="0"/>
+      </a:effectRef>
+      <a:fontRef idx="minor"/>
+    </dgm:style>
+  </dgm:styleLbl>
+  <dgm:styleLbl name="fgAcc3">
+    <dgm:scene3d>
+      <a:camera prst="orthographicFront"/>
+      <a:lightRig rig="threePt" dir="t"/>
+    </dgm:scene3d>
+    <dgm:sp3d/>
+    <dgm:txPr/>
+    <dgm:style>
+      <a:lnRef idx="1">
+        <a:scrgbClr r="0" g="0" b="0"/>
+      </a:lnRef>
+      <a:fillRef idx="1">
+        <a:scrgbClr r="0" g="0" b="0"/>
+      </a:fillRef>
+      <a:effectRef idx="0">
+        <a:scrgbClr r="0" g="0" b="0"/>
+      </a:effectRef>
+      <a:fontRef idx="minor"/>
+    </dgm:style>
+  </dgm:styleLbl>
+  <dgm:styleLbl name="fgAcc4">
+    <dgm:scene3d>
+      <a:camera prst="orthographicFront"/>
+      <a:lightRig rig="threePt" dir="t"/>
+    </dgm:scene3d>
+    <dgm:sp3d/>
+    <dgm:txPr/>
+    <dgm:style>
+      <a:lnRef idx="1">
+        <a:scrgbClr r="0" g="0" b="0"/>
+      </a:lnRef>
+      <a:fillRef idx="1">
+        <a:scrgbClr r="0" g="0" b="0"/>
+      </a:fillRef>
+      <a:effectRef idx="0">
+        <a:scrgbClr r="0" g="0" b="0"/>
+      </a:effectRef>
+      <a:fontRef idx="minor"/>
+    </dgm:style>
+  </dgm:styleLbl>
+  <dgm:styleLbl name="bgShp">
+    <dgm:scene3d>
+      <a:camera prst="orthographicFront"/>
+      <a:lightRig rig="threePt" dir="t"/>
+    </dgm:scene3d>
+    <dgm:sp3d/>
+    <dgm:txPr/>
+    <dgm:style>
+      <a:lnRef idx="0">
+        <a:scrgbClr r="0" g="0" b="0"/>
+      </a:lnRef>
+      <a:fillRef idx="1">
+        <a:scrgbClr r="0" g="0" b="0"/>
+      </a:fillRef>
+      <a:effectRef idx="2">
+        <a:scrgbClr r="0" g="0" b="0"/>
+      </a:effectRef>
+      <a:fontRef idx="minor"/>
+    </dgm:style>
+  </dgm:styleLbl>
+  <dgm:styleLbl name="dkBgShp">
+    <dgm:scene3d>
+      <a:camera prst="orthographicFront"/>
+      <a:lightRig rig="threePt" dir="t"/>
+    </dgm:scene3d>
+    <dgm:sp3d/>
+    <dgm:txPr/>
+    <dgm:style>
+      <a:lnRef idx="0">
+        <a:scrgbClr r="0" g="0" b="0"/>
+      </a:lnRef>
+      <a:fillRef idx="1">
+        <a:scrgbClr r="0" g="0" b="0"/>
+      </a:fillRef>
+      <a:effectRef idx="2">
+        <a:scrgbClr r="0" g="0" b="0"/>
+      </a:effectRef>
+      <a:fontRef idx="minor"/>
+    </dgm:style>
+  </dgm:styleLbl>
+  <dgm:styleLbl name="trBgShp">
+    <dgm:scene3d>
+      <a:camera prst="orthographicFront"/>
+      <a:lightRig rig="threePt" dir="t"/>
+    </dgm:scene3d>
+    <dgm:sp3d/>
+    <dgm:txPr/>
+    <dgm:style>
+      <a:lnRef idx="0">
+        <a:scrgbClr r="0" g="0" b="0"/>
+      </a:lnRef>
+      <a:fillRef idx="1">
+        <a:scrgbClr r="0" g="0" b="0"/>
+      </a:fillRef>
+      <a:effectRef idx="0">
+        <a:scrgbClr r="0" g="0" b="0"/>
+      </a:effectRef>
+      <a:fontRef idx="minor"/>
+    </dgm:style>
+  </dgm:styleLbl>
+  <dgm:styleLbl name="fgShp">
+    <dgm:scene3d>
+      <a:camera prst="orthographicFront"/>
+      <a:lightRig rig="threePt" dir="t"/>
+    </dgm:scene3d>
+    <dgm:sp3d/>
+    <dgm:txPr/>
+    <dgm:style>
+      <a:lnRef idx="0">
+        <a:scrgbClr r="0" g="0" b="0"/>
+      </a:lnRef>
+      <a:fillRef idx="3">
+        <a:scrgbClr r="0" g="0" b="0"/>
+      </a:fillRef>
+      <a:effectRef idx="2">
+        <a:scrgbClr r="0" g="0" b="0"/>
+      </a:effectRef>
+      <a:fontRef idx="minor"/>
+    </dgm:style>
+  </dgm:styleLbl>
+  <dgm:styleLbl name="revTx">
+    <dgm:scene3d>
+      <a:camera prst="orthographicFront"/>
+      <a:lightRig rig="threePt" dir="t"/>
+    </dgm:scene3d>
+    <dgm:sp3d/>
+    <dgm:txPr/>
+    <dgm:style>
+      <a:lnRef idx="0">
+        <a:scrgbClr r="0" g="0" b="0"/>
+      </a:lnRef>
+      <a:fillRef idx="0">
+        <a:scrgbClr r="0" g="0" b="0"/>
+      </a:fillRef>
+      <a:effectRef idx="0">
+        <a:scrgbClr r="0" g="0" b="0"/>
+      </a:effectRef>
+      <a:fontRef idx="minor"/>
+    </dgm:style>
+  </dgm:styleLbl>
+</dgm:styleDef>
+</file>
+
+<file path=ppt/handoutMasters/handoutMaster1.xml><?xml version="1.0" encoding="utf-8"?>
+<p:handoutMaster xmlns:a="http://schemas.openxmlformats.org/drawingml/2006/main" xmlns:r="http://schemas.openxmlformats.org/officeDocument/2006/relationships" xmlns:p="http://schemas.openxmlformats.org/presentationml/2006/main">
+  <p:cSld>
+    <p:bg>
+      <p:bgRef idx="1001">
+        <a:schemeClr val="bg1"/>
+      </p:bgRef>
+    </p:bg>
+    <p:spTree>
+      <p:nvGrpSpPr>
+        <p:cNvPr id="1" name=""/>
+        <p:cNvGrpSpPr/>
+        <p:nvPr/>
+      </p:nvGrpSpPr>
+      <p:grpSpPr>
+        <a:xfrm>
+          <a:off x="0" y="0"/>
+          <a:ext cx="0" cy="0"/>
+          <a:chOff x="0" y="0"/>
+          <a:chExt cx="0" cy="0"/>
+        </a:xfrm>
+      </p:grpSpPr>
+      <p:sp>
+        <p:nvSpPr>
+          <p:cNvPr id="2" name="Header Placeholder 1">
+            <a:extLst>
+              <a:ext uri="{FF2B5EF4-FFF2-40B4-BE49-F238E27FC236}">
+                <a16:creationId xmlns:a16="http://schemas.microsoft.com/office/drawing/2014/main" id="{8E10722C-45D6-58DD-2742-E11D3DF7B601}"/>
+              </a:ext>
+            </a:extLst>
+          </p:cNvPr>
+          <p:cNvSpPr>
+            <a:spLocks noGrp="1"/>
+          </p:cNvSpPr>
+          <p:nvPr>
+            <p:ph type="hdr" sz="quarter"/>
+          </p:nvPr>
+        </p:nvSpPr>
+        <p:spPr>
+          <a:xfrm>
+            <a:off x="0" y="0"/>
+            <a:ext cx="2971800" cy="458788"/>
+          </a:xfrm>
+          <a:prstGeom prst="rect">
+            <a:avLst/>
+          </a:prstGeom>
+        </p:spPr>
+        <p:txBody>
+          <a:bodyPr vert="horz" lIns="91440" tIns="45720" rIns="91440" bIns="45720" rtlCol="0"/>
+          <a:lstStyle>
+            <a:lvl1pPr algn="l">
+              <a:defRPr sz="1200"/>
+            </a:lvl1pPr>
+          </a:lstStyle>
+          <a:p>
+            <a:endParaRPr lang="en-IL"/>
+          </a:p>
+        </p:txBody>
+      </p:sp>
+      <p:sp>
+        <p:nvSpPr>
+          <p:cNvPr id="3" name="Date Placeholder 2">
+            <a:extLst>
+              <a:ext uri="{FF2B5EF4-FFF2-40B4-BE49-F238E27FC236}">
+                <a16:creationId xmlns:a16="http://schemas.microsoft.com/office/drawing/2014/main" id="{39B79610-F06A-E390-98FC-00EA6C519F14}"/>
+              </a:ext>
+            </a:extLst>
+          </p:cNvPr>
+          <p:cNvSpPr>
+            <a:spLocks noGrp="1"/>
+          </p:cNvSpPr>
+          <p:nvPr>
+            <p:ph type="dt" sz="quarter" idx="1"/>
+          </p:nvPr>
+        </p:nvSpPr>
+        <p:spPr>
+          <a:xfrm>
+            <a:off x="3884613" y="0"/>
+            <a:ext cx="2971800" cy="458788"/>
+          </a:xfrm>
+          <a:prstGeom prst="rect">
+            <a:avLst/>
+          </a:prstGeom>
+        </p:spPr>
+        <p:txBody>
+          <a:bodyPr vert="horz" lIns="91440" tIns="45720" rIns="91440" bIns="45720" rtlCol="0"/>
+          <a:lstStyle>
+            <a:lvl1pPr algn="r">
+              <a:defRPr sz="1200"/>
+            </a:lvl1pPr>
+          </a:lstStyle>
+          <a:p>
+            <a:fld id="{DB430043-EE85-4B6C-A802-3E6B16F216A2}" type="datetimeFigureOut">
+              <a:rPr lang="en-IL" smtClean="0"/>
+              <a:t>11/10/2022</a:t>
+            </a:fld>
+            <a:endParaRPr lang="en-IL"/>
+          </a:p>
+        </p:txBody>
+      </p:sp>
+      <p:sp>
+        <p:nvSpPr>
+          <p:cNvPr id="4" name="Footer Placeholder 3">
+            <a:extLst>
+              <a:ext uri="{FF2B5EF4-FFF2-40B4-BE49-F238E27FC236}">
+                <a16:creationId xmlns:a16="http://schemas.microsoft.com/office/drawing/2014/main" id="{9FAFC5D6-C009-22C9-A200-02ED11629220}"/>
+              </a:ext>
+            </a:extLst>
+          </p:cNvPr>
+          <p:cNvSpPr>
+            <a:spLocks noGrp="1"/>
+          </p:cNvSpPr>
+          <p:nvPr>
+            <p:ph type="ftr" sz="quarter" idx="2"/>
+          </p:nvPr>
+        </p:nvSpPr>
+        <p:spPr>
+          <a:xfrm>
+            <a:off x="0" y="8685213"/>
+            <a:ext cx="2971800" cy="458787"/>
+          </a:xfrm>
+          <a:prstGeom prst="rect">
+            <a:avLst/>
+          </a:prstGeom>
+        </p:spPr>
+        <p:txBody>
+          <a:bodyPr vert="horz" lIns="91440" tIns="45720" rIns="91440" bIns="45720" rtlCol="0" anchor="b"/>
+          <a:lstStyle>
+            <a:lvl1pPr algn="l">
+              <a:defRPr sz="1200"/>
+            </a:lvl1pPr>
+          </a:lstStyle>
+          <a:p>
+            <a:endParaRPr lang="en-IL"/>
+          </a:p>
+        </p:txBody>
+      </p:sp>
+      <p:sp>
+        <p:nvSpPr>
+          <p:cNvPr id="5" name="Slide Number Placeholder 4">
+            <a:extLst>
+              <a:ext uri="{FF2B5EF4-FFF2-40B4-BE49-F238E27FC236}">
+                <a16:creationId xmlns:a16="http://schemas.microsoft.com/office/drawing/2014/main" id="{2C1D51A6-B477-0985-324A-00C8B212B0AE}"/>
+              </a:ext>
+            </a:extLst>
+          </p:cNvPr>
+          <p:cNvSpPr>
+            <a:spLocks noGrp="1"/>
+          </p:cNvSpPr>
+          <p:nvPr>
+            <p:ph type="sldNum" sz="quarter" idx="3"/>
+          </p:nvPr>
+        </p:nvSpPr>
+        <p:spPr>
+          <a:xfrm>
+            <a:off x="3884613" y="8685213"/>
+            <a:ext cx="2971800" cy="458787"/>
+          </a:xfrm>
+          <a:prstGeom prst="rect">
+            <a:avLst/>
+          </a:prstGeom>
+        </p:spPr>
+        <p:txBody>
+          <a:bodyPr vert="horz" lIns="91440" tIns="45720" rIns="91440" bIns="45720" rtlCol="0" anchor="b"/>
+          <a:lstStyle>
+            <a:lvl1pPr algn="r">
+              <a:defRPr sz="1200"/>
+            </a:lvl1pPr>
+          </a:lstStyle>
+          <a:p>
+            <a:fld id="{435A8199-16CD-4356-A7A2-D6335DC9E368}" type="slidenum">
+              <a:rPr lang="en-IL" smtClean="0"/>
+              <a:t>‹#›</a:t>
+            </a:fld>
+            <a:endParaRPr lang="en-IL"/>
+          </a:p>
+        </p:txBody>
+      </p:sp>
+    </p:spTree>
+    <p:extLst>
+      <p:ext uri="{BB962C8B-B14F-4D97-AF65-F5344CB8AC3E}">
+        <p14:creationId xmlns:p14="http://schemas.microsoft.com/office/powerpoint/2010/main" val="887631506"/>
+      </p:ext>
+    </p:extLst>
+  </p:cSld>
+  <p:clrMap bg1="lt1" tx1="dk1" bg2="lt2" tx2="dk2" accent1="accent1" accent2="accent2" accent3="accent3" accent4="accent4" accent5="accent5" accent6="accent6" hlink="hlink" folHlink="folHlink"/>
+</p:handoutMaster>
 </file>
 
 <file path=ppt/slideLayouts/slideLayout1.xml><?xml version="1.0" encoding="utf-8"?>
@@ -22841,7 +28380,7 @@
           <a:p>
             <a:fld id="{6B548E75-1D94-41E4-8CAC-9631837BFE23}" type="datetimeFigureOut">
               <a:rPr lang="en-IL" smtClean="0"/>
-              <a:t>09/10/2022</a:t>
+              <a:t>11/10/2022</a:t>
             </a:fld>
             <a:endParaRPr lang="en-IL"/>
           </a:p>
@@ -23108,7 +28647,7 @@
           <a:p>
             <a:fld id="{6B548E75-1D94-41E4-8CAC-9631837BFE23}" type="datetimeFigureOut">
               <a:rPr lang="en-IL" smtClean="0"/>
-              <a:t>09/10/2022</a:t>
+              <a:t>11/10/2022</a:t>
             </a:fld>
             <a:endParaRPr lang="en-IL"/>
           </a:p>
@@ -23339,7 +28878,7 @@
           <a:p>
             <a:fld id="{6B548E75-1D94-41E4-8CAC-9631837BFE23}" type="datetimeFigureOut">
               <a:rPr lang="en-IL" smtClean="0"/>
-              <a:t>09/10/2022</a:t>
+              <a:t>11/10/2022</a:t>
             </a:fld>
             <a:endParaRPr lang="en-IL"/>
           </a:p>
@@ -23649,7 +29188,7 @@
           <a:p>
             <a:fld id="{6B548E75-1D94-41E4-8CAC-9631837BFE23}" type="datetimeFigureOut">
               <a:rPr lang="en-IL" smtClean="0"/>
-              <a:t>09/10/2022</a:t>
+              <a:t>11/10/2022</a:t>
             </a:fld>
             <a:endParaRPr lang="en-IL"/>
           </a:p>
@@ -24122,7 +29661,7 @@
           <a:p>
             <a:fld id="{6B548E75-1D94-41E4-8CAC-9631837BFE23}" type="datetimeFigureOut">
               <a:rPr lang="en-IL" smtClean="0"/>
-              <a:t>09/10/2022</a:t>
+              <a:t>11/10/2022</a:t>
             </a:fld>
             <a:endParaRPr lang="en-IL"/>
           </a:p>
@@ -24669,7 +30208,7 @@
           <a:p>
             <a:fld id="{6B548E75-1D94-41E4-8CAC-9631837BFE23}" type="datetimeFigureOut">
               <a:rPr lang="en-IL" smtClean="0"/>
-              <a:t>09/10/2022</a:t>
+              <a:t>11/10/2022</a:t>
             </a:fld>
             <a:endParaRPr lang="en-IL"/>
           </a:p>
@@ -25443,7 +30982,7 @@
           <a:p>
             <a:fld id="{6B548E75-1D94-41E4-8CAC-9631837BFE23}" type="datetimeFigureOut">
               <a:rPr lang="en-IL" smtClean="0"/>
-              <a:t>09/10/2022</a:t>
+              <a:t>11/10/2022</a:t>
             </a:fld>
             <a:endParaRPr lang="en-IL"/>
           </a:p>
@@ -25618,7 +31157,7 @@
           <a:p>
             <a:fld id="{6B548E75-1D94-41E4-8CAC-9631837BFE23}" type="datetimeFigureOut">
               <a:rPr lang="en-IL" smtClean="0"/>
-              <a:t>09/10/2022</a:t>
+              <a:t>11/10/2022</a:t>
             </a:fld>
             <a:endParaRPr lang="en-IL"/>
           </a:p>
@@ -25841,7 +31380,7 @@
           <a:p>
             <a:fld id="{6B548E75-1D94-41E4-8CAC-9631837BFE23}" type="datetimeFigureOut">
               <a:rPr lang="en-IL" smtClean="0"/>
-              <a:t>09/10/2022</a:t>
+              <a:t>11/10/2022</a:t>
             </a:fld>
             <a:endParaRPr lang="en-IL"/>
           </a:p>
@@ -26021,7 +31560,7 @@
           <a:p>
             <a:fld id="{6B548E75-1D94-41E4-8CAC-9631837BFE23}" type="datetimeFigureOut">
               <a:rPr lang="en-IL" smtClean="0"/>
-              <a:t>09/10/2022</a:t>
+              <a:t>11/10/2022</a:t>
             </a:fld>
             <a:endParaRPr lang="en-IL"/>
           </a:p>
@@ -26310,7 +31849,7 @@
           <a:p>
             <a:fld id="{6B548E75-1D94-41E4-8CAC-9631837BFE23}" type="datetimeFigureOut">
               <a:rPr lang="en-IL" smtClean="0"/>
-              <a:t>09/10/2022</a:t>
+              <a:t>11/10/2022</a:t>
             </a:fld>
             <a:endParaRPr lang="en-IL"/>
           </a:p>
@@ -26552,7 +32091,7 @@
           <a:p>
             <a:fld id="{6B548E75-1D94-41E4-8CAC-9631837BFE23}" type="datetimeFigureOut">
               <a:rPr lang="en-IL" smtClean="0"/>
-              <a:t>09/10/2022</a:t>
+              <a:t>11/10/2022</a:t>
             </a:fld>
             <a:endParaRPr lang="en-IL"/>
           </a:p>
@@ -26931,7 +32470,7 @@
           <a:p>
             <a:fld id="{6B548E75-1D94-41E4-8CAC-9631837BFE23}" type="datetimeFigureOut">
               <a:rPr lang="en-IL" smtClean="0"/>
-              <a:t>09/10/2022</a:t>
+              <a:t>11/10/2022</a:t>
             </a:fld>
             <a:endParaRPr lang="en-IL"/>
           </a:p>
@@ -27049,7 +32588,7 @@
           <a:p>
             <a:fld id="{6B548E75-1D94-41E4-8CAC-9631837BFE23}" type="datetimeFigureOut">
               <a:rPr lang="en-IL" smtClean="0"/>
-              <a:t>09/10/2022</a:t>
+              <a:t>11/10/2022</a:t>
             </a:fld>
             <a:endParaRPr lang="en-IL"/>
           </a:p>
@@ -27144,7 +32683,7 @@
           <a:p>
             <a:fld id="{6B548E75-1D94-41E4-8CAC-9631837BFE23}" type="datetimeFigureOut">
               <a:rPr lang="en-IL" smtClean="0"/>
-              <a:t>09/10/2022</a:t>
+              <a:t>11/10/2022</a:t>
             </a:fld>
             <a:endParaRPr lang="en-IL"/>
           </a:p>
@@ -27393,7 +32932,7 @@
           <a:p>
             <a:fld id="{6B548E75-1D94-41E4-8CAC-9631837BFE23}" type="datetimeFigureOut">
               <a:rPr lang="en-IL" smtClean="0"/>
-              <a:t>09/10/2022</a:t>
+              <a:t>11/10/2022</a:t>
             </a:fld>
             <a:endParaRPr lang="en-IL"/>
           </a:p>
@@ -27650,7 +33189,7 @@
           <a:p>
             <a:fld id="{6B548E75-1D94-41E4-8CAC-9631837BFE23}" type="datetimeFigureOut">
               <a:rPr lang="en-IL" smtClean="0"/>
-              <a:t>09/10/2022</a:t>
+              <a:t>11/10/2022</a:t>
             </a:fld>
             <a:endParaRPr lang="en-IL"/>
           </a:p>
@@ -27912,7 +33451,7 @@
           <a:p>
             <a:fld id="{6B548E75-1D94-41E4-8CAC-9631837BFE23}" type="datetimeFigureOut">
               <a:rPr lang="en-IL" smtClean="0"/>
-              <a:t>09/10/2022</a:t>
+              <a:t>11/10/2022</a:t>
             </a:fld>
             <a:endParaRPr lang="en-IL"/>
           </a:p>
@@ -28588,6 +34127,200 @@
           <p:cNvPr id="2" name="Title 1">
             <a:extLst>
               <a:ext uri="{FF2B5EF4-FFF2-40B4-BE49-F238E27FC236}">
+                <a16:creationId xmlns:a16="http://schemas.microsoft.com/office/drawing/2014/main" id="{055D64D5-51B5-72DC-1D77-0DD0777AEEC8}"/>
+              </a:ext>
+            </a:extLst>
+          </p:cNvPr>
+          <p:cNvSpPr>
+            <a:spLocks noGrp="1"/>
+          </p:cNvSpPr>
+          <p:nvPr>
+            <p:ph type="title"/>
+          </p:nvPr>
+        </p:nvSpPr>
+        <p:spPr>
+          <a:xfrm>
+            <a:off x="685800" y="1066163"/>
+            <a:ext cx="3306744" cy="5148371"/>
+          </a:xfrm>
+        </p:spPr>
+        <p:txBody>
+          <a:bodyPr>
+            <a:normAutofit/>
+          </a:bodyPr>
+          <a:lstStyle/>
+          <a:p>
+            <a:r>
+              <a:rPr lang="en-US" sz="3200"/>
+              <a:t>Course subjects</a:t>
+            </a:r>
+            <a:endParaRPr lang="en-IL" sz="3200"/>
+          </a:p>
+        </p:txBody>
+      </p:sp>
+      <p:graphicFrame>
+        <p:nvGraphicFramePr>
+          <p:cNvPr id="5" name="Content Placeholder 2">
+            <a:extLst>
+              <a:ext uri="{FF2B5EF4-FFF2-40B4-BE49-F238E27FC236}">
+                <a16:creationId xmlns:a16="http://schemas.microsoft.com/office/drawing/2014/main" id="{223CE14A-35CC-5E71-9294-E28C27EF9329}"/>
+              </a:ext>
+            </a:extLst>
+          </p:cNvPr>
+          <p:cNvGraphicFramePr>
+            <a:graphicFrameLocks noGrp="1"/>
+          </p:cNvGraphicFramePr>
+          <p:nvPr>
+            <p:ph idx="1"/>
+            <p:extLst>
+              <p:ext uri="{D42A27DB-BD31-4B8C-83A1-F6EECF244321}">
+                <p14:modId xmlns:p14="http://schemas.microsoft.com/office/powerpoint/2010/main" val="4079028199"/>
+              </p:ext>
+            </p:extLst>
+          </p:nvPr>
+        </p:nvGraphicFramePr>
+        <p:xfrm>
+          <a:off x="4678344" y="1127125"/>
+          <a:ext cx="6403994" cy="5087409"/>
+        </p:xfrm>
+        <a:graphic>
+          <a:graphicData uri="http://schemas.openxmlformats.org/drawingml/2006/diagram">
+            <dgm:relIds xmlns:dgm="http://schemas.openxmlformats.org/drawingml/2006/diagram" xmlns:r="http://schemas.openxmlformats.org/officeDocument/2006/relationships" r:dm="rId2" r:lo="rId3" r:qs="rId4" r:cs="rId5"/>
+          </a:graphicData>
+        </a:graphic>
+      </p:graphicFrame>
+    </p:spTree>
+    <p:extLst>
+      <p:ext uri="{BB962C8B-B14F-4D97-AF65-F5344CB8AC3E}">
+        <p14:creationId xmlns:p14="http://schemas.microsoft.com/office/powerpoint/2010/main" val="3699124500"/>
+      </p:ext>
+    </p:extLst>
+  </p:cSld>
+  <p:clrMapOvr>
+    <a:masterClrMapping/>
+  </p:clrMapOvr>
+</p:sld>
+</file>
+
+<file path=ppt/slides/slide11.xml><?xml version="1.0" encoding="utf-8"?>
+<p:sld xmlns:a="http://schemas.openxmlformats.org/drawingml/2006/main" xmlns:r="http://schemas.openxmlformats.org/officeDocument/2006/relationships" xmlns:p="http://schemas.openxmlformats.org/presentationml/2006/main">
+  <p:cSld>
+    <p:spTree>
+      <p:nvGrpSpPr>
+        <p:cNvPr id="1" name=""/>
+        <p:cNvGrpSpPr/>
+        <p:nvPr/>
+      </p:nvGrpSpPr>
+      <p:grpSpPr>
+        <a:xfrm>
+          <a:off x="0" y="0"/>
+          <a:ext cx="0" cy="0"/>
+          <a:chOff x="0" y="0"/>
+          <a:chExt cx="0" cy="0"/>
+        </a:xfrm>
+      </p:grpSpPr>
+      <p:sp>
+        <p:nvSpPr>
+          <p:cNvPr id="2" name="Title 1">
+            <a:extLst>
+              <a:ext uri="{FF2B5EF4-FFF2-40B4-BE49-F238E27FC236}">
+                <a16:creationId xmlns:a16="http://schemas.microsoft.com/office/drawing/2014/main" id="{055D64D5-51B5-72DC-1D77-0DD0777AEEC8}"/>
+              </a:ext>
+            </a:extLst>
+          </p:cNvPr>
+          <p:cNvSpPr>
+            <a:spLocks noGrp="1"/>
+          </p:cNvSpPr>
+          <p:nvPr>
+            <p:ph type="title"/>
+          </p:nvPr>
+        </p:nvSpPr>
+        <p:spPr>
+          <a:xfrm>
+            <a:off x="685800" y="1066163"/>
+            <a:ext cx="3306744" cy="5148371"/>
+          </a:xfrm>
+        </p:spPr>
+        <p:txBody>
+          <a:bodyPr>
+            <a:normAutofit/>
+          </a:bodyPr>
+          <a:lstStyle/>
+          <a:p>
+            <a:r>
+              <a:rPr lang="en-US" sz="3200"/>
+              <a:t>Course subjects</a:t>
+            </a:r>
+            <a:endParaRPr lang="en-IL" sz="3200"/>
+          </a:p>
+        </p:txBody>
+      </p:sp>
+      <p:graphicFrame>
+        <p:nvGraphicFramePr>
+          <p:cNvPr id="5" name="Content Placeholder 2">
+            <a:extLst>
+              <a:ext uri="{FF2B5EF4-FFF2-40B4-BE49-F238E27FC236}">
+                <a16:creationId xmlns:a16="http://schemas.microsoft.com/office/drawing/2014/main" id="{223CE14A-35CC-5E71-9294-E28C27EF9329}"/>
+              </a:ext>
+            </a:extLst>
+          </p:cNvPr>
+          <p:cNvGraphicFramePr>
+            <a:graphicFrameLocks noGrp="1"/>
+          </p:cNvGraphicFramePr>
+          <p:nvPr>
+            <p:ph idx="1"/>
+            <p:extLst>
+              <p:ext uri="{D42A27DB-BD31-4B8C-83A1-F6EECF244321}">
+                <p14:modId xmlns:p14="http://schemas.microsoft.com/office/powerpoint/2010/main" val="4191671367"/>
+              </p:ext>
+            </p:extLst>
+          </p:nvPr>
+        </p:nvGraphicFramePr>
+        <p:xfrm>
+          <a:off x="4678344" y="1127125"/>
+          <a:ext cx="6403994" cy="5087409"/>
+        </p:xfrm>
+        <a:graphic>
+          <a:graphicData uri="http://schemas.openxmlformats.org/drawingml/2006/diagram">
+            <dgm:relIds xmlns:dgm="http://schemas.openxmlformats.org/drawingml/2006/diagram" xmlns:r="http://schemas.openxmlformats.org/officeDocument/2006/relationships" r:dm="rId2" r:lo="rId3" r:qs="rId4" r:cs="rId5"/>
+          </a:graphicData>
+        </a:graphic>
+      </p:graphicFrame>
+    </p:spTree>
+    <p:extLst>
+      <p:ext uri="{BB962C8B-B14F-4D97-AF65-F5344CB8AC3E}">
+        <p14:creationId xmlns:p14="http://schemas.microsoft.com/office/powerpoint/2010/main" val="2229007188"/>
+      </p:ext>
+    </p:extLst>
+  </p:cSld>
+  <p:clrMapOvr>
+    <a:masterClrMapping/>
+  </p:clrMapOvr>
+</p:sld>
+</file>
+
+<file path=ppt/slides/slide12.xml><?xml version="1.0" encoding="utf-8"?>
+<p:sld xmlns:a="http://schemas.openxmlformats.org/drawingml/2006/main" xmlns:r="http://schemas.openxmlformats.org/officeDocument/2006/relationships" xmlns:p="http://schemas.openxmlformats.org/presentationml/2006/main">
+  <p:cSld>
+    <p:spTree>
+      <p:nvGrpSpPr>
+        <p:cNvPr id="1" name=""/>
+        <p:cNvGrpSpPr/>
+        <p:nvPr/>
+      </p:nvGrpSpPr>
+      <p:grpSpPr>
+        <a:xfrm>
+          <a:off x="0" y="0"/>
+          <a:ext cx="0" cy="0"/>
+          <a:chOff x="0" y="0"/>
+          <a:chExt cx="0" cy="0"/>
+        </a:xfrm>
+      </p:grpSpPr>
+      <p:sp>
+        <p:nvSpPr>
+          <p:cNvPr id="2" name="Title 1">
+            <a:extLst>
+              <a:ext uri="{FF2B5EF4-FFF2-40B4-BE49-F238E27FC236}">
                 <a16:creationId xmlns:a16="http://schemas.microsoft.com/office/drawing/2014/main" id="{DDBE22EE-E5C7-10CD-2383-06036A0A7FD7}"/>
               </a:ext>
             </a:extLst>
@@ -28628,14 +34361,14 @@
             <p:ph idx="1"/>
             <p:extLst>
               <p:ext uri="{D42A27DB-BD31-4B8C-83A1-F6EECF244321}">
-                <p14:modId xmlns:p14="http://schemas.microsoft.com/office/powerpoint/2010/main" val="4209008478"/>
+                <p14:modId xmlns:p14="http://schemas.microsoft.com/office/powerpoint/2010/main" val="1110756753"/>
               </p:ext>
             </p:extLst>
           </p:nvPr>
         </p:nvGraphicFramePr>
         <p:xfrm>
-          <a:off x="1261485" y="1975655"/>
-          <a:ext cx="8142864" cy="4343305"/>
+          <a:off x="1261484" y="1975655"/>
+          <a:ext cx="9889115" cy="3886105"/>
         </p:xfrm>
         <a:graphic>
           <a:graphicData uri="http://schemas.openxmlformats.org/drawingml/2006/table">
@@ -28644,28 +34377,28 @@
                 <a:tableStyleId>{5C22544A-7EE6-4342-B048-85BDC9FD1C3A}</a:tableStyleId>
               </a:tblPr>
               <a:tblGrid>
-                <a:gridCol w="1108335">
+                <a:gridCol w="1346019">
                   <a:extLst>
                     <a:ext uri="{9D8B030D-6E8A-4147-A177-3AD203B41FA5}">
                       <a16:colId xmlns:a16="http://schemas.microsoft.com/office/drawing/2014/main" val="788676069"/>
                     </a:ext>
                   </a:extLst>
                 </a:gridCol>
-                <a:gridCol w="3573780">
+                <a:gridCol w="4340183">
                   <a:extLst>
                     <a:ext uri="{9D8B030D-6E8A-4147-A177-3AD203B41FA5}">
                       <a16:colId xmlns:a16="http://schemas.microsoft.com/office/drawing/2014/main" val="270803823"/>
                     </a:ext>
                   </a:extLst>
                 </a:gridCol>
-                <a:gridCol w="2095500">
+                <a:gridCol w="2544884">
                   <a:extLst>
                     <a:ext uri="{9D8B030D-6E8A-4147-A177-3AD203B41FA5}">
                       <a16:colId xmlns:a16="http://schemas.microsoft.com/office/drawing/2014/main" val="2639095873"/>
                     </a:ext>
                   </a:extLst>
                 </a:gridCol>
-                <a:gridCol w="1365249">
+                <a:gridCol w="1658029">
                   <a:extLst>
                     <a:ext uri="{9D8B030D-6E8A-4147-A177-3AD203B41FA5}">
                       <a16:colId xmlns:a16="http://schemas.microsoft.com/office/drawing/2014/main" val="1744146072"/>
@@ -28773,7 +34506,7 @@
                     <a:p>
                       <a:r>
                         <a:rPr lang="en-US" sz="1500" dirty="0"/>
-                        <a:t>CPP background &amp; Hello World</a:t>
+                        <a:t>CPP background &amp; Hello World.</a:t>
                       </a:r>
                     </a:p>
                     <a:p>
@@ -28782,7 +34515,7 @@
                     <a:p>
                       <a:r>
                         <a:rPr lang="en-US" sz="1500" dirty="0"/>
-                        <a:t>UE5 Editor refresher</a:t>
+                        <a:t>UE5 Editor refresher.</a:t>
                       </a:r>
                     </a:p>
                     <a:p>
@@ -28795,7 +34528,7 @@
                       </a:r>
                       <a:r>
                         <a:rPr lang="en-US" sz="1500" b="1" dirty="0"/>
-                        <a:t>this will be a written manual</a:t>
+                        <a:t>this will be a written manual.</a:t>
                       </a:r>
                     </a:p>
                     <a:p>
@@ -28820,7 +34553,7 @@
                     <a:p>
                       <a:r>
                         <a:rPr lang="en-US" sz="1500" dirty="0"/>
-                        <a:t>Creating a simple scene in UE5 from blank scene</a:t>
+                        <a:t>Creating a simple scene in UE5 from blank scene.</a:t>
                       </a:r>
                     </a:p>
                     <a:p>
@@ -28843,7 +34576,7 @@
                     <a:p>
                       <a:r>
                         <a:rPr lang="en-US" sz="1500" dirty="0"/>
-                        <a:t>All installations should be done before the first class (instructions will be sent via Discord)</a:t>
+                        <a:t>All installations should be done before the first class (instructions will be sent via Discord).</a:t>
                       </a:r>
                       <a:endParaRPr lang="en-IL" sz="1500" dirty="0"/>
                     </a:p>
@@ -28878,7 +34611,7 @@
                     <a:p>
                       <a:r>
                         <a:rPr lang="en-US" sz="1500" dirty="0"/>
-                        <a:t>CPP basics: from Variables to Arrays</a:t>
+                        <a:t>CPP basics: from Variables to Arrays.</a:t>
                       </a:r>
                     </a:p>
                     <a:p>
@@ -28887,7 +34620,7 @@
                     <a:p>
                       <a:r>
                         <a:rPr lang="en-US" sz="1500" dirty="0"/>
-                        <a:t>UE5: BSP and blueprints logic</a:t>
+                        <a:t>UE5: BSP and blueprints logic.</a:t>
                       </a:r>
                       <a:endParaRPr lang="en-IL" sz="1500" dirty="0"/>
                     </a:p>
@@ -28901,7 +34634,7 @@
                     <a:p>
                       <a:r>
                         <a:rPr lang="en-US" sz="1500" dirty="0"/>
-                        <a:t>CPP exercise – basic lvl2</a:t>
+                        <a:t>CPP exercise – basic lvl2.</a:t>
                       </a:r>
                     </a:p>
                     <a:p>
@@ -28910,7 +34643,7 @@
                     <a:p>
                       <a:r>
                         <a:rPr lang="en-US" sz="1500" dirty="0"/>
-                        <a:t>Simple BP exercise</a:t>
+                        <a:t>Simple BP exercise.</a:t>
                       </a:r>
                       <a:endParaRPr lang="en-IL" sz="1500" dirty="0"/>
                     </a:p>
@@ -28922,6 +34655,10 @@
                     <a:bodyPr/>
                     <a:lstStyle/>
                     <a:p>
+                      <a:r>
+                        <a:rPr lang="en-US" sz="1500" dirty="0"/>
+                        <a:t>Final Project – general description</a:t>
+                      </a:r>
                       <a:endParaRPr lang="en-IL" sz="1500" dirty="0"/>
                     </a:p>
                   </a:txBody>
@@ -28950,7 +34687,7 @@
 </p:sld>
 </file>
 
-<file path=ppt/slides/slide11.xml><?xml version="1.0" encoding="utf-8"?>
+<file path=ppt/slides/slide13.xml><?xml version="1.0" encoding="utf-8"?>
 <p:sld xmlns:a="http://schemas.openxmlformats.org/drawingml/2006/main" xmlns:r="http://schemas.openxmlformats.org/officeDocument/2006/relationships" xmlns:p="http://schemas.openxmlformats.org/presentationml/2006/main">
   <p:cSld>
     <p:spTree>
@@ -29012,14 +34749,14 @@
             <p:ph idx="1"/>
             <p:extLst>
               <p:ext uri="{D42A27DB-BD31-4B8C-83A1-F6EECF244321}">
-                <p14:modId xmlns:p14="http://schemas.microsoft.com/office/powerpoint/2010/main" val="3762388034"/>
+                <p14:modId xmlns:p14="http://schemas.microsoft.com/office/powerpoint/2010/main" val="772212413"/>
               </p:ext>
             </p:extLst>
           </p:nvPr>
         </p:nvGraphicFramePr>
         <p:xfrm>
-          <a:off x="1261485" y="1975655"/>
-          <a:ext cx="8142864" cy="3437849"/>
+          <a:off x="1261484" y="1975655"/>
+          <a:ext cx="9133464" cy="2971705"/>
         </p:xfrm>
         <a:graphic>
           <a:graphicData uri="http://schemas.openxmlformats.org/drawingml/2006/table">
@@ -29028,31 +34765,24 @@
                 <a:tableStyleId>{5C22544A-7EE6-4342-B048-85BDC9FD1C3A}</a:tableStyleId>
               </a:tblPr>
               <a:tblGrid>
-                <a:gridCol w="2035716">
+                <a:gridCol w="3044488">
                   <a:extLst>
                     <a:ext uri="{9D8B030D-6E8A-4147-A177-3AD203B41FA5}">
                       <a16:colId xmlns:a16="http://schemas.microsoft.com/office/drawing/2014/main" val="788676069"/>
                     </a:ext>
                   </a:extLst>
                 </a:gridCol>
-                <a:gridCol w="2035716">
+                <a:gridCol w="3044488">
                   <a:extLst>
                     <a:ext uri="{9D8B030D-6E8A-4147-A177-3AD203B41FA5}">
                       <a16:colId xmlns:a16="http://schemas.microsoft.com/office/drawing/2014/main" val="270803823"/>
                     </a:ext>
                   </a:extLst>
                 </a:gridCol>
-                <a:gridCol w="2035716">
+                <a:gridCol w="3044488">
                   <a:extLst>
                     <a:ext uri="{9D8B030D-6E8A-4147-A177-3AD203B41FA5}">
                       <a16:colId xmlns:a16="http://schemas.microsoft.com/office/drawing/2014/main" val="2639095873"/>
-                    </a:ext>
-                  </a:extLst>
-                </a:gridCol>
-                <a:gridCol w="2035716">
-                  <a:extLst>
-                    <a:ext uri="{9D8B030D-6E8A-4147-A177-3AD203B41FA5}">
-                      <a16:colId xmlns:a16="http://schemas.microsoft.com/office/drawing/2014/main" val="1744146072"/>
                     </a:ext>
                   </a:extLst>
                 </a:gridCol>
@@ -29094,20 +34824,6 @@
                       <a:r>
                         <a:rPr lang="en-US" sz="1500" dirty="0"/>
                         <a:t>Homework</a:t>
-                      </a:r>
-                      <a:endParaRPr lang="en-IL" sz="1500" dirty="0"/>
-                    </a:p>
-                  </a:txBody>
-                  <a:tcPr marL="75165" marR="75165" marT="37582" marB="37582"/>
-                </a:tc>
-                <a:tc>
-                  <a:txBody>
-                    <a:bodyPr/>
-                    <a:lstStyle/>
-                    <a:p>
-                      <a:r>
-                        <a:rPr lang="en-US" sz="1500" dirty="0"/>
-                        <a:t>Comments</a:t>
                       </a:r>
                       <a:endParaRPr lang="en-IL" sz="1500" dirty="0"/>
                     </a:p>
@@ -29185,16 +34901,6 @@
                   </a:txBody>
                   <a:tcPr marL="75165" marR="75165" marT="37582" marB="37582"/>
                 </a:tc>
-                <a:tc>
-                  <a:txBody>
-                    <a:bodyPr/>
-                    <a:lstStyle/>
-                    <a:p>
-                      <a:endParaRPr lang="en-IL" sz="1500" dirty="0"/>
-                    </a:p>
-                  </a:txBody>
-                  <a:tcPr marL="75165" marR="75165" marT="37582" marB="37582"/>
-                </a:tc>
                 <a:extLst>
                   <a:ext uri="{0D108BD9-81ED-4DB2-BD59-A6C34878D82A}">
                     <a16:rowId xmlns:a16="http://schemas.microsoft.com/office/drawing/2014/main" val="120024186"/>
@@ -29221,46 +34927,18 @@
                     <a:bodyPr/>
                     <a:lstStyle/>
                     <a:p>
-                      <a:endParaRPr lang="en-IL" sz="1500" dirty="0"/>
+                      <a:r>
+                        <a:rPr lang="en-US" sz="1500" dirty="0"/>
+                        <a:t>CPP Intermediate: Casting functions, inheritance and polymorphism</a:t>
+                      </a:r>
                     </a:p>
-                  </a:txBody>
-                  <a:tcPr marL="75165" marR="75165" marT="37582" marB="37582"/>
-                </a:tc>
-                <a:tc>
-                  <a:txBody>
-                    <a:bodyPr/>
-                    <a:lstStyle/>
                     <a:p>
-                      <a:endParaRPr lang="en-IL" sz="1500" dirty="0"/>
+                      <a:endParaRPr lang="en-US" sz="1500" dirty="0"/>
                     </a:p>
-                  </a:txBody>
-                  <a:tcPr marL="75165" marR="75165" marT="37582" marB="37582"/>
-                </a:tc>
-                <a:tc>
-                  <a:txBody>
-                    <a:bodyPr/>
-                    <a:lstStyle/>
-                    <a:p>
-                      <a:endParaRPr lang="en-IL" sz="1500" dirty="0"/>
-                    </a:p>
-                  </a:txBody>
-                  <a:tcPr marL="75165" marR="75165" marT="37582" marB="37582"/>
-                </a:tc>
-                <a:extLst>
-                  <a:ext uri="{0D108BD9-81ED-4DB2-BD59-A6C34878D82A}">
-                    <a16:rowId xmlns:a16="http://schemas.microsoft.com/office/drawing/2014/main" val="936986959"/>
-                  </a:ext>
-                </a:extLst>
-              </a:tr>
-              <a:tr h="306777">
-                <a:tc>
-                  <a:txBody>
-                    <a:bodyPr/>
-                    <a:lstStyle/>
                     <a:p>
                       <a:r>
                         <a:rPr lang="en-US" sz="1500" dirty="0"/>
-                        <a:t>28/11/22</a:t>
+                        <a:t>Finish Physics based game</a:t>
                       </a:r>
                       <a:endParaRPr lang="en-IL" sz="1500" dirty="0"/>
                     </a:p>
@@ -29272,26 +34950,19 @@
                     <a:bodyPr/>
                     <a:lstStyle/>
                     <a:p>
-                      <a:endParaRPr lang="en-IL" sz="1500"/>
+                      <a:r>
+                        <a:rPr lang="en-US" sz="1500" dirty="0"/>
+                        <a:t>Intermediate CPP exercise: extend the API</a:t>
+                      </a:r>
                     </a:p>
-                  </a:txBody>
-                  <a:tcPr marL="75165" marR="75165" marT="37582" marB="37582"/>
-                </a:tc>
-                <a:tc>
-                  <a:txBody>
-                    <a:bodyPr/>
-                    <a:lstStyle/>
                     <a:p>
-                      <a:endParaRPr lang="en-IL" sz="1500" dirty="0"/>
+                      <a:endParaRPr lang="en-US" sz="1500" dirty="0"/>
                     </a:p>
-                  </a:txBody>
-                  <a:tcPr marL="75165" marR="75165" marT="37582" marB="37582"/>
-                </a:tc>
-                <a:tc>
-                  <a:txBody>
-                    <a:bodyPr/>
-                    <a:lstStyle/>
                     <a:p>
+                      <a:r>
+                        <a:rPr lang="en-US" sz="1500" dirty="0"/>
+                        <a:t>Add Mechanics to physics game</a:t>
+                      </a:r>
                       <a:endParaRPr lang="en-IL" sz="1500" dirty="0"/>
                     </a:p>
                   </a:txBody>
@@ -29299,109 +34970,7 @@
                 </a:tc>
                 <a:extLst>
                   <a:ext uri="{0D108BD9-81ED-4DB2-BD59-A6C34878D82A}">
-                    <a16:rowId xmlns:a16="http://schemas.microsoft.com/office/drawing/2014/main" val="3629272029"/>
-                  </a:ext>
-                </a:extLst>
-              </a:tr>
-              <a:tr h="306777">
-                <a:tc>
-                  <a:txBody>
-                    <a:bodyPr/>
-                    <a:lstStyle/>
-                    <a:p>
-                      <a:r>
-                        <a:rPr lang="en-US" sz="1500" dirty="0"/>
-                        <a:t>5/12/22</a:t>
-                      </a:r>
-                      <a:endParaRPr lang="en-IL" sz="1500" dirty="0"/>
-                    </a:p>
-                  </a:txBody>
-                  <a:tcPr marL="75165" marR="75165" marT="37582" marB="37582"/>
-                </a:tc>
-                <a:tc>
-                  <a:txBody>
-                    <a:bodyPr/>
-                    <a:lstStyle/>
-                    <a:p>
-                      <a:endParaRPr lang="en-IL" sz="1500"/>
-                    </a:p>
-                  </a:txBody>
-                  <a:tcPr marL="75165" marR="75165" marT="37582" marB="37582"/>
-                </a:tc>
-                <a:tc>
-                  <a:txBody>
-                    <a:bodyPr/>
-                    <a:lstStyle/>
-                    <a:p>
-                      <a:endParaRPr lang="en-IL" sz="1500" dirty="0"/>
-                    </a:p>
-                  </a:txBody>
-                  <a:tcPr marL="75165" marR="75165" marT="37582" marB="37582"/>
-                </a:tc>
-                <a:tc>
-                  <a:txBody>
-                    <a:bodyPr/>
-                    <a:lstStyle/>
-                    <a:p>
-                      <a:endParaRPr lang="en-IL" sz="1500" dirty="0"/>
-                    </a:p>
-                  </a:txBody>
-                  <a:tcPr marL="75165" marR="75165" marT="37582" marB="37582"/>
-                </a:tc>
-                <a:extLst>
-                  <a:ext uri="{0D108BD9-81ED-4DB2-BD59-A6C34878D82A}">
-                    <a16:rowId xmlns:a16="http://schemas.microsoft.com/office/drawing/2014/main" val="3356077232"/>
-                  </a:ext>
-                </a:extLst>
-              </a:tr>
-              <a:tr h="306777">
-                <a:tc>
-                  <a:txBody>
-                    <a:bodyPr/>
-                    <a:lstStyle/>
-                    <a:p>
-                      <a:r>
-                        <a:rPr lang="en-US" sz="1500" dirty="0"/>
-                        <a:t>12/12/22</a:t>
-                      </a:r>
-                      <a:endParaRPr lang="en-IL" sz="1500" dirty="0"/>
-                    </a:p>
-                  </a:txBody>
-                  <a:tcPr marL="75165" marR="75165" marT="37582" marB="37582"/>
-                </a:tc>
-                <a:tc>
-                  <a:txBody>
-                    <a:bodyPr/>
-                    <a:lstStyle/>
-                    <a:p>
-                      <a:endParaRPr lang="en-IL" sz="1500" dirty="0"/>
-                    </a:p>
-                  </a:txBody>
-                  <a:tcPr marL="75165" marR="75165" marT="37582" marB="37582"/>
-                </a:tc>
-                <a:tc>
-                  <a:txBody>
-                    <a:bodyPr/>
-                    <a:lstStyle/>
-                    <a:p>
-                      <a:endParaRPr lang="en-IL" sz="1500" dirty="0"/>
-                    </a:p>
-                  </a:txBody>
-                  <a:tcPr marL="75165" marR="75165" marT="37582" marB="37582"/>
-                </a:tc>
-                <a:tc>
-                  <a:txBody>
-                    <a:bodyPr/>
-                    <a:lstStyle/>
-                    <a:p>
-                      <a:endParaRPr lang="en-IL" sz="1500" dirty="0"/>
-                    </a:p>
-                  </a:txBody>
-                  <a:tcPr marL="75165" marR="75165" marT="37582" marB="37582"/>
-                </a:tc>
-                <a:extLst>
-                  <a:ext uri="{0D108BD9-81ED-4DB2-BD59-A6C34878D82A}">
-                    <a16:rowId xmlns:a16="http://schemas.microsoft.com/office/drawing/2014/main" val="3269130542"/>
+                    <a16:rowId xmlns:a16="http://schemas.microsoft.com/office/drawing/2014/main" val="936986959"/>
                   </a:ext>
                 </a:extLst>
               </a:tr>
@@ -29422,7 +34991,7 @@
 </p:sld>
 </file>
 
-<file path=ppt/slides/slide12.xml><?xml version="1.0" encoding="utf-8"?>
+<file path=ppt/slides/slide14.xml><?xml version="1.0" encoding="utf-8"?>
 <p:sld xmlns:a="http://schemas.openxmlformats.org/drawingml/2006/main" xmlns:r="http://schemas.openxmlformats.org/officeDocument/2006/relationships" xmlns:p="http://schemas.openxmlformats.org/presentationml/2006/main">
   <p:cSld>
     <p:spTree>
@@ -29484,14 +35053,14 @@
             <p:ph idx="1"/>
             <p:extLst>
               <p:ext uri="{D42A27DB-BD31-4B8C-83A1-F6EECF244321}">
-                <p14:modId xmlns:p14="http://schemas.microsoft.com/office/powerpoint/2010/main" val="1943443351"/>
+                <p14:modId xmlns:p14="http://schemas.microsoft.com/office/powerpoint/2010/main" val="3261782528"/>
               </p:ext>
             </p:extLst>
           </p:nvPr>
         </p:nvGraphicFramePr>
         <p:xfrm>
-          <a:off x="1261485" y="1975655"/>
-          <a:ext cx="8142864" cy="2147439"/>
+          <a:off x="1261484" y="1975655"/>
+          <a:ext cx="9355716" cy="2971705"/>
         </p:xfrm>
         <a:graphic>
           <a:graphicData uri="http://schemas.openxmlformats.org/drawingml/2006/table">
@@ -29500,21 +35069,987 @@
                 <a:tableStyleId>{5C22544A-7EE6-4342-B048-85BDC9FD1C3A}</a:tableStyleId>
               </a:tblPr>
               <a:tblGrid>
-                <a:gridCol w="2714288">
+                <a:gridCol w="1265816">
                   <a:extLst>
                     <a:ext uri="{9D8B030D-6E8A-4147-A177-3AD203B41FA5}">
                       <a16:colId xmlns:a16="http://schemas.microsoft.com/office/drawing/2014/main" val="788676069"/>
                     </a:ext>
                   </a:extLst>
                 </a:gridCol>
-                <a:gridCol w="2714288">
+                <a:gridCol w="4171950">
                   <a:extLst>
                     <a:ext uri="{9D8B030D-6E8A-4147-A177-3AD203B41FA5}">
                       <a16:colId xmlns:a16="http://schemas.microsoft.com/office/drawing/2014/main" val="270803823"/>
                     </a:ext>
                   </a:extLst>
                 </a:gridCol>
-                <a:gridCol w="2714288">
+                <a:gridCol w="3917950">
+                  <a:extLst>
+                    <a:ext uri="{9D8B030D-6E8A-4147-A177-3AD203B41FA5}">
+                      <a16:colId xmlns:a16="http://schemas.microsoft.com/office/drawing/2014/main" val="2639095873"/>
+                    </a:ext>
+                  </a:extLst>
+                </a:gridCol>
+              </a:tblGrid>
+              <a:tr h="306777">
+                <a:tc>
+                  <a:txBody>
+                    <a:bodyPr/>
+                    <a:lstStyle/>
+                    <a:p>
+                      <a:r>
+                        <a:rPr lang="en-US" sz="1500" dirty="0"/>
+                        <a:t>Date</a:t>
+                      </a:r>
+                      <a:endParaRPr lang="en-IL" sz="1500" dirty="0"/>
+                    </a:p>
+                  </a:txBody>
+                  <a:tcPr marL="75165" marR="75165" marT="37582" marB="37582"/>
+                </a:tc>
+                <a:tc>
+                  <a:txBody>
+                    <a:bodyPr/>
+                    <a:lstStyle/>
+                    <a:p>
+                      <a:r>
+                        <a:rPr lang="en-US" sz="1500" dirty="0"/>
+                        <a:t>Class Subject</a:t>
+                      </a:r>
+                      <a:endParaRPr lang="en-IL" sz="1500" dirty="0"/>
+                    </a:p>
+                  </a:txBody>
+                  <a:tcPr marL="75165" marR="75165" marT="37582" marB="37582"/>
+                </a:tc>
+                <a:tc>
+                  <a:txBody>
+                    <a:bodyPr/>
+                    <a:lstStyle/>
+                    <a:p>
+                      <a:r>
+                        <a:rPr lang="en-US" sz="1500" dirty="0"/>
+                        <a:t>Homework</a:t>
+                      </a:r>
+                      <a:endParaRPr lang="en-IL" sz="1500" dirty="0"/>
+                    </a:p>
+                  </a:txBody>
+                  <a:tcPr marL="75165" marR="75165" marT="37582" marB="37582"/>
+                </a:tc>
+                <a:extLst>
+                  <a:ext uri="{0D108BD9-81ED-4DB2-BD59-A6C34878D82A}">
+                    <a16:rowId xmlns:a16="http://schemas.microsoft.com/office/drawing/2014/main" val="3424681035"/>
+                  </a:ext>
+                </a:extLst>
+              </a:tr>
+              <a:tr h="306777">
+                <a:tc>
+                  <a:txBody>
+                    <a:bodyPr/>
+                    <a:lstStyle/>
+                    <a:p>
+                      <a:r>
+                        <a:rPr lang="en-US" sz="1500" dirty="0"/>
+                        <a:t>28/11/22</a:t>
+                      </a:r>
+                      <a:endParaRPr lang="en-IL" sz="1500" dirty="0"/>
+                    </a:p>
+                  </a:txBody>
+                  <a:tcPr marL="75165" marR="75165" marT="37582" marB="37582"/>
+                </a:tc>
+                <a:tc>
+                  <a:txBody>
+                    <a:bodyPr/>
+                    <a:lstStyle/>
+                    <a:p>
+                      <a:r>
+                        <a:rPr lang="en-US" sz="1500" dirty="0"/>
+                        <a:t>CPP Intermediate: from</a:t>
+                      </a:r>
+                    </a:p>
+                    <a:p>
+                      <a:r>
+                        <a:rPr lang="en-US" sz="1500" dirty="0"/>
+                        <a:t>Templates to ranged for loops</a:t>
+                      </a:r>
+                    </a:p>
+                    <a:p>
+                      <a:endParaRPr lang="en-US" sz="1500" dirty="0"/>
+                    </a:p>
+                    <a:p>
+                      <a:r>
+                        <a:rPr lang="en-US" sz="1500" dirty="0"/>
+                        <a:t>Start Third person game: Meta data, reflection and overlap/collision</a:t>
+                      </a:r>
+                      <a:endParaRPr lang="en-IL" sz="1500" dirty="0"/>
+                    </a:p>
+                  </a:txBody>
+                  <a:tcPr marL="75165" marR="75165" marT="37582" marB="37582"/>
+                </a:tc>
+                <a:tc>
+                  <a:txBody>
+                    <a:bodyPr/>
+                    <a:lstStyle/>
+                    <a:p>
+                      <a:r>
+                        <a:rPr lang="en-US" sz="1500" dirty="0"/>
+                        <a:t>CPP utility template class and adding and some technical leet-code questions.</a:t>
+                      </a:r>
+                    </a:p>
+                    <a:p>
+                      <a:endParaRPr lang="en-US" sz="1500" dirty="0"/>
+                    </a:p>
+                    <a:p>
+                      <a:r>
+                        <a:rPr lang="en-US" sz="1500" dirty="0"/>
+                        <a:t>Add game logic involving collision/overlap.</a:t>
+                      </a:r>
+                    </a:p>
+                  </a:txBody>
+                  <a:tcPr marL="75165" marR="75165" marT="37582" marB="37582"/>
+                </a:tc>
+                <a:extLst>
+                  <a:ext uri="{0D108BD9-81ED-4DB2-BD59-A6C34878D82A}">
+                    <a16:rowId xmlns:a16="http://schemas.microsoft.com/office/drawing/2014/main" val="3629272029"/>
+                  </a:ext>
+                </a:extLst>
+              </a:tr>
+              <a:tr h="306777">
+                <a:tc>
+                  <a:txBody>
+                    <a:bodyPr/>
+                    <a:lstStyle/>
+                    <a:p>
+                      <a:r>
+                        <a:rPr lang="en-US" sz="1500" dirty="0"/>
+                        <a:t>5/12/22</a:t>
+                      </a:r>
+                      <a:endParaRPr lang="en-IL" sz="1500" dirty="0"/>
+                    </a:p>
+                  </a:txBody>
+                  <a:tcPr marL="75165" marR="75165" marT="37582" marB="37582"/>
+                </a:tc>
+                <a:tc>
+                  <a:txBody>
+                    <a:bodyPr/>
+                    <a:lstStyle/>
+                    <a:p>
+                      <a:r>
+                        <a:rPr lang="en-US" sz="1500" dirty="0"/>
+                        <a:t>CPP intermediate: STL.</a:t>
+                      </a:r>
+                    </a:p>
+                    <a:p>
+                      <a:endParaRPr lang="en-US" sz="1500" dirty="0"/>
+                    </a:p>
+                    <a:p>
+                      <a:r>
+                        <a:rPr lang="en-US" sz="1500" dirty="0"/>
+                        <a:t>Actor communication, BP &amp; CPP interop.</a:t>
+                      </a:r>
+                    </a:p>
+                    <a:p>
+                      <a:endParaRPr lang="en-IL" sz="1500" dirty="0"/>
+                    </a:p>
+                  </a:txBody>
+                  <a:tcPr marL="75165" marR="75165" marT="37582" marB="37582"/>
+                </a:tc>
+                <a:tc>
+                  <a:txBody>
+                    <a:bodyPr/>
+                    <a:lstStyle/>
+                    <a:p>
+                      <a:r>
+                        <a:rPr lang="en-US" sz="1500" dirty="0"/>
+                        <a:t>CPP questions for utilizing STL data structures.</a:t>
+                      </a:r>
+                    </a:p>
+                    <a:p>
+                      <a:endParaRPr lang="en-US" sz="1500" dirty="0"/>
+                    </a:p>
+                    <a:p>
+                      <a:r>
+                        <a:rPr lang="en-US" sz="1500" dirty="0"/>
+                        <a:t>Add game logic involving Actor communication and CPP to BP.</a:t>
+                      </a:r>
+                      <a:endParaRPr lang="en-IL" sz="1500" dirty="0"/>
+                    </a:p>
+                  </a:txBody>
+                  <a:tcPr marL="75165" marR="75165" marT="37582" marB="37582"/>
+                </a:tc>
+                <a:extLst>
+                  <a:ext uri="{0D108BD9-81ED-4DB2-BD59-A6C34878D82A}">
+                    <a16:rowId xmlns:a16="http://schemas.microsoft.com/office/drawing/2014/main" val="3356077232"/>
+                  </a:ext>
+                </a:extLst>
+              </a:tr>
+            </a:tbl>
+          </a:graphicData>
+        </a:graphic>
+      </p:graphicFrame>
+    </p:spTree>
+    <p:extLst>
+      <p:ext uri="{BB962C8B-B14F-4D97-AF65-F5344CB8AC3E}">
+        <p14:creationId xmlns:p14="http://schemas.microsoft.com/office/powerpoint/2010/main" val="614769507"/>
+      </p:ext>
+    </p:extLst>
+  </p:cSld>
+  <p:clrMapOvr>
+    <a:masterClrMapping/>
+  </p:clrMapOvr>
+</p:sld>
+</file>
+
+<file path=ppt/slides/slide15.xml><?xml version="1.0" encoding="utf-8"?>
+<p:sld xmlns:a="http://schemas.openxmlformats.org/drawingml/2006/main" xmlns:r="http://schemas.openxmlformats.org/officeDocument/2006/relationships" xmlns:p="http://schemas.openxmlformats.org/presentationml/2006/main">
+  <p:cSld>
+    <p:spTree>
+      <p:nvGrpSpPr>
+        <p:cNvPr id="1" name=""/>
+        <p:cNvGrpSpPr/>
+        <p:nvPr/>
+      </p:nvGrpSpPr>
+      <p:grpSpPr>
+        <a:xfrm>
+          <a:off x="0" y="0"/>
+          <a:ext cx="0" cy="0"/>
+          <a:chOff x="0" y="0"/>
+          <a:chExt cx="0" cy="0"/>
+        </a:xfrm>
+      </p:grpSpPr>
+      <p:sp>
+        <p:nvSpPr>
+          <p:cNvPr id="2" name="Title 1">
+            <a:extLst>
+              <a:ext uri="{FF2B5EF4-FFF2-40B4-BE49-F238E27FC236}">
+                <a16:creationId xmlns:a16="http://schemas.microsoft.com/office/drawing/2014/main" id="{DDBE22EE-E5C7-10CD-2383-06036A0A7FD7}"/>
+              </a:ext>
+            </a:extLst>
+          </p:cNvPr>
+          <p:cNvSpPr>
+            <a:spLocks noGrp="1"/>
+          </p:cNvSpPr>
+          <p:nvPr>
+            <p:ph type="title"/>
+          </p:nvPr>
+        </p:nvSpPr>
+        <p:spPr/>
+        <p:txBody>
+          <a:bodyPr/>
+          <a:lstStyle/>
+          <a:p>
+            <a:r>
+              <a:rPr lang="en-US" dirty="0"/>
+              <a:t>Course Schedule</a:t>
+            </a:r>
+            <a:endParaRPr lang="en-IL" dirty="0"/>
+          </a:p>
+        </p:txBody>
+      </p:sp>
+      <p:graphicFrame>
+        <p:nvGraphicFramePr>
+          <p:cNvPr id="4" name="Table 4">
+            <a:extLst>
+              <a:ext uri="{FF2B5EF4-FFF2-40B4-BE49-F238E27FC236}">
+                <a16:creationId xmlns:a16="http://schemas.microsoft.com/office/drawing/2014/main" id="{4A7125CA-BEED-6C11-9153-F4C97E3355D6}"/>
+              </a:ext>
+            </a:extLst>
+          </p:cNvPr>
+          <p:cNvGraphicFramePr>
+            <a:graphicFrameLocks noGrp="1"/>
+          </p:cNvGraphicFramePr>
+          <p:nvPr>
+            <p:ph idx="1"/>
+            <p:extLst>
+              <p:ext uri="{D42A27DB-BD31-4B8C-83A1-F6EECF244321}">
+                <p14:modId xmlns:p14="http://schemas.microsoft.com/office/powerpoint/2010/main" val="3964093797"/>
+              </p:ext>
+            </p:extLst>
+          </p:nvPr>
+        </p:nvGraphicFramePr>
+        <p:xfrm>
+          <a:off x="1261484" y="1975655"/>
+          <a:ext cx="9260466" cy="2971705"/>
+        </p:xfrm>
+        <a:graphic>
+          <a:graphicData uri="http://schemas.openxmlformats.org/drawingml/2006/table">
+            <a:tbl>
+              <a:tblPr firstRow="1" bandRow="1">
+                <a:tableStyleId>{5C22544A-7EE6-4342-B048-85BDC9FD1C3A}</a:tableStyleId>
+              </a:tblPr>
+              <a:tblGrid>
+                <a:gridCol w="1303916">
+                  <a:extLst>
+                    <a:ext uri="{9D8B030D-6E8A-4147-A177-3AD203B41FA5}">
+                      <a16:colId xmlns:a16="http://schemas.microsoft.com/office/drawing/2014/main" val="788676069"/>
+                    </a:ext>
+                  </a:extLst>
+                </a:gridCol>
+                <a:gridCol w="4869728">
+                  <a:extLst>
+                    <a:ext uri="{9D8B030D-6E8A-4147-A177-3AD203B41FA5}">
+                      <a16:colId xmlns:a16="http://schemas.microsoft.com/office/drawing/2014/main" val="270803823"/>
+                    </a:ext>
+                  </a:extLst>
+                </a:gridCol>
+                <a:gridCol w="3086822">
+                  <a:extLst>
+                    <a:ext uri="{9D8B030D-6E8A-4147-A177-3AD203B41FA5}">
+                      <a16:colId xmlns:a16="http://schemas.microsoft.com/office/drawing/2014/main" val="2639095873"/>
+                    </a:ext>
+                  </a:extLst>
+                </a:gridCol>
+              </a:tblGrid>
+              <a:tr h="306777">
+                <a:tc>
+                  <a:txBody>
+                    <a:bodyPr/>
+                    <a:lstStyle/>
+                    <a:p>
+                      <a:r>
+                        <a:rPr lang="en-US" sz="1500" dirty="0"/>
+                        <a:t>Date</a:t>
+                      </a:r>
+                      <a:endParaRPr lang="en-IL" sz="1500" dirty="0"/>
+                    </a:p>
+                  </a:txBody>
+                  <a:tcPr marL="75165" marR="75165" marT="37582" marB="37582"/>
+                </a:tc>
+                <a:tc>
+                  <a:txBody>
+                    <a:bodyPr/>
+                    <a:lstStyle/>
+                    <a:p>
+                      <a:r>
+                        <a:rPr lang="en-US" sz="1500" dirty="0"/>
+                        <a:t>Class Subject</a:t>
+                      </a:r>
+                      <a:endParaRPr lang="en-IL" sz="1500" dirty="0"/>
+                    </a:p>
+                  </a:txBody>
+                  <a:tcPr marL="75165" marR="75165" marT="37582" marB="37582"/>
+                </a:tc>
+                <a:tc>
+                  <a:txBody>
+                    <a:bodyPr/>
+                    <a:lstStyle/>
+                    <a:p>
+                      <a:r>
+                        <a:rPr lang="en-US" sz="1500" dirty="0"/>
+                        <a:t>Homework</a:t>
+                      </a:r>
+                      <a:endParaRPr lang="en-IL" sz="1500" dirty="0"/>
+                    </a:p>
+                  </a:txBody>
+                  <a:tcPr marL="75165" marR="75165" marT="37582" marB="37582"/>
+                </a:tc>
+                <a:extLst>
+                  <a:ext uri="{0D108BD9-81ED-4DB2-BD59-A6C34878D82A}">
+                    <a16:rowId xmlns:a16="http://schemas.microsoft.com/office/drawing/2014/main" val="3424681035"/>
+                  </a:ext>
+                </a:extLst>
+              </a:tr>
+              <a:tr h="306777">
+                <a:tc>
+                  <a:txBody>
+                    <a:bodyPr/>
+                    <a:lstStyle/>
+                    <a:p>
+                      <a:r>
+                        <a:rPr lang="en-US" sz="1500" dirty="0"/>
+                        <a:t>12/12/22</a:t>
+                      </a:r>
+                      <a:endParaRPr lang="en-IL" sz="1500" dirty="0"/>
+                    </a:p>
+                  </a:txBody>
+                  <a:tcPr marL="75165" marR="75165" marT="37582" marB="37582"/>
+                </a:tc>
+                <a:tc>
+                  <a:txBody>
+                    <a:bodyPr/>
+                    <a:lstStyle/>
+                    <a:p>
+                      <a:r>
+                        <a:rPr lang="en-US" sz="1500" dirty="0"/>
+                        <a:t>CPP</a:t>
+                      </a:r>
+                      <a:r>
+                        <a:rPr lang="en-US" sz="1500" baseline="0" dirty="0"/>
+                        <a:t> Intermediate:</a:t>
+                      </a:r>
+                    </a:p>
+                    <a:p>
+                      <a:r>
+                        <a:rPr lang="en-US" sz="1500" baseline="0" dirty="0"/>
+                        <a:t>Compilation, Linkage and build systems.</a:t>
+                      </a:r>
+                    </a:p>
+                    <a:p>
+                      <a:endParaRPr lang="en-US" sz="1500" baseline="0" dirty="0"/>
+                    </a:p>
+                    <a:p>
+                      <a:r>
+                        <a:rPr lang="en-US" sz="1500" baseline="0" dirty="0"/>
+                        <a:t>Third Person game:</a:t>
+                      </a:r>
+                    </a:p>
+                    <a:p>
+                      <a:r>
+                        <a:rPr lang="en-US" sz="1500" baseline="0" dirty="0"/>
+                        <a:t>Basic AI Enemies</a:t>
+                      </a:r>
+                    </a:p>
+                    <a:p>
+                      <a:r>
+                        <a:rPr lang="en-US" sz="1500" dirty="0"/>
+                        <a:t>Strategy pattern.</a:t>
+                      </a:r>
+                      <a:endParaRPr lang="en-IL" sz="1500" dirty="0"/>
+                    </a:p>
+                  </a:txBody>
+                  <a:tcPr marL="75165" marR="75165" marT="37582" marB="37582"/>
+                </a:tc>
+                <a:tc>
+                  <a:txBody>
+                    <a:bodyPr/>
+                    <a:lstStyle/>
+                    <a:p>
+                      <a:r>
+                        <a:rPr lang="en-US" sz="1500" dirty="0"/>
+                        <a:t>Create a static and dynamic library projects and using them in a simple CPP app.</a:t>
+                      </a:r>
+                    </a:p>
+                    <a:p>
+                      <a:endParaRPr lang="en-US" sz="1500" dirty="0"/>
+                    </a:p>
+                    <a:p>
+                      <a:r>
+                        <a:rPr lang="en-US" sz="1500" dirty="0"/>
+                        <a:t>Add Two more types of enemies.</a:t>
+                      </a:r>
+                      <a:endParaRPr lang="en-IL" sz="1500" dirty="0"/>
+                    </a:p>
+                  </a:txBody>
+                  <a:tcPr marL="75165" marR="75165" marT="37582" marB="37582"/>
+                </a:tc>
+                <a:extLst>
+                  <a:ext uri="{0D108BD9-81ED-4DB2-BD59-A6C34878D82A}">
+                    <a16:rowId xmlns:a16="http://schemas.microsoft.com/office/drawing/2014/main" val="3269130542"/>
+                  </a:ext>
+                </a:extLst>
+              </a:tr>
+              <a:tr h="306777">
+                <a:tc>
+                  <a:txBody>
+                    <a:bodyPr/>
+                    <a:lstStyle/>
+                    <a:p>
+                      <a:r>
+                        <a:rPr lang="en-US" sz="1500" dirty="0"/>
+                        <a:t>19/12/22</a:t>
+                      </a:r>
+                      <a:endParaRPr lang="en-IL" sz="1500" dirty="0"/>
+                    </a:p>
+                  </a:txBody>
+                  <a:tcPr marL="75165" marR="75165" marT="37582" marB="37582"/>
+                </a:tc>
+                <a:tc>
+                  <a:txBody>
+                    <a:bodyPr/>
+                    <a:lstStyle/>
+                    <a:p>
+                      <a:r>
+                        <a:rPr lang="en-US" sz="1500" dirty="0"/>
+                        <a:t>CPP </a:t>
+                      </a:r>
+                      <a:r>
+                        <a:rPr lang="en-US" sz="1500" baseline="0" dirty="0"/>
+                        <a:t>Intermediate</a:t>
+                      </a:r>
+                      <a:r>
+                        <a:rPr lang="en-US" sz="1500" dirty="0"/>
+                        <a:t>: File handling (text, XML/JSON, binary).</a:t>
+                      </a:r>
+                    </a:p>
+                    <a:p>
+                      <a:endParaRPr lang="en-US" sz="1500" dirty="0"/>
+                    </a:p>
+                    <a:p>
+                      <a:r>
+                        <a:rPr lang="en-US" sz="1500" dirty="0"/>
+                        <a:t>Finish Third Person game:</a:t>
+                      </a:r>
+                    </a:p>
+                    <a:p>
+                      <a:r>
+                        <a:rPr lang="en-US" sz="1500" dirty="0"/>
+                        <a:t>UMG and HUD Class.</a:t>
+                      </a:r>
+                      <a:endParaRPr lang="en-IL" sz="1500" dirty="0"/>
+                    </a:p>
+                  </a:txBody>
+                  <a:tcPr marL="75165" marR="75165" marT="37582" marB="37582"/>
+                </a:tc>
+                <a:tc>
+                  <a:txBody>
+                    <a:bodyPr/>
+                    <a:lstStyle/>
+                    <a:p>
+                      <a:r>
+                        <a:rPr lang="en-US" sz="1500" dirty="0"/>
+                        <a:t>Create a simple game that handles files.</a:t>
+                      </a:r>
+                    </a:p>
+                    <a:p>
+                      <a:endParaRPr lang="en-US" sz="1500" dirty="0"/>
+                    </a:p>
+                    <a:p>
+                      <a:r>
+                        <a:rPr lang="en-US" sz="1500" dirty="0"/>
+                        <a:t>Create a HUD with score and a health bar.</a:t>
+                      </a:r>
+                      <a:endParaRPr lang="en-IL" sz="1500" dirty="0"/>
+                    </a:p>
+                  </a:txBody>
+                  <a:tcPr marL="75165" marR="75165" marT="37582" marB="37582"/>
+                </a:tc>
+                <a:extLst>
+                  <a:ext uri="{0D108BD9-81ED-4DB2-BD59-A6C34878D82A}">
+                    <a16:rowId xmlns:a16="http://schemas.microsoft.com/office/drawing/2014/main" val="3958701966"/>
+                  </a:ext>
+                </a:extLst>
+              </a:tr>
+            </a:tbl>
+          </a:graphicData>
+        </a:graphic>
+      </p:graphicFrame>
+    </p:spTree>
+    <p:extLst>
+      <p:ext uri="{BB962C8B-B14F-4D97-AF65-F5344CB8AC3E}">
+        <p14:creationId xmlns:p14="http://schemas.microsoft.com/office/powerpoint/2010/main" val="3474296303"/>
+      </p:ext>
+    </p:extLst>
+  </p:cSld>
+  <p:clrMapOvr>
+    <a:masterClrMapping/>
+  </p:clrMapOvr>
+</p:sld>
+</file>
+
+<file path=ppt/slides/slide16.xml><?xml version="1.0" encoding="utf-8"?>
+<p:sld xmlns:a="http://schemas.openxmlformats.org/drawingml/2006/main" xmlns:r="http://schemas.openxmlformats.org/officeDocument/2006/relationships" xmlns:p="http://schemas.openxmlformats.org/presentationml/2006/main">
+  <p:cSld>
+    <p:spTree>
+      <p:nvGrpSpPr>
+        <p:cNvPr id="1" name=""/>
+        <p:cNvGrpSpPr/>
+        <p:nvPr/>
+      </p:nvGrpSpPr>
+      <p:grpSpPr>
+        <a:xfrm>
+          <a:off x="0" y="0"/>
+          <a:ext cx="0" cy="0"/>
+          <a:chOff x="0" y="0"/>
+          <a:chExt cx="0" cy="0"/>
+        </a:xfrm>
+      </p:grpSpPr>
+      <p:sp>
+        <p:nvSpPr>
+          <p:cNvPr id="2" name="Title 1">
+            <a:extLst>
+              <a:ext uri="{FF2B5EF4-FFF2-40B4-BE49-F238E27FC236}">
+                <a16:creationId xmlns:a16="http://schemas.microsoft.com/office/drawing/2014/main" id="{DDBE22EE-E5C7-10CD-2383-06036A0A7FD7}"/>
+              </a:ext>
+            </a:extLst>
+          </p:cNvPr>
+          <p:cNvSpPr>
+            <a:spLocks noGrp="1"/>
+          </p:cNvSpPr>
+          <p:nvPr>
+            <p:ph type="title"/>
+          </p:nvPr>
+        </p:nvSpPr>
+        <p:spPr/>
+        <p:txBody>
+          <a:bodyPr/>
+          <a:lstStyle/>
+          <a:p>
+            <a:r>
+              <a:rPr lang="en-US" dirty="0"/>
+              <a:t>Course Schedule</a:t>
+            </a:r>
+            <a:endParaRPr lang="en-IL" dirty="0"/>
+          </a:p>
+        </p:txBody>
+      </p:sp>
+      <p:graphicFrame>
+        <p:nvGraphicFramePr>
+          <p:cNvPr id="4" name="Table 4">
+            <a:extLst>
+              <a:ext uri="{FF2B5EF4-FFF2-40B4-BE49-F238E27FC236}">
+                <a16:creationId xmlns:a16="http://schemas.microsoft.com/office/drawing/2014/main" id="{4A7125CA-BEED-6C11-9153-F4C97E3355D6}"/>
+              </a:ext>
+            </a:extLst>
+          </p:cNvPr>
+          <p:cNvGraphicFramePr>
+            <a:graphicFrameLocks noGrp="1"/>
+          </p:cNvGraphicFramePr>
+          <p:nvPr>
+            <p:ph idx="1"/>
+            <p:extLst>
+              <p:ext uri="{D42A27DB-BD31-4B8C-83A1-F6EECF244321}">
+                <p14:modId xmlns:p14="http://schemas.microsoft.com/office/powerpoint/2010/main" val="1386145799"/>
+              </p:ext>
+            </p:extLst>
+          </p:nvPr>
+        </p:nvGraphicFramePr>
+        <p:xfrm>
+          <a:off x="1261484" y="1975655"/>
+          <a:ext cx="9774814" cy="3886105"/>
+        </p:xfrm>
+        <a:graphic>
+          <a:graphicData uri="http://schemas.openxmlformats.org/drawingml/2006/table">
+            <a:tbl>
+              <a:tblPr firstRow="1" bandRow="1">
+                <a:tableStyleId>{5C22544A-7EE6-4342-B048-85BDC9FD1C3A}</a:tableStyleId>
+              </a:tblPr>
+              <a:tblGrid>
+                <a:gridCol w="1446282">
+                  <a:extLst>
+                    <a:ext uri="{9D8B030D-6E8A-4147-A177-3AD203B41FA5}">
+                      <a16:colId xmlns:a16="http://schemas.microsoft.com/office/drawing/2014/main" val="788676069"/>
+                    </a:ext>
+                  </a:extLst>
+                </a:gridCol>
+                <a:gridCol w="3552314">
+                  <a:extLst>
+                    <a:ext uri="{9D8B030D-6E8A-4147-A177-3AD203B41FA5}">
+                      <a16:colId xmlns:a16="http://schemas.microsoft.com/office/drawing/2014/main" val="270803823"/>
+                    </a:ext>
+                  </a:extLst>
+                </a:gridCol>
+                <a:gridCol w="4776218">
+                  <a:extLst>
+                    <a:ext uri="{9D8B030D-6E8A-4147-A177-3AD203B41FA5}">
+                      <a16:colId xmlns:a16="http://schemas.microsoft.com/office/drawing/2014/main" val="1970795678"/>
+                    </a:ext>
+                  </a:extLst>
+                </a:gridCol>
+              </a:tblGrid>
+              <a:tr h="306777">
+                <a:tc>
+                  <a:txBody>
+                    <a:bodyPr/>
+                    <a:lstStyle/>
+                    <a:p>
+                      <a:r>
+                        <a:rPr lang="en-US" sz="1500" dirty="0"/>
+                        <a:t>Date</a:t>
+                      </a:r>
+                      <a:endParaRPr lang="en-IL" sz="1500" dirty="0"/>
+                    </a:p>
+                  </a:txBody>
+                  <a:tcPr marL="75165" marR="75165" marT="37582" marB="37582"/>
+                </a:tc>
+                <a:tc>
+                  <a:txBody>
+                    <a:bodyPr/>
+                    <a:lstStyle/>
+                    <a:p>
+                      <a:r>
+                        <a:rPr lang="en-US" sz="1500" dirty="0"/>
+                        <a:t>Class Subject</a:t>
+                      </a:r>
+                      <a:endParaRPr lang="en-IL" sz="1500" dirty="0"/>
+                    </a:p>
+                  </a:txBody>
+                  <a:tcPr marL="75165" marR="75165" marT="37582" marB="37582"/>
+                </a:tc>
+                <a:tc>
+                  <a:txBody>
+                    <a:bodyPr/>
+                    <a:lstStyle/>
+                    <a:p>
+                      <a:r>
+                        <a:rPr lang="en-US" sz="1500" dirty="0"/>
+                        <a:t>Homework</a:t>
+                      </a:r>
+                      <a:endParaRPr lang="en-IL" sz="1500" dirty="0"/>
+                    </a:p>
+                  </a:txBody>
+                  <a:tcPr marL="75165" marR="75165" marT="37582" marB="37582"/>
+                </a:tc>
+                <a:extLst>
+                  <a:ext uri="{0D108BD9-81ED-4DB2-BD59-A6C34878D82A}">
+                    <a16:rowId xmlns:a16="http://schemas.microsoft.com/office/drawing/2014/main" val="3424681035"/>
+                  </a:ext>
+                </a:extLst>
+              </a:tr>
+              <a:tr h="306777">
+                <a:tc>
+                  <a:txBody>
+                    <a:bodyPr/>
+                    <a:lstStyle/>
+                    <a:p>
+                      <a:r>
+                        <a:rPr lang="en-US" sz="1500" dirty="0"/>
+                        <a:t>26/12/22</a:t>
+                      </a:r>
+                      <a:endParaRPr lang="en-IL" sz="1500" dirty="0"/>
+                    </a:p>
+                  </a:txBody>
+                  <a:tcPr marL="75165" marR="75165" marT="37582" marB="37582"/>
+                </a:tc>
+                <a:tc>
+                  <a:txBody>
+                    <a:bodyPr/>
+                    <a:lstStyle/>
+                    <a:p>
+                      <a:r>
+                        <a:rPr lang="en-US" sz="1500" dirty="0"/>
+                        <a:t>CPP Advanced:</a:t>
+                      </a:r>
+                    </a:p>
+                    <a:p>
+                      <a:r>
+                        <a:rPr lang="en-US" sz="1500" dirty="0"/>
+                        <a:t>Operator overloading, Rule of 6/0.</a:t>
+                      </a:r>
+                    </a:p>
+                    <a:p>
+                      <a:endParaRPr lang="en-US" sz="1500" dirty="0"/>
+                    </a:p>
+                    <a:p>
+                      <a:r>
+                        <a:rPr lang="en-US" sz="1500" dirty="0"/>
+                        <a:t>Start FPS game (from template): Brief on UE Gameplay framework and data structures .</a:t>
+                      </a:r>
+                    </a:p>
+                    <a:p>
+                      <a:r>
+                        <a:rPr lang="en-US" sz="1500" dirty="0"/>
+                        <a:t>Actor Components.</a:t>
+                      </a:r>
+                      <a:endParaRPr lang="en-IL" sz="1500" dirty="0"/>
+                    </a:p>
+                  </a:txBody>
+                  <a:tcPr marL="75165" marR="75165" marT="37582" marB="37582"/>
+                </a:tc>
+                <a:tc>
+                  <a:txBody>
+                    <a:bodyPr/>
+                    <a:lstStyle/>
+                    <a:p>
+                      <a:r>
+                        <a:rPr lang="en-US" sz="1500" dirty="0"/>
+                        <a:t>Implement a class with:</a:t>
+                      </a:r>
+                    </a:p>
+                    <a:p>
+                      <a:r>
+                        <a:rPr lang="en-US" sz="1500" dirty="0"/>
+                        <a:t>Constructor, destructor, copy constructor, move constructor, assignment operator and move assignment operator.</a:t>
+                      </a:r>
+                    </a:p>
+                    <a:p>
+                      <a:endParaRPr lang="en-US" sz="1500" dirty="0"/>
+                    </a:p>
+                    <a:p>
+                      <a:r>
+                        <a:rPr lang="en-US" sz="1500" dirty="0"/>
+                        <a:t>FPS game: Add 2 more elements to the game implemented as Actor Components (pick-ups and quest targets).</a:t>
+                      </a:r>
+                    </a:p>
+                    <a:p>
+                      <a:endParaRPr lang="en-US" sz="1500" dirty="0"/>
+                    </a:p>
+                    <a:p>
+                      <a:endParaRPr lang="en-IL" sz="1500" dirty="0"/>
+                    </a:p>
+                  </a:txBody>
+                  <a:tcPr marL="75165" marR="75165" marT="37582" marB="37582"/>
+                </a:tc>
+                <a:extLst>
+                  <a:ext uri="{0D108BD9-81ED-4DB2-BD59-A6C34878D82A}">
+                    <a16:rowId xmlns:a16="http://schemas.microsoft.com/office/drawing/2014/main" val="468404393"/>
+                  </a:ext>
+                </a:extLst>
+              </a:tr>
+              <a:tr h="306777">
+                <a:tc>
+                  <a:txBody>
+                    <a:bodyPr/>
+                    <a:lstStyle/>
+                    <a:p>
+                      <a:r>
+                        <a:rPr lang="en-US" sz="1500" dirty="0"/>
+                        <a:t>2/1/23</a:t>
+                      </a:r>
+                      <a:endParaRPr lang="en-IL" sz="1500" dirty="0"/>
+                    </a:p>
+                  </a:txBody>
+                  <a:tcPr marL="75165" marR="75165" marT="37582" marB="37582"/>
+                </a:tc>
+                <a:tc>
+                  <a:txBody>
+                    <a:bodyPr/>
+                    <a:lstStyle/>
+                    <a:p>
+                      <a:r>
+                        <a:rPr lang="en-US" sz="1500" dirty="0"/>
+                        <a:t>CPP Advanced: Smart pointers</a:t>
+                      </a:r>
+                    </a:p>
+                    <a:p>
+                      <a:endParaRPr lang="en-US" sz="1500" dirty="0"/>
+                    </a:p>
+                    <a:p>
+                      <a:r>
+                        <a:rPr lang="en-US" sz="1500" dirty="0"/>
+                        <a:t>Finish FPS Game: VFX, Animation and Audio.</a:t>
+                      </a:r>
+                      <a:endParaRPr lang="en-IL" sz="1500" dirty="0"/>
+                    </a:p>
+                  </a:txBody>
+                  <a:tcPr marL="75165" marR="75165" marT="37582" marB="37582"/>
+                </a:tc>
+                <a:tc>
+                  <a:txBody>
+                    <a:bodyPr/>
+                    <a:lstStyle/>
+                    <a:p>
+                      <a:r>
+                        <a:rPr lang="en-US" sz="1500" dirty="0"/>
+                        <a:t>Implement a class that utilizes smart pointers.</a:t>
+                      </a:r>
+                    </a:p>
+                    <a:p>
+                      <a:endParaRPr lang="en-US" sz="1500" dirty="0"/>
+                    </a:p>
+                    <a:p>
+                      <a:r>
+                        <a:rPr lang="en-US" sz="1500" dirty="0"/>
+                        <a:t>Follow Android setup guide and install and test all required features – build one of the templates for Android to an actual Android device.</a:t>
+                      </a:r>
+                      <a:endParaRPr lang="en-IL" sz="1500" dirty="0"/>
+                    </a:p>
+                  </a:txBody>
+                  <a:tcPr marL="75165" marR="75165" marT="37582" marB="37582"/>
+                </a:tc>
+                <a:extLst>
+                  <a:ext uri="{0D108BD9-81ED-4DB2-BD59-A6C34878D82A}">
+                    <a16:rowId xmlns:a16="http://schemas.microsoft.com/office/drawing/2014/main" val="3944233299"/>
+                  </a:ext>
+                </a:extLst>
+              </a:tr>
+            </a:tbl>
+          </a:graphicData>
+        </a:graphic>
+      </p:graphicFrame>
+    </p:spTree>
+    <p:extLst>
+      <p:ext uri="{BB962C8B-B14F-4D97-AF65-F5344CB8AC3E}">
+        <p14:creationId xmlns:p14="http://schemas.microsoft.com/office/powerpoint/2010/main" val="4244076177"/>
+      </p:ext>
+    </p:extLst>
+  </p:cSld>
+  <p:clrMapOvr>
+    <a:masterClrMapping/>
+  </p:clrMapOvr>
+</p:sld>
+</file>
+
+<file path=ppt/slides/slide17.xml><?xml version="1.0" encoding="utf-8"?>
+<p:sld xmlns:a="http://schemas.openxmlformats.org/drawingml/2006/main" xmlns:r="http://schemas.openxmlformats.org/officeDocument/2006/relationships" xmlns:p="http://schemas.openxmlformats.org/presentationml/2006/main">
+  <p:cSld>
+    <p:spTree>
+      <p:nvGrpSpPr>
+        <p:cNvPr id="1" name=""/>
+        <p:cNvGrpSpPr/>
+        <p:nvPr/>
+      </p:nvGrpSpPr>
+      <p:grpSpPr>
+        <a:xfrm>
+          <a:off x="0" y="0"/>
+          <a:ext cx="0" cy="0"/>
+          <a:chOff x="0" y="0"/>
+          <a:chExt cx="0" cy="0"/>
+        </a:xfrm>
+      </p:grpSpPr>
+      <p:sp>
+        <p:nvSpPr>
+          <p:cNvPr id="2" name="Title 1">
+            <a:extLst>
+              <a:ext uri="{FF2B5EF4-FFF2-40B4-BE49-F238E27FC236}">
+                <a16:creationId xmlns:a16="http://schemas.microsoft.com/office/drawing/2014/main" id="{DDBE22EE-E5C7-10CD-2383-06036A0A7FD7}"/>
+              </a:ext>
+            </a:extLst>
+          </p:cNvPr>
+          <p:cNvSpPr>
+            <a:spLocks noGrp="1"/>
+          </p:cNvSpPr>
+          <p:nvPr>
+            <p:ph type="title"/>
+          </p:nvPr>
+        </p:nvSpPr>
+        <p:spPr/>
+        <p:txBody>
+          <a:bodyPr/>
+          <a:lstStyle/>
+          <a:p>
+            <a:r>
+              <a:rPr lang="en-US" dirty="0"/>
+              <a:t>Course Schedule</a:t>
+            </a:r>
+            <a:endParaRPr lang="en-IL" dirty="0"/>
+          </a:p>
+        </p:txBody>
+      </p:sp>
+      <p:graphicFrame>
+        <p:nvGraphicFramePr>
+          <p:cNvPr id="4" name="Table 4">
+            <a:extLst>
+              <a:ext uri="{FF2B5EF4-FFF2-40B4-BE49-F238E27FC236}">
+                <a16:creationId xmlns:a16="http://schemas.microsoft.com/office/drawing/2014/main" id="{4A7125CA-BEED-6C11-9153-F4C97E3355D6}"/>
+              </a:ext>
+            </a:extLst>
+          </p:cNvPr>
+          <p:cNvGraphicFramePr>
+            <a:graphicFrameLocks noGrp="1"/>
+          </p:cNvGraphicFramePr>
+          <p:nvPr>
+            <p:ph idx="1"/>
+            <p:extLst>
+              <p:ext uri="{D42A27DB-BD31-4B8C-83A1-F6EECF244321}">
+                <p14:modId xmlns:p14="http://schemas.microsoft.com/office/powerpoint/2010/main" val="729765828"/>
+              </p:ext>
+            </p:extLst>
+          </p:nvPr>
+        </p:nvGraphicFramePr>
+        <p:xfrm>
+          <a:off x="1261484" y="1975655"/>
+          <a:ext cx="9895464" cy="4039446"/>
+        </p:xfrm>
+        <a:graphic>
+          <a:graphicData uri="http://schemas.openxmlformats.org/drawingml/2006/table">
+            <a:tbl>
+              <a:tblPr firstRow="1" bandRow="1">
+                <a:tableStyleId>{5C22544A-7EE6-4342-B048-85BDC9FD1C3A}</a:tableStyleId>
+              </a:tblPr>
+              <a:tblGrid>
+                <a:gridCol w="1291216">
+                  <a:extLst>
+                    <a:ext uri="{9D8B030D-6E8A-4147-A177-3AD203B41FA5}">
+                      <a16:colId xmlns:a16="http://schemas.microsoft.com/office/drawing/2014/main" val="788676069"/>
+                    </a:ext>
+                  </a:extLst>
+                </a:gridCol>
+                <a:gridCol w="4375150">
+                  <a:extLst>
+                    <a:ext uri="{9D8B030D-6E8A-4147-A177-3AD203B41FA5}">
+                      <a16:colId xmlns:a16="http://schemas.microsoft.com/office/drawing/2014/main" val="270803823"/>
+                    </a:ext>
+                  </a:extLst>
+                </a:gridCol>
+                <a:gridCol w="4229098">
                   <a:extLst>
                     <a:ext uri="{9D8B030D-6E8A-4147-A177-3AD203B41FA5}">
                       <a16:colId xmlns:a16="http://schemas.microsoft.com/office/drawing/2014/main" val="1744146072"/>
@@ -29558,7 +36093,7 @@
                     <a:p>
                       <a:r>
                         <a:rPr lang="en-US" sz="1500" dirty="0"/>
-                        <a:t>Comments</a:t>
+                        <a:t>Homework</a:t>
                       </a:r>
                       <a:endParaRPr lang="en-IL" sz="1500" dirty="0"/>
                     </a:p>
@@ -29579,7 +36114,7 @@
                     <a:p>
                       <a:r>
                         <a:rPr lang="en-US" sz="1500" dirty="0"/>
-                        <a:t>19/12/22</a:t>
+                        <a:t>9/1/23</a:t>
                       </a:r>
                       <a:endParaRPr lang="en-IL" sz="1500" dirty="0"/>
                     </a:p>
@@ -29591,36 +36126,30 @@
                     <a:bodyPr/>
                     <a:lstStyle/>
                     <a:p>
-                      <a:endParaRPr lang="en-IL" sz="1500"/>
+                      <a:r>
+                        <a:rPr lang="en-US" sz="1500" dirty="0"/>
+                        <a:t>CPP Advanced: Concurrency and parallelism.</a:t>
+                      </a:r>
                     </a:p>
-                  </a:txBody>
-                  <a:tcPr marL="75165" marR="75165" marT="37582" marB="37582"/>
-                </a:tc>
-                <a:tc>
-                  <a:txBody>
-                    <a:bodyPr/>
-                    <a:lstStyle/>
                     <a:p>
-                      <a:endParaRPr lang="en-IL" sz="1500" dirty="0"/>
+                      <a:endParaRPr lang="en-US" sz="1500" dirty="0"/>
                     </a:p>
-                  </a:txBody>
-                  <a:tcPr marL="75165" marR="75165" marT="37582" marB="37582"/>
-                </a:tc>
-                <a:extLst>
-                  <a:ext uri="{0D108BD9-81ED-4DB2-BD59-A6C34878D82A}">
-                    <a16:rowId xmlns:a16="http://schemas.microsoft.com/office/drawing/2014/main" val="4101745339"/>
-                  </a:ext>
-                </a:extLst>
-              </a:tr>
-              <a:tr h="306777">
-                <a:tc>
-                  <a:txBody>
-                    <a:bodyPr/>
-                    <a:lstStyle/>
                     <a:p>
                       <a:r>
                         <a:rPr lang="en-US" sz="1500" dirty="0"/>
-                        <a:t>26/12/22</a:t>
+                        <a:t>Start 2D Space shooter:</a:t>
+                      </a:r>
+                    </a:p>
+                    <a:p>
+                      <a:r>
+                        <a:rPr lang="en-US" sz="1500" dirty="0"/>
+                        <a:t>Touch input</a:t>
+                      </a:r>
+                    </a:p>
+                    <a:p>
+                      <a:r>
+                        <a:rPr lang="en-US" sz="1500" dirty="0"/>
+                        <a:t>Player movement and shooting.</a:t>
                       </a:r>
                       <a:endParaRPr lang="en-IL" sz="1500" dirty="0"/>
                     </a:p>
@@ -29632,99 +36161,20 @@
                     <a:bodyPr/>
                     <a:lstStyle/>
                     <a:p>
-                      <a:endParaRPr lang="en-IL" sz="1500"/>
+                      <a:r>
+                        <a:rPr lang="en-US" sz="1500" dirty="0"/>
+                        <a:t>Implement a function that converts a frame buffer from RGB to BGR using Concurrency.</a:t>
+                      </a:r>
                     </a:p>
-                  </a:txBody>
-                  <a:tcPr marL="75165" marR="75165" marT="37582" marB="37582"/>
-                </a:tc>
-                <a:tc>
-                  <a:txBody>
-                    <a:bodyPr/>
-                    <a:lstStyle/>
                     <a:p>
-                      <a:endParaRPr lang="en-IL" sz="1500"/>
+                      <a:endParaRPr lang="en-US" sz="1500" dirty="0"/>
                     </a:p>
-                  </a:txBody>
-                  <a:tcPr marL="75165" marR="75165" marT="37582" marB="37582"/>
-                </a:tc>
-                <a:extLst>
-                  <a:ext uri="{0D108BD9-81ED-4DB2-BD59-A6C34878D82A}">
-                    <a16:rowId xmlns:a16="http://schemas.microsoft.com/office/drawing/2014/main" val="468404393"/>
-                  </a:ext>
-                </a:extLst>
-              </a:tr>
-              <a:tr h="306777">
-                <a:tc>
-                  <a:txBody>
-                    <a:bodyPr/>
-                    <a:lstStyle/>
                     <a:p>
                       <a:r>
                         <a:rPr lang="en-US" sz="1500" dirty="0"/>
-                        <a:t>2/1/22</a:t>
+                        <a:t>Add 2 types of pickups to the 2D game.</a:t>
                       </a:r>
                       <a:endParaRPr lang="en-IL" sz="1500" dirty="0"/>
-                    </a:p>
-                  </a:txBody>
-                  <a:tcPr marL="75165" marR="75165" marT="37582" marB="37582"/>
-                </a:tc>
-                <a:tc>
-                  <a:txBody>
-                    <a:bodyPr/>
-                    <a:lstStyle/>
-                    <a:p>
-                      <a:endParaRPr lang="en-IL" sz="1500"/>
-                    </a:p>
-                  </a:txBody>
-                  <a:tcPr marL="75165" marR="75165" marT="37582" marB="37582"/>
-                </a:tc>
-                <a:tc>
-                  <a:txBody>
-                    <a:bodyPr/>
-                    <a:lstStyle/>
-                    <a:p>
-                      <a:endParaRPr lang="en-IL" sz="1500"/>
-                    </a:p>
-                  </a:txBody>
-                  <a:tcPr marL="75165" marR="75165" marT="37582" marB="37582"/>
-                </a:tc>
-                <a:extLst>
-                  <a:ext uri="{0D108BD9-81ED-4DB2-BD59-A6C34878D82A}">
-                    <a16:rowId xmlns:a16="http://schemas.microsoft.com/office/drawing/2014/main" val="3944233299"/>
-                  </a:ext>
-                </a:extLst>
-              </a:tr>
-              <a:tr h="306777">
-                <a:tc>
-                  <a:txBody>
-                    <a:bodyPr/>
-                    <a:lstStyle/>
-                    <a:p>
-                      <a:r>
-                        <a:rPr lang="en-US" sz="1500" dirty="0"/>
-                        <a:t>9/1/22</a:t>
-                      </a:r>
-                      <a:endParaRPr lang="en-IL" sz="1500" dirty="0"/>
-                    </a:p>
-                  </a:txBody>
-                  <a:tcPr marL="75165" marR="75165" marT="37582" marB="37582"/>
-                </a:tc>
-                <a:tc>
-                  <a:txBody>
-                    <a:bodyPr/>
-                    <a:lstStyle/>
-                    <a:p>
-                      <a:endParaRPr lang="en-IL" sz="1500"/>
-                    </a:p>
-                  </a:txBody>
-                  <a:tcPr marL="75165" marR="75165" marT="37582" marB="37582"/>
-                </a:tc>
-                <a:tc>
-                  <a:txBody>
-                    <a:bodyPr/>
-                    <a:lstStyle/>
-                    <a:p>
-                      <a:endParaRPr lang="en-IL" sz="1500"/>
                     </a:p>
                   </a:txBody>
                   <a:tcPr marL="75165" marR="75165" marT="37582" marB="37582"/>
@@ -29743,7 +36193,7 @@
                     <a:p>
                       <a:r>
                         <a:rPr lang="en-US" sz="1500" dirty="0"/>
-                        <a:t>16/1/22</a:t>
+                        <a:t>16/1/23</a:t>
                       </a:r>
                       <a:endParaRPr lang="en-IL" sz="1500" dirty="0"/>
                     </a:p>
@@ -29755,7 +36205,35 @@
                     <a:bodyPr/>
                     <a:lstStyle/>
                     <a:p>
-                      <a:endParaRPr lang="en-IL" sz="1500"/>
+                      <a:r>
+                        <a:rPr lang="en-US" sz="1500" dirty="0"/>
+                        <a:t>CPP Advanced: Lambdas, Functors and function pointers.</a:t>
+                      </a:r>
+                    </a:p>
+                    <a:p>
+                      <a:endParaRPr lang="en-US" sz="1500" dirty="0"/>
+                    </a:p>
+                    <a:p>
+                      <a:pPr rtl="0"/>
+                      <a:r>
+                        <a:rPr lang="en-US" sz="1500" dirty="0"/>
+                        <a:t>Finish 2D Game:</a:t>
+                      </a:r>
+                    </a:p>
+                    <a:p>
+                      <a:pPr rtl="0"/>
+                      <a:r>
+                        <a:rPr lang="en-US" sz="1500" dirty="0"/>
+                        <a:t>Observer pattern</a:t>
+                      </a:r>
+                    </a:p>
+                    <a:p>
+                      <a:pPr rtl="0"/>
+                      <a:r>
+                        <a:rPr lang="en-US" sz="1500" dirty="0"/>
+                        <a:t>Enemies and HUD</a:t>
+                      </a:r>
+                      <a:endParaRPr lang="en-IL" sz="1500" dirty="0"/>
                     </a:p>
                   </a:txBody>
                   <a:tcPr marL="75165" marR="75165" marT="37582" marB="37582"/>
@@ -29765,6 +36243,19 @@
                     <a:bodyPr/>
                     <a:lstStyle/>
                     <a:p>
+                      <a:r>
+                        <a:rPr lang="en-US" sz="1500" dirty="0"/>
+                        <a:t>Write a simple app that uses Lambdas, Functors, and function pointers.</a:t>
+                      </a:r>
+                    </a:p>
+                    <a:p>
+                      <a:endParaRPr lang="en-US" sz="1500" dirty="0"/>
+                    </a:p>
+                    <a:p>
+                      <a:r>
+                        <a:rPr lang="en-US" sz="1500" dirty="0"/>
+                        <a:t>Implement 2 different events in the game using the observer pattern.</a:t>
+                      </a:r>
                       <a:endParaRPr lang="en-IL" sz="1500" dirty="0"/>
                     </a:p>
                   </a:txBody>
@@ -29784,7 +36275,7 @@
                     <a:p>
                       <a:r>
                         <a:rPr lang="en-US" sz="1500" dirty="0"/>
-                        <a:t>23/1/22</a:t>
+                        <a:t>23/1/23</a:t>
                       </a:r>
                       <a:endParaRPr lang="en-IL" sz="1500" dirty="0"/>
                     </a:p>
@@ -29798,7 +36289,62 @@
                     <a:p>
                       <a:r>
                         <a:rPr lang="en-US" sz="1500" dirty="0"/>
-                        <a:t>Final project submission</a:t>
+                        <a:t>Profiling and optimization.</a:t>
+                      </a:r>
+                    </a:p>
+                    <a:p>
+                      <a:r>
+                        <a:rPr lang="en-US" sz="1500" dirty="0"/>
+                        <a:t>Bonus content.</a:t>
+                      </a:r>
+                      <a:endParaRPr lang="en-IL" sz="1500" dirty="0"/>
+                    </a:p>
+                  </a:txBody>
+                  <a:tcPr marL="75165" marR="75165" marT="37582" marB="37582"/>
+                </a:tc>
+                <a:tc>
+                  <a:txBody>
+                    <a:bodyPr/>
+                    <a:lstStyle/>
+                    <a:p>
+                      <a:r>
+                        <a:rPr lang="en-US" sz="1500" dirty="0"/>
+                        <a:t>Final Project</a:t>
+                      </a:r>
+                      <a:endParaRPr lang="en-IL" sz="1500" dirty="0"/>
+                    </a:p>
+                  </a:txBody>
+                  <a:tcPr marL="75165" marR="75165" marT="37582" marB="37582"/>
+                </a:tc>
+                <a:extLst>
+                  <a:ext uri="{0D108BD9-81ED-4DB2-BD59-A6C34878D82A}">
+                    <a16:rowId xmlns:a16="http://schemas.microsoft.com/office/drawing/2014/main" val="832271123"/>
+                  </a:ext>
+                </a:extLst>
+              </a:tr>
+              <a:tr h="306777">
+                <a:tc>
+                  <a:txBody>
+                    <a:bodyPr/>
+                    <a:lstStyle/>
+                    <a:p>
+                      <a:r>
+                        <a:rPr lang="en-US" sz="1500" dirty="0"/>
+                        <a:t>13/2/23</a:t>
+                      </a:r>
+                      <a:endParaRPr lang="en-IL" sz="1500" dirty="0"/>
+                    </a:p>
+                  </a:txBody>
+                  <a:tcPr marL="75165" marR="75165" marT="37582" marB="37582"/>
+                </a:tc>
+                <a:tc>
+                  <a:txBody>
+                    <a:bodyPr/>
+                    <a:lstStyle/>
+                    <a:p>
+                      <a:r>
+                        <a:rPr lang="en-US" sz="1500" dirty="0"/>
+                        <a:t>Final Project submission</a:t>
                       </a:r>
                       <a:endParaRPr lang="en-IL" sz="1500" dirty="0"/>
                     </a:p>
@@ -29817,7 +36363,7 @@
                 </a:tc>
                 <a:extLst>
                   <a:ext uri="{0D108BD9-81ED-4DB2-BD59-A6C34878D82A}">
-                    <a16:rowId xmlns:a16="http://schemas.microsoft.com/office/drawing/2014/main" val="832271123"/>
+                    <a16:rowId xmlns:a16="http://schemas.microsoft.com/office/drawing/2014/main" val="3185418725"/>
                   </a:ext>
                 </a:extLst>
               </a:tr>
@@ -29828,7 +36374,7 @@
     </p:spTree>
     <p:extLst>
       <p:ext uri="{BB962C8B-B14F-4D97-AF65-F5344CB8AC3E}">
-        <p14:creationId xmlns:p14="http://schemas.microsoft.com/office/powerpoint/2010/main" val="4244076177"/>
+        <p14:creationId xmlns:p14="http://schemas.microsoft.com/office/powerpoint/2010/main" val="3017201812"/>
       </p:ext>
     </p:extLst>
   </p:cSld>
@@ -29838,7 +36384,7 @@
 </p:sld>
 </file>
 
-<file path=ppt/slides/slide13.xml><?xml version="1.0" encoding="utf-8"?>
+<file path=ppt/slides/slide18.xml><?xml version="1.0" encoding="utf-8"?>
 <p:sld xmlns:a="http://schemas.openxmlformats.org/drawingml/2006/main" xmlns:r="http://schemas.openxmlformats.org/officeDocument/2006/relationships" xmlns:p="http://schemas.openxmlformats.org/presentationml/2006/main">
   <p:cSld>
     <p:spTree>
@@ -29857,10 +36403,10 @@
       </p:grpSpPr>
       <p:sp>
         <p:nvSpPr>
-          <p:cNvPr id="2" name="Title 1">
+          <p:cNvPr id="4" name="Title 3">
             <a:extLst>
               <a:ext uri="{FF2B5EF4-FFF2-40B4-BE49-F238E27FC236}">
-                <a16:creationId xmlns:a16="http://schemas.microsoft.com/office/drawing/2014/main" id="{DDBE22EE-E5C7-10CD-2383-06036A0A7FD7}"/>
+                <a16:creationId xmlns:a16="http://schemas.microsoft.com/office/drawing/2014/main" id="{DE158B18-003D-F785-3EEA-A998CCD38587}"/>
               </a:ext>
             </a:extLst>
           </p:cNvPr>
@@ -29868,7 +36414,7 @@
             <a:spLocks noGrp="1"/>
           </p:cNvSpPr>
           <p:nvPr>
-            <p:ph type="title"/>
+            <p:ph type="ctrTitle"/>
           </p:nvPr>
         </p:nvSpPr>
         <p:spPr/>
@@ -29876,16 +36422,20 @@
           <a:bodyPr/>
           <a:lstStyle/>
           <a:p>
-            <a:endParaRPr lang="en-IL"/>
+            <a:r>
+              <a:rPr lang="en-US" dirty="0"/>
+              <a:t>Thank you!</a:t>
+            </a:r>
+            <a:endParaRPr lang="en-IL" dirty="0"/>
           </a:p>
         </p:txBody>
       </p:sp>
       <p:sp>
         <p:nvSpPr>
-          <p:cNvPr id="3" name="Content Placeholder 2">
+          <p:cNvPr id="5" name="Subtitle 4">
             <a:extLst>
               <a:ext uri="{FF2B5EF4-FFF2-40B4-BE49-F238E27FC236}">
-                <a16:creationId xmlns:a16="http://schemas.microsoft.com/office/drawing/2014/main" id="{76AF0FF1-4E1E-4712-4C2B-4D60BE83D894}"/>
+                <a16:creationId xmlns:a16="http://schemas.microsoft.com/office/drawing/2014/main" id="{493EE98E-9015-E0E3-EDF4-C92F752E6B14}"/>
               </a:ext>
             </a:extLst>
           </p:cNvPr>
@@ -29893,7 +36443,7 @@
             <a:spLocks noGrp="1"/>
           </p:cNvSpPr>
           <p:nvPr>
-            <p:ph idx="1"/>
+            <p:ph type="subTitle" idx="1"/>
           </p:nvPr>
         </p:nvSpPr>
         <p:spPr/>
@@ -29901,7 +36451,11 @@
           <a:bodyPr/>
           <a:lstStyle/>
           <a:p>
-            <a:endParaRPr lang="en-IL"/>
+            <a:r>
+              <a:rPr lang="en-US" dirty="0"/>
+              <a:t>Best of luck!</a:t>
+            </a:r>
+            <a:endParaRPr lang="en-IL" dirty="0"/>
           </a:p>
         </p:txBody>
       </p:sp>
@@ -30166,10 +36720,10 @@
           <a:lstStyle/>
           <a:p>
             <a:r>
-              <a:rPr lang="en-US" sz="3200"/>
+              <a:rPr lang="en-US" sz="3200" dirty="0"/>
               <a:t>Course subjects</a:t>
             </a:r>
-            <a:endParaRPr lang="en-IL" sz="3200"/>
+            <a:endParaRPr lang="en-IL" sz="3200" dirty="0"/>
           </a:p>
         </p:txBody>
       </p:sp>
@@ -30189,7 +36743,7 @@
             <p:ph idx="1"/>
             <p:extLst>
               <p:ext uri="{D42A27DB-BD31-4B8C-83A1-F6EECF244321}">
-                <p14:modId xmlns:p14="http://schemas.microsoft.com/office/powerpoint/2010/main" val="2853818406"/>
+                <p14:modId xmlns:p14="http://schemas.microsoft.com/office/powerpoint/2010/main" val="2617588547"/>
               </p:ext>
             </p:extLst>
           </p:nvPr>
@@ -30263,10 +36817,10 @@
           <a:lstStyle/>
           <a:p>
             <a:r>
-              <a:rPr lang="en-US" sz="3200"/>
+              <a:rPr lang="en-US" sz="3200" dirty="0"/>
               <a:t>Course subjects</a:t>
             </a:r>
-            <a:endParaRPr lang="en-IL" sz="3200"/>
+            <a:endParaRPr lang="en-IL" sz="3200" dirty="0"/>
           </a:p>
         </p:txBody>
       </p:sp>
@@ -30554,10 +37108,10 @@
           <a:lstStyle/>
           <a:p>
             <a:r>
-              <a:rPr lang="en-US" sz="3200"/>
+              <a:rPr lang="en-US" sz="3200" dirty="0"/>
               <a:t>Course subjects</a:t>
             </a:r>
-            <a:endParaRPr lang="en-IL" sz="3200"/>
+            <a:endParaRPr lang="en-IL" sz="3200" dirty="0"/>
           </a:p>
         </p:txBody>
       </p:sp>
@@ -30577,7 +37131,7 @@
             <p:ph idx="1"/>
             <p:extLst>
               <p:ext uri="{D42A27DB-BD31-4B8C-83A1-F6EECF244321}">
-                <p14:modId xmlns:p14="http://schemas.microsoft.com/office/powerpoint/2010/main" val="2537558348"/>
+                <p14:modId xmlns:p14="http://schemas.microsoft.com/office/powerpoint/2010/main" val="3814149835"/>
               </p:ext>
             </p:extLst>
           </p:nvPr>
@@ -30674,7 +37228,7 @@
             <p:ph idx="1"/>
             <p:extLst>
               <p:ext uri="{D42A27DB-BD31-4B8C-83A1-F6EECF244321}">
-                <p14:modId xmlns:p14="http://schemas.microsoft.com/office/powerpoint/2010/main" val="2030216998"/>
+                <p14:modId xmlns:p14="http://schemas.microsoft.com/office/powerpoint/2010/main" val="3413201664"/>
               </p:ext>
             </p:extLst>
           </p:nvPr>
@@ -30771,7 +37325,7 @@
             <p:ph idx="1"/>
             <p:extLst>
               <p:ext uri="{D42A27DB-BD31-4B8C-83A1-F6EECF244321}">
-                <p14:modId xmlns:p14="http://schemas.microsoft.com/office/powerpoint/2010/main" val="3811397578"/>
+                <p14:modId xmlns:p14="http://schemas.microsoft.com/office/powerpoint/2010/main" val="3262789805"/>
               </p:ext>
             </p:extLst>
           </p:nvPr>
@@ -31067,4 +37621,299 @@
     </a:ext>
   </a:extLst>
 </a:theme>
+</file>
+
+<file path=ppt/theme/theme2.xml><?xml version="1.0" encoding="utf-8"?>
+<a:theme xmlns:a="http://schemas.openxmlformats.org/drawingml/2006/main" name="Office Theme">
+  <a:themeElements>
+    <a:clrScheme name="Office">
+      <a:dk1>
+        <a:sysClr val="windowText" lastClr="000000"/>
+      </a:dk1>
+      <a:lt1>
+        <a:sysClr val="window" lastClr="FFFFFF"/>
+      </a:lt1>
+      <a:dk2>
+        <a:srgbClr val="44546A"/>
+      </a:dk2>
+      <a:lt2>
+        <a:srgbClr val="E7E6E6"/>
+      </a:lt2>
+      <a:accent1>
+        <a:srgbClr val="4472C4"/>
+      </a:accent1>
+      <a:accent2>
+        <a:srgbClr val="ED7D31"/>
+      </a:accent2>
+      <a:accent3>
+        <a:srgbClr val="A5A5A5"/>
+      </a:accent3>
+      <a:accent4>
+        <a:srgbClr val="FFC000"/>
+      </a:accent4>
+      <a:accent5>
+        <a:srgbClr val="5B9BD5"/>
+      </a:accent5>
+      <a:accent6>
+        <a:srgbClr val="70AD47"/>
+      </a:accent6>
+      <a:hlink>
+        <a:srgbClr val="0563C1"/>
+      </a:hlink>
+      <a:folHlink>
+        <a:srgbClr val="954F72"/>
+      </a:folHlink>
+    </a:clrScheme>
+    <a:fontScheme name="Office">
+      <a:majorFont>
+        <a:latin typeface="Calibri Light" panose="020F0302020204030204"/>
+        <a:ea typeface=""/>
+        <a:cs typeface=""/>
+        <a:font script="Jpan" typeface="游ゴシック Light"/>
+        <a:font script="Hang" typeface="맑은 고딕"/>
+        <a:font script="Hans" typeface="等线 Light"/>
+        <a:font script="Hant" typeface="新細明體"/>
+        <a:font script="Arab" typeface="Times New Roman"/>
+        <a:font script="Hebr" typeface="Times New Roman"/>
+        <a:font script="Thai" typeface="Angsana New"/>
+        <a:font script="Ethi" typeface="Nyala"/>
+        <a:font script="Beng" typeface="Vrinda"/>
+        <a:font script="Gujr" typeface="Shruti"/>
+        <a:font script="Khmr" typeface="MoolBoran"/>
+        <a:font script="Knda" typeface="Tunga"/>
+        <a:font script="Guru" typeface="Raavi"/>
+        <a:font script="Cans" typeface="Euphemia"/>
+        <a:font script="Cher" typeface="Plantagenet Cherokee"/>
+        <a:font script="Yiii" typeface="Microsoft Yi Baiti"/>
+        <a:font script="Tibt" typeface="Microsoft Himalaya"/>
+        <a:font script="Thaa" typeface="MV Boli"/>
+        <a:font script="Deva" typeface="Mangal"/>
+        <a:font script="Telu" typeface="Gautami"/>
+        <a:font script="Taml" typeface="Latha"/>
+        <a:font script="Syrc" typeface="Estrangelo Edessa"/>
+        <a:font script="Orya" typeface="Kalinga"/>
+        <a:font script="Mlym" typeface="Kartika"/>
+        <a:font script="Laoo" typeface="DokChampa"/>
+        <a:font script="Sinh" typeface="Iskoola Pota"/>
+        <a:font script="Mong" typeface="Mongolian Baiti"/>
+        <a:font script="Viet" typeface="Times New Roman"/>
+        <a:font script="Uigh" typeface="Microsoft Uighur"/>
+        <a:font script="Geor" typeface="Sylfaen"/>
+        <a:font script="Armn" typeface="Arial"/>
+        <a:font script="Bugi" typeface="Leelawadee UI"/>
+        <a:font script="Bopo" typeface="Microsoft JhengHei"/>
+        <a:font script="Java" typeface="Javanese Text"/>
+        <a:font script="Lisu" typeface="Segoe UI"/>
+        <a:font script="Mymr" typeface="Myanmar Text"/>
+        <a:font script="Nkoo" typeface="Ebrima"/>
+        <a:font script="Olck" typeface="Nirmala UI"/>
+        <a:font script="Osma" typeface="Ebrima"/>
+        <a:font script="Phag" typeface="Phagspa"/>
+        <a:font script="Syrn" typeface="Estrangelo Edessa"/>
+        <a:font script="Syrj" typeface="Estrangelo Edessa"/>
+        <a:font script="Syre" typeface="Estrangelo Edessa"/>
+        <a:font script="Sora" typeface="Nirmala UI"/>
+        <a:font script="Tale" typeface="Microsoft Tai Le"/>
+        <a:font script="Talu" typeface="Microsoft New Tai Lue"/>
+        <a:font script="Tfng" typeface="Ebrima"/>
+      </a:majorFont>
+      <a:minorFont>
+        <a:latin typeface="Calibri" panose="020F0502020204030204"/>
+        <a:ea typeface=""/>
+        <a:cs typeface=""/>
+        <a:font script="Jpan" typeface="游ゴシック"/>
+        <a:font script="Hang" typeface="맑은 고딕"/>
+        <a:font script="Hans" typeface="等线"/>
+        <a:font script="Hant" typeface="新細明體"/>
+        <a:font script="Arab" typeface="Arial"/>
+        <a:font script="Hebr" typeface="Arial"/>
+        <a:font script="Thai" typeface="Cordia New"/>
+        <a:font script="Ethi" typeface="Nyala"/>
+        <a:font script="Beng" typeface="Vrinda"/>
+        <a:font script="Gujr" typeface="Shruti"/>
+        <a:font script="Khmr" typeface="DaunPenh"/>
+        <a:font script="Knda" typeface="Tunga"/>
+        <a:font script="Guru" typeface="Raavi"/>
+        <a:font script="Cans" typeface="Euphemia"/>
+        <a:font script="Cher" typeface="Plantagenet Cherokee"/>
+        <a:font script="Yiii" typeface="Microsoft Yi Baiti"/>
+        <a:font script="Tibt" typeface="Microsoft Himalaya"/>
+        <a:font script="Thaa" typeface="MV Boli"/>
+        <a:font script="Deva" typeface="Mangal"/>
+        <a:font script="Telu" typeface="Gautami"/>
+        <a:font script="Taml" typeface="Latha"/>
+        <a:font script="Syrc" typeface="Estrangelo Edessa"/>
+        <a:font script="Orya" typeface="Kalinga"/>
+        <a:font script="Mlym" typeface="Kartika"/>
+        <a:font script="Laoo" typeface="DokChampa"/>
+        <a:font script="Sinh" typeface="Iskoola Pota"/>
+        <a:font script="Mong" typeface="Mongolian Baiti"/>
+        <a:font script="Viet" typeface="Arial"/>
+        <a:font script="Uigh" typeface="Microsoft Uighur"/>
+        <a:font script="Geor" typeface="Sylfaen"/>
+        <a:font script="Armn" typeface="Arial"/>
+        <a:font script="Bugi" typeface="Leelawadee UI"/>
+        <a:font script="Bopo" typeface="Microsoft JhengHei"/>
+        <a:font script="Java" typeface="Javanese Text"/>
+        <a:font script="Lisu" typeface="Segoe UI"/>
+        <a:font script="Mymr" typeface="Myanmar Text"/>
+        <a:font script="Nkoo" typeface="Ebrima"/>
+        <a:font script="Olck" typeface="Nirmala UI"/>
+        <a:font script="Osma" typeface="Ebrima"/>
+        <a:font script="Phag" typeface="Phagspa"/>
+        <a:font script="Syrn" typeface="Estrangelo Edessa"/>
+        <a:font script="Syrj" typeface="Estrangelo Edessa"/>
+        <a:font script="Syre" typeface="Estrangelo Edessa"/>
+        <a:font script="Sora" typeface="Nirmala UI"/>
+        <a:font script="Tale" typeface="Microsoft Tai Le"/>
+        <a:font script="Talu" typeface="Microsoft New Tai Lue"/>
+        <a:font script="Tfng" typeface="Ebrima"/>
+      </a:minorFont>
+    </a:fontScheme>
+    <a:fmtScheme name="Office">
+      <a:fillStyleLst>
+        <a:solidFill>
+          <a:schemeClr val="phClr"/>
+        </a:solidFill>
+        <a:gradFill rotWithShape="1">
+          <a:gsLst>
+            <a:gs pos="0">
+              <a:schemeClr val="phClr">
+                <a:lumMod val="110000"/>
+                <a:satMod val="105000"/>
+                <a:tint val="67000"/>
+              </a:schemeClr>
+            </a:gs>
+            <a:gs pos="50000">
+              <a:schemeClr val="phClr">
+                <a:lumMod val="105000"/>
+                <a:satMod val="103000"/>
+                <a:tint val="73000"/>
+              </a:schemeClr>
+            </a:gs>
+            <a:gs pos="100000">
+              <a:schemeClr val="phClr">
+                <a:lumMod val="105000"/>
+                <a:satMod val="109000"/>
+                <a:tint val="81000"/>
+              </a:schemeClr>
+            </a:gs>
+          </a:gsLst>
+          <a:lin ang="5400000" scaled="0"/>
+        </a:gradFill>
+        <a:gradFill rotWithShape="1">
+          <a:gsLst>
+            <a:gs pos="0">
+              <a:schemeClr val="phClr">
+                <a:satMod val="103000"/>
+                <a:lumMod val="102000"/>
+                <a:tint val="94000"/>
+              </a:schemeClr>
+            </a:gs>
+            <a:gs pos="50000">
+              <a:schemeClr val="phClr">
+                <a:satMod val="110000"/>
+                <a:lumMod val="100000"/>
+                <a:shade val="100000"/>
+              </a:schemeClr>
+            </a:gs>
+            <a:gs pos="100000">
+              <a:schemeClr val="phClr">
+                <a:lumMod val="99000"/>
+                <a:satMod val="120000"/>
+                <a:shade val="78000"/>
+              </a:schemeClr>
+            </a:gs>
+          </a:gsLst>
+          <a:lin ang="5400000" scaled="0"/>
+        </a:gradFill>
+      </a:fillStyleLst>
+      <a:lnStyleLst>
+        <a:ln w="6350" cap="flat" cmpd="sng" algn="ctr">
+          <a:solidFill>
+            <a:schemeClr val="phClr"/>
+          </a:solidFill>
+          <a:prstDash val="solid"/>
+          <a:miter lim="800000"/>
+        </a:ln>
+        <a:ln w="12700" cap="flat" cmpd="sng" algn="ctr">
+          <a:solidFill>
+            <a:schemeClr val="phClr"/>
+          </a:solidFill>
+          <a:prstDash val="solid"/>
+          <a:miter lim="800000"/>
+        </a:ln>
+        <a:ln w="19050" cap="flat" cmpd="sng" algn="ctr">
+          <a:solidFill>
+            <a:schemeClr val="phClr"/>
+          </a:solidFill>
+          <a:prstDash val="solid"/>
+          <a:miter lim="800000"/>
+        </a:ln>
+      </a:lnStyleLst>
+      <a:effectStyleLst>
+        <a:effectStyle>
+          <a:effectLst/>
+        </a:effectStyle>
+        <a:effectStyle>
+          <a:effectLst/>
+        </a:effectStyle>
+        <a:effectStyle>
+          <a:effectLst>
+            <a:outerShdw blurRad="57150" dist="19050" dir="5400000" algn="ctr" rotWithShape="0">
+              <a:srgbClr val="000000">
+                <a:alpha val="63000"/>
+              </a:srgbClr>
+            </a:outerShdw>
+          </a:effectLst>
+        </a:effectStyle>
+      </a:effectStyleLst>
+      <a:bgFillStyleLst>
+        <a:solidFill>
+          <a:schemeClr val="phClr"/>
+        </a:solidFill>
+        <a:solidFill>
+          <a:schemeClr val="phClr">
+            <a:tint val="95000"/>
+            <a:satMod val="170000"/>
+          </a:schemeClr>
+        </a:solidFill>
+        <a:gradFill rotWithShape="1">
+          <a:gsLst>
+            <a:gs pos="0">
+              <a:schemeClr val="phClr">
+                <a:tint val="93000"/>
+                <a:satMod val="150000"/>
+                <a:shade val="98000"/>
+                <a:lumMod val="102000"/>
+              </a:schemeClr>
+            </a:gs>
+            <a:gs pos="50000">
+              <a:schemeClr val="phClr">
+                <a:tint val="98000"/>
+                <a:satMod val="130000"/>
+                <a:shade val="90000"/>
+                <a:lumMod val="103000"/>
+              </a:schemeClr>
+            </a:gs>
+            <a:gs pos="100000">
+              <a:schemeClr val="phClr">
+                <a:shade val="63000"/>
+                <a:satMod val="120000"/>
+              </a:schemeClr>
+            </a:gs>
+          </a:gsLst>
+          <a:lin ang="5400000" scaled="0"/>
+        </a:gradFill>
+      </a:bgFillStyleLst>
+    </a:fmtScheme>
+  </a:themeElements>
+  <a:objectDefaults/>
+  <a:extraClrSchemeLst/>
+  <a:extLst>
+    <a:ext uri="{05A4C25C-085E-4340-85A3-A5531E510DB2}">
+      <thm15:themeFamily xmlns:thm15="http://schemas.microsoft.com/office/thememl/2012/main" name="Office Theme" id="{62F939B6-93AF-4DB8-9C6B-D6C7DFDC589F}" vid="{4A3C46E8-61CC-4603-A589-7422A47A8E4A}"/>
+    </a:ext>
+  </a:extLst>
+</a:theme>
 </file>